--- a/slides/02-data-collection.pptx
+++ b/slides/02-data-collection.pptx
@@ -5,7 +5,7 @@
     <p:sldMasterId id="2147483672" r:id="rId1"/>
   </p:sldMasterIdLst>
   <p:notesMasterIdLst>
-    <p:notesMasterId r:id="rId56"/>
+    <p:notesMasterId r:id="rId60"/>
   </p:notesMasterIdLst>
   <p:sldIdLst>
     <p:sldId id="256" r:id="rId2"/>
@@ -48,20 +48,24 @@
     <p:sldId id="290" r:id="rId39"/>
     <p:sldId id="335" r:id="rId40"/>
     <p:sldId id="282" r:id="rId41"/>
-    <p:sldId id="341" r:id="rId42"/>
-    <p:sldId id="342" r:id="rId43"/>
-    <p:sldId id="283" r:id="rId44"/>
-    <p:sldId id="294" r:id="rId45"/>
-    <p:sldId id="299" r:id="rId46"/>
-    <p:sldId id="344" r:id="rId47"/>
-    <p:sldId id="343" r:id="rId48"/>
-    <p:sldId id="345" r:id="rId49"/>
-    <p:sldId id="300" r:id="rId50"/>
-    <p:sldId id="347" r:id="rId51"/>
-    <p:sldId id="302" r:id="rId52"/>
-    <p:sldId id="303" r:id="rId53"/>
-    <p:sldId id="306" r:id="rId54"/>
-    <p:sldId id="348" r:id="rId55"/>
+    <p:sldId id="350" r:id="rId42"/>
+    <p:sldId id="349" r:id="rId43"/>
+    <p:sldId id="341" r:id="rId44"/>
+    <p:sldId id="351" r:id="rId45"/>
+    <p:sldId id="342" r:id="rId46"/>
+    <p:sldId id="352" r:id="rId47"/>
+    <p:sldId id="283" r:id="rId48"/>
+    <p:sldId id="294" r:id="rId49"/>
+    <p:sldId id="299" r:id="rId50"/>
+    <p:sldId id="344" r:id="rId51"/>
+    <p:sldId id="343" r:id="rId52"/>
+    <p:sldId id="345" r:id="rId53"/>
+    <p:sldId id="300" r:id="rId54"/>
+    <p:sldId id="347" r:id="rId55"/>
+    <p:sldId id="302" r:id="rId56"/>
+    <p:sldId id="303" r:id="rId57"/>
+    <p:sldId id="306" r:id="rId58"/>
+    <p:sldId id="348" r:id="rId59"/>
   </p:sldIdLst>
   <p:sldSz cx="12192000" cy="6858000"/>
   <p:notesSz cx="6858000" cy="9144000"/>
@@ -250,7 +254,7 @@
           <a:p>
             <a:fld id="{2DA3ADC8-0AFD-F647-904F-5290280CD8F0}" type="datetimeFigureOut">
               <a:rPr lang="en-US" smtClean="0"/>
-              <a:t>8/21/23</a:t>
+              <a:t>9/5/23</a:t>
             </a:fld>
             <a:endParaRPr lang="en-US"/>
           </a:p>
@@ -4280,14 +4284,14 @@
               </a:spcAft>
               <a:buNone/>
             </a:pPr>
-            <a:endParaRPr/>
+            <a:endParaRPr dirty="0"/>
           </a:p>
         </p:txBody>
       </p:sp>
     </p:spTree>
     <p:extLst>
       <p:ext uri="{BB962C8B-B14F-4D97-AF65-F5344CB8AC3E}">
-        <p14:creationId xmlns:p14="http://schemas.microsoft.com/office/powerpoint/2010/main" val="1056269270"/>
+        <p14:creationId xmlns:p14="http://schemas.microsoft.com/office/powerpoint/2010/main" val="3702832997"/>
       </p:ext>
     </p:extLst>
   </p:cSld>
@@ -4389,14 +4393,14 @@
               </a:spcAft>
               <a:buNone/>
             </a:pPr>
-            <a:endParaRPr/>
+            <a:endParaRPr dirty="0"/>
           </a:p>
         </p:txBody>
       </p:sp>
     </p:spTree>
     <p:extLst>
       <p:ext uri="{BB962C8B-B14F-4D97-AF65-F5344CB8AC3E}">
-        <p14:creationId xmlns:p14="http://schemas.microsoft.com/office/powerpoint/2010/main" val="3999245599"/>
+        <p14:creationId xmlns:p14="http://schemas.microsoft.com/office/powerpoint/2010/main" val="2445620012"/>
       </p:ext>
     </p:extLst>
   </p:cSld>
@@ -4411,7 +4415,7 @@
   <p:cSld>
     <p:spTree>
       <p:nvGrpSpPr>
-        <p:cNvPr id="1" name="Shape 212"/>
+        <p:cNvPr id="1" name="Shape 206"/>
         <p:cNvGrpSpPr/>
         <p:nvPr/>
       </p:nvGrpSpPr>
@@ -4425,7 +4429,7 @@
       </p:grpSpPr>
       <p:sp>
         <p:nvSpPr>
-          <p:cNvPr id="213" name="Google Shape;213;g5e3f4971ae_0_231:notes"/>
+          <p:cNvPr id="207" name="Google Shape;207;g5e3f4971ae_0_225:notes"/>
           <p:cNvSpPr>
             <a:spLocks noGrp="1" noRot="1" noChangeAspect="1"/>
           </p:cNvSpPr>
@@ -4466,7 +4470,7 @@
       </p:sp>
       <p:sp>
         <p:nvSpPr>
-          <p:cNvPr id="214" name="Google Shape;214;g5e3f4971ae_0_231:notes"/>
+          <p:cNvPr id="208" name="Google Shape;208;g5e3f4971ae_0_225:notes"/>
           <p:cNvSpPr txBox="1">
             <a:spLocks noGrp="1"/>
           </p:cNvSpPr>
@@ -4498,14 +4502,14 @@
               </a:spcAft>
               <a:buNone/>
             </a:pPr>
-            <a:endParaRPr dirty="0"/>
+            <a:endParaRPr/>
           </a:p>
         </p:txBody>
       </p:sp>
     </p:spTree>
     <p:extLst>
       <p:ext uri="{BB962C8B-B14F-4D97-AF65-F5344CB8AC3E}">
-        <p14:creationId xmlns:p14="http://schemas.microsoft.com/office/powerpoint/2010/main" val="3091968501"/>
+        <p14:creationId xmlns:p14="http://schemas.microsoft.com/office/powerpoint/2010/main" val="1056269270"/>
       </p:ext>
     </p:extLst>
   </p:cSld>
@@ -4520,7 +4524,7 @@
   <p:cSld>
     <p:spTree>
       <p:nvGrpSpPr>
-        <p:cNvPr id="1" name="Shape 34"/>
+        <p:cNvPr id="1" name="Shape 206"/>
         <p:cNvGrpSpPr/>
         <p:nvPr/>
       </p:nvGrpSpPr>
@@ -4534,7 +4538,7 @@
       </p:grpSpPr>
       <p:sp>
         <p:nvSpPr>
-          <p:cNvPr id="35" name="Google Shape;35;g16c697d3e1_0_45:notes"/>
+          <p:cNvPr id="207" name="Google Shape;207;g5e3f4971ae_0_225:notes"/>
           <p:cNvSpPr>
             <a:spLocks noGrp="1" noRot="1" noChangeAspect="1"/>
           </p:cNvSpPr>
@@ -4575,7 +4579,7 @@
       </p:sp>
       <p:sp>
         <p:nvSpPr>
-          <p:cNvPr id="36" name="Google Shape;36;g16c697d3e1_0_45:notes"/>
+          <p:cNvPr id="208" name="Google Shape;208;g5e3f4971ae_0_225:notes"/>
           <p:cNvSpPr txBox="1">
             <a:spLocks noGrp="1"/>
           </p:cNvSpPr>
@@ -4607,11 +4611,16 @@
               </a:spcAft>
               <a:buNone/>
             </a:pPr>
-            <a:endParaRPr/>
+            <a:endParaRPr dirty="0"/>
           </a:p>
         </p:txBody>
       </p:sp>
     </p:spTree>
+    <p:extLst>
+      <p:ext uri="{BB962C8B-B14F-4D97-AF65-F5344CB8AC3E}">
+        <p14:creationId xmlns:p14="http://schemas.microsoft.com/office/powerpoint/2010/main" val="1842410228"/>
+      </p:ext>
+    </p:extLst>
   </p:cSld>
   <p:clrMapOvr>
     <a:masterClrMapping/>
@@ -4733,7 +4742,7 @@
   <p:cSld>
     <p:spTree>
       <p:nvGrpSpPr>
-        <p:cNvPr id="1" name="Shape 74"/>
+        <p:cNvPr id="1" name="Shape 206"/>
         <p:cNvGrpSpPr/>
         <p:nvPr/>
       </p:nvGrpSpPr>
@@ -4747,7 +4756,7 @@
       </p:grpSpPr>
       <p:sp>
         <p:nvSpPr>
-          <p:cNvPr id="75" name="Google Shape;75;g16c697d3e1_0_86:notes"/>
+          <p:cNvPr id="207" name="Google Shape;207;g5e3f4971ae_0_225:notes"/>
           <p:cNvSpPr>
             <a:spLocks noGrp="1" noRot="1" noChangeAspect="1"/>
           </p:cNvSpPr>
@@ -4788,7 +4797,7 @@
       </p:sp>
       <p:sp>
         <p:nvSpPr>
-          <p:cNvPr id="76" name="Google Shape;76;g16c697d3e1_0_86:notes"/>
+          <p:cNvPr id="208" name="Google Shape;208;g5e3f4971ae_0_225:notes"/>
           <p:cNvSpPr txBox="1">
             <a:spLocks noGrp="1"/>
           </p:cNvSpPr>
@@ -4820,7 +4829,334 @@
               </a:spcAft>
               <a:buNone/>
             </a:pPr>
+            <a:endParaRPr/>
+          </a:p>
+        </p:txBody>
+      </p:sp>
+    </p:spTree>
+    <p:extLst>
+      <p:ext uri="{BB962C8B-B14F-4D97-AF65-F5344CB8AC3E}">
+        <p14:creationId xmlns:p14="http://schemas.microsoft.com/office/powerpoint/2010/main" val="3999245599"/>
+      </p:ext>
+    </p:extLst>
+  </p:cSld>
+  <p:clrMapOvr>
+    <a:masterClrMapping/>
+  </p:clrMapOvr>
+</p:notes>
+</file>
+
+<file path=ppt/notesSlides/notesSlide41.xml><?xml version="1.0" encoding="utf-8"?>
+<p:notes xmlns:a="http://schemas.openxmlformats.org/drawingml/2006/main" xmlns:r="http://schemas.openxmlformats.org/officeDocument/2006/relationships" xmlns:p="http://schemas.openxmlformats.org/presentationml/2006/main" showMasterSp="0" showMasterPhAnim="0">
+  <p:cSld>
+    <p:spTree>
+      <p:nvGrpSpPr>
+        <p:cNvPr id="1" name="Shape 206"/>
+        <p:cNvGrpSpPr/>
+        <p:nvPr/>
+      </p:nvGrpSpPr>
+      <p:grpSpPr>
+        <a:xfrm>
+          <a:off x="0" y="0"/>
+          <a:ext cx="0" cy="0"/>
+          <a:chOff x="0" y="0"/>
+          <a:chExt cx="0" cy="0"/>
+        </a:xfrm>
+      </p:grpSpPr>
+      <p:sp>
+        <p:nvSpPr>
+          <p:cNvPr id="207" name="Google Shape;207;g5e3f4971ae_0_225:notes"/>
+          <p:cNvSpPr>
+            <a:spLocks noGrp="1" noRot="1" noChangeAspect="1"/>
+          </p:cNvSpPr>
+          <p:nvPr>
+            <p:ph type="sldImg" idx="2"/>
+          </p:nvPr>
+        </p:nvSpPr>
+        <p:spPr>
+          <a:xfrm>
+            <a:off x="381000" y="685800"/>
+            <a:ext cx="6096000" cy="3429000"/>
+          </a:xfrm>
+          <a:custGeom>
+            <a:avLst/>
+            <a:gdLst/>
+            <a:ahLst/>
+            <a:cxnLst/>
+            <a:rect l="l" t="t" r="r" b="b"/>
+            <a:pathLst>
+              <a:path w="120000" h="120000" extrusionOk="0">
+                <a:moveTo>
+                  <a:pt x="0" y="0"/>
+                </a:moveTo>
+                <a:lnTo>
+                  <a:pt x="120000" y="0"/>
+                </a:lnTo>
+                <a:lnTo>
+                  <a:pt x="120000" y="120000"/>
+                </a:lnTo>
+                <a:lnTo>
+                  <a:pt x="0" y="120000"/>
+                </a:lnTo>
+                <a:close/>
+              </a:path>
+            </a:pathLst>
+          </a:custGeom>
+        </p:spPr>
+      </p:sp>
+      <p:sp>
+        <p:nvSpPr>
+          <p:cNvPr id="208" name="Google Shape;208;g5e3f4971ae_0_225:notes"/>
+          <p:cNvSpPr txBox="1">
+            <a:spLocks noGrp="1"/>
+          </p:cNvSpPr>
+          <p:nvPr>
+            <p:ph type="body" idx="1"/>
+          </p:nvPr>
+        </p:nvSpPr>
+        <p:spPr>
+          <a:xfrm>
+            <a:off x="685800" y="4343400"/>
+            <a:ext cx="5486400" cy="4114800"/>
+          </a:xfrm>
+          <a:prstGeom prst="rect">
+            <a:avLst/>
+          </a:prstGeom>
+        </p:spPr>
+        <p:txBody>
+          <a:bodyPr spcFirstLastPara="1" wrap="square" lIns="91425" tIns="91425" rIns="91425" bIns="91425" anchor="t" anchorCtr="0">
+            <a:noAutofit/>
+          </a:bodyPr>
+          <a:lstStyle/>
+          <a:p>
+            <a:pPr marL="0" lvl="0" indent="0" algn="l" rtl="0">
+              <a:spcBef>
+                <a:spcPts val="0"/>
+              </a:spcBef>
+              <a:spcAft>
+                <a:spcPts val="0"/>
+              </a:spcAft>
+              <a:buNone/>
+            </a:pPr>
             <a:endParaRPr dirty="0"/>
+          </a:p>
+        </p:txBody>
+      </p:sp>
+    </p:spTree>
+    <p:extLst>
+      <p:ext uri="{BB962C8B-B14F-4D97-AF65-F5344CB8AC3E}">
+        <p14:creationId xmlns:p14="http://schemas.microsoft.com/office/powerpoint/2010/main" val="1342753318"/>
+      </p:ext>
+    </p:extLst>
+  </p:cSld>
+  <p:clrMapOvr>
+    <a:masterClrMapping/>
+  </p:clrMapOvr>
+</p:notes>
+</file>
+
+<file path=ppt/notesSlides/notesSlide42.xml><?xml version="1.0" encoding="utf-8"?>
+<p:notes xmlns:a="http://schemas.openxmlformats.org/drawingml/2006/main" xmlns:r="http://schemas.openxmlformats.org/officeDocument/2006/relationships" xmlns:p="http://schemas.openxmlformats.org/presentationml/2006/main" showMasterSp="0" showMasterPhAnim="0">
+  <p:cSld>
+    <p:spTree>
+      <p:nvGrpSpPr>
+        <p:cNvPr id="1" name="Shape 212"/>
+        <p:cNvGrpSpPr/>
+        <p:nvPr/>
+      </p:nvGrpSpPr>
+      <p:grpSpPr>
+        <a:xfrm>
+          <a:off x="0" y="0"/>
+          <a:ext cx="0" cy="0"/>
+          <a:chOff x="0" y="0"/>
+          <a:chExt cx="0" cy="0"/>
+        </a:xfrm>
+      </p:grpSpPr>
+      <p:sp>
+        <p:nvSpPr>
+          <p:cNvPr id="213" name="Google Shape;213;g5e3f4971ae_0_231:notes"/>
+          <p:cNvSpPr>
+            <a:spLocks noGrp="1" noRot="1" noChangeAspect="1"/>
+          </p:cNvSpPr>
+          <p:nvPr>
+            <p:ph type="sldImg" idx="2"/>
+          </p:nvPr>
+        </p:nvSpPr>
+        <p:spPr>
+          <a:xfrm>
+            <a:off x="381000" y="685800"/>
+            <a:ext cx="6096000" cy="3429000"/>
+          </a:xfrm>
+          <a:custGeom>
+            <a:avLst/>
+            <a:gdLst/>
+            <a:ahLst/>
+            <a:cxnLst/>
+            <a:rect l="l" t="t" r="r" b="b"/>
+            <a:pathLst>
+              <a:path w="120000" h="120000" extrusionOk="0">
+                <a:moveTo>
+                  <a:pt x="0" y="0"/>
+                </a:moveTo>
+                <a:lnTo>
+                  <a:pt x="120000" y="0"/>
+                </a:lnTo>
+                <a:lnTo>
+                  <a:pt x="120000" y="120000"/>
+                </a:lnTo>
+                <a:lnTo>
+                  <a:pt x="0" y="120000"/>
+                </a:lnTo>
+                <a:close/>
+              </a:path>
+            </a:pathLst>
+          </a:custGeom>
+        </p:spPr>
+      </p:sp>
+      <p:sp>
+        <p:nvSpPr>
+          <p:cNvPr id="214" name="Google Shape;214;g5e3f4971ae_0_231:notes"/>
+          <p:cNvSpPr txBox="1">
+            <a:spLocks noGrp="1"/>
+          </p:cNvSpPr>
+          <p:nvPr>
+            <p:ph type="body" idx="1"/>
+          </p:nvPr>
+        </p:nvSpPr>
+        <p:spPr>
+          <a:xfrm>
+            <a:off x="685800" y="4343400"/>
+            <a:ext cx="5486400" cy="4114800"/>
+          </a:xfrm>
+          <a:prstGeom prst="rect">
+            <a:avLst/>
+          </a:prstGeom>
+        </p:spPr>
+        <p:txBody>
+          <a:bodyPr spcFirstLastPara="1" wrap="square" lIns="91425" tIns="91425" rIns="91425" bIns="91425" anchor="t" anchorCtr="0">
+            <a:noAutofit/>
+          </a:bodyPr>
+          <a:lstStyle/>
+          <a:p>
+            <a:pPr marL="0" lvl="0" indent="0" algn="l" rtl="0">
+              <a:spcBef>
+                <a:spcPts val="0"/>
+              </a:spcBef>
+              <a:spcAft>
+                <a:spcPts val="0"/>
+              </a:spcAft>
+              <a:buNone/>
+            </a:pPr>
+            <a:endParaRPr dirty="0"/>
+          </a:p>
+        </p:txBody>
+      </p:sp>
+    </p:spTree>
+    <p:extLst>
+      <p:ext uri="{BB962C8B-B14F-4D97-AF65-F5344CB8AC3E}">
+        <p14:creationId xmlns:p14="http://schemas.microsoft.com/office/powerpoint/2010/main" val="3091968501"/>
+      </p:ext>
+    </p:extLst>
+  </p:cSld>
+  <p:clrMapOvr>
+    <a:masterClrMapping/>
+  </p:clrMapOvr>
+</p:notes>
+</file>
+
+<file path=ppt/notesSlides/notesSlide43.xml><?xml version="1.0" encoding="utf-8"?>
+<p:notes xmlns:a="http://schemas.openxmlformats.org/drawingml/2006/main" xmlns:r="http://schemas.openxmlformats.org/officeDocument/2006/relationships" xmlns:p="http://schemas.openxmlformats.org/presentationml/2006/main" showMasterSp="0" showMasterPhAnim="0">
+  <p:cSld>
+    <p:spTree>
+      <p:nvGrpSpPr>
+        <p:cNvPr id="1" name="Shape 34"/>
+        <p:cNvGrpSpPr/>
+        <p:nvPr/>
+      </p:nvGrpSpPr>
+      <p:grpSpPr>
+        <a:xfrm>
+          <a:off x="0" y="0"/>
+          <a:ext cx="0" cy="0"/>
+          <a:chOff x="0" y="0"/>
+          <a:chExt cx="0" cy="0"/>
+        </a:xfrm>
+      </p:grpSpPr>
+      <p:sp>
+        <p:nvSpPr>
+          <p:cNvPr id="35" name="Google Shape;35;g16c697d3e1_0_45:notes"/>
+          <p:cNvSpPr>
+            <a:spLocks noGrp="1" noRot="1" noChangeAspect="1"/>
+          </p:cNvSpPr>
+          <p:nvPr>
+            <p:ph type="sldImg" idx="2"/>
+          </p:nvPr>
+        </p:nvSpPr>
+        <p:spPr>
+          <a:xfrm>
+            <a:off x="381000" y="685800"/>
+            <a:ext cx="6096000" cy="3429000"/>
+          </a:xfrm>
+          <a:custGeom>
+            <a:avLst/>
+            <a:gdLst/>
+            <a:ahLst/>
+            <a:cxnLst/>
+            <a:rect l="l" t="t" r="r" b="b"/>
+            <a:pathLst>
+              <a:path w="120000" h="120000" extrusionOk="0">
+                <a:moveTo>
+                  <a:pt x="0" y="0"/>
+                </a:moveTo>
+                <a:lnTo>
+                  <a:pt x="120000" y="0"/>
+                </a:lnTo>
+                <a:lnTo>
+                  <a:pt x="120000" y="120000"/>
+                </a:lnTo>
+                <a:lnTo>
+                  <a:pt x="0" y="120000"/>
+                </a:lnTo>
+                <a:close/>
+              </a:path>
+            </a:pathLst>
+          </a:custGeom>
+        </p:spPr>
+      </p:sp>
+      <p:sp>
+        <p:nvSpPr>
+          <p:cNvPr id="36" name="Google Shape;36;g16c697d3e1_0_45:notes"/>
+          <p:cNvSpPr txBox="1">
+            <a:spLocks noGrp="1"/>
+          </p:cNvSpPr>
+          <p:nvPr>
+            <p:ph type="body" idx="1"/>
+          </p:nvPr>
+        </p:nvSpPr>
+        <p:spPr>
+          <a:xfrm>
+            <a:off x="685800" y="4343400"/>
+            <a:ext cx="5486400" cy="4114800"/>
+          </a:xfrm>
+          <a:prstGeom prst="rect">
+            <a:avLst/>
+          </a:prstGeom>
+        </p:spPr>
+        <p:txBody>
+          <a:bodyPr spcFirstLastPara="1" wrap="square" lIns="91425" tIns="91425" rIns="91425" bIns="91425" anchor="t" anchorCtr="0">
+            <a:noAutofit/>
+          </a:bodyPr>
+          <a:lstStyle/>
+          <a:p>
+            <a:pPr marL="0" lvl="0" indent="0" algn="l" rtl="0">
+              <a:spcBef>
+                <a:spcPts val="0"/>
+              </a:spcBef>
+              <a:spcAft>
+                <a:spcPts val="0"/>
+              </a:spcAft>
+              <a:buNone/>
+            </a:pPr>
+            <a:endParaRPr/>
           </a:p>
         </p:txBody>
       </p:sp>
@@ -4832,7 +5168,7 @@
 </p:notes>
 </file>
 
-<file path=ppt/notesSlides/notesSlide41.xml><?xml version="1.0" encoding="utf-8"?>
+<file path=ppt/notesSlides/notesSlide44.xml><?xml version="1.0" encoding="utf-8"?>
 <p:notes xmlns:a="http://schemas.openxmlformats.org/drawingml/2006/main" xmlns:r="http://schemas.openxmlformats.org/officeDocument/2006/relationships" xmlns:p="http://schemas.openxmlformats.org/presentationml/2006/main" showMasterSp="0" showMasterPhAnim="0">
   <p:cSld>
     <p:spTree>
@@ -4929,11 +5265,6 @@
         </p:txBody>
       </p:sp>
     </p:spTree>
-    <p:extLst>
-      <p:ext uri="{BB962C8B-B14F-4D97-AF65-F5344CB8AC3E}">
-        <p14:creationId xmlns:p14="http://schemas.microsoft.com/office/powerpoint/2010/main" val="371905929"/>
-      </p:ext>
-    </p:extLst>
   </p:cSld>
   <p:clrMapOvr>
     <a:masterClrMapping/>
@@ -4941,7 +5272,7 @@
 </p:notes>
 </file>
 
-<file path=ppt/notesSlides/notesSlide42.xml><?xml version="1.0" encoding="utf-8"?>
+<file path=ppt/notesSlides/notesSlide45.xml><?xml version="1.0" encoding="utf-8"?>
 <p:notes xmlns:a="http://schemas.openxmlformats.org/drawingml/2006/main" xmlns:r="http://schemas.openxmlformats.org/officeDocument/2006/relationships" xmlns:p="http://schemas.openxmlformats.org/presentationml/2006/main" showMasterSp="0" showMasterPhAnim="0">
   <p:cSld>
     <p:spTree>
@@ -5033,14 +5364,14 @@
               </a:spcAft>
               <a:buNone/>
             </a:pPr>
-            <a:endParaRPr/>
+            <a:endParaRPr dirty="0"/>
           </a:p>
         </p:txBody>
       </p:sp>
     </p:spTree>
     <p:extLst>
       <p:ext uri="{BB962C8B-B14F-4D97-AF65-F5344CB8AC3E}">
-        <p14:creationId xmlns:p14="http://schemas.microsoft.com/office/powerpoint/2010/main" val="2328390064"/>
+        <p14:creationId xmlns:p14="http://schemas.microsoft.com/office/powerpoint/2010/main" val="371905929"/>
       </p:ext>
     </p:extLst>
   </p:cSld>
@@ -5050,7 +5381,7 @@
 </p:notes>
 </file>
 
-<file path=ppt/notesSlides/notesSlide43.xml><?xml version="1.0" encoding="utf-8"?>
+<file path=ppt/notesSlides/notesSlide46.xml><?xml version="1.0" encoding="utf-8"?>
 <p:notes xmlns:a="http://schemas.openxmlformats.org/drawingml/2006/main" xmlns:r="http://schemas.openxmlformats.org/officeDocument/2006/relationships" xmlns:p="http://schemas.openxmlformats.org/presentationml/2006/main" showMasterSp="0" showMasterPhAnim="0">
   <p:cSld>
     <p:spTree>
@@ -5142,6 +5473,115 @@
               </a:spcAft>
               <a:buNone/>
             </a:pPr>
+            <a:endParaRPr/>
+          </a:p>
+        </p:txBody>
+      </p:sp>
+    </p:spTree>
+    <p:extLst>
+      <p:ext uri="{BB962C8B-B14F-4D97-AF65-F5344CB8AC3E}">
+        <p14:creationId xmlns:p14="http://schemas.microsoft.com/office/powerpoint/2010/main" val="2328390064"/>
+      </p:ext>
+    </p:extLst>
+  </p:cSld>
+  <p:clrMapOvr>
+    <a:masterClrMapping/>
+  </p:clrMapOvr>
+</p:notes>
+</file>
+
+<file path=ppt/notesSlides/notesSlide47.xml><?xml version="1.0" encoding="utf-8"?>
+<p:notes xmlns:a="http://schemas.openxmlformats.org/drawingml/2006/main" xmlns:r="http://schemas.openxmlformats.org/officeDocument/2006/relationships" xmlns:p="http://schemas.openxmlformats.org/presentationml/2006/main" showMasterSp="0" showMasterPhAnim="0">
+  <p:cSld>
+    <p:spTree>
+      <p:nvGrpSpPr>
+        <p:cNvPr id="1" name="Shape 74"/>
+        <p:cNvGrpSpPr/>
+        <p:nvPr/>
+      </p:nvGrpSpPr>
+      <p:grpSpPr>
+        <a:xfrm>
+          <a:off x="0" y="0"/>
+          <a:ext cx="0" cy="0"/>
+          <a:chOff x="0" y="0"/>
+          <a:chExt cx="0" cy="0"/>
+        </a:xfrm>
+      </p:grpSpPr>
+      <p:sp>
+        <p:nvSpPr>
+          <p:cNvPr id="75" name="Google Shape;75;g16c697d3e1_0_86:notes"/>
+          <p:cNvSpPr>
+            <a:spLocks noGrp="1" noRot="1" noChangeAspect="1"/>
+          </p:cNvSpPr>
+          <p:nvPr>
+            <p:ph type="sldImg" idx="2"/>
+          </p:nvPr>
+        </p:nvSpPr>
+        <p:spPr>
+          <a:xfrm>
+            <a:off x="381000" y="685800"/>
+            <a:ext cx="6096000" cy="3429000"/>
+          </a:xfrm>
+          <a:custGeom>
+            <a:avLst/>
+            <a:gdLst/>
+            <a:ahLst/>
+            <a:cxnLst/>
+            <a:rect l="l" t="t" r="r" b="b"/>
+            <a:pathLst>
+              <a:path w="120000" h="120000" extrusionOk="0">
+                <a:moveTo>
+                  <a:pt x="0" y="0"/>
+                </a:moveTo>
+                <a:lnTo>
+                  <a:pt x="120000" y="0"/>
+                </a:lnTo>
+                <a:lnTo>
+                  <a:pt x="120000" y="120000"/>
+                </a:lnTo>
+                <a:lnTo>
+                  <a:pt x="0" y="120000"/>
+                </a:lnTo>
+                <a:close/>
+              </a:path>
+            </a:pathLst>
+          </a:custGeom>
+        </p:spPr>
+      </p:sp>
+      <p:sp>
+        <p:nvSpPr>
+          <p:cNvPr id="76" name="Google Shape;76;g16c697d3e1_0_86:notes"/>
+          <p:cNvSpPr txBox="1">
+            <a:spLocks noGrp="1"/>
+          </p:cNvSpPr>
+          <p:nvPr>
+            <p:ph type="body" idx="1"/>
+          </p:nvPr>
+        </p:nvSpPr>
+        <p:spPr>
+          <a:xfrm>
+            <a:off x="685800" y="4343400"/>
+            <a:ext cx="5486400" cy="4114800"/>
+          </a:xfrm>
+          <a:prstGeom prst="rect">
+            <a:avLst/>
+          </a:prstGeom>
+        </p:spPr>
+        <p:txBody>
+          <a:bodyPr spcFirstLastPara="1" wrap="square" lIns="91425" tIns="91425" rIns="91425" bIns="91425" anchor="t" anchorCtr="0">
+            <a:noAutofit/>
+          </a:bodyPr>
+          <a:lstStyle/>
+          <a:p>
+            <a:pPr marL="0" lvl="0" indent="0" algn="l" rtl="0">
+              <a:spcBef>
+                <a:spcPts val="0"/>
+              </a:spcBef>
+              <a:spcAft>
+                <a:spcPts val="0"/>
+              </a:spcAft>
+              <a:buNone/>
+            </a:pPr>
             <a:endParaRPr dirty="0"/>
           </a:p>
         </p:txBody>
@@ -5159,7 +5599,7 @@
 </p:notes>
 </file>
 
-<file path=ppt/notesSlides/notesSlide44.xml><?xml version="1.0" encoding="utf-8"?>
+<file path=ppt/notesSlides/notesSlide48.xml><?xml version="1.0" encoding="utf-8"?>
 <p:notes xmlns:a="http://schemas.openxmlformats.org/drawingml/2006/main" xmlns:r="http://schemas.openxmlformats.org/officeDocument/2006/relationships" xmlns:p="http://schemas.openxmlformats.org/presentationml/2006/main" showMasterSp="0" showMasterPhAnim="0">
   <p:cSld>
     <p:spTree>
@@ -5263,7 +5703,7 @@
 </p:notes>
 </file>
 
-<file path=ppt/notesSlides/notesSlide45.xml><?xml version="1.0" encoding="utf-8"?>
+<file path=ppt/notesSlides/notesSlide49.xml><?xml version="1.0" encoding="utf-8"?>
 <p:notes xmlns:a="http://schemas.openxmlformats.org/drawingml/2006/main" xmlns:r="http://schemas.openxmlformats.org/officeDocument/2006/relationships" xmlns:p="http://schemas.openxmlformats.org/presentationml/2006/main" showMasterSp="0" showMasterPhAnim="0">
   <p:cSld>
     <p:spTree>
@@ -5363,427 +5803,6 @@
     <p:extLst>
       <p:ext uri="{BB962C8B-B14F-4D97-AF65-F5344CB8AC3E}">
         <p14:creationId xmlns:p14="http://schemas.microsoft.com/office/powerpoint/2010/main" val="2837491178"/>
-      </p:ext>
-    </p:extLst>
-  </p:cSld>
-  <p:clrMapOvr>
-    <a:masterClrMapping/>
-  </p:clrMapOvr>
-</p:notes>
-</file>
-
-<file path=ppt/notesSlides/notesSlide46.xml><?xml version="1.0" encoding="utf-8"?>
-<p:notes xmlns:a="http://schemas.openxmlformats.org/drawingml/2006/main" xmlns:r="http://schemas.openxmlformats.org/officeDocument/2006/relationships" xmlns:p="http://schemas.openxmlformats.org/presentationml/2006/main" showMasterSp="0" showMasterPhAnim="0">
-  <p:cSld>
-    <p:spTree>
-      <p:nvGrpSpPr>
-        <p:cNvPr id="1" name="Shape 97"/>
-        <p:cNvGrpSpPr/>
-        <p:nvPr/>
-      </p:nvGrpSpPr>
-      <p:grpSpPr>
-        <a:xfrm>
-          <a:off x="0" y="0"/>
-          <a:ext cx="0" cy="0"/>
-          <a:chOff x="0" y="0"/>
-          <a:chExt cx="0" cy="0"/>
-        </a:xfrm>
-      </p:grpSpPr>
-      <p:sp>
-        <p:nvSpPr>
-          <p:cNvPr id="98" name="Google Shape;98;ge2b886a0_085:notes"/>
-          <p:cNvSpPr>
-            <a:spLocks noGrp="1" noRot="1" noChangeAspect="1"/>
-          </p:cNvSpPr>
-          <p:nvPr>
-            <p:ph type="sldImg" idx="2"/>
-          </p:nvPr>
-        </p:nvSpPr>
-        <p:spPr>
-          <a:xfrm>
-            <a:off x="381000" y="685800"/>
-            <a:ext cx="6096000" cy="3429000"/>
-          </a:xfrm>
-          <a:custGeom>
-            <a:avLst/>
-            <a:gdLst/>
-            <a:ahLst/>
-            <a:cxnLst/>
-            <a:rect l="l" t="t" r="r" b="b"/>
-            <a:pathLst>
-              <a:path w="120000" h="120000" extrusionOk="0">
-                <a:moveTo>
-                  <a:pt x="0" y="0"/>
-                </a:moveTo>
-                <a:lnTo>
-                  <a:pt x="120000" y="0"/>
-                </a:lnTo>
-                <a:lnTo>
-                  <a:pt x="120000" y="120000"/>
-                </a:lnTo>
-                <a:lnTo>
-                  <a:pt x="0" y="120000"/>
-                </a:lnTo>
-                <a:close/>
-              </a:path>
-            </a:pathLst>
-          </a:custGeom>
-        </p:spPr>
-      </p:sp>
-      <p:sp>
-        <p:nvSpPr>
-          <p:cNvPr id="99" name="Google Shape;99;ge2b886a0_085:notes"/>
-          <p:cNvSpPr txBox="1">
-            <a:spLocks noGrp="1"/>
-          </p:cNvSpPr>
-          <p:nvPr>
-            <p:ph type="body" idx="1"/>
-          </p:nvPr>
-        </p:nvSpPr>
-        <p:spPr>
-          <a:xfrm>
-            <a:off x="685800" y="4343400"/>
-            <a:ext cx="5486400" cy="4114800"/>
-          </a:xfrm>
-          <a:prstGeom prst="rect">
-            <a:avLst/>
-          </a:prstGeom>
-        </p:spPr>
-        <p:txBody>
-          <a:bodyPr spcFirstLastPara="1" wrap="square" lIns="91425" tIns="91425" rIns="91425" bIns="91425" anchor="t" anchorCtr="0">
-            <a:noAutofit/>
-          </a:bodyPr>
-          <a:lstStyle/>
-          <a:p>
-            <a:pPr marL="0" lvl="0" indent="0" algn="l" rtl="0">
-              <a:spcBef>
-                <a:spcPts val="0"/>
-              </a:spcBef>
-              <a:spcAft>
-                <a:spcPts val="0"/>
-              </a:spcAft>
-              <a:buNone/>
-            </a:pPr>
-            <a:endParaRPr dirty="0"/>
-          </a:p>
-        </p:txBody>
-      </p:sp>
-    </p:spTree>
-  </p:cSld>
-  <p:clrMapOvr>
-    <a:masterClrMapping/>
-  </p:clrMapOvr>
-</p:notes>
-</file>
-
-<file path=ppt/notesSlides/notesSlide47.xml><?xml version="1.0" encoding="utf-8"?>
-<p:notes xmlns:a="http://schemas.openxmlformats.org/drawingml/2006/main" xmlns:r="http://schemas.openxmlformats.org/officeDocument/2006/relationships" xmlns:p="http://schemas.openxmlformats.org/presentationml/2006/main" showMasterSp="0" showMasterPhAnim="0">
-  <p:cSld>
-    <p:spTree>
-      <p:nvGrpSpPr>
-        <p:cNvPr id="1" name="Shape 103"/>
-        <p:cNvGrpSpPr/>
-        <p:nvPr/>
-      </p:nvGrpSpPr>
-      <p:grpSpPr>
-        <a:xfrm>
-          <a:off x="0" y="0"/>
-          <a:ext cx="0" cy="0"/>
-          <a:chOff x="0" y="0"/>
-          <a:chExt cx="0" cy="0"/>
-        </a:xfrm>
-      </p:grpSpPr>
-      <p:sp>
-        <p:nvSpPr>
-          <p:cNvPr id="104" name="Google Shape;104;ge2b886a0_092:notes"/>
-          <p:cNvSpPr>
-            <a:spLocks noGrp="1" noRot="1" noChangeAspect="1"/>
-          </p:cNvSpPr>
-          <p:nvPr>
-            <p:ph type="sldImg" idx="2"/>
-          </p:nvPr>
-        </p:nvSpPr>
-        <p:spPr>
-          <a:xfrm>
-            <a:off x="381000" y="685800"/>
-            <a:ext cx="6096000" cy="3429000"/>
-          </a:xfrm>
-          <a:custGeom>
-            <a:avLst/>
-            <a:gdLst/>
-            <a:ahLst/>
-            <a:cxnLst/>
-            <a:rect l="l" t="t" r="r" b="b"/>
-            <a:pathLst>
-              <a:path w="120000" h="120000" extrusionOk="0">
-                <a:moveTo>
-                  <a:pt x="0" y="0"/>
-                </a:moveTo>
-                <a:lnTo>
-                  <a:pt x="120000" y="0"/>
-                </a:lnTo>
-                <a:lnTo>
-                  <a:pt x="120000" y="120000"/>
-                </a:lnTo>
-                <a:lnTo>
-                  <a:pt x="0" y="120000"/>
-                </a:lnTo>
-                <a:close/>
-              </a:path>
-            </a:pathLst>
-          </a:custGeom>
-        </p:spPr>
-      </p:sp>
-      <p:sp>
-        <p:nvSpPr>
-          <p:cNvPr id="105" name="Google Shape;105;ge2b886a0_092:notes"/>
-          <p:cNvSpPr txBox="1">
-            <a:spLocks noGrp="1"/>
-          </p:cNvSpPr>
-          <p:nvPr>
-            <p:ph type="body" idx="1"/>
-          </p:nvPr>
-        </p:nvSpPr>
-        <p:spPr>
-          <a:xfrm>
-            <a:off x="685800" y="4343400"/>
-            <a:ext cx="5486400" cy="4114800"/>
-          </a:xfrm>
-          <a:prstGeom prst="rect">
-            <a:avLst/>
-          </a:prstGeom>
-        </p:spPr>
-        <p:txBody>
-          <a:bodyPr spcFirstLastPara="1" wrap="square" lIns="91425" tIns="91425" rIns="91425" bIns="91425" anchor="t" anchorCtr="0">
-            <a:noAutofit/>
-          </a:bodyPr>
-          <a:lstStyle/>
-          <a:p>
-            <a:pPr marL="0" lvl="0" indent="0" algn="l" rtl="0">
-              <a:spcBef>
-                <a:spcPts val="0"/>
-              </a:spcBef>
-              <a:spcAft>
-                <a:spcPts val="0"/>
-              </a:spcAft>
-              <a:buNone/>
-            </a:pPr>
-            <a:endParaRPr/>
-          </a:p>
-        </p:txBody>
-      </p:sp>
-    </p:spTree>
-  </p:cSld>
-  <p:clrMapOvr>
-    <a:masterClrMapping/>
-  </p:clrMapOvr>
-</p:notes>
-</file>
-
-<file path=ppt/notesSlides/notesSlide48.xml><?xml version="1.0" encoding="utf-8"?>
-<p:notes xmlns:a="http://schemas.openxmlformats.org/drawingml/2006/main" xmlns:r="http://schemas.openxmlformats.org/officeDocument/2006/relationships" xmlns:p="http://schemas.openxmlformats.org/presentationml/2006/main" showMasterSp="0" showMasterPhAnim="0">
-  <p:cSld>
-    <p:spTree>
-      <p:nvGrpSpPr>
-        <p:cNvPr id="1" name="Shape 121"/>
-        <p:cNvGrpSpPr/>
-        <p:nvPr/>
-      </p:nvGrpSpPr>
-      <p:grpSpPr>
-        <a:xfrm>
-          <a:off x="0" y="0"/>
-          <a:ext cx="0" cy="0"/>
-          <a:chOff x="0" y="0"/>
-          <a:chExt cx="0" cy="0"/>
-        </a:xfrm>
-      </p:grpSpPr>
-      <p:sp>
-        <p:nvSpPr>
-          <p:cNvPr id="122" name="Google Shape;122;ge2b886a0_0110:notes"/>
-          <p:cNvSpPr>
-            <a:spLocks noGrp="1" noRot="1" noChangeAspect="1"/>
-          </p:cNvSpPr>
-          <p:nvPr>
-            <p:ph type="sldImg" idx="2"/>
-          </p:nvPr>
-        </p:nvSpPr>
-        <p:spPr>
-          <a:xfrm>
-            <a:off x="381000" y="685800"/>
-            <a:ext cx="6096000" cy="3429000"/>
-          </a:xfrm>
-          <a:custGeom>
-            <a:avLst/>
-            <a:gdLst/>
-            <a:ahLst/>
-            <a:cxnLst/>
-            <a:rect l="l" t="t" r="r" b="b"/>
-            <a:pathLst>
-              <a:path w="120000" h="120000" extrusionOk="0">
-                <a:moveTo>
-                  <a:pt x="0" y="0"/>
-                </a:moveTo>
-                <a:lnTo>
-                  <a:pt x="120000" y="0"/>
-                </a:lnTo>
-                <a:lnTo>
-                  <a:pt x="120000" y="120000"/>
-                </a:lnTo>
-                <a:lnTo>
-                  <a:pt x="0" y="120000"/>
-                </a:lnTo>
-                <a:close/>
-              </a:path>
-            </a:pathLst>
-          </a:custGeom>
-        </p:spPr>
-      </p:sp>
-      <p:sp>
-        <p:nvSpPr>
-          <p:cNvPr id="123" name="Google Shape;123;ge2b886a0_0110:notes"/>
-          <p:cNvSpPr txBox="1">
-            <a:spLocks noGrp="1"/>
-          </p:cNvSpPr>
-          <p:nvPr>
-            <p:ph type="body" idx="1"/>
-          </p:nvPr>
-        </p:nvSpPr>
-        <p:spPr>
-          <a:xfrm>
-            <a:off x="685800" y="4343400"/>
-            <a:ext cx="5486400" cy="4114800"/>
-          </a:xfrm>
-          <a:prstGeom prst="rect">
-            <a:avLst/>
-          </a:prstGeom>
-        </p:spPr>
-        <p:txBody>
-          <a:bodyPr spcFirstLastPara="1" wrap="square" lIns="91425" tIns="91425" rIns="91425" bIns="91425" anchor="t" anchorCtr="0">
-            <a:noAutofit/>
-          </a:bodyPr>
-          <a:lstStyle/>
-          <a:p>
-            <a:pPr marL="0" lvl="0" indent="0" algn="l" rtl="0">
-              <a:spcBef>
-                <a:spcPts val="0"/>
-              </a:spcBef>
-              <a:spcAft>
-                <a:spcPts val="0"/>
-              </a:spcAft>
-              <a:buNone/>
-            </a:pPr>
-            <a:endParaRPr/>
-          </a:p>
-        </p:txBody>
-      </p:sp>
-    </p:spTree>
-  </p:cSld>
-  <p:clrMapOvr>
-    <a:masterClrMapping/>
-  </p:clrMapOvr>
-</p:notes>
-</file>
-
-<file path=ppt/notesSlides/notesSlide49.xml><?xml version="1.0" encoding="utf-8"?>
-<p:notes xmlns:a="http://schemas.openxmlformats.org/drawingml/2006/main" xmlns:r="http://schemas.openxmlformats.org/officeDocument/2006/relationships" xmlns:p="http://schemas.openxmlformats.org/presentationml/2006/main" showMasterSp="0" showMasterPhAnim="0">
-  <p:cSld>
-    <p:spTree>
-      <p:nvGrpSpPr>
-        <p:cNvPr id="1" name="Shape 121"/>
-        <p:cNvGrpSpPr/>
-        <p:nvPr/>
-      </p:nvGrpSpPr>
-      <p:grpSpPr>
-        <a:xfrm>
-          <a:off x="0" y="0"/>
-          <a:ext cx="0" cy="0"/>
-          <a:chOff x="0" y="0"/>
-          <a:chExt cx="0" cy="0"/>
-        </a:xfrm>
-      </p:grpSpPr>
-      <p:sp>
-        <p:nvSpPr>
-          <p:cNvPr id="122" name="Google Shape;122;ge2b886a0_0110:notes"/>
-          <p:cNvSpPr>
-            <a:spLocks noGrp="1" noRot="1" noChangeAspect="1"/>
-          </p:cNvSpPr>
-          <p:nvPr>
-            <p:ph type="sldImg" idx="2"/>
-          </p:nvPr>
-        </p:nvSpPr>
-        <p:spPr>
-          <a:xfrm>
-            <a:off x="381000" y="685800"/>
-            <a:ext cx="6096000" cy="3429000"/>
-          </a:xfrm>
-          <a:custGeom>
-            <a:avLst/>
-            <a:gdLst/>
-            <a:ahLst/>
-            <a:cxnLst/>
-            <a:rect l="l" t="t" r="r" b="b"/>
-            <a:pathLst>
-              <a:path w="120000" h="120000" extrusionOk="0">
-                <a:moveTo>
-                  <a:pt x="0" y="0"/>
-                </a:moveTo>
-                <a:lnTo>
-                  <a:pt x="120000" y="0"/>
-                </a:lnTo>
-                <a:lnTo>
-                  <a:pt x="120000" y="120000"/>
-                </a:lnTo>
-                <a:lnTo>
-                  <a:pt x="0" y="120000"/>
-                </a:lnTo>
-                <a:close/>
-              </a:path>
-            </a:pathLst>
-          </a:custGeom>
-        </p:spPr>
-      </p:sp>
-      <p:sp>
-        <p:nvSpPr>
-          <p:cNvPr id="123" name="Google Shape;123;ge2b886a0_0110:notes"/>
-          <p:cNvSpPr txBox="1">
-            <a:spLocks noGrp="1"/>
-          </p:cNvSpPr>
-          <p:nvPr>
-            <p:ph type="body" idx="1"/>
-          </p:nvPr>
-        </p:nvSpPr>
-        <p:spPr>
-          <a:xfrm>
-            <a:off x="685800" y="4343400"/>
-            <a:ext cx="5486400" cy="4114800"/>
-          </a:xfrm>
-          <a:prstGeom prst="rect">
-            <a:avLst/>
-          </a:prstGeom>
-        </p:spPr>
-        <p:txBody>
-          <a:bodyPr spcFirstLastPara="1" wrap="square" lIns="91425" tIns="91425" rIns="91425" bIns="91425" anchor="t" anchorCtr="0">
-            <a:noAutofit/>
-          </a:bodyPr>
-          <a:lstStyle/>
-          <a:p>
-            <a:pPr marL="0" lvl="0" indent="0" algn="l" rtl="0">
-              <a:spcBef>
-                <a:spcPts val="0"/>
-              </a:spcBef>
-              <a:spcAft>
-                <a:spcPts val="0"/>
-              </a:spcAft>
-              <a:buNone/>
-            </a:pPr>
-            <a:endParaRPr/>
-          </a:p>
-        </p:txBody>
-      </p:sp>
-    </p:spTree>
-    <p:extLst>
-      <p:ext uri="{BB962C8B-B14F-4D97-AF65-F5344CB8AC3E}">
-        <p14:creationId xmlns:p14="http://schemas.microsoft.com/office/powerpoint/2010/main" val="3291787589"/>
       </p:ext>
     </p:extLst>
   </p:cSld>
@@ -5893,6 +5912,427 @@
     <p:extLst>
       <p:ext uri="{BB962C8B-B14F-4D97-AF65-F5344CB8AC3E}">
         <p14:creationId xmlns:p14="http://schemas.microsoft.com/office/powerpoint/2010/main" val="1111229454"/>
+      </p:ext>
+    </p:extLst>
+  </p:cSld>
+  <p:clrMapOvr>
+    <a:masterClrMapping/>
+  </p:clrMapOvr>
+</p:notes>
+</file>
+
+<file path=ppt/notesSlides/notesSlide50.xml><?xml version="1.0" encoding="utf-8"?>
+<p:notes xmlns:a="http://schemas.openxmlformats.org/drawingml/2006/main" xmlns:r="http://schemas.openxmlformats.org/officeDocument/2006/relationships" xmlns:p="http://schemas.openxmlformats.org/presentationml/2006/main" showMasterSp="0" showMasterPhAnim="0">
+  <p:cSld>
+    <p:spTree>
+      <p:nvGrpSpPr>
+        <p:cNvPr id="1" name="Shape 97"/>
+        <p:cNvGrpSpPr/>
+        <p:nvPr/>
+      </p:nvGrpSpPr>
+      <p:grpSpPr>
+        <a:xfrm>
+          <a:off x="0" y="0"/>
+          <a:ext cx="0" cy="0"/>
+          <a:chOff x="0" y="0"/>
+          <a:chExt cx="0" cy="0"/>
+        </a:xfrm>
+      </p:grpSpPr>
+      <p:sp>
+        <p:nvSpPr>
+          <p:cNvPr id="98" name="Google Shape;98;ge2b886a0_085:notes"/>
+          <p:cNvSpPr>
+            <a:spLocks noGrp="1" noRot="1" noChangeAspect="1"/>
+          </p:cNvSpPr>
+          <p:nvPr>
+            <p:ph type="sldImg" idx="2"/>
+          </p:nvPr>
+        </p:nvSpPr>
+        <p:spPr>
+          <a:xfrm>
+            <a:off x="381000" y="685800"/>
+            <a:ext cx="6096000" cy="3429000"/>
+          </a:xfrm>
+          <a:custGeom>
+            <a:avLst/>
+            <a:gdLst/>
+            <a:ahLst/>
+            <a:cxnLst/>
+            <a:rect l="l" t="t" r="r" b="b"/>
+            <a:pathLst>
+              <a:path w="120000" h="120000" extrusionOk="0">
+                <a:moveTo>
+                  <a:pt x="0" y="0"/>
+                </a:moveTo>
+                <a:lnTo>
+                  <a:pt x="120000" y="0"/>
+                </a:lnTo>
+                <a:lnTo>
+                  <a:pt x="120000" y="120000"/>
+                </a:lnTo>
+                <a:lnTo>
+                  <a:pt x="0" y="120000"/>
+                </a:lnTo>
+                <a:close/>
+              </a:path>
+            </a:pathLst>
+          </a:custGeom>
+        </p:spPr>
+      </p:sp>
+      <p:sp>
+        <p:nvSpPr>
+          <p:cNvPr id="99" name="Google Shape;99;ge2b886a0_085:notes"/>
+          <p:cNvSpPr txBox="1">
+            <a:spLocks noGrp="1"/>
+          </p:cNvSpPr>
+          <p:nvPr>
+            <p:ph type="body" idx="1"/>
+          </p:nvPr>
+        </p:nvSpPr>
+        <p:spPr>
+          <a:xfrm>
+            <a:off x="685800" y="4343400"/>
+            <a:ext cx="5486400" cy="4114800"/>
+          </a:xfrm>
+          <a:prstGeom prst="rect">
+            <a:avLst/>
+          </a:prstGeom>
+        </p:spPr>
+        <p:txBody>
+          <a:bodyPr spcFirstLastPara="1" wrap="square" lIns="91425" tIns="91425" rIns="91425" bIns="91425" anchor="t" anchorCtr="0">
+            <a:noAutofit/>
+          </a:bodyPr>
+          <a:lstStyle/>
+          <a:p>
+            <a:pPr marL="0" lvl="0" indent="0" algn="l" rtl="0">
+              <a:spcBef>
+                <a:spcPts val="0"/>
+              </a:spcBef>
+              <a:spcAft>
+                <a:spcPts val="0"/>
+              </a:spcAft>
+              <a:buNone/>
+            </a:pPr>
+            <a:endParaRPr dirty="0"/>
+          </a:p>
+        </p:txBody>
+      </p:sp>
+    </p:spTree>
+  </p:cSld>
+  <p:clrMapOvr>
+    <a:masterClrMapping/>
+  </p:clrMapOvr>
+</p:notes>
+</file>
+
+<file path=ppt/notesSlides/notesSlide51.xml><?xml version="1.0" encoding="utf-8"?>
+<p:notes xmlns:a="http://schemas.openxmlformats.org/drawingml/2006/main" xmlns:r="http://schemas.openxmlformats.org/officeDocument/2006/relationships" xmlns:p="http://schemas.openxmlformats.org/presentationml/2006/main" showMasterSp="0" showMasterPhAnim="0">
+  <p:cSld>
+    <p:spTree>
+      <p:nvGrpSpPr>
+        <p:cNvPr id="1" name="Shape 103"/>
+        <p:cNvGrpSpPr/>
+        <p:nvPr/>
+      </p:nvGrpSpPr>
+      <p:grpSpPr>
+        <a:xfrm>
+          <a:off x="0" y="0"/>
+          <a:ext cx="0" cy="0"/>
+          <a:chOff x="0" y="0"/>
+          <a:chExt cx="0" cy="0"/>
+        </a:xfrm>
+      </p:grpSpPr>
+      <p:sp>
+        <p:nvSpPr>
+          <p:cNvPr id="104" name="Google Shape;104;ge2b886a0_092:notes"/>
+          <p:cNvSpPr>
+            <a:spLocks noGrp="1" noRot="1" noChangeAspect="1"/>
+          </p:cNvSpPr>
+          <p:nvPr>
+            <p:ph type="sldImg" idx="2"/>
+          </p:nvPr>
+        </p:nvSpPr>
+        <p:spPr>
+          <a:xfrm>
+            <a:off x="381000" y="685800"/>
+            <a:ext cx="6096000" cy="3429000"/>
+          </a:xfrm>
+          <a:custGeom>
+            <a:avLst/>
+            <a:gdLst/>
+            <a:ahLst/>
+            <a:cxnLst/>
+            <a:rect l="l" t="t" r="r" b="b"/>
+            <a:pathLst>
+              <a:path w="120000" h="120000" extrusionOk="0">
+                <a:moveTo>
+                  <a:pt x="0" y="0"/>
+                </a:moveTo>
+                <a:lnTo>
+                  <a:pt x="120000" y="0"/>
+                </a:lnTo>
+                <a:lnTo>
+                  <a:pt x="120000" y="120000"/>
+                </a:lnTo>
+                <a:lnTo>
+                  <a:pt x="0" y="120000"/>
+                </a:lnTo>
+                <a:close/>
+              </a:path>
+            </a:pathLst>
+          </a:custGeom>
+        </p:spPr>
+      </p:sp>
+      <p:sp>
+        <p:nvSpPr>
+          <p:cNvPr id="105" name="Google Shape;105;ge2b886a0_092:notes"/>
+          <p:cNvSpPr txBox="1">
+            <a:spLocks noGrp="1"/>
+          </p:cNvSpPr>
+          <p:nvPr>
+            <p:ph type="body" idx="1"/>
+          </p:nvPr>
+        </p:nvSpPr>
+        <p:spPr>
+          <a:xfrm>
+            <a:off x="685800" y="4343400"/>
+            <a:ext cx="5486400" cy="4114800"/>
+          </a:xfrm>
+          <a:prstGeom prst="rect">
+            <a:avLst/>
+          </a:prstGeom>
+        </p:spPr>
+        <p:txBody>
+          <a:bodyPr spcFirstLastPara="1" wrap="square" lIns="91425" tIns="91425" rIns="91425" bIns="91425" anchor="t" anchorCtr="0">
+            <a:noAutofit/>
+          </a:bodyPr>
+          <a:lstStyle/>
+          <a:p>
+            <a:pPr marL="0" lvl="0" indent="0" algn="l" rtl="0">
+              <a:spcBef>
+                <a:spcPts val="0"/>
+              </a:spcBef>
+              <a:spcAft>
+                <a:spcPts val="0"/>
+              </a:spcAft>
+              <a:buNone/>
+            </a:pPr>
+            <a:endParaRPr/>
+          </a:p>
+        </p:txBody>
+      </p:sp>
+    </p:spTree>
+  </p:cSld>
+  <p:clrMapOvr>
+    <a:masterClrMapping/>
+  </p:clrMapOvr>
+</p:notes>
+</file>
+
+<file path=ppt/notesSlides/notesSlide52.xml><?xml version="1.0" encoding="utf-8"?>
+<p:notes xmlns:a="http://schemas.openxmlformats.org/drawingml/2006/main" xmlns:r="http://schemas.openxmlformats.org/officeDocument/2006/relationships" xmlns:p="http://schemas.openxmlformats.org/presentationml/2006/main" showMasterSp="0" showMasterPhAnim="0">
+  <p:cSld>
+    <p:spTree>
+      <p:nvGrpSpPr>
+        <p:cNvPr id="1" name="Shape 121"/>
+        <p:cNvGrpSpPr/>
+        <p:nvPr/>
+      </p:nvGrpSpPr>
+      <p:grpSpPr>
+        <a:xfrm>
+          <a:off x="0" y="0"/>
+          <a:ext cx="0" cy="0"/>
+          <a:chOff x="0" y="0"/>
+          <a:chExt cx="0" cy="0"/>
+        </a:xfrm>
+      </p:grpSpPr>
+      <p:sp>
+        <p:nvSpPr>
+          <p:cNvPr id="122" name="Google Shape;122;ge2b886a0_0110:notes"/>
+          <p:cNvSpPr>
+            <a:spLocks noGrp="1" noRot="1" noChangeAspect="1"/>
+          </p:cNvSpPr>
+          <p:nvPr>
+            <p:ph type="sldImg" idx="2"/>
+          </p:nvPr>
+        </p:nvSpPr>
+        <p:spPr>
+          <a:xfrm>
+            <a:off x="381000" y="685800"/>
+            <a:ext cx="6096000" cy="3429000"/>
+          </a:xfrm>
+          <a:custGeom>
+            <a:avLst/>
+            <a:gdLst/>
+            <a:ahLst/>
+            <a:cxnLst/>
+            <a:rect l="l" t="t" r="r" b="b"/>
+            <a:pathLst>
+              <a:path w="120000" h="120000" extrusionOk="0">
+                <a:moveTo>
+                  <a:pt x="0" y="0"/>
+                </a:moveTo>
+                <a:lnTo>
+                  <a:pt x="120000" y="0"/>
+                </a:lnTo>
+                <a:lnTo>
+                  <a:pt x="120000" y="120000"/>
+                </a:lnTo>
+                <a:lnTo>
+                  <a:pt x="0" y="120000"/>
+                </a:lnTo>
+                <a:close/>
+              </a:path>
+            </a:pathLst>
+          </a:custGeom>
+        </p:spPr>
+      </p:sp>
+      <p:sp>
+        <p:nvSpPr>
+          <p:cNvPr id="123" name="Google Shape;123;ge2b886a0_0110:notes"/>
+          <p:cNvSpPr txBox="1">
+            <a:spLocks noGrp="1"/>
+          </p:cNvSpPr>
+          <p:nvPr>
+            <p:ph type="body" idx="1"/>
+          </p:nvPr>
+        </p:nvSpPr>
+        <p:spPr>
+          <a:xfrm>
+            <a:off x="685800" y="4343400"/>
+            <a:ext cx="5486400" cy="4114800"/>
+          </a:xfrm>
+          <a:prstGeom prst="rect">
+            <a:avLst/>
+          </a:prstGeom>
+        </p:spPr>
+        <p:txBody>
+          <a:bodyPr spcFirstLastPara="1" wrap="square" lIns="91425" tIns="91425" rIns="91425" bIns="91425" anchor="t" anchorCtr="0">
+            <a:noAutofit/>
+          </a:bodyPr>
+          <a:lstStyle/>
+          <a:p>
+            <a:pPr marL="0" lvl="0" indent="0" algn="l" rtl="0">
+              <a:spcBef>
+                <a:spcPts val="0"/>
+              </a:spcBef>
+              <a:spcAft>
+                <a:spcPts val="0"/>
+              </a:spcAft>
+              <a:buNone/>
+            </a:pPr>
+            <a:endParaRPr/>
+          </a:p>
+        </p:txBody>
+      </p:sp>
+    </p:spTree>
+  </p:cSld>
+  <p:clrMapOvr>
+    <a:masterClrMapping/>
+  </p:clrMapOvr>
+</p:notes>
+</file>
+
+<file path=ppt/notesSlides/notesSlide53.xml><?xml version="1.0" encoding="utf-8"?>
+<p:notes xmlns:a="http://schemas.openxmlformats.org/drawingml/2006/main" xmlns:r="http://schemas.openxmlformats.org/officeDocument/2006/relationships" xmlns:p="http://schemas.openxmlformats.org/presentationml/2006/main" showMasterSp="0" showMasterPhAnim="0">
+  <p:cSld>
+    <p:spTree>
+      <p:nvGrpSpPr>
+        <p:cNvPr id="1" name="Shape 121"/>
+        <p:cNvGrpSpPr/>
+        <p:nvPr/>
+      </p:nvGrpSpPr>
+      <p:grpSpPr>
+        <a:xfrm>
+          <a:off x="0" y="0"/>
+          <a:ext cx="0" cy="0"/>
+          <a:chOff x="0" y="0"/>
+          <a:chExt cx="0" cy="0"/>
+        </a:xfrm>
+      </p:grpSpPr>
+      <p:sp>
+        <p:nvSpPr>
+          <p:cNvPr id="122" name="Google Shape;122;ge2b886a0_0110:notes"/>
+          <p:cNvSpPr>
+            <a:spLocks noGrp="1" noRot="1" noChangeAspect="1"/>
+          </p:cNvSpPr>
+          <p:nvPr>
+            <p:ph type="sldImg" idx="2"/>
+          </p:nvPr>
+        </p:nvSpPr>
+        <p:spPr>
+          <a:xfrm>
+            <a:off x="381000" y="685800"/>
+            <a:ext cx="6096000" cy="3429000"/>
+          </a:xfrm>
+          <a:custGeom>
+            <a:avLst/>
+            <a:gdLst/>
+            <a:ahLst/>
+            <a:cxnLst/>
+            <a:rect l="l" t="t" r="r" b="b"/>
+            <a:pathLst>
+              <a:path w="120000" h="120000" extrusionOk="0">
+                <a:moveTo>
+                  <a:pt x="0" y="0"/>
+                </a:moveTo>
+                <a:lnTo>
+                  <a:pt x="120000" y="0"/>
+                </a:lnTo>
+                <a:lnTo>
+                  <a:pt x="120000" y="120000"/>
+                </a:lnTo>
+                <a:lnTo>
+                  <a:pt x="0" y="120000"/>
+                </a:lnTo>
+                <a:close/>
+              </a:path>
+            </a:pathLst>
+          </a:custGeom>
+        </p:spPr>
+      </p:sp>
+      <p:sp>
+        <p:nvSpPr>
+          <p:cNvPr id="123" name="Google Shape;123;ge2b886a0_0110:notes"/>
+          <p:cNvSpPr txBox="1">
+            <a:spLocks noGrp="1"/>
+          </p:cNvSpPr>
+          <p:nvPr>
+            <p:ph type="body" idx="1"/>
+          </p:nvPr>
+        </p:nvSpPr>
+        <p:spPr>
+          <a:xfrm>
+            <a:off x="685800" y="4343400"/>
+            <a:ext cx="5486400" cy="4114800"/>
+          </a:xfrm>
+          <a:prstGeom prst="rect">
+            <a:avLst/>
+          </a:prstGeom>
+        </p:spPr>
+        <p:txBody>
+          <a:bodyPr spcFirstLastPara="1" wrap="square" lIns="91425" tIns="91425" rIns="91425" bIns="91425" anchor="t" anchorCtr="0">
+            <a:noAutofit/>
+          </a:bodyPr>
+          <a:lstStyle/>
+          <a:p>
+            <a:pPr marL="0" lvl="0" indent="0" algn="l" rtl="0">
+              <a:spcBef>
+                <a:spcPts val="0"/>
+              </a:spcBef>
+              <a:spcAft>
+                <a:spcPts val="0"/>
+              </a:spcAft>
+              <a:buNone/>
+            </a:pPr>
+            <a:endParaRPr/>
+          </a:p>
+        </p:txBody>
+      </p:sp>
+    </p:spTree>
+    <p:extLst>
+      <p:ext uri="{BB962C8B-B14F-4D97-AF65-F5344CB8AC3E}">
+        <p14:creationId xmlns:p14="http://schemas.microsoft.com/office/powerpoint/2010/main" val="3291787589"/>
       </p:ext>
     </p:extLst>
   </p:cSld>
@@ -6562,7 +7002,7 @@
           <a:p>
             <a:fld id="{42BD1637-0D27-F54B-A3CE-C829B5942E2D}" type="datetimeFigureOut">
               <a:rPr lang="en-US" smtClean="0"/>
-              <a:t>8/21/23</a:t>
+              <a:t>9/5/23</a:t>
             </a:fld>
             <a:endParaRPr lang="en-US"/>
           </a:p>
@@ -6732,7 +7172,7 @@
           <a:p>
             <a:fld id="{42BD1637-0D27-F54B-A3CE-C829B5942E2D}" type="datetimeFigureOut">
               <a:rPr lang="en-US" smtClean="0"/>
-              <a:t>8/21/23</a:t>
+              <a:t>9/5/23</a:t>
             </a:fld>
             <a:endParaRPr lang="en-US"/>
           </a:p>
@@ -6912,7 +7352,7 @@
           <a:p>
             <a:fld id="{42BD1637-0D27-F54B-A3CE-C829B5942E2D}" type="datetimeFigureOut">
               <a:rPr lang="en-US" smtClean="0"/>
-              <a:t>8/21/23</a:t>
+              <a:t>9/5/23</a:t>
             </a:fld>
             <a:endParaRPr lang="en-US"/>
           </a:p>
@@ -7459,7 +7899,7 @@
           <a:p>
             <a:fld id="{42BD1637-0D27-F54B-A3CE-C829B5942E2D}" type="datetimeFigureOut">
               <a:rPr lang="en-US" smtClean="0"/>
-              <a:t>8/21/23</a:t>
+              <a:t>9/5/23</a:t>
             </a:fld>
             <a:endParaRPr lang="en-US"/>
           </a:p>
@@ -7713,7 +8153,7 @@
           <a:p>
             <a:fld id="{42BD1637-0D27-F54B-A3CE-C829B5942E2D}" type="datetimeFigureOut">
               <a:rPr lang="en-US" smtClean="0"/>
-              <a:t>8/21/23</a:t>
+              <a:t>9/5/23</a:t>
             </a:fld>
             <a:endParaRPr lang="en-US"/>
           </a:p>
@@ -8001,7 +8441,7 @@
           <a:p>
             <a:fld id="{42BD1637-0D27-F54B-A3CE-C829B5942E2D}" type="datetimeFigureOut">
               <a:rPr lang="en-US" smtClean="0"/>
-              <a:t>8/21/23</a:t>
+              <a:t>9/5/23</a:t>
             </a:fld>
             <a:endParaRPr lang="en-US"/>
           </a:p>
@@ -8443,7 +8883,7 @@
           <a:p>
             <a:fld id="{42BD1637-0D27-F54B-A3CE-C829B5942E2D}" type="datetimeFigureOut">
               <a:rPr lang="en-US" smtClean="0"/>
-              <a:t>8/21/23</a:t>
+              <a:t>9/5/23</a:t>
             </a:fld>
             <a:endParaRPr lang="en-US"/>
           </a:p>
@@ -8561,7 +9001,7 @@
           <a:p>
             <a:fld id="{42BD1637-0D27-F54B-A3CE-C829B5942E2D}" type="datetimeFigureOut">
               <a:rPr lang="en-US" smtClean="0"/>
-              <a:t>8/21/23</a:t>
+              <a:t>9/5/23</a:t>
             </a:fld>
             <a:endParaRPr lang="en-US"/>
           </a:p>
@@ -8656,7 +9096,7 @@
           <a:p>
             <a:fld id="{42BD1637-0D27-F54B-A3CE-C829B5942E2D}" type="datetimeFigureOut">
               <a:rPr lang="en-US" smtClean="0"/>
-              <a:t>8/21/23</a:t>
+              <a:t>9/5/23</a:t>
             </a:fld>
             <a:endParaRPr lang="en-US"/>
           </a:p>
@@ -8944,7 +9384,7 @@
           <a:p>
             <a:fld id="{42BD1637-0D27-F54B-A3CE-C829B5942E2D}" type="datetimeFigureOut">
               <a:rPr lang="en-US" smtClean="0"/>
-              <a:t>8/21/23</a:t>
+              <a:t>9/5/23</a:t>
             </a:fld>
             <a:endParaRPr lang="en-US"/>
           </a:p>
@@ -9217,7 +9657,7 @@
           <a:p>
             <a:fld id="{42BD1637-0D27-F54B-A3CE-C829B5942E2D}" type="datetimeFigureOut">
               <a:rPr lang="en-US" smtClean="0"/>
-              <a:t>8/21/23</a:t>
+              <a:t>9/5/23</a:t>
             </a:fld>
             <a:endParaRPr lang="en-US"/>
           </a:p>
@@ -9514,7 +9954,7 @@
           <a:p>
             <a:fld id="{42BD1637-0D27-F54B-A3CE-C829B5942E2D}" type="datetimeFigureOut">
               <a:rPr lang="en-US" smtClean="0"/>
-              <a:t>8/21/23</a:t>
+              <a:t>9/5/23</a:t>
             </a:fld>
             <a:endParaRPr lang="en-US"/>
           </a:p>
@@ -25067,42 +25507,6 @@
             <a:endParaRPr lang="en" sz="2400" dirty="0"/>
           </a:p>
           <a:p>
-            <a:pPr marL="450850" indent="-342900">
-              <a:lnSpc>
-                <a:spcPct val="115000"/>
-              </a:lnSpc>
-              <a:buSzPts val="1900"/>
-            </a:pPr>
-            <a:r>
-              <a:rPr lang="en" sz="2400" dirty="0"/>
-              <a:t>There are two main types of studies</a:t>
-            </a:r>
-          </a:p>
-          <a:p>
-            <a:pPr marL="908050" lvl="1" indent="-342900">
-              <a:lnSpc>
-                <a:spcPct val="115000"/>
-              </a:lnSpc>
-              <a:buSzPts val="1900"/>
-            </a:pPr>
-            <a:r>
-              <a:rPr lang="en" sz="2200" dirty="0"/>
-              <a:t>Observational</a:t>
-            </a:r>
-          </a:p>
-          <a:p>
-            <a:pPr marL="908050" lvl="1" indent="-342900">
-              <a:lnSpc>
-                <a:spcPct val="115000"/>
-              </a:lnSpc>
-              <a:buSzPts val="1900"/>
-            </a:pPr>
-            <a:r>
-              <a:rPr lang="en" sz="2200" dirty="0"/>
-              <a:t>Experimental</a:t>
-            </a:r>
-          </a:p>
-          <a:p>
             <a:pPr marL="107950" indent="0">
               <a:lnSpc>
                 <a:spcPct val="115000"/>
@@ -25460,6 +25864,1223 @@
         </p:nvSpPr>
         <p:spPr>
           <a:xfrm>
+            <a:off x="3500283" y="915001"/>
+            <a:ext cx="8229600" cy="5018854"/>
+          </a:xfrm>
+          <a:prstGeom prst="rect">
+            <a:avLst/>
+          </a:prstGeom>
+        </p:spPr>
+        <p:txBody>
+          <a:bodyPr spcFirstLastPara="1" wrap="square" lIns="91425" tIns="91425" rIns="91425" bIns="91425" anchor="t" anchorCtr="0">
+            <a:noAutofit/>
+          </a:bodyPr>
+          <a:lstStyle/>
+          <a:p>
+            <a:pPr marL="450850" indent="-342900">
+              <a:lnSpc>
+                <a:spcPct val="115000"/>
+              </a:lnSpc>
+              <a:buSzPts val="1900"/>
+            </a:pPr>
+            <a:r>
+              <a:rPr lang="en" sz="2400" dirty="0"/>
+              <a:t>Studies explore the (potential) relationship between a </a:t>
+            </a:r>
+            <a:r>
+              <a:rPr lang="en" sz="2400" dirty="0">
+                <a:solidFill>
+                  <a:srgbClr val="FFC000"/>
+                </a:solidFill>
+              </a:rPr>
+              <a:t>stimuli</a:t>
+            </a:r>
+            <a:r>
+              <a:rPr lang="en" sz="2400" dirty="0"/>
+              <a:t> or </a:t>
+            </a:r>
+            <a:r>
+              <a:rPr lang="en" sz="2400" dirty="0">
+                <a:solidFill>
+                  <a:srgbClr val="FFC000"/>
+                </a:solidFill>
+              </a:rPr>
+              <a:t>treatment</a:t>
+            </a:r>
+            <a:r>
+              <a:rPr lang="en" sz="2400" dirty="0"/>
+              <a:t> (</a:t>
+            </a:r>
+            <a:r>
+              <a:rPr lang="en" sz="2400" dirty="0">
+                <a:solidFill>
+                  <a:srgbClr val="FFC000"/>
+                </a:solidFill>
+              </a:rPr>
+              <a:t>in</a:t>
+            </a:r>
+            <a:r>
+              <a:rPr lang="en-US" sz="2400" dirty="0">
+                <a:solidFill>
+                  <a:srgbClr val="FFC000"/>
+                </a:solidFill>
+              </a:rPr>
+              <a:t>dependent</a:t>
+            </a:r>
+            <a:r>
+              <a:rPr lang="en" sz="2400" dirty="0">
+                <a:solidFill>
+                  <a:srgbClr val="FFC000"/>
+                </a:solidFill>
+              </a:rPr>
+              <a:t>  </a:t>
+            </a:r>
+            <a:r>
+              <a:rPr lang="en" sz="2400" dirty="0">
+                <a:solidFill>
+                  <a:schemeClr val="tx2"/>
+                </a:solidFill>
+              </a:rPr>
+              <a:t>or</a:t>
+            </a:r>
+            <a:r>
+              <a:rPr lang="en" sz="2400" dirty="0">
+                <a:solidFill>
+                  <a:srgbClr val="FFC000"/>
+                </a:solidFill>
+              </a:rPr>
+              <a:t> explanatory variable(s)</a:t>
+            </a:r>
+            <a:r>
+              <a:rPr lang="en" sz="2400" dirty="0">
+                <a:solidFill>
+                  <a:schemeClr val="tx2"/>
+                </a:solidFill>
+              </a:rPr>
+              <a:t>)</a:t>
+            </a:r>
+            <a:r>
+              <a:rPr lang="en" sz="2400" dirty="0">
+                <a:solidFill>
+                  <a:srgbClr val="FFC000"/>
+                </a:solidFill>
+              </a:rPr>
+              <a:t> </a:t>
+            </a:r>
+            <a:r>
+              <a:rPr lang="en" sz="2400" dirty="0"/>
+              <a:t>and an </a:t>
+            </a:r>
+            <a:r>
+              <a:rPr lang="en" sz="2400" dirty="0">
+                <a:solidFill>
+                  <a:srgbClr val="C00000"/>
+                </a:solidFill>
+              </a:rPr>
+              <a:t>outcome</a:t>
+            </a:r>
+            <a:r>
+              <a:rPr lang="en" sz="2400" dirty="0"/>
+              <a:t> or </a:t>
+            </a:r>
+            <a:r>
+              <a:rPr lang="en" sz="2400" dirty="0">
+                <a:solidFill>
+                  <a:srgbClr val="C00000"/>
+                </a:solidFill>
+              </a:rPr>
+              <a:t>response</a:t>
+            </a:r>
+            <a:r>
+              <a:rPr lang="en" sz="2400" dirty="0"/>
+              <a:t> (</a:t>
+            </a:r>
+            <a:r>
+              <a:rPr lang="en" sz="2400" dirty="0">
+                <a:solidFill>
+                  <a:srgbClr val="C00000"/>
+                </a:solidFill>
+              </a:rPr>
+              <a:t>dependent </a:t>
+            </a:r>
+            <a:r>
+              <a:rPr lang="en" sz="2400" dirty="0">
+                <a:solidFill>
+                  <a:schemeClr val="tx2"/>
+                </a:solidFill>
+              </a:rPr>
+              <a:t>or </a:t>
+            </a:r>
+            <a:r>
+              <a:rPr lang="en" sz="2400" dirty="0">
+                <a:solidFill>
+                  <a:srgbClr val="C00000"/>
+                </a:solidFill>
+              </a:rPr>
+              <a:t>response  variable(s)</a:t>
+            </a:r>
+            <a:r>
+              <a:rPr lang="en" sz="2400" dirty="0"/>
+              <a:t>) </a:t>
+            </a:r>
+          </a:p>
+          <a:p>
+            <a:pPr marL="450850" indent="-342900">
+              <a:lnSpc>
+                <a:spcPct val="115000"/>
+              </a:lnSpc>
+              <a:buSzPts val="1900"/>
+            </a:pPr>
+            <a:endParaRPr lang="en" sz="2400" dirty="0"/>
+          </a:p>
+          <a:p>
+            <a:pPr marL="450850" indent="-342900">
+              <a:lnSpc>
+                <a:spcPct val="115000"/>
+              </a:lnSpc>
+              <a:buSzPts val="1900"/>
+            </a:pPr>
+            <a:endParaRPr lang="en" sz="2400" dirty="0"/>
+          </a:p>
+          <a:p>
+            <a:pPr marL="450850" indent="-342900">
+              <a:lnSpc>
+                <a:spcPct val="115000"/>
+              </a:lnSpc>
+              <a:buSzPts val="1900"/>
+            </a:pPr>
+            <a:endParaRPr lang="en" sz="2400" dirty="0"/>
+          </a:p>
+          <a:p>
+            <a:pPr marL="450850" indent="-342900">
+              <a:lnSpc>
+                <a:spcPct val="115000"/>
+              </a:lnSpc>
+              <a:spcBef>
+                <a:spcPts val="0"/>
+              </a:spcBef>
+              <a:buSzPts val="1900"/>
+            </a:pPr>
+            <a:r>
+              <a:rPr lang="en-US" sz="2400" dirty="0">
+                <a:solidFill>
+                  <a:srgbClr val="FFC000"/>
+                </a:solidFill>
+              </a:rPr>
+              <a:t>Stimuli</a:t>
+            </a:r>
+            <a:r>
+              <a:rPr lang="en-US" sz="2400" dirty="0"/>
+              <a:t> are applied at different levels</a:t>
+            </a:r>
+          </a:p>
+          <a:p>
+            <a:pPr marL="908050" lvl="1" indent="-342900">
+              <a:lnSpc>
+                <a:spcPct val="115000"/>
+              </a:lnSpc>
+              <a:buSzPts val="1900"/>
+            </a:pPr>
+            <a:r>
+              <a:rPr lang="en-US" sz="2200" dirty="0"/>
+              <a:t>Ex. For coffee: Full </a:t>
+            </a:r>
+            <a:r>
+              <a:rPr lang="en-US" sz="2200" dirty="0" err="1"/>
+              <a:t>caf</a:t>
+            </a:r>
+            <a:r>
+              <a:rPr lang="en-US" sz="2200" dirty="0"/>
+              <a:t>, Half </a:t>
+            </a:r>
+            <a:r>
+              <a:rPr lang="en-US" sz="2200" dirty="0" err="1"/>
+              <a:t>caf</a:t>
+            </a:r>
+            <a:r>
+              <a:rPr lang="en-US" sz="2200" dirty="0"/>
+              <a:t>, Decaf </a:t>
+            </a:r>
+            <a:endParaRPr sz="2200" dirty="0"/>
+          </a:p>
+        </p:txBody>
+      </p:sp>
+      <p:sp>
+        <p:nvSpPr>
+          <p:cNvPr id="2" name="Title 1">
+            <a:extLst>
+              <a:ext uri="{FF2B5EF4-FFF2-40B4-BE49-F238E27FC236}">
+                <a16:creationId xmlns:a16="http://schemas.microsoft.com/office/drawing/2014/main" id="{82B01A08-C0EE-8C42-D091-7C15FD6CB6FE}"/>
+              </a:ext>
+            </a:extLst>
+          </p:cNvPr>
+          <p:cNvSpPr txBox="1">
+            <a:spLocks/>
+          </p:cNvSpPr>
+          <p:nvPr/>
+        </p:nvSpPr>
+        <p:spPr>
+          <a:xfrm>
+            <a:off x="252919" y="1123837"/>
+            <a:ext cx="2947482" cy="4601183"/>
+          </a:xfrm>
+          <a:prstGeom prst="rect">
+            <a:avLst/>
+          </a:prstGeom>
+          <a:noFill/>
+          <a:ln>
+            <a:noFill/>
+          </a:ln>
+        </p:spPr>
+        <p:txBody>
+          <a:bodyPr spcFirstLastPara="1" vert="horz" wrap="square" lIns="91425" tIns="91425" rIns="91425" bIns="91425" rtlCol="0" anchor="ctr" anchorCtr="0">
+            <a:noAutofit/>
+          </a:bodyPr>
+          <a:lstStyle>
+            <a:lvl1pPr lvl="0" algn="l" defTabSz="914400" rtl="0" eaLnBrk="1" latinLnBrk="0" hangingPunct="1">
+              <a:lnSpc>
+                <a:spcPct val="90000"/>
+              </a:lnSpc>
+              <a:spcBef>
+                <a:spcPts val="0"/>
+              </a:spcBef>
+              <a:spcAft>
+                <a:spcPts val="0"/>
+              </a:spcAft>
+              <a:buSzPts val="3600"/>
+              <a:buFont typeface="Arial"/>
+              <a:buNone/>
+              <a:defRPr sz="3600" b="1" kern="1200" spc="-60" baseline="0">
+                <a:solidFill>
+                  <a:schemeClr val="dk1"/>
+                </a:solidFill>
+                <a:latin typeface="Arial"/>
+                <a:ea typeface="Arial"/>
+                <a:cs typeface="Arial"/>
+                <a:sym typeface="Arial"/>
+              </a:defRPr>
+            </a:lvl1pPr>
+            <a:lvl2pPr lvl="1" algn="l" rtl="0">
+              <a:spcBef>
+                <a:spcPts val="0"/>
+              </a:spcBef>
+              <a:spcAft>
+                <a:spcPts val="0"/>
+              </a:spcAft>
+              <a:buSzPts val="3600"/>
+              <a:buFont typeface="Arial"/>
+              <a:buNone/>
+              <a:defRPr sz="3600" b="1">
+                <a:solidFill>
+                  <a:schemeClr val="dk1"/>
+                </a:solidFill>
+                <a:latin typeface="Arial"/>
+                <a:ea typeface="Arial"/>
+                <a:cs typeface="Arial"/>
+                <a:sym typeface="Arial"/>
+              </a:defRPr>
+            </a:lvl2pPr>
+            <a:lvl3pPr lvl="2" algn="l" rtl="0">
+              <a:spcBef>
+                <a:spcPts val="0"/>
+              </a:spcBef>
+              <a:spcAft>
+                <a:spcPts val="0"/>
+              </a:spcAft>
+              <a:buSzPts val="3600"/>
+              <a:buFont typeface="Arial"/>
+              <a:buNone/>
+              <a:defRPr sz="3600" b="1">
+                <a:solidFill>
+                  <a:schemeClr val="dk1"/>
+                </a:solidFill>
+                <a:latin typeface="Arial"/>
+                <a:ea typeface="Arial"/>
+                <a:cs typeface="Arial"/>
+                <a:sym typeface="Arial"/>
+              </a:defRPr>
+            </a:lvl3pPr>
+            <a:lvl4pPr lvl="3" algn="l" rtl="0">
+              <a:spcBef>
+                <a:spcPts val="0"/>
+              </a:spcBef>
+              <a:spcAft>
+                <a:spcPts val="0"/>
+              </a:spcAft>
+              <a:buSzPts val="3600"/>
+              <a:buFont typeface="Arial"/>
+              <a:buNone/>
+              <a:defRPr sz="3600" b="1">
+                <a:solidFill>
+                  <a:schemeClr val="dk1"/>
+                </a:solidFill>
+                <a:latin typeface="Arial"/>
+                <a:ea typeface="Arial"/>
+                <a:cs typeface="Arial"/>
+                <a:sym typeface="Arial"/>
+              </a:defRPr>
+            </a:lvl4pPr>
+            <a:lvl5pPr lvl="4" algn="l" rtl="0">
+              <a:spcBef>
+                <a:spcPts val="0"/>
+              </a:spcBef>
+              <a:spcAft>
+                <a:spcPts val="0"/>
+              </a:spcAft>
+              <a:buSzPts val="3600"/>
+              <a:buFont typeface="Arial"/>
+              <a:buNone/>
+              <a:defRPr sz="3600" b="1">
+                <a:solidFill>
+                  <a:schemeClr val="dk1"/>
+                </a:solidFill>
+                <a:latin typeface="Arial"/>
+                <a:ea typeface="Arial"/>
+                <a:cs typeface="Arial"/>
+                <a:sym typeface="Arial"/>
+              </a:defRPr>
+            </a:lvl5pPr>
+            <a:lvl6pPr lvl="5" algn="l" rtl="0">
+              <a:spcBef>
+                <a:spcPts val="0"/>
+              </a:spcBef>
+              <a:spcAft>
+                <a:spcPts val="0"/>
+              </a:spcAft>
+              <a:buSzPts val="3600"/>
+              <a:buFont typeface="Arial"/>
+              <a:buNone/>
+              <a:defRPr sz="3600" b="1">
+                <a:solidFill>
+                  <a:schemeClr val="dk1"/>
+                </a:solidFill>
+                <a:latin typeface="Arial"/>
+                <a:ea typeface="Arial"/>
+                <a:cs typeface="Arial"/>
+                <a:sym typeface="Arial"/>
+              </a:defRPr>
+            </a:lvl6pPr>
+            <a:lvl7pPr lvl="6" algn="l" rtl="0">
+              <a:spcBef>
+                <a:spcPts val="0"/>
+              </a:spcBef>
+              <a:spcAft>
+                <a:spcPts val="0"/>
+              </a:spcAft>
+              <a:buSzPts val="3600"/>
+              <a:buFont typeface="Arial"/>
+              <a:buNone/>
+              <a:defRPr sz="3600" b="1">
+                <a:solidFill>
+                  <a:schemeClr val="dk1"/>
+                </a:solidFill>
+                <a:latin typeface="Arial"/>
+                <a:ea typeface="Arial"/>
+                <a:cs typeface="Arial"/>
+                <a:sym typeface="Arial"/>
+              </a:defRPr>
+            </a:lvl7pPr>
+            <a:lvl8pPr lvl="7" algn="l" rtl="0">
+              <a:spcBef>
+                <a:spcPts val="0"/>
+              </a:spcBef>
+              <a:spcAft>
+                <a:spcPts val="0"/>
+              </a:spcAft>
+              <a:buSzPts val="3600"/>
+              <a:buFont typeface="Arial"/>
+              <a:buNone/>
+              <a:defRPr sz="3600" b="1">
+                <a:solidFill>
+                  <a:schemeClr val="dk1"/>
+                </a:solidFill>
+                <a:latin typeface="Arial"/>
+                <a:ea typeface="Arial"/>
+                <a:cs typeface="Arial"/>
+                <a:sym typeface="Arial"/>
+              </a:defRPr>
+            </a:lvl8pPr>
+            <a:lvl9pPr lvl="8" algn="l" rtl="0">
+              <a:spcBef>
+                <a:spcPts val="0"/>
+              </a:spcBef>
+              <a:spcAft>
+                <a:spcPts val="0"/>
+              </a:spcAft>
+              <a:buSzPts val="3600"/>
+              <a:buFont typeface="Arial"/>
+              <a:buNone/>
+              <a:defRPr sz="3600" b="1">
+                <a:solidFill>
+                  <a:schemeClr val="dk1"/>
+                </a:solidFill>
+                <a:latin typeface="Arial"/>
+                <a:ea typeface="Arial"/>
+                <a:cs typeface="Arial"/>
+                <a:sym typeface="Arial"/>
+              </a:defRPr>
+            </a:lvl9pPr>
+          </a:lstStyle>
+          <a:p>
+            <a:r>
+              <a:rPr lang="en-US" b="0" dirty="0">
+                <a:solidFill>
+                  <a:schemeClr val="bg1"/>
+                </a:solidFill>
+                <a:latin typeface="+mj-lt"/>
+              </a:rPr>
+              <a:t>Studies</a:t>
+            </a:r>
+          </a:p>
+        </p:txBody>
+      </p:sp>
+      <p:pic>
+        <p:nvPicPr>
+          <p:cNvPr id="4" name="Graphic 3" descr="Latte Cup outline">
+            <a:extLst>
+              <a:ext uri="{FF2B5EF4-FFF2-40B4-BE49-F238E27FC236}">
+                <a16:creationId xmlns:a16="http://schemas.microsoft.com/office/drawing/2014/main" id="{4703D533-21F6-D911-24A8-88A04B2ADC3A}"/>
+              </a:ext>
+            </a:extLst>
+          </p:cNvPr>
+          <p:cNvPicPr>
+            <a:picLocks noChangeAspect="1"/>
+          </p:cNvPicPr>
+          <p:nvPr/>
+        </p:nvPicPr>
+        <p:blipFill>
+          <a:blip r:embed="rId3">
+            <a:extLst>
+              <a:ext uri="{96DAC541-7B7A-43D3-8B79-37D633B846F1}">
+                <asvg:svgBlip xmlns:asvg="http://schemas.microsoft.com/office/drawing/2016/SVG/main" r:embed="rId4"/>
+              </a:ext>
+            </a:extLst>
+          </a:blip>
+          <a:stretch>
+            <a:fillRect/>
+          </a:stretch>
+        </p:blipFill>
+        <p:spPr>
+          <a:xfrm>
+            <a:off x="5619137" y="2852756"/>
+            <a:ext cx="1152488" cy="1152488"/>
+          </a:xfrm>
+          <a:prstGeom prst="rect">
+            <a:avLst/>
+          </a:prstGeom>
+        </p:spPr>
+      </p:pic>
+      <p:pic>
+        <p:nvPicPr>
+          <p:cNvPr id="8" name="Graphic 7" descr="Snooze outline">
+            <a:extLst>
+              <a:ext uri="{FF2B5EF4-FFF2-40B4-BE49-F238E27FC236}">
+                <a16:creationId xmlns:a16="http://schemas.microsoft.com/office/drawing/2014/main" id="{647669D8-0143-7B94-4713-8A19713C68E0}"/>
+              </a:ext>
+            </a:extLst>
+          </p:cNvPr>
+          <p:cNvPicPr>
+            <a:picLocks noChangeAspect="1"/>
+          </p:cNvPicPr>
+          <p:nvPr/>
+        </p:nvPicPr>
+        <p:blipFill>
+          <a:blip r:embed="rId5">
+            <a:extLst>
+              <a:ext uri="{96DAC541-7B7A-43D3-8B79-37D633B846F1}">
+                <asvg:svgBlip xmlns:asvg="http://schemas.microsoft.com/office/drawing/2016/SVG/main" r:embed="rId6"/>
+              </a:ext>
+            </a:extLst>
+          </a:blip>
+          <a:stretch>
+            <a:fillRect/>
+          </a:stretch>
+        </p:blipFill>
+        <p:spPr>
+          <a:xfrm>
+            <a:off x="8212394" y="2852756"/>
+            <a:ext cx="1152488" cy="1152488"/>
+          </a:xfrm>
+          <a:prstGeom prst="rect">
+            <a:avLst/>
+          </a:prstGeom>
+        </p:spPr>
+      </p:pic>
+    </p:spTree>
+    <p:extLst>
+      <p:ext uri="{BB962C8B-B14F-4D97-AF65-F5344CB8AC3E}">
+        <p14:creationId xmlns:p14="http://schemas.microsoft.com/office/powerpoint/2010/main" val="1580086379"/>
+      </p:ext>
+    </p:extLst>
+  </p:cSld>
+  <p:clrMapOvr>
+    <a:masterClrMapping/>
+  </p:clrMapOvr>
+</p:sld>
+</file>
+
+<file path=ppt/slides/slide42.xml><?xml version="1.0" encoding="utf-8"?>
+<p:sld xmlns:a="http://schemas.openxmlformats.org/drawingml/2006/main" xmlns:r="http://schemas.openxmlformats.org/officeDocument/2006/relationships" xmlns:p="http://schemas.openxmlformats.org/presentationml/2006/main">
+  <p:cSld>
+    <p:spTree>
+      <p:nvGrpSpPr>
+        <p:cNvPr id="1" name="Shape 209"/>
+        <p:cNvGrpSpPr/>
+        <p:nvPr/>
+      </p:nvGrpSpPr>
+      <p:grpSpPr>
+        <a:xfrm>
+          <a:off x="0" y="0"/>
+          <a:ext cx="0" cy="0"/>
+          <a:chOff x="0" y="0"/>
+          <a:chExt cx="0" cy="0"/>
+        </a:xfrm>
+      </p:grpSpPr>
+      <p:sp>
+        <p:nvSpPr>
+          <p:cNvPr id="210" name="Google Shape;210;p34"/>
+          <p:cNvSpPr txBox="1">
+            <a:spLocks noGrp="1"/>
+          </p:cNvSpPr>
+          <p:nvPr>
+            <p:ph type="body" idx="1"/>
+          </p:nvPr>
+        </p:nvSpPr>
+        <p:spPr>
+          <a:xfrm>
+            <a:off x="3500283" y="915001"/>
+            <a:ext cx="8229600" cy="5018854"/>
+          </a:xfrm>
+          <a:prstGeom prst="rect">
+            <a:avLst/>
+          </a:prstGeom>
+        </p:spPr>
+        <p:txBody>
+          <a:bodyPr spcFirstLastPara="1" wrap="square" lIns="91425" tIns="91425" rIns="91425" bIns="91425" anchor="t" anchorCtr="0">
+            <a:noAutofit/>
+          </a:bodyPr>
+          <a:lstStyle/>
+          <a:p>
+            <a:pPr marL="450850" indent="-342900">
+              <a:lnSpc>
+                <a:spcPct val="115000"/>
+              </a:lnSpc>
+              <a:buSzPts val="1900"/>
+            </a:pPr>
+            <a:r>
+              <a:rPr lang="en" sz="2400" dirty="0"/>
+              <a:t>Studies explore the (potential) relationship between a </a:t>
+            </a:r>
+            <a:r>
+              <a:rPr lang="en" sz="2400" dirty="0">
+                <a:solidFill>
+                  <a:srgbClr val="FFC000"/>
+                </a:solidFill>
+              </a:rPr>
+              <a:t>stimuli</a:t>
+            </a:r>
+            <a:r>
+              <a:rPr lang="en" sz="2400" dirty="0"/>
+              <a:t> or </a:t>
+            </a:r>
+            <a:r>
+              <a:rPr lang="en" sz="2400" dirty="0">
+                <a:solidFill>
+                  <a:srgbClr val="FFC000"/>
+                </a:solidFill>
+              </a:rPr>
+              <a:t>treatment</a:t>
+            </a:r>
+            <a:r>
+              <a:rPr lang="en" sz="2400" dirty="0"/>
+              <a:t> (</a:t>
+            </a:r>
+            <a:r>
+              <a:rPr lang="en" sz="2400" dirty="0">
+                <a:solidFill>
+                  <a:srgbClr val="FFC000"/>
+                </a:solidFill>
+              </a:rPr>
+              <a:t>in</a:t>
+            </a:r>
+            <a:r>
+              <a:rPr lang="en-US" sz="2400" dirty="0">
+                <a:solidFill>
+                  <a:srgbClr val="FFC000"/>
+                </a:solidFill>
+              </a:rPr>
+              <a:t>dependent</a:t>
+            </a:r>
+            <a:r>
+              <a:rPr lang="en" sz="2400" dirty="0">
+                <a:solidFill>
+                  <a:srgbClr val="FFC000"/>
+                </a:solidFill>
+              </a:rPr>
+              <a:t>  </a:t>
+            </a:r>
+            <a:r>
+              <a:rPr lang="en" sz="2400" dirty="0">
+                <a:solidFill>
+                  <a:schemeClr val="tx2"/>
+                </a:solidFill>
+              </a:rPr>
+              <a:t>or</a:t>
+            </a:r>
+            <a:r>
+              <a:rPr lang="en" sz="2400" dirty="0">
+                <a:solidFill>
+                  <a:srgbClr val="FFC000"/>
+                </a:solidFill>
+              </a:rPr>
+              <a:t> explanatory variable(s)</a:t>
+            </a:r>
+            <a:r>
+              <a:rPr lang="en" sz="2400" dirty="0">
+                <a:solidFill>
+                  <a:schemeClr val="tx2"/>
+                </a:solidFill>
+              </a:rPr>
+              <a:t>)</a:t>
+            </a:r>
+            <a:r>
+              <a:rPr lang="en" sz="2400" dirty="0">
+                <a:solidFill>
+                  <a:srgbClr val="FFC000"/>
+                </a:solidFill>
+              </a:rPr>
+              <a:t> </a:t>
+            </a:r>
+            <a:r>
+              <a:rPr lang="en" sz="2400" dirty="0"/>
+              <a:t>and an </a:t>
+            </a:r>
+            <a:r>
+              <a:rPr lang="en" sz="2400" dirty="0">
+                <a:solidFill>
+                  <a:srgbClr val="C00000"/>
+                </a:solidFill>
+              </a:rPr>
+              <a:t>outcome</a:t>
+            </a:r>
+            <a:r>
+              <a:rPr lang="en" sz="2400" dirty="0"/>
+              <a:t> or </a:t>
+            </a:r>
+            <a:r>
+              <a:rPr lang="en" sz="2400" dirty="0">
+                <a:solidFill>
+                  <a:srgbClr val="C00000"/>
+                </a:solidFill>
+              </a:rPr>
+              <a:t>response</a:t>
+            </a:r>
+            <a:r>
+              <a:rPr lang="en" sz="2400" dirty="0"/>
+              <a:t> (</a:t>
+            </a:r>
+            <a:r>
+              <a:rPr lang="en" sz="2400" dirty="0">
+                <a:solidFill>
+                  <a:srgbClr val="C00000"/>
+                </a:solidFill>
+              </a:rPr>
+              <a:t>dependent </a:t>
+            </a:r>
+            <a:r>
+              <a:rPr lang="en" sz="2400" dirty="0">
+                <a:solidFill>
+                  <a:schemeClr val="tx2"/>
+                </a:solidFill>
+              </a:rPr>
+              <a:t>or </a:t>
+            </a:r>
+            <a:r>
+              <a:rPr lang="en" sz="2400" dirty="0">
+                <a:solidFill>
+                  <a:srgbClr val="C00000"/>
+                </a:solidFill>
+              </a:rPr>
+              <a:t>response  variable(s)</a:t>
+            </a:r>
+            <a:r>
+              <a:rPr lang="en" sz="2400" dirty="0"/>
+              <a:t>) </a:t>
+            </a:r>
+          </a:p>
+          <a:p>
+            <a:pPr marL="450850" indent="-342900">
+              <a:lnSpc>
+                <a:spcPct val="115000"/>
+              </a:lnSpc>
+              <a:buSzPts val="1900"/>
+            </a:pPr>
+            <a:endParaRPr lang="en" sz="2400" dirty="0"/>
+          </a:p>
+          <a:p>
+            <a:pPr marL="450850" indent="-342900">
+              <a:lnSpc>
+                <a:spcPct val="115000"/>
+              </a:lnSpc>
+              <a:buSzPts val="1900"/>
+            </a:pPr>
+            <a:endParaRPr lang="en" sz="2400" dirty="0"/>
+          </a:p>
+          <a:p>
+            <a:pPr marL="450850" indent="-342900">
+              <a:lnSpc>
+                <a:spcPct val="115000"/>
+              </a:lnSpc>
+              <a:buSzPts val="1900"/>
+            </a:pPr>
+            <a:endParaRPr lang="en" sz="2400" dirty="0"/>
+          </a:p>
+          <a:p>
+            <a:pPr marL="450850" indent="-342900">
+              <a:lnSpc>
+                <a:spcPct val="115000"/>
+              </a:lnSpc>
+              <a:spcBef>
+                <a:spcPts val="0"/>
+              </a:spcBef>
+              <a:buSzPts val="1900"/>
+            </a:pPr>
+            <a:r>
+              <a:rPr lang="en-US" sz="2400" dirty="0">
+                <a:solidFill>
+                  <a:srgbClr val="FFC000"/>
+                </a:solidFill>
+              </a:rPr>
+              <a:t>Stimuli</a:t>
+            </a:r>
+            <a:r>
+              <a:rPr lang="en-US" sz="2400" dirty="0"/>
+              <a:t> are applied at different levels</a:t>
+            </a:r>
+          </a:p>
+          <a:p>
+            <a:pPr marL="908050" lvl="1" indent="-342900">
+              <a:lnSpc>
+                <a:spcPct val="115000"/>
+              </a:lnSpc>
+              <a:buSzPts val="1900"/>
+            </a:pPr>
+            <a:r>
+              <a:rPr lang="en-US" sz="2200" dirty="0"/>
+              <a:t>Ex. For coffee: Full </a:t>
+            </a:r>
+            <a:r>
+              <a:rPr lang="en-US" sz="2200" dirty="0" err="1"/>
+              <a:t>caf</a:t>
+            </a:r>
+            <a:r>
+              <a:rPr lang="en-US" sz="2200" dirty="0"/>
+              <a:t>, Half </a:t>
+            </a:r>
+            <a:r>
+              <a:rPr lang="en-US" sz="2200" dirty="0" err="1"/>
+              <a:t>caf</a:t>
+            </a:r>
+            <a:r>
+              <a:rPr lang="en-US" sz="2200" dirty="0"/>
+              <a:t>, Decaf </a:t>
+            </a:r>
+            <a:endParaRPr lang="en" sz="2400" dirty="0"/>
+          </a:p>
+          <a:p>
+            <a:pPr marL="450850" indent="-342900">
+              <a:lnSpc>
+                <a:spcPct val="115000"/>
+              </a:lnSpc>
+              <a:buSzPts val="1900"/>
+            </a:pPr>
+            <a:r>
+              <a:rPr lang="en" sz="2400" dirty="0"/>
+              <a:t>There are two main types of studies</a:t>
+            </a:r>
+          </a:p>
+          <a:p>
+            <a:pPr marL="908050" lvl="1" indent="-342900">
+              <a:lnSpc>
+                <a:spcPct val="115000"/>
+              </a:lnSpc>
+              <a:buSzPts val="1900"/>
+            </a:pPr>
+            <a:r>
+              <a:rPr lang="en" sz="2200" dirty="0"/>
+              <a:t>Observational</a:t>
+            </a:r>
+          </a:p>
+          <a:p>
+            <a:pPr marL="908050" lvl="1" indent="-342900">
+              <a:lnSpc>
+                <a:spcPct val="115000"/>
+              </a:lnSpc>
+              <a:buSzPts val="1900"/>
+            </a:pPr>
+            <a:r>
+              <a:rPr lang="en" sz="2200" dirty="0"/>
+              <a:t>Experimental</a:t>
+            </a:r>
+          </a:p>
+          <a:p>
+            <a:pPr marL="107950" indent="0">
+              <a:lnSpc>
+                <a:spcPct val="115000"/>
+              </a:lnSpc>
+              <a:spcBef>
+                <a:spcPts val="0"/>
+              </a:spcBef>
+              <a:buSzPts val="1900"/>
+              <a:buNone/>
+            </a:pPr>
+            <a:endParaRPr sz="2400" dirty="0"/>
+          </a:p>
+        </p:txBody>
+      </p:sp>
+      <p:sp>
+        <p:nvSpPr>
+          <p:cNvPr id="2" name="Title 1">
+            <a:extLst>
+              <a:ext uri="{FF2B5EF4-FFF2-40B4-BE49-F238E27FC236}">
+                <a16:creationId xmlns:a16="http://schemas.microsoft.com/office/drawing/2014/main" id="{82B01A08-C0EE-8C42-D091-7C15FD6CB6FE}"/>
+              </a:ext>
+            </a:extLst>
+          </p:cNvPr>
+          <p:cNvSpPr txBox="1">
+            <a:spLocks/>
+          </p:cNvSpPr>
+          <p:nvPr/>
+        </p:nvSpPr>
+        <p:spPr>
+          <a:xfrm>
+            <a:off x="252919" y="1123837"/>
+            <a:ext cx="2947482" cy="4601183"/>
+          </a:xfrm>
+          <a:prstGeom prst="rect">
+            <a:avLst/>
+          </a:prstGeom>
+          <a:noFill/>
+          <a:ln>
+            <a:noFill/>
+          </a:ln>
+        </p:spPr>
+        <p:txBody>
+          <a:bodyPr spcFirstLastPara="1" vert="horz" wrap="square" lIns="91425" tIns="91425" rIns="91425" bIns="91425" rtlCol="0" anchor="ctr" anchorCtr="0">
+            <a:noAutofit/>
+          </a:bodyPr>
+          <a:lstStyle>
+            <a:lvl1pPr lvl="0" algn="l" defTabSz="914400" rtl="0" eaLnBrk="1" latinLnBrk="0" hangingPunct="1">
+              <a:lnSpc>
+                <a:spcPct val="90000"/>
+              </a:lnSpc>
+              <a:spcBef>
+                <a:spcPts val="0"/>
+              </a:spcBef>
+              <a:spcAft>
+                <a:spcPts val="0"/>
+              </a:spcAft>
+              <a:buSzPts val="3600"/>
+              <a:buFont typeface="Arial"/>
+              <a:buNone/>
+              <a:defRPr sz="3600" b="1" kern="1200" spc="-60" baseline="0">
+                <a:solidFill>
+                  <a:schemeClr val="dk1"/>
+                </a:solidFill>
+                <a:latin typeface="Arial"/>
+                <a:ea typeface="Arial"/>
+                <a:cs typeface="Arial"/>
+                <a:sym typeface="Arial"/>
+              </a:defRPr>
+            </a:lvl1pPr>
+            <a:lvl2pPr lvl="1" algn="l" rtl="0">
+              <a:spcBef>
+                <a:spcPts val="0"/>
+              </a:spcBef>
+              <a:spcAft>
+                <a:spcPts val="0"/>
+              </a:spcAft>
+              <a:buSzPts val="3600"/>
+              <a:buFont typeface="Arial"/>
+              <a:buNone/>
+              <a:defRPr sz="3600" b="1">
+                <a:solidFill>
+                  <a:schemeClr val="dk1"/>
+                </a:solidFill>
+                <a:latin typeface="Arial"/>
+                <a:ea typeface="Arial"/>
+                <a:cs typeface="Arial"/>
+                <a:sym typeface="Arial"/>
+              </a:defRPr>
+            </a:lvl2pPr>
+            <a:lvl3pPr lvl="2" algn="l" rtl="0">
+              <a:spcBef>
+                <a:spcPts val="0"/>
+              </a:spcBef>
+              <a:spcAft>
+                <a:spcPts val="0"/>
+              </a:spcAft>
+              <a:buSzPts val="3600"/>
+              <a:buFont typeface="Arial"/>
+              <a:buNone/>
+              <a:defRPr sz="3600" b="1">
+                <a:solidFill>
+                  <a:schemeClr val="dk1"/>
+                </a:solidFill>
+                <a:latin typeface="Arial"/>
+                <a:ea typeface="Arial"/>
+                <a:cs typeface="Arial"/>
+                <a:sym typeface="Arial"/>
+              </a:defRPr>
+            </a:lvl3pPr>
+            <a:lvl4pPr lvl="3" algn="l" rtl="0">
+              <a:spcBef>
+                <a:spcPts val="0"/>
+              </a:spcBef>
+              <a:spcAft>
+                <a:spcPts val="0"/>
+              </a:spcAft>
+              <a:buSzPts val="3600"/>
+              <a:buFont typeface="Arial"/>
+              <a:buNone/>
+              <a:defRPr sz="3600" b="1">
+                <a:solidFill>
+                  <a:schemeClr val="dk1"/>
+                </a:solidFill>
+                <a:latin typeface="Arial"/>
+                <a:ea typeface="Arial"/>
+                <a:cs typeface="Arial"/>
+                <a:sym typeface="Arial"/>
+              </a:defRPr>
+            </a:lvl4pPr>
+            <a:lvl5pPr lvl="4" algn="l" rtl="0">
+              <a:spcBef>
+                <a:spcPts val="0"/>
+              </a:spcBef>
+              <a:spcAft>
+                <a:spcPts val="0"/>
+              </a:spcAft>
+              <a:buSzPts val="3600"/>
+              <a:buFont typeface="Arial"/>
+              <a:buNone/>
+              <a:defRPr sz="3600" b="1">
+                <a:solidFill>
+                  <a:schemeClr val="dk1"/>
+                </a:solidFill>
+                <a:latin typeface="Arial"/>
+                <a:ea typeface="Arial"/>
+                <a:cs typeface="Arial"/>
+                <a:sym typeface="Arial"/>
+              </a:defRPr>
+            </a:lvl5pPr>
+            <a:lvl6pPr lvl="5" algn="l" rtl="0">
+              <a:spcBef>
+                <a:spcPts val="0"/>
+              </a:spcBef>
+              <a:spcAft>
+                <a:spcPts val="0"/>
+              </a:spcAft>
+              <a:buSzPts val="3600"/>
+              <a:buFont typeface="Arial"/>
+              <a:buNone/>
+              <a:defRPr sz="3600" b="1">
+                <a:solidFill>
+                  <a:schemeClr val="dk1"/>
+                </a:solidFill>
+                <a:latin typeface="Arial"/>
+                <a:ea typeface="Arial"/>
+                <a:cs typeface="Arial"/>
+                <a:sym typeface="Arial"/>
+              </a:defRPr>
+            </a:lvl6pPr>
+            <a:lvl7pPr lvl="6" algn="l" rtl="0">
+              <a:spcBef>
+                <a:spcPts val="0"/>
+              </a:spcBef>
+              <a:spcAft>
+                <a:spcPts val="0"/>
+              </a:spcAft>
+              <a:buSzPts val="3600"/>
+              <a:buFont typeface="Arial"/>
+              <a:buNone/>
+              <a:defRPr sz="3600" b="1">
+                <a:solidFill>
+                  <a:schemeClr val="dk1"/>
+                </a:solidFill>
+                <a:latin typeface="Arial"/>
+                <a:ea typeface="Arial"/>
+                <a:cs typeface="Arial"/>
+                <a:sym typeface="Arial"/>
+              </a:defRPr>
+            </a:lvl7pPr>
+            <a:lvl8pPr lvl="7" algn="l" rtl="0">
+              <a:spcBef>
+                <a:spcPts val="0"/>
+              </a:spcBef>
+              <a:spcAft>
+                <a:spcPts val="0"/>
+              </a:spcAft>
+              <a:buSzPts val="3600"/>
+              <a:buFont typeface="Arial"/>
+              <a:buNone/>
+              <a:defRPr sz="3600" b="1">
+                <a:solidFill>
+                  <a:schemeClr val="dk1"/>
+                </a:solidFill>
+                <a:latin typeface="Arial"/>
+                <a:ea typeface="Arial"/>
+                <a:cs typeface="Arial"/>
+                <a:sym typeface="Arial"/>
+              </a:defRPr>
+            </a:lvl8pPr>
+            <a:lvl9pPr lvl="8" algn="l" rtl="0">
+              <a:spcBef>
+                <a:spcPts val="0"/>
+              </a:spcBef>
+              <a:spcAft>
+                <a:spcPts val="0"/>
+              </a:spcAft>
+              <a:buSzPts val="3600"/>
+              <a:buFont typeface="Arial"/>
+              <a:buNone/>
+              <a:defRPr sz="3600" b="1">
+                <a:solidFill>
+                  <a:schemeClr val="dk1"/>
+                </a:solidFill>
+                <a:latin typeface="Arial"/>
+                <a:ea typeface="Arial"/>
+                <a:cs typeface="Arial"/>
+                <a:sym typeface="Arial"/>
+              </a:defRPr>
+            </a:lvl9pPr>
+          </a:lstStyle>
+          <a:p>
+            <a:r>
+              <a:rPr lang="en-US" b="0" dirty="0">
+                <a:solidFill>
+                  <a:schemeClr val="bg1"/>
+                </a:solidFill>
+                <a:latin typeface="+mj-lt"/>
+              </a:rPr>
+              <a:t>Studies</a:t>
+            </a:r>
+          </a:p>
+        </p:txBody>
+      </p:sp>
+      <p:pic>
+        <p:nvPicPr>
+          <p:cNvPr id="4" name="Graphic 3" descr="Latte Cup outline">
+            <a:extLst>
+              <a:ext uri="{FF2B5EF4-FFF2-40B4-BE49-F238E27FC236}">
+                <a16:creationId xmlns:a16="http://schemas.microsoft.com/office/drawing/2014/main" id="{4703D533-21F6-D911-24A8-88A04B2ADC3A}"/>
+              </a:ext>
+            </a:extLst>
+          </p:cNvPr>
+          <p:cNvPicPr>
+            <a:picLocks noChangeAspect="1"/>
+          </p:cNvPicPr>
+          <p:nvPr/>
+        </p:nvPicPr>
+        <p:blipFill>
+          <a:blip r:embed="rId3">
+            <a:extLst>
+              <a:ext uri="{96DAC541-7B7A-43D3-8B79-37D633B846F1}">
+                <asvg:svgBlip xmlns:asvg="http://schemas.microsoft.com/office/drawing/2016/SVG/main" r:embed="rId4"/>
+              </a:ext>
+            </a:extLst>
+          </a:blip>
+          <a:stretch>
+            <a:fillRect/>
+          </a:stretch>
+        </p:blipFill>
+        <p:spPr>
+          <a:xfrm>
+            <a:off x="5619137" y="2852756"/>
+            <a:ext cx="1152488" cy="1152488"/>
+          </a:xfrm>
+          <a:prstGeom prst="rect">
+            <a:avLst/>
+          </a:prstGeom>
+        </p:spPr>
+      </p:pic>
+      <p:pic>
+        <p:nvPicPr>
+          <p:cNvPr id="8" name="Graphic 7" descr="Snooze outline">
+            <a:extLst>
+              <a:ext uri="{FF2B5EF4-FFF2-40B4-BE49-F238E27FC236}">
+                <a16:creationId xmlns:a16="http://schemas.microsoft.com/office/drawing/2014/main" id="{647669D8-0143-7B94-4713-8A19713C68E0}"/>
+              </a:ext>
+            </a:extLst>
+          </p:cNvPr>
+          <p:cNvPicPr>
+            <a:picLocks noChangeAspect="1"/>
+          </p:cNvPicPr>
+          <p:nvPr/>
+        </p:nvPicPr>
+        <p:blipFill>
+          <a:blip r:embed="rId5">
+            <a:extLst>
+              <a:ext uri="{96DAC541-7B7A-43D3-8B79-37D633B846F1}">
+                <asvg:svgBlip xmlns:asvg="http://schemas.microsoft.com/office/drawing/2016/SVG/main" r:embed="rId6"/>
+              </a:ext>
+            </a:extLst>
+          </a:blip>
+          <a:stretch>
+            <a:fillRect/>
+          </a:stretch>
+        </p:blipFill>
+        <p:spPr>
+          <a:xfrm>
+            <a:off x="8212394" y="2852756"/>
+            <a:ext cx="1152488" cy="1152488"/>
+          </a:xfrm>
+          <a:prstGeom prst="rect">
+            <a:avLst/>
+          </a:prstGeom>
+        </p:spPr>
+      </p:pic>
+    </p:spTree>
+    <p:extLst>
+      <p:ext uri="{BB962C8B-B14F-4D97-AF65-F5344CB8AC3E}">
+        <p14:creationId xmlns:p14="http://schemas.microsoft.com/office/powerpoint/2010/main" val="1865686119"/>
+      </p:ext>
+    </p:extLst>
+  </p:cSld>
+  <p:clrMapOvr>
+    <a:masterClrMapping/>
+  </p:clrMapOvr>
+</p:sld>
+</file>
+
+<file path=ppt/slides/slide43.xml><?xml version="1.0" encoding="utf-8"?>
+<p:sld xmlns:a="http://schemas.openxmlformats.org/drawingml/2006/main" xmlns:r="http://schemas.openxmlformats.org/officeDocument/2006/relationships" xmlns:p="http://schemas.openxmlformats.org/presentationml/2006/main">
+  <p:cSld>
+    <p:spTree>
+      <p:nvGrpSpPr>
+        <p:cNvPr id="1" name="Shape 209"/>
+        <p:cNvGrpSpPr/>
+        <p:nvPr/>
+      </p:nvGrpSpPr>
+      <p:grpSpPr>
+        <a:xfrm>
+          <a:off x="0" y="0"/>
+          <a:ext cx="0" cy="0"/>
+          <a:chOff x="0" y="0"/>
+          <a:chExt cx="0" cy="0"/>
+        </a:xfrm>
+      </p:grpSpPr>
+      <p:sp>
+        <p:nvSpPr>
+          <p:cNvPr id="210" name="Google Shape;210;p34"/>
+          <p:cNvSpPr txBox="1">
+            <a:spLocks noGrp="1"/>
+          </p:cNvSpPr>
+          <p:nvPr>
+            <p:ph type="body" idx="1"/>
+          </p:nvPr>
+        </p:nvSpPr>
+        <p:spPr>
+          <a:xfrm>
             <a:off x="3500283" y="1160720"/>
             <a:ext cx="8229600" cy="5018854"/>
           </a:xfrm>
@@ -25877,7 +27498,7 @@
 </p:sld>
 </file>
 
-<file path=ppt/slides/slide42.xml><?xml version="1.0" encoding="utf-8"?>
+<file path=ppt/slides/slide44.xml><?xml version="1.0" encoding="utf-8"?>
 <p:sld xmlns:a="http://schemas.openxmlformats.org/drawingml/2006/main" xmlns:r="http://schemas.openxmlformats.org/officeDocument/2006/relationships" xmlns:p="http://schemas.openxmlformats.org/presentationml/2006/main">
   <p:cSld>
     <p:spTree>
@@ -25935,6 +27556,520 @@
               <a:buSzPts val="1900"/>
             </a:pPr>
             <a:r>
+              <a:rPr lang="en" sz="2400" dirty="0"/>
+              <a:t>Researchers collect data in a way that does not directly interfere with how the data arise.</a:t>
+            </a:r>
+          </a:p>
+          <a:p>
+            <a:pPr indent="-349250">
+              <a:lnSpc>
+                <a:spcPct val="115000"/>
+              </a:lnSpc>
+              <a:buSzPts val="1900"/>
+            </a:pPr>
+            <a:endParaRPr lang="en" sz="2400" dirty="0"/>
+          </a:p>
+          <a:p>
+            <a:pPr indent="-349250">
+              <a:lnSpc>
+                <a:spcPct val="115000"/>
+              </a:lnSpc>
+              <a:buSzPts val="1900"/>
+            </a:pPr>
+            <a:endParaRPr lang="en" sz="2400" dirty="0"/>
+          </a:p>
+          <a:p>
+            <a:pPr indent="-349250">
+              <a:lnSpc>
+                <a:spcPct val="115000"/>
+              </a:lnSpc>
+              <a:buSzPts val="1900"/>
+            </a:pPr>
+            <a:endParaRPr lang="en" sz="2400" dirty="0"/>
+          </a:p>
+          <a:p>
+            <a:pPr lvl="1" indent="-349250">
+              <a:lnSpc>
+                <a:spcPct val="115000"/>
+              </a:lnSpc>
+              <a:buSzPts val="1900"/>
+            </a:pPr>
+            <a:r>
+              <a:rPr lang="en" sz="2200" dirty="0"/>
+              <a:t>Ex. Look at medical records and receipts to see if people who bought more coffee went to the doctor for sleep related issues more than those who bought less or no coffee </a:t>
+            </a:r>
+            <a:br>
+              <a:rPr lang="en" sz="2200" dirty="0"/>
+            </a:br>
+            <a:endParaRPr sz="2200" dirty="0"/>
+          </a:p>
+          <a:p>
+            <a:pPr indent="-349250">
+              <a:lnSpc>
+                <a:spcPct val="115000"/>
+              </a:lnSpc>
+              <a:spcBef>
+                <a:spcPts val="0"/>
+              </a:spcBef>
+              <a:buSzPts val="1900"/>
+            </a:pPr>
+            <a:endParaRPr lang="en" sz="2400" dirty="0"/>
+          </a:p>
+          <a:p>
+            <a:pPr marL="107950" indent="0">
+              <a:lnSpc>
+                <a:spcPct val="115000"/>
+              </a:lnSpc>
+              <a:spcBef>
+                <a:spcPts val="0"/>
+              </a:spcBef>
+              <a:buSzPts val="1900"/>
+              <a:buNone/>
+            </a:pPr>
+            <a:endParaRPr sz="2400" dirty="0"/>
+          </a:p>
+        </p:txBody>
+      </p:sp>
+      <p:sp>
+        <p:nvSpPr>
+          <p:cNvPr id="2" name="Title 1">
+            <a:extLst>
+              <a:ext uri="{FF2B5EF4-FFF2-40B4-BE49-F238E27FC236}">
+                <a16:creationId xmlns:a16="http://schemas.microsoft.com/office/drawing/2014/main" id="{82B01A08-C0EE-8C42-D091-7C15FD6CB6FE}"/>
+              </a:ext>
+            </a:extLst>
+          </p:cNvPr>
+          <p:cNvSpPr txBox="1">
+            <a:spLocks/>
+          </p:cNvSpPr>
+          <p:nvPr/>
+        </p:nvSpPr>
+        <p:spPr>
+          <a:xfrm>
+            <a:off x="252919" y="1123837"/>
+            <a:ext cx="2947482" cy="4601183"/>
+          </a:xfrm>
+          <a:prstGeom prst="rect">
+            <a:avLst/>
+          </a:prstGeom>
+          <a:noFill/>
+          <a:ln>
+            <a:noFill/>
+          </a:ln>
+        </p:spPr>
+        <p:txBody>
+          <a:bodyPr spcFirstLastPara="1" vert="horz" wrap="square" lIns="91425" tIns="91425" rIns="91425" bIns="91425" rtlCol="0" anchor="ctr" anchorCtr="0">
+            <a:noAutofit/>
+          </a:bodyPr>
+          <a:lstStyle>
+            <a:lvl1pPr lvl="0" algn="l" defTabSz="914400" rtl="0" eaLnBrk="1" latinLnBrk="0" hangingPunct="1">
+              <a:lnSpc>
+                <a:spcPct val="90000"/>
+              </a:lnSpc>
+              <a:spcBef>
+                <a:spcPts val="0"/>
+              </a:spcBef>
+              <a:spcAft>
+                <a:spcPts val="0"/>
+              </a:spcAft>
+              <a:buSzPts val="3600"/>
+              <a:buFont typeface="Arial"/>
+              <a:buNone/>
+              <a:defRPr sz="3600" b="1" kern="1200" spc="-60" baseline="0">
+                <a:solidFill>
+                  <a:schemeClr val="dk1"/>
+                </a:solidFill>
+                <a:latin typeface="Arial"/>
+                <a:ea typeface="Arial"/>
+                <a:cs typeface="Arial"/>
+                <a:sym typeface="Arial"/>
+              </a:defRPr>
+            </a:lvl1pPr>
+            <a:lvl2pPr lvl="1" algn="l" rtl="0">
+              <a:spcBef>
+                <a:spcPts val="0"/>
+              </a:spcBef>
+              <a:spcAft>
+                <a:spcPts val="0"/>
+              </a:spcAft>
+              <a:buSzPts val="3600"/>
+              <a:buFont typeface="Arial"/>
+              <a:buNone/>
+              <a:defRPr sz="3600" b="1">
+                <a:solidFill>
+                  <a:schemeClr val="dk1"/>
+                </a:solidFill>
+                <a:latin typeface="Arial"/>
+                <a:ea typeface="Arial"/>
+                <a:cs typeface="Arial"/>
+                <a:sym typeface="Arial"/>
+              </a:defRPr>
+            </a:lvl2pPr>
+            <a:lvl3pPr lvl="2" algn="l" rtl="0">
+              <a:spcBef>
+                <a:spcPts val="0"/>
+              </a:spcBef>
+              <a:spcAft>
+                <a:spcPts val="0"/>
+              </a:spcAft>
+              <a:buSzPts val="3600"/>
+              <a:buFont typeface="Arial"/>
+              <a:buNone/>
+              <a:defRPr sz="3600" b="1">
+                <a:solidFill>
+                  <a:schemeClr val="dk1"/>
+                </a:solidFill>
+                <a:latin typeface="Arial"/>
+                <a:ea typeface="Arial"/>
+                <a:cs typeface="Arial"/>
+                <a:sym typeface="Arial"/>
+              </a:defRPr>
+            </a:lvl3pPr>
+            <a:lvl4pPr lvl="3" algn="l" rtl="0">
+              <a:spcBef>
+                <a:spcPts val="0"/>
+              </a:spcBef>
+              <a:spcAft>
+                <a:spcPts val="0"/>
+              </a:spcAft>
+              <a:buSzPts val="3600"/>
+              <a:buFont typeface="Arial"/>
+              <a:buNone/>
+              <a:defRPr sz="3600" b="1">
+                <a:solidFill>
+                  <a:schemeClr val="dk1"/>
+                </a:solidFill>
+                <a:latin typeface="Arial"/>
+                <a:ea typeface="Arial"/>
+                <a:cs typeface="Arial"/>
+                <a:sym typeface="Arial"/>
+              </a:defRPr>
+            </a:lvl4pPr>
+            <a:lvl5pPr lvl="4" algn="l" rtl="0">
+              <a:spcBef>
+                <a:spcPts val="0"/>
+              </a:spcBef>
+              <a:spcAft>
+                <a:spcPts val="0"/>
+              </a:spcAft>
+              <a:buSzPts val="3600"/>
+              <a:buFont typeface="Arial"/>
+              <a:buNone/>
+              <a:defRPr sz="3600" b="1">
+                <a:solidFill>
+                  <a:schemeClr val="dk1"/>
+                </a:solidFill>
+                <a:latin typeface="Arial"/>
+                <a:ea typeface="Arial"/>
+                <a:cs typeface="Arial"/>
+                <a:sym typeface="Arial"/>
+              </a:defRPr>
+            </a:lvl5pPr>
+            <a:lvl6pPr lvl="5" algn="l" rtl="0">
+              <a:spcBef>
+                <a:spcPts val="0"/>
+              </a:spcBef>
+              <a:spcAft>
+                <a:spcPts val="0"/>
+              </a:spcAft>
+              <a:buSzPts val="3600"/>
+              <a:buFont typeface="Arial"/>
+              <a:buNone/>
+              <a:defRPr sz="3600" b="1">
+                <a:solidFill>
+                  <a:schemeClr val="dk1"/>
+                </a:solidFill>
+                <a:latin typeface="Arial"/>
+                <a:ea typeface="Arial"/>
+                <a:cs typeface="Arial"/>
+                <a:sym typeface="Arial"/>
+              </a:defRPr>
+            </a:lvl6pPr>
+            <a:lvl7pPr lvl="6" algn="l" rtl="0">
+              <a:spcBef>
+                <a:spcPts val="0"/>
+              </a:spcBef>
+              <a:spcAft>
+                <a:spcPts val="0"/>
+              </a:spcAft>
+              <a:buSzPts val="3600"/>
+              <a:buFont typeface="Arial"/>
+              <a:buNone/>
+              <a:defRPr sz="3600" b="1">
+                <a:solidFill>
+                  <a:schemeClr val="dk1"/>
+                </a:solidFill>
+                <a:latin typeface="Arial"/>
+                <a:ea typeface="Arial"/>
+                <a:cs typeface="Arial"/>
+                <a:sym typeface="Arial"/>
+              </a:defRPr>
+            </a:lvl7pPr>
+            <a:lvl8pPr lvl="7" algn="l" rtl="0">
+              <a:spcBef>
+                <a:spcPts val="0"/>
+              </a:spcBef>
+              <a:spcAft>
+                <a:spcPts val="0"/>
+              </a:spcAft>
+              <a:buSzPts val="3600"/>
+              <a:buFont typeface="Arial"/>
+              <a:buNone/>
+              <a:defRPr sz="3600" b="1">
+                <a:solidFill>
+                  <a:schemeClr val="dk1"/>
+                </a:solidFill>
+                <a:latin typeface="Arial"/>
+                <a:ea typeface="Arial"/>
+                <a:cs typeface="Arial"/>
+                <a:sym typeface="Arial"/>
+              </a:defRPr>
+            </a:lvl8pPr>
+            <a:lvl9pPr lvl="8" algn="l" rtl="0">
+              <a:spcBef>
+                <a:spcPts val="0"/>
+              </a:spcBef>
+              <a:spcAft>
+                <a:spcPts val="0"/>
+              </a:spcAft>
+              <a:buSzPts val="3600"/>
+              <a:buFont typeface="Arial"/>
+              <a:buNone/>
+              <a:defRPr sz="3600" b="1">
+                <a:solidFill>
+                  <a:schemeClr val="dk1"/>
+                </a:solidFill>
+                <a:latin typeface="Arial"/>
+                <a:ea typeface="Arial"/>
+                <a:cs typeface="Arial"/>
+                <a:sym typeface="Arial"/>
+              </a:defRPr>
+            </a:lvl9pPr>
+          </a:lstStyle>
+          <a:p>
+            <a:r>
+              <a:rPr lang="en-US" b="0" dirty="0">
+                <a:solidFill>
+                  <a:schemeClr val="bg1"/>
+                </a:solidFill>
+                <a:latin typeface="+mj-lt"/>
+              </a:rPr>
+              <a:t>Observational Studies</a:t>
+            </a:r>
+          </a:p>
+        </p:txBody>
+      </p:sp>
+      <p:pic>
+        <p:nvPicPr>
+          <p:cNvPr id="3" name="Graphic 2" descr="Latte Cup outline">
+            <a:extLst>
+              <a:ext uri="{FF2B5EF4-FFF2-40B4-BE49-F238E27FC236}">
+                <a16:creationId xmlns:a16="http://schemas.microsoft.com/office/drawing/2014/main" id="{A5B2CBF6-0D58-B06C-B136-BB731D689D3B}"/>
+              </a:ext>
+            </a:extLst>
+          </p:cNvPr>
+          <p:cNvPicPr>
+            <a:picLocks noChangeAspect="1"/>
+          </p:cNvPicPr>
+          <p:nvPr/>
+        </p:nvPicPr>
+        <p:blipFill>
+          <a:blip r:embed="rId3">
+            <a:extLst>
+              <a:ext uri="{96DAC541-7B7A-43D3-8B79-37D633B846F1}">
+                <asvg:svgBlip xmlns:asvg="http://schemas.microsoft.com/office/drawing/2016/SVG/main" r:embed="rId4"/>
+              </a:ext>
+            </a:extLst>
+          </a:blip>
+          <a:stretch>
+            <a:fillRect/>
+          </a:stretch>
+        </p:blipFill>
+        <p:spPr>
+          <a:xfrm>
+            <a:off x="5446014" y="2706329"/>
+            <a:ext cx="1152488" cy="1152488"/>
+          </a:xfrm>
+          <a:prstGeom prst="rect">
+            <a:avLst/>
+          </a:prstGeom>
+        </p:spPr>
+      </p:pic>
+      <p:pic>
+        <p:nvPicPr>
+          <p:cNvPr id="4" name="Graphic 3" descr="Snooze outline">
+            <a:extLst>
+              <a:ext uri="{FF2B5EF4-FFF2-40B4-BE49-F238E27FC236}">
+                <a16:creationId xmlns:a16="http://schemas.microsoft.com/office/drawing/2014/main" id="{4F2D5CFC-78E9-D4EF-78FA-BA1810CCA175}"/>
+              </a:ext>
+            </a:extLst>
+          </p:cNvPr>
+          <p:cNvPicPr>
+            <a:picLocks noChangeAspect="1"/>
+          </p:cNvPicPr>
+          <p:nvPr/>
+        </p:nvPicPr>
+        <p:blipFill>
+          <a:blip r:embed="rId5">
+            <a:extLst>
+              <a:ext uri="{96DAC541-7B7A-43D3-8B79-37D633B846F1}">
+                <asvg:svgBlip xmlns:asvg="http://schemas.microsoft.com/office/drawing/2016/SVG/main" r:embed="rId6"/>
+              </a:ext>
+            </a:extLst>
+          </a:blip>
+          <a:stretch>
+            <a:fillRect/>
+          </a:stretch>
+        </p:blipFill>
+        <p:spPr>
+          <a:xfrm>
+            <a:off x="8039271" y="2706329"/>
+            <a:ext cx="1152488" cy="1152488"/>
+          </a:xfrm>
+          <a:prstGeom prst="rect">
+            <a:avLst/>
+          </a:prstGeom>
+        </p:spPr>
+      </p:pic>
+      <p:sp>
+        <p:nvSpPr>
+          <p:cNvPr id="5" name="TextBox 4">
+            <a:extLst>
+              <a:ext uri="{FF2B5EF4-FFF2-40B4-BE49-F238E27FC236}">
+                <a16:creationId xmlns:a16="http://schemas.microsoft.com/office/drawing/2014/main" id="{9C3D9E10-7780-A61E-7222-9FAE6A75E946}"/>
+              </a:ext>
+            </a:extLst>
+          </p:cNvPr>
+          <p:cNvSpPr txBox="1"/>
+          <p:nvPr/>
+        </p:nvSpPr>
+        <p:spPr>
+          <a:xfrm>
+            <a:off x="4178708" y="5404426"/>
+            <a:ext cx="6872749" cy="1328023"/>
+          </a:xfrm>
+          <a:prstGeom prst="roundRect">
+            <a:avLst/>
+          </a:prstGeom>
+        </p:spPr>
+        <p:style>
+          <a:lnRef idx="2">
+            <a:schemeClr val="accent2">
+              <a:shade val="15000"/>
+            </a:schemeClr>
+          </a:lnRef>
+          <a:fillRef idx="1">
+            <a:schemeClr val="accent2"/>
+          </a:fillRef>
+          <a:effectRef idx="0">
+            <a:schemeClr val="accent2"/>
+          </a:effectRef>
+          <a:fontRef idx="minor">
+            <a:schemeClr val="lt1"/>
+          </a:fontRef>
+        </p:style>
+        <p:txBody>
+          <a:bodyPr wrap="square" rtlCol="0">
+            <a:spAutoFit/>
+          </a:bodyPr>
+          <a:lstStyle/>
+          <a:p>
+            <a:r>
+              <a:rPr lang="en-US" sz="2400" dirty="0"/>
+              <a:t>Do you see any confounding factors? </a:t>
+            </a:r>
+          </a:p>
+          <a:p>
+            <a:r>
+              <a:rPr lang="en-US" sz="2400" dirty="0"/>
+              <a:t>[ A </a:t>
+            </a:r>
+            <a:r>
+              <a:rPr lang="en-US" sz="2400" dirty="0">
+                <a:solidFill>
+                  <a:srgbClr val="C00000"/>
+                </a:solidFill>
+              </a:rPr>
+              <a:t>confounding factor </a:t>
+            </a:r>
+            <a:r>
+              <a:rPr lang="en-US" sz="2400" dirty="0"/>
+              <a:t>is something that varies that is not controlled for in the experimental design] </a:t>
+            </a:r>
+          </a:p>
+        </p:txBody>
+      </p:sp>
+    </p:spTree>
+    <p:extLst>
+      <p:ext uri="{BB962C8B-B14F-4D97-AF65-F5344CB8AC3E}">
+        <p14:creationId xmlns:p14="http://schemas.microsoft.com/office/powerpoint/2010/main" val="1158363706"/>
+      </p:ext>
+    </p:extLst>
+  </p:cSld>
+  <p:clrMapOvr>
+    <a:masterClrMapping/>
+  </p:clrMapOvr>
+</p:sld>
+</file>
+
+<file path=ppt/slides/slide45.xml><?xml version="1.0" encoding="utf-8"?>
+<p:sld xmlns:a="http://schemas.openxmlformats.org/drawingml/2006/main" xmlns:r="http://schemas.openxmlformats.org/officeDocument/2006/relationships" xmlns:p="http://schemas.openxmlformats.org/presentationml/2006/main">
+  <p:cSld>
+    <p:spTree>
+      <p:nvGrpSpPr>
+        <p:cNvPr id="1" name="Shape 209"/>
+        <p:cNvGrpSpPr/>
+        <p:nvPr/>
+      </p:nvGrpSpPr>
+      <p:grpSpPr>
+        <a:xfrm>
+          <a:off x="0" y="0"/>
+          <a:ext cx="0" cy="0"/>
+          <a:chOff x="0" y="0"/>
+          <a:chExt cx="0" cy="0"/>
+        </a:xfrm>
+      </p:grpSpPr>
+      <p:sp>
+        <p:nvSpPr>
+          <p:cNvPr id="210" name="Google Shape;210;p34"/>
+          <p:cNvSpPr txBox="1">
+            <a:spLocks noGrp="1"/>
+          </p:cNvSpPr>
+          <p:nvPr>
+            <p:ph type="body" idx="1"/>
+          </p:nvPr>
+        </p:nvSpPr>
+        <p:spPr>
+          <a:xfrm>
+            <a:off x="3500283" y="1160720"/>
+            <a:ext cx="8229600" cy="5018854"/>
+          </a:xfrm>
+          <a:prstGeom prst="rect">
+            <a:avLst/>
+          </a:prstGeom>
+        </p:spPr>
+        <p:txBody>
+          <a:bodyPr spcFirstLastPara="1" wrap="square" lIns="91425" tIns="91425" rIns="91425" bIns="91425" anchor="t" anchorCtr="0">
+            <a:noAutofit/>
+          </a:bodyPr>
+          <a:lstStyle/>
+          <a:p>
+            <a:pPr marL="0" indent="0">
+              <a:lnSpc>
+                <a:spcPct val="115000"/>
+              </a:lnSpc>
+              <a:buNone/>
+            </a:pPr>
+            <a:endParaRPr sz="2400" dirty="0"/>
+          </a:p>
+          <a:p>
+            <a:pPr indent="-349250">
+              <a:lnSpc>
+                <a:spcPct val="115000"/>
+              </a:lnSpc>
+              <a:buSzPts val="1900"/>
+            </a:pPr>
+            <a:r>
               <a:rPr lang="en-US" sz="2400" dirty="0"/>
               <a:t>Researchers collect data in a highly structured way.</a:t>
             </a:r>
@@ -25979,15 +28114,27 @@
             </a:pPr>
             <a:r>
               <a:rPr lang="en" sz="2200" dirty="0"/>
-              <a:t>Ex. Have 100 people drink coffee at 8am and noon every day for 3 months, record how many hours of sleep they get each night. Have 100 different people abstain from coffee for 3 months, record how many hours of sleep they get each night. Compare hours of sleep between the two groups.  </a:t>
-            </a:r>
-            <a:br>
+              <a:t>Ex. Have 300 people drink coffee at 8am and noon every day for 3 months, record how many hours of sleep they get each night. Of the 300, 100 will drink full </a:t>
+            </a:r>
+            <a:r>
+              <a:rPr lang="en" sz="2200" dirty="0" err="1"/>
+              <a:t>caf</a:t>
+            </a:r>
+            <a:r>
               <a:rPr lang="en" sz="2200" dirty="0"/>
-            </a:br>
-            <a:endParaRPr sz="2200" dirty="0"/>
-          </a:p>
-          <a:p>
-            <a:pPr indent="-349250">
+              <a:t>, 100 will drink half </a:t>
+            </a:r>
+            <a:r>
+              <a:rPr lang="en" sz="2200" dirty="0" err="1"/>
+              <a:t>caf</a:t>
+            </a:r>
+            <a:r>
+              <a:rPr lang="en" sz="2200" dirty="0"/>
+              <a:t>, and 100 will drink decaf. After 3 months, compare hours of sleep across groups.  </a:t>
+            </a:r>
+          </a:p>
+          <a:p>
+            <a:pPr marL="107950" indent="0">
               <a:lnSpc>
                 <a:spcPct val="115000"/>
               </a:lnSpc>
@@ -25995,6 +28142,7 @@
                 <a:spcPts val="0"/>
               </a:spcBef>
               <a:buSzPts val="1900"/>
+              <a:buNone/>
             </a:pPr>
             <a:endParaRPr lang="en" sz="2400" dirty="0"/>
           </a:p>
@@ -26327,7 +28475,520 @@
 </p:sld>
 </file>
 
-<file path=ppt/slides/slide43.xml><?xml version="1.0" encoding="utf-8"?>
+<file path=ppt/slides/slide46.xml><?xml version="1.0" encoding="utf-8"?>
+<p:sld xmlns:a="http://schemas.openxmlformats.org/drawingml/2006/main" xmlns:r="http://schemas.openxmlformats.org/officeDocument/2006/relationships" xmlns:p="http://schemas.openxmlformats.org/presentationml/2006/main">
+  <p:cSld>
+    <p:spTree>
+      <p:nvGrpSpPr>
+        <p:cNvPr id="1" name="Shape 209"/>
+        <p:cNvGrpSpPr/>
+        <p:nvPr/>
+      </p:nvGrpSpPr>
+      <p:grpSpPr>
+        <a:xfrm>
+          <a:off x="0" y="0"/>
+          <a:ext cx="0" cy="0"/>
+          <a:chOff x="0" y="0"/>
+          <a:chExt cx="0" cy="0"/>
+        </a:xfrm>
+      </p:grpSpPr>
+      <p:sp>
+        <p:nvSpPr>
+          <p:cNvPr id="210" name="Google Shape;210;p34"/>
+          <p:cNvSpPr txBox="1">
+            <a:spLocks noGrp="1"/>
+          </p:cNvSpPr>
+          <p:nvPr>
+            <p:ph type="body" idx="1"/>
+          </p:nvPr>
+        </p:nvSpPr>
+        <p:spPr>
+          <a:xfrm>
+            <a:off x="3500283" y="1160720"/>
+            <a:ext cx="8229600" cy="5018854"/>
+          </a:xfrm>
+          <a:prstGeom prst="rect">
+            <a:avLst/>
+          </a:prstGeom>
+        </p:spPr>
+        <p:txBody>
+          <a:bodyPr spcFirstLastPara="1" wrap="square" lIns="91425" tIns="91425" rIns="91425" bIns="91425" anchor="t" anchorCtr="0">
+            <a:noAutofit/>
+          </a:bodyPr>
+          <a:lstStyle/>
+          <a:p>
+            <a:pPr marL="0" indent="0">
+              <a:lnSpc>
+                <a:spcPct val="115000"/>
+              </a:lnSpc>
+              <a:buNone/>
+            </a:pPr>
+            <a:endParaRPr sz="2400" dirty="0"/>
+          </a:p>
+          <a:p>
+            <a:pPr indent="-349250">
+              <a:lnSpc>
+                <a:spcPct val="115000"/>
+              </a:lnSpc>
+              <a:buSzPts val="1900"/>
+            </a:pPr>
+            <a:r>
+              <a:rPr lang="en-US" sz="2400" dirty="0"/>
+              <a:t>Researchers collect data in a highly structured way.</a:t>
+            </a:r>
+            <a:br>
+              <a:rPr lang="en-US" sz="2400" dirty="0"/>
+            </a:br>
+            <a:endParaRPr lang="en-US" sz="2400" dirty="0"/>
+          </a:p>
+          <a:p>
+            <a:pPr indent="-349250">
+              <a:lnSpc>
+                <a:spcPct val="115000"/>
+              </a:lnSpc>
+              <a:buSzPts val="1900"/>
+            </a:pPr>
+            <a:endParaRPr lang="en" sz="2400" dirty="0"/>
+          </a:p>
+          <a:p>
+            <a:pPr indent="-349250">
+              <a:lnSpc>
+                <a:spcPct val="115000"/>
+              </a:lnSpc>
+              <a:buSzPts val="1900"/>
+            </a:pPr>
+            <a:endParaRPr lang="en" sz="2400" dirty="0"/>
+          </a:p>
+          <a:p>
+            <a:pPr indent="-349250">
+              <a:lnSpc>
+                <a:spcPct val="115000"/>
+              </a:lnSpc>
+              <a:buSzPts val="1900"/>
+            </a:pPr>
+            <a:endParaRPr lang="en" sz="2400" dirty="0"/>
+          </a:p>
+          <a:p>
+            <a:pPr lvl="1" indent="-349250">
+              <a:lnSpc>
+                <a:spcPct val="115000"/>
+              </a:lnSpc>
+              <a:buSzPts val="1900"/>
+            </a:pPr>
+            <a:r>
+              <a:rPr lang="en" sz="2200" dirty="0"/>
+              <a:t>Ex. Have 300 people drink coffee at 8am and noon every day for 3 months, record how many hours of sleep they get each night. Of the 300, 100 will drink full </a:t>
+            </a:r>
+            <a:r>
+              <a:rPr lang="en" sz="2200" dirty="0" err="1"/>
+              <a:t>caf</a:t>
+            </a:r>
+            <a:r>
+              <a:rPr lang="en" sz="2200" dirty="0"/>
+              <a:t>, 100 will drink half </a:t>
+            </a:r>
+            <a:r>
+              <a:rPr lang="en" sz="2200" dirty="0" err="1"/>
+              <a:t>caf</a:t>
+            </a:r>
+            <a:r>
+              <a:rPr lang="en" sz="2200" dirty="0"/>
+              <a:t>, and 100 will drink decaf. After 3 months, compare hours of sleep across groups.  </a:t>
+            </a:r>
+          </a:p>
+          <a:p>
+            <a:pPr marL="107950" indent="0">
+              <a:lnSpc>
+                <a:spcPct val="115000"/>
+              </a:lnSpc>
+              <a:spcBef>
+                <a:spcPts val="0"/>
+              </a:spcBef>
+              <a:buSzPts val="1900"/>
+              <a:buNone/>
+            </a:pPr>
+            <a:endParaRPr lang="en" sz="2400" dirty="0"/>
+          </a:p>
+          <a:p>
+            <a:pPr marL="107950" indent="0">
+              <a:lnSpc>
+                <a:spcPct val="115000"/>
+              </a:lnSpc>
+              <a:spcBef>
+                <a:spcPts val="0"/>
+              </a:spcBef>
+              <a:buSzPts val="1900"/>
+              <a:buNone/>
+            </a:pPr>
+            <a:endParaRPr sz="2400" dirty="0"/>
+          </a:p>
+        </p:txBody>
+      </p:sp>
+      <p:sp>
+        <p:nvSpPr>
+          <p:cNvPr id="2" name="Title 1">
+            <a:extLst>
+              <a:ext uri="{FF2B5EF4-FFF2-40B4-BE49-F238E27FC236}">
+                <a16:creationId xmlns:a16="http://schemas.microsoft.com/office/drawing/2014/main" id="{82B01A08-C0EE-8C42-D091-7C15FD6CB6FE}"/>
+              </a:ext>
+            </a:extLst>
+          </p:cNvPr>
+          <p:cNvSpPr txBox="1">
+            <a:spLocks/>
+          </p:cNvSpPr>
+          <p:nvPr/>
+        </p:nvSpPr>
+        <p:spPr>
+          <a:xfrm>
+            <a:off x="252919" y="1123837"/>
+            <a:ext cx="2947482" cy="4601183"/>
+          </a:xfrm>
+          <a:prstGeom prst="rect">
+            <a:avLst/>
+          </a:prstGeom>
+          <a:noFill/>
+          <a:ln>
+            <a:noFill/>
+          </a:ln>
+        </p:spPr>
+        <p:txBody>
+          <a:bodyPr spcFirstLastPara="1" vert="horz" wrap="square" lIns="91425" tIns="91425" rIns="91425" bIns="91425" rtlCol="0" anchor="ctr" anchorCtr="0">
+            <a:noAutofit/>
+          </a:bodyPr>
+          <a:lstStyle>
+            <a:lvl1pPr lvl="0" algn="l" defTabSz="914400" rtl="0" eaLnBrk="1" latinLnBrk="0" hangingPunct="1">
+              <a:lnSpc>
+                <a:spcPct val="90000"/>
+              </a:lnSpc>
+              <a:spcBef>
+                <a:spcPts val="0"/>
+              </a:spcBef>
+              <a:spcAft>
+                <a:spcPts val="0"/>
+              </a:spcAft>
+              <a:buSzPts val="3600"/>
+              <a:buFont typeface="Arial"/>
+              <a:buNone/>
+              <a:defRPr sz="3600" b="1" kern="1200" spc="-60" baseline="0">
+                <a:solidFill>
+                  <a:schemeClr val="dk1"/>
+                </a:solidFill>
+                <a:latin typeface="Arial"/>
+                <a:ea typeface="Arial"/>
+                <a:cs typeface="Arial"/>
+                <a:sym typeface="Arial"/>
+              </a:defRPr>
+            </a:lvl1pPr>
+            <a:lvl2pPr lvl="1" algn="l" rtl="0">
+              <a:spcBef>
+                <a:spcPts val="0"/>
+              </a:spcBef>
+              <a:spcAft>
+                <a:spcPts val="0"/>
+              </a:spcAft>
+              <a:buSzPts val="3600"/>
+              <a:buFont typeface="Arial"/>
+              <a:buNone/>
+              <a:defRPr sz="3600" b="1">
+                <a:solidFill>
+                  <a:schemeClr val="dk1"/>
+                </a:solidFill>
+                <a:latin typeface="Arial"/>
+                <a:ea typeface="Arial"/>
+                <a:cs typeface="Arial"/>
+                <a:sym typeface="Arial"/>
+              </a:defRPr>
+            </a:lvl2pPr>
+            <a:lvl3pPr lvl="2" algn="l" rtl="0">
+              <a:spcBef>
+                <a:spcPts val="0"/>
+              </a:spcBef>
+              <a:spcAft>
+                <a:spcPts val="0"/>
+              </a:spcAft>
+              <a:buSzPts val="3600"/>
+              <a:buFont typeface="Arial"/>
+              <a:buNone/>
+              <a:defRPr sz="3600" b="1">
+                <a:solidFill>
+                  <a:schemeClr val="dk1"/>
+                </a:solidFill>
+                <a:latin typeface="Arial"/>
+                <a:ea typeface="Arial"/>
+                <a:cs typeface="Arial"/>
+                <a:sym typeface="Arial"/>
+              </a:defRPr>
+            </a:lvl3pPr>
+            <a:lvl4pPr lvl="3" algn="l" rtl="0">
+              <a:spcBef>
+                <a:spcPts val="0"/>
+              </a:spcBef>
+              <a:spcAft>
+                <a:spcPts val="0"/>
+              </a:spcAft>
+              <a:buSzPts val="3600"/>
+              <a:buFont typeface="Arial"/>
+              <a:buNone/>
+              <a:defRPr sz="3600" b="1">
+                <a:solidFill>
+                  <a:schemeClr val="dk1"/>
+                </a:solidFill>
+                <a:latin typeface="Arial"/>
+                <a:ea typeface="Arial"/>
+                <a:cs typeface="Arial"/>
+                <a:sym typeface="Arial"/>
+              </a:defRPr>
+            </a:lvl4pPr>
+            <a:lvl5pPr lvl="4" algn="l" rtl="0">
+              <a:spcBef>
+                <a:spcPts val="0"/>
+              </a:spcBef>
+              <a:spcAft>
+                <a:spcPts val="0"/>
+              </a:spcAft>
+              <a:buSzPts val="3600"/>
+              <a:buFont typeface="Arial"/>
+              <a:buNone/>
+              <a:defRPr sz="3600" b="1">
+                <a:solidFill>
+                  <a:schemeClr val="dk1"/>
+                </a:solidFill>
+                <a:latin typeface="Arial"/>
+                <a:ea typeface="Arial"/>
+                <a:cs typeface="Arial"/>
+                <a:sym typeface="Arial"/>
+              </a:defRPr>
+            </a:lvl5pPr>
+            <a:lvl6pPr lvl="5" algn="l" rtl="0">
+              <a:spcBef>
+                <a:spcPts val="0"/>
+              </a:spcBef>
+              <a:spcAft>
+                <a:spcPts val="0"/>
+              </a:spcAft>
+              <a:buSzPts val="3600"/>
+              <a:buFont typeface="Arial"/>
+              <a:buNone/>
+              <a:defRPr sz="3600" b="1">
+                <a:solidFill>
+                  <a:schemeClr val="dk1"/>
+                </a:solidFill>
+                <a:latin typeface="Arial"/>
+                <a:ea typeface="Arial"/>
+                <a:cs typeface="Arial"/>
+                <a:sym typeface="Arial"/>
+              </a:defRPr>
+            </a:lvl6pPr>
+            <a:lvl7pPr lvl="6" algn="l" rtl="0">
+              <a:spcBef>
+                <a:spcPts val="0"/>
+              </a:spcBef>
+              <a:spcAft>
+                <a:spcPts val="0"/>
+              </a:spcAft>
+              <a:buSzPts val="3600"/>
+              <a:buFont typeface="Arial"/>
+              <a:buNone/>
+              <a:defRPr sz="3600" b="1">
+                <a:solidFill>
+                  <a:schemeClr val="dk1"/>
+                </a:solidFill>
+                <a:latin typeface="Arial"/>
+                <a:ea typeface="Arial"/>
+                <a:cs typeface="Arial"/>
+                <a:sym typeface="Arial"/>
+              </a:defRPr>
+            </a:lvl7pPr>
+            <a:lvl8pPr lvl="7" algn="l" rtl="0">
+              <a:spcBef>
+                <a:spcPts val="0"/>
+              </a:spcBef>
+              <a:spcAft>
+                <a:spcPts val="0"/>
+              </a:spcAft>
+              <a:buSzPts val="3600"/>
+              <a:buFont typeface="Arial"/>
+              <a:buNone/>
+              <a:defRPr sz="3600" b="1">
+                <a:solidFill>
+                  <a:schemeClr val="dk1"/>
+                </a:solidFill>
+                <a:latin typeface="Arial"/>
+                <a:ea typeface="Arial"/>
+                <a:cs typeface="Arial"/>
+                <a:sym typeface="Arial"/>
+              </a:defRPr>
+            </a:lvl8pPr>
+            <a:lvl9pPr lvl="8" algn="l" rtl="0">
+              <a:spcBef>
+                <a:spcPts val="0"/>
+              </a:spcBef>
+              <a:spcAft>
+                <a:spcPts val="0"/>
+              </a:spcAft>
+              <a:buSzPts val="3600"/>
+              <a:buFont typeface="Arial"/>
+              <a:buNone/>
+              <a:defRPr sz="3600" b="1">
+                <a:solidFill>
+                  <a:schemeClr val="dk1"/>
+                </a:solidFill>
+                <a:latin typeface="Arial"/>
+                <a:ea typeface="Arial"/>
+                <a:cs typeface="Arial"/>
+                <a:sym typeface="Arial"/>
+              </a:defRPr>
+            </a:lvl9pPr>
+          </a:lstStyle>
+          <a:p>
+            <a:r>
+              <a:rPr lang="en-US" b="0" dirty="0">
+                <a:solidFill>
+                  <a:schemeClr val="bg1"/>
+                </a:solidFill>
+                <a:latin typeface="+mj-lt"/>
+              </a:rPr>
+              <a:t>Experimental Studies</a:t>
+            </a:r>
+          </a:p>
+        </p:txBody>
+      </p:sp>
+      <p:pic>
+        <p:nvPicPr>
+          <p:cNvPr id="3" name="Graphic 2" descr="Latte Cup outline">
+            <a:extLst>
+              <a:ext uri="{FF2B5EF4-FFF2-40B4-BE49-F238E27FC236}">
+                <a16:creationId xmlns:a16="http://schemas.microsoft.com/office/drawing/2014/main" id="{A5B2CBF6-0D58-B06C-B136-BB731D689D3B}"/>
+              </a:ext>
+            </a:extLst>
+          </p:cNvPr>
+          <p:cNvPicPr>
+            <a:picLocks noChangeAspect="1"/>
+          </p:cNvPicPr>
+          <p:nvPr/>
+        </p:nvPicPr>
+        <p:blipFill>
+          <a:blip r:embed="rId3">
+            <a:extLst>
+              <a:ext uri="{96DAC541-7B7A-43D3-8B79-37D633B846F1}">
+                <asvg:svgBlip xmlns:asvg="http://schemas.microsoft.com/office/drawing/2016/SVG/main" r:embed="rId4"/>
+              </a:ext>
+            </a:extLst>
+          </a:blip>
+          <a:stretch>
+            <a:fillRect/>
+          </a:stretch>
+        </p:blipFill>
+        <p:spPr>
+          <a:xfrm>
+            <a:off x="5446014" y="2706329"/>
+            <a:ext cx="1152488" cy="1152488"/>
+          </a:xfrm>
+          <a:prstGeom prst="rect">
+            <a:avLst/>
+          </a:prstGeom>
+        </p:spPr>
+      </p:pic>
+      <p:pic>
+        <p:nvPicPr>
+          <p:cNvPr id="4" name="Graphic 3" descr="Snooze outline">
+            <a:extLst>
+              <a:ext uri="{FF2B5EF4-FFF2-40B4-BE49-F238E27FC236}">
+                <a16:creationId xmlns:a16="http://schemas.microsoft.com/office/drawing/2014/main" id="{4F2D5CFC-78E9-D4EF-78FA-BA1810CCA175}"/>
+              </a:ext>
+            </a:extLst>
+          </p:cNvPr>
+          <p:cNvPicPr>
+            <a:picLocks noChangeAspect="1"/>
+          </p:cNvPicPr>
+          <p:nvPr/>
+        </p:nvPicPr>
+        <p:blipFill>
+          <a:blip r:embed="rId5">
+            <a:extLst>
+              <a:ext uri="{96DAC541-7B7A-43D3-8B79-37D633B846F1}">
+                <asvg:svgBlip xmlns:asvg="http://schemas.microsoft.com/office/drawing/2016/SVG/main" r:embed="rId6"/>
+              </a:ext>
+            </a:extLst>
+          </a:blip>
+          <a:stretch>
+            <a:fillRect/>
+          </a:stretch>
+        </p:blipFill>
+        <p:spPr>
+          <a:xfrm>
+            <a:off x="8039271" y="2706329"/>
+            <a:ext cx="1152488" cy="1152488"/>
+          </a:xfrm>
+          <a:prstGeom prst="rect">
+            <a:avLst/>
+          </a:prstGeom>
+        </p:spPr>
+      </p:pic>
+      <p:sp>
+        <p:nvSpPr>
+          <p:cNvPr id="5" name="TextBox 4">
+            <a:extLst>
+              <a:ext uri="{FF2B5EF4-FFF2-40B4-BE49-F238E27FC236}">
+                <a16:creationId xmlns:a16="http://schemas.microsoft.com/office/drawing/2014/main" id="{E905D000-6281-ECFB-5A9D-E217CEBE6989}"/>
+              </a:ext>
+            </a:extLst>
+          </p:cNvPr>
+          <p:cNvSpPr txBox="1"/>
+          <p:nvPr/>
+        </p:nvSpPr>
+        <p:spPr>
+          <a:xfrm>
+            <a:off x="4178708" y="6179574"/>
+            <a:ext cx="6872749" cy="510778"/>
+          </a:xfrm>
+          <a:prstGeom prst="roundRect">
+            <a:avLst/>
+          </a:prstGeom>
+        </p:spPr>
+        <p:style>
+          <a:lnRef idx="2">
+            <a:schemeClr val="accent2">
+              <a:shade val="15000"/>
+            </a:schemeClr>
+          </a:lnRef>
+          <a:fillRef idx="1">
+            <a:schemeClr val="accent2"/>
+          </a:fillRef>
+          <a:effectRef idx="0">
+            <a:schemeClr val="accent2"/>
+          </a:effectRef>
+          <a:fontRef idx="minor">
+            <a:schemeClr val="lt1"/>
+          </a:fontRef>
+        </p:style>
+        <p:txBody>
+          <a:bodyPr wrap="square" rtlCol="0">
+            <a:spAutoFit/>
+          </a:bodyPr>
+          <a:lstStyle/>
+          <a:p>
+            <a:r>
+              <a:rPr lang="en-US" sz="2400" dirty="0"/>
+              <a:t>Do you see any experimental drawbacks?</a:t>
+            </a:r>
+          </a:p>
+        </p:txBody>
+      </p:sp>
+    </p:spTree>
+    <p:extLst>
+      <p:ext uri="{BB962C8B-B14F-4D97-AF65-F5344CB8AC3E}">
+        <p14:creationId xmlns:p14="http://schemas.microsoft.com/office/powerpoint/2010/main" val="2778670785"/>
+      </p:ext>
+    </p:extLst>
+  </p:cSld>
+  <p:clrMapOvr>
+    <a:masterClrMapping/>
+  </p:clrMapOvr>
+</p:sld>
+</file>
+
+<file path=ppt/slides/slide47.xml><?xml version="1.0" encoding="utf-8"?>
 <p:sld xmlns:a="http://schemas.openxmlformats.org/drawingml/2006/main" xmlns:r="http://schemas.openxmlformats.org/officeDocument/2006/relationships" xmlns:p="http://schemas.openxmlformats.org/presentationml/2006/main">
   <p:cSld>
     <p:spTree>
@@ -26742,7 +29403,7 @@
 </p:sld>
 </file>
 
-<file path=ppt/slides/slide44.xml><?xml version="1.0" encoding="utf-8"?>
+<file path=ppt/slides/slide48.xml><?xml version="1.0" encoding="utf-8"?>
 <p:sld xmlns:a="http://schemas.openxmlformats.org/drawingml/2006/main" xmlns:r="http://schemas.openxmlformats.org/officeDocument/2006/relationships" xmlns:p="http://schemas.openxmlformats.org/presentationml/2006/main">
   <p:cSld>
     <p:spTree>
@@ -27207,7 +29868,7 @@
 </p:sld>
 </file>
 
-<file path=ppt/slides/slide45.xml><?xml version="1.0" encoding="utf-8"?>
+<file path=ppt/slides/slide49.xml><?xml version="1.0" encoding="utf-8"?>
 <p:sld xmlns:a="http://schemas.openxmlformats.org/drawingml/2006/main" xmlns:r="http://schemas.openxmlformats.org/officeDocument/2006/relationships" xmlns:p="http://schemas.openxmlformats.org/presentationml/2006/main">
   <p:cSld>
     <p:spTree>
@@ -27637,7 +30298,219 @@
 </p:sld>
 </file>
 
-<file path=ppt/slides/slide46.xml><?xml version="1.0" encoding="utf-8"?>
+<file path=ppt/slides/slide5.xml><?xml version="1.0" encoding="utf-8"?>
+<p:sld xmlns:a="http://schemas.openxmlformats.org/drawingml/2006/main" xmlns:r="http://schemas.openxmlformats.org/officeDocument/2006/relationships" xmlns:p="http://schemas.openxmlformats.org/presentationml/2006/main">
+  <p:cSld>
+    <p:spTree>
+      <p:nvGrpSpPr>
+        <p:cNvPr id="1" name="Shape 37"/>
+        <p:cNvGrpSpPr/>
+        <p:nvPr/>
+      </p:nvGrpSpPr>
+      <p:grpSpPr>
+        <a:xfrm>
+          <a:off x="0" y="0"/>
+          <a:ext cx="0" cy="0"/>
+          <a:chOff x="0" y="0"/>
+          <a:chExt cx="0" cy="0"/>
+        </a:xfrm>
+      </p:grpSpPr>
+      <p:sp>
+        <p:nvSpPr>
+          <p:cNvPr id="6" name="Title 1">
+            <a:extLst>
+              <a:ext uri="{FF2B5EF4-FFF2-40B4-BE49-F238E27FC236}">
+                <a16:creationId xmlns:a16="http://schemas.microsoft.com/office/drawing/2014/main" id="{752DB282-77A5-6635-795A-CDE6B64091C3}"/>
+              </a:ext>
+            </a:extLst>
+          </p:cNvPr>
+          <p:cNvSpPr>
+            <a:spLocks noGrp="1"/>
+          </p:cNvSpPr>
+          <p:nvPr>
+            <p:ph type="title"/>
+          </p:nvPr>
+        </p:nvSpPr>
+        <p:spPr>
+          <a:xfrm>
+            <a:off x="252919" y="1123837"/>
+            <a:ext cx="2947482" cy="4601183"/>
+          </a:xfrm>
+        </p:spPr>
+        <p:txBody>
+          <a:bodyPr anchor="ctr"/>
+          <a:lstStyle/>
+          <a:p>
+            <a:r>
+              <a:rPr lang="en-US" b="0" dirty="0">
+                <a:solidFill>
+                  <a:schemeClr val="bg1"/>
+                </a:solidFill>
+                <a:latin typeface="+mj-lt"/>
+              </a:rPr>
+              <a:t>Study Example</a:t>
+            </a:r>
+          </a:p>
+        </p:txBody>
+      </p:sp>
+      <p:sp>
+        <p:nvSpPr>
+          <p:cNvPr id="41" name="Google Shape;41;p10"/>
+          <p:cNvSpPr txBox="1">
+            <a:spLocks noGrp="1"/>
+          </p:cNvSpPr>
+          <p:nvPr>
+            <p:ph type="body" idx="1"/>
+          </p:nvPr>
+        </p:nvSpPr>
+        <p:spPr>
+          <a:xfrm flipH="1">
+            <a:off x="7962126" y="275409"/>
+            <a:ext cx="3655440" cy="1561200"/>
+          </a:xfrm>
+          <a:prstGeom prst="rect">
+            <a:avLst/>
+          </a:prstGeom>
+        </p:spPr>
+        <p:txBody>
+          <a:bodyPr spcFirstLastPara="1" wrap="square" lIns="91425" tIns="91425" rIns="91425" bIns="91425" anchor="t" anchorCtr="0">
+            <a:noAutofit/>
+          </a:bodyPr>
+          <a:lstStyle/>
+          <a:p>
+            <a:pPr marL="0" indent="0">
+              <a:buNone/>
+            </a:pPr>
+            <a:r>
+              <a:rPr lang="en" sz="2400" i="1" dirty="0">
+                <a:solidFill>
+                  <a:schemeClr val="accent1"/>
+                </a:solidFill>
+              </a:rPr>
+              <a:t>Research Question</a:t>
+            </a:r>
+            <a:r>
+              <a:rPr lang="en" sz="2400" dirty="0">
+                <a:solidFill>
+                  <a:schemeClr val="accent1"/>
+                </a:solidFill>
+              </a:rPr>
+              <a:t>: </a:t>
+            </a:r>
+            <a:r>
+              <a:rPr lang="en" sz="2400" dirty="0"/>
+              <a:t>Can people become better, more efficient runners on their own, merely by running?</a:t>
+            </a:r>
+            <a:endParaRPr sz="2400" dirty="0"/>
+          </a:p>
+        </p:txBody>
+      </p:sp>
+      <p:pic>
+        <p:nvPicPr>
+          <p:cNvPr id="39" name="Google Shape;39;p10"/>
+          <p:cNvPicPr preferRelativeResize="0"/>
+          <p:nvPr/>
+        </p:nvPicPr>
+        <p:blipFill>
+          <a:blip r:embed="rId3">
+            <a:alphaModFix/>
+          </a:blip>
+          <a:stretch>
+            <a:fillRect/>
+          </a:stretch>
+        </p:blipFill>
+        <p:spPr>
+          <a:xfrm>
+            <a:off x="3598984" y="1317033"/>
+            <a:ext cx="4187700" cy="3172700"/>
+          </a:xfrm>
+          <a:prstGeom prst="rect">
+            <a:avLst/>
+          </a:prstGeom>
+          <a:noFill/>
+          <a:ln>
+            <a:noFill/>
+          </a:ln>
+        </p:spPr>
+      </p:pic>
+      <p:sp>
+        <p:nvSpPr>
+          <p:cNvPr id="40" name="Google Shape;40;p10"/>
+          <p:cNvSpPr txBox="1"/>
+          <p:nvPr/>
+        </p:nvSpPr>
+        <p:spPr>
+          <a:xfrm>
+            <a:off x="3598984" y="4513733"/>
+            <a:ext cx="4187700" cy="1066452"/>
+          </a:xfrm>
+          <a:prstGeom prst="rect">
+            <a:avLst/>
+          </a:prstGeom>
+          <a:noFill/>
+          <a:ln>
+            <a:noFill/>
+          </a:ln>
+        </p:spPr>
+        <p:txBody>
+          <a:bodyPr spcFirstLastPara="1" wrap="square" lIns="91425" tIns="91425" rIns="91425" bIns="91425" anchor="t" anchorCtr="0">
+            <a:noAutofit/>
+          </a:bodyPr>
+          <a:lstStyle/>
+          <a:p>
+            <a:pPr defTabSz="914400">
+              <a:buClr>
+                <a:srgbClr val="000000"/>
+              </a:buClr>
+            </a:pPr>
+            <a:r>
+              <a:rPr lang="en-US" sz="3200" kern="0" dirty="0">
+                <a:solidFill>
+                  <a:srgbClr val="000000"/>
+                </a:solidFill>
+                <a:latin typeface="Arial"/>
+                <a:cs typeface="Arial"/>
+                <a:sym typeface="Arial"/>
+                <a:hlinkClick r:id="rId4"/>
+              </a:rPr>
+              <a:t>https://bit.ly/45vscjA</a:t>
+            </a:r>
+            <a:r>
+              <a:rPr lang="en" sz="3200" kern="0" dirty="0">
+                <a:solidFill>
+                  <a:srgbClr val="000000"/>
+                </a:solidFill>
+                <a:latin typeface="Arial"/>
+                <a:cs typeface="Arial"/>
+                <a:sym typeface="Arial"/>
+              </a:rPr>
+              <a:t> </a:t>
+            </a:r>
+            <a:endParaRPr sz="3200" kern="0" dirty="0">
+              <a:solidFill>
+                <a:srgbClr val="000000"/>
+              </a:solidFill>
+              <a:latin typeface="Arial"/>
+              <a:cs typeface="Arial"/>
+              <a:sym typeface="Arial"/>
+            </a:endParaRPr>
+          </a:p>
+        </p:txBody>
+      </p:sp>
+    </p:spTree>
+    <p:extLst>
+      <p:ext uri="{BB962C8B-B14F-4D97-AF65-F5344CB8AC3E}">
+        <p14:creationId xmlns:p14="http://schemas.microsoft.com/office/powerpoint/2010/main" val="2414823434"/>
+      </p:ext>
+    </p:extLst>
+  </p:cSld>
+  <p:clrMapOvr>
+    <a:masterClrMapping/>
+  </p:clrMapOvr>
+</p:sld>
+</file>
+
+<file path=ppt/slides/slide50.xml><?xml version="1.0" encoding="utf-8"?>
 <p:sld xmlns:a="http://schemas.openxmlformats.org/drawingml/2006/main" xmlns:r="http://schemas.openxmlformats.org/officeDocument/2006/relationships" xmlns:p="http://schemas.openxmlformats.org/presentationml/2006/main">
   <p:cSld>
     <p:spTree>
@@ -28056,7 +30929,7 @@
 </p:sld>
 </file>
 
-<file path=ppt/slides/slide47.xml><?xml version="1.0" encoding="utf-8"?>
+<file path=ppt/slides/slide51.xml><?xml version="1.0" encoding="utf-8"?>
 <p:sld xmlns:a="http://schemas.openxmlformats.org/drawingml/2006/main" xmlns:r="http://schemas.openxmlformats.org/officeDocument/2006/relationships" xmlns:p="http://schemas.openxmlformats.org/presentationml/2006/main">
   <p:cSld>
     <p:spTree>
@@ -28497,7 +31370,7 @@
 </p:sld>
 </file>
 
-<file path=ppt/slides/slide48.xml><?xml version="1.0" encoding="utf-8"?>
+<file path=ppt/slides/slide52.xml><?xml version="1.0" encoding="utf-8"?>
 <p:sld xmlns:a="http://schemas.openxmlformats.org/drawingml/2006/main" xmlns:r="http://schemas.openxmlformats.org/officeDocument/2006/relationships" xmlns:p="http://schemas.openxmlformats.org/presentationml/2006/main">
   <p:cSld>
     <p:spTree>
@@ -29076,7 +31949,7 @@
 </p:sld>
 </file>
 
-<file path=ppt/slides/slide49.xml><?xml version="1.0" encoding="utf-8"?>
+<file path=ppt/slides/slide53.xml><?xml version="1.0" encoding="utf-8"?>
 <p:sld xmlns:a="http://schemas.openxmlformats.org/drawingml/2006/main" xmlns:r="http://schemas.openxmlformats.org/officeDocument/2006/relationships" xmlns:p="http://schemas.openxmlformats.org/presentationml/2006/main">
   <p:cSld>
     <p:spTree>
@@ -29554,219 +32427,7 @@
 </p:sld>
 </file>
 
-<file path=ppt/slides/slide5.xml><?xml version="1.0" encoding="utf-8"?>
-<p:sld xmlns:a="http://schemas.openxmlformats.org/drawingml/2006/main" xmlns:r="http://schemas.openxmlformats.org/officeDocument/2006/relationships" xmlns:p="http://schemas.openxmlformats.org/presentationml/2006/main">
-  <p:cSld>
-    <p:spTree>
-      <p:nvGrpSpPr>
-        <p:cNvPr id="1" name="Shape 37"/>
-        <p:cNvGrpSpPr/>
-        <p:nvPr/>
-      </p:nvGrpSpPr>
-      <p:grpSpPr>
-        <a:xfrm>
-          <a:off x="0" y="0"/>
-          <a:ext cx="0" cy="0"/>
-          <a:chOff x="0" y="0"/>
-          <a:chExt cx="0" cy="0"/>
-        </a:xfrm>
-      </p:grpSpPr>
-      <p:sp>
-        <p:nvSpPr>
-          <p:cNvPr id="6" name="Title 1">
-            <a:extLst>
-              <a:ext uri="{FF2B5EF4-FFF2-40B4-BE49-F238E27FC236}">
-                <a16:creationId xmlns:a16="http://schemas.microsoft.com/office/drawing/2014/main" id="{752DB282-77A5-6635-795A-CDE6B64091C3}"/>
-              </a:ext>
-            </a:extLst>
-          </p:cNvPr>
-          <p:cNvSpPr>
-            <a:spLocks noGrp="1"/>
-          </p:cNvSpPr>
-          <p:nvPr>
-            <p:ph type="title"/>
-          </p:nvPr>
-        </p:nvSpPr>
-        <p:spPr>
-          <a:xfrm>
-            <a:off x="252919" y="1123837"/>
-            <a:ext cx="2947482" cy="4601183"/>
-          </a:xfrm>
-        </p:spPr>
-        <p:txBody>
-          <a:bodyPr anchor="ctr"/>
-          <a:lstStyle/>
-          <a:p>
-            <a:r>
-              <a:rPr lang="en-US" b="0" dirty="0">
-                <a:solidFill>
-                  <a:schemeClr val="bg1"/>
-                </a:solidFill>
-                <a:latin typeface="+mj-lt"/>
-              </a:rPr>
-              <a:t>Study Example</a:t>
-            </a:r>
-          </a:p>
-        </p:txBody>
-      </p:sp>
-      <p:sp>
-        <p:nvSpPr>
-          <p:cNvPr id="41" name="Google Shape;41;p10"/>
-          <p:cNvSpPr txBox="1">
-            <a:spLocks noGrp="1"/>
-          </p:cNvSpPr>
-          <p:nvPr>
-            <p:ph type="body" idx="1"/>
-          </p:nvPr>
-        </p:nvSpPr>
-        <p:spPr>
-          <a:xfrm flipH="1">
-            <a:off x="7962126" y="275409"/>
-            <a:ext cx="3655440" cy="1561200"/>
-          </a:xfrm>
-          <a:prstGeom prst="rect">
-            <a:avLst/>
-          </a:prstGeom>
-        </p:spPr>
-        <p:txBody>
-          <a:bodyPr spcFirstLastPara="1" wrap="square" lIns="91425" tIns="91425" rIns="91425" bIns="91425" anchor="t" anchorCtr="0">
-            <a:noAutofit/>
-          </a:bodyPr>
-          <a:lstStyle/>
-          <a:p>
-            <a:pPr marL="0" indent="0">
-              <a:buNone/>
-            </a:pPr>
-            <a:r>
-              <a:rPr lang="en" sz="2400" i="1" dirty="0">
-                <a:solidFill>
-                  <a:schemeClr val="accent1"/>
-                </a:solidFill>
-              </a:rPr>
-              <a:t>Research Question</a:t>
-            </a:r>
-            <a:r>
-              <a:rPr lang="en" sz="2400" dirty="0">
-                <a:solidFill>
-                  <a:schemeClr val="accent1"/>
-                </a:solidFill>
-              </a:rPr>
-              <a:t>: </a:t>
-            </a:r>
-            <a:r>
-              <a:rPr lang="en" sz="2400" dirty="0"/>
-              <a:t>Can people become better, more efficient runners on their own, merely by running?</a:t>
-            </a:r>
-            <a:endParaRPr sz="2400" dirty="0"/>
-          </a:p>
-        </p:txBody>
-      </p:sp>
-      <p:pic>
-        <p:nvPicPr>
-          <p:cNvPr id="39" name="Google Shape;39;p10"/>
-          <p:cNvPicPr preferRelativeResize="0"/>
-          <p:nvPr/>
-        </p:nvPicPr>
-        <p:blipFill>
-          <a:blip r:embed="rId3">
-            <a:alphaModFix/>
-          </a:blip>
-          <a:stretch>
-            <a:fillRect/>
-          </a:stretch>
-        </p:blipFill>
-        <p:spPr>
-          <a:xfrm>
-            <a:off x="3598984" y="1317033"/>
-            <a:ext cx="4187700" cy="3172700"/>
-          </a:xfrm>
-          <a:prstGeom prst="rect">
-            <a:avLst/>
-          </a:prstGeom>
-          <a:noFill/>
-          <a:ln>
-            <a:noFill/>
-          </a:ln>
-        </p:spPr>
-      </p:pic>
-      <p:sp>
-        <p:nvSpPr>
-          <p:cNvPr id="40" name="Google Shape;40;p10"/>
-          <p:cNvSpPr txBox="1"/>
-          <p:nvPr/>
-        </p:nvSpPr>
-        <p:spPr>
-          <a:xfrm>
-            <a:off x="3598984" y="4513733"/>
-            <a:ext cx="4187700" cy="1066452"/>
-          </a:xfrm>
-          <a:prstGeom prst="rect">
-            <a:avLst/>
-          </a:prstGeom>
-          <a:noFill/>
-          <a:ln>
-            <a:noFill/>
-          </a:ln>
-        </p:spPr>
-        <p:txBody>
-          <a:bodyPr spcFirstLastPara="1" wrap="square" lIns="91425" tIns="91425" rIns="91425" bIns="91425" anchor="t" anchorCtr="0">
-            <a:noAutofit/>
-          </a:bodyPr>
-          <a:lstStyle/>
-          <a:p>
-            <a:pPr defTabSz="914400">
-              <a:buClr>
-                <a:srgbClr val="000000"/>
-              </a:buClr>
-            </a:pPr>
-            <a:r>
-              <a:rPr lang="en-US" sz="3200" kern="0" dirty="0">
-                <a:solidFill>
-                  <a:srgbClr val="000000"/>
-                </a:solidFill>
-                <a:latin typeface="Arial"/>
-                <a:cs typeface="Arial"/>
-                <a:sym typeface="Arial"/>
-                <a:hlinkClick r:id="rId4"/>
-              </a:rPr>
-              <a:t>https://bit.ly/45vscjA</a:t>
-            </a:r>
-            <a:r>
-              <a:rPr lang="en" sz="3200" kern="0" dirty="0">
-                <a:solidFill>
-                  <a:srgbClr val="000000"/>
-                </a:solidFill>
-                <a:latin typeface="Arial"/>
-                <a:cs typeface="Arial"/>
-                <a:sym typeface="Arial"/>
-              </a:rPr>
-              <a:t> </a:t>
-            </a:r>
-            <a:endParaRPr sz="3200" kern="0" dirty="0">
-              <a:solidFill>
-                <a:srgbClr val="000000"/>
-              </a:solidFill>
-              <a:latin typeface="Arial"/>
-              <a:cs typeface="Arial"/>
-              <a:sym typeface="Arial"/>
-            </a:endParaRPr>
-          </a:p>
-        </p:txBody>
-      </p:sp>
-    </p:spTree>
-    <p:extLst>
-      <p:ext uri="{BB962C8B-B14F-4D97-AF65-F5344CB8AC3E}">
-        <p14:creationId xmlns:p14="http://schemas.microsoft.com/office/powerpoint/2010/main" val="2414823434"/>
-      </p:ext>
-    </p:extLst>
-  </p:cSld>
-  <p:clrMapOvr>
-    <a:masterClrMapping/>
-  </p:clrMapOvr>
-</p:sld>
-</file>
-
-<file path=ppt/slides/slide50.xml><?xml version="1.0" encoding="utf-8"?>
+<file path=ppt/slides/slide54.xml><?xml version="1.0" encoding="utf-8"?>
 <p:sld xmlns:a="http://schemas.openxmlformats.org/drawingml/2006/main" xmlns:r="http://schemas.openxmlformats.org/officeDocument/2006/relationships" xmlns:p="http://schemas.openxmlformats.org/presentationml/2006/main">
   <p:cSld>
     <p:spTree>
@@ -30249,7 +32910,7 @@
 </p:sld>
 </file>
 
-<file path=ppt/slides/slide51.xml><?xml version="1.0" encoding="utf-8"?>
+<file path=ppt/slides/slide55.xml><?xml version="1.0" encoding="utf-8"?>
 <p:sld xmlns:a="http://schemas.openxmlformats.org/drawingml/2006/main" xmlns:r="http://schemas.openxmlformats.org/officeDocument/2006/relationships" xmlns:p="http://schemas.openxmlformats.org/presentationml/2006/main">
   <p:cSld>
     <p:spTree>
@@ -30676,7 +33337,7 @@
 </p:sld>
 </file>
 
-<file path=ppt/slides/slide52.xml><?xml version="1.0" encoding="utf-8"?>
+<file path=ppt/slides/slide56.xml><?xml version="1.0" encoding="utf-8"?>
 <p:sld xmlns:a="http://schemas.openxmlformats.org/drawingml/2006/main" xmlns:r="http://schemas.openxmlformats.org/officeDocument/2006/relationships" xmlns:p="http://schemas.openxmlformats.org/presentationml/2006/main">
   <p:cSld>
     <p:spTree>
@@ -31164,7 +33825,7 @@
 </p:sld>
 </file>
 
-<file path=ppt/slides/slide53.xml><?xml version="1.0" encoding="utf-8"?>
+<file path=ppt/slides/slide57.xml><?xml version="1.0" encoding="utf-8"?>
 <p:sld xmlns:a="http://schemas.openxmlformats.org/drawingml/2006/main" xmlns:r="http://schemas.openxmlformats.org/officeDocument/2006/relationships" xmlns:p="http://schemas.openxmlformats.org/presentationml/2006/main">
   <p:cSld>
     <p:spTree>
@@ -31502,7 +34163,7 @@
 </p:sld>
 </file>
 
-<file path=ppt/slides/slide54.xml><?xml version="1.0" encoding="utf-8"?>
+<file path=ppt/slides/slide58.xml><?xml version="1.0" encoding="utf-8"?>
 <p:sld xmlns:a="http://schemas.openxmlformats.org/drawingml/2006/main" xmlns:r="http://schemas.openxmlformats.org/officeDocument/2006/relationships" xmlns:p="http://schemas.openxmlformats.org/presentationml/2006/main">
   <p:cSld>
     <p:spTree>

--- a/slides/02-data-collection.pptx
+++ b/slides/02-data-collection.pptx
@@ -5,7 +5,7 @@
     <p:sldMasterId id="2147483672" r:id="rId1"/>
   </p:sldMasterIdLst>
   <p:notesMasterIdLst>
-    <p:notesMasterId r:id="rId70"/>
+    <p:notesMasterId r:id="rId71"/>
   </p:notesMasterIdLst>
   <p:sldIdLst>
     <p:sldId id="256" r:id="rId2"/>
@@ -59,23 +59,24 @@
     <p:sldId id="342" r:id="rId50"/>
     <p:sldId id="361" r:id="rId51"/>
     <p:sldId id="364" r:id="rId52"/>
-    <p:sldId id="371" r:id="rId53"/>
-    <p:sldId id="372" r:id="rId54"/>
-    <p:sldId id="366" r:id="rId55"/>
-    <p:sldId id="365" r:id="rId56"/>
-    <p:sldId id="367" r:id="rId57"/>
-    <p:sldId id="370" r:id="rId58"/>
-    <p:sldId id="294" r:id="rId59"/>
-    <p:sldId id="299" r:id="rId60"/>
-    <p:sldId id="344" r:id="rId61"/>
-    <p:sldId id="343" r:id="rId62"/>
-    <p:sldId id="345" r:id="rId63"/>
-    <p:sldId id="300" r:id="rId64"/>
-    <p:sldId id="347" r:id="rId65"/>
-    <p:sldId id="302" r:id="rId66"/>
-    <p:sldId id="303" r:id="rId67"/>
-    <p:sldId id="306" r:id="rId68"/>
-    <p:sldId id="348" r:id="rId69"/>
+    <p:sldId id="373" r:id="rId53"/>
+    <p:sldId id="371" r:id="rId54"/>
+    <p:sldId id="372" r:id="rId55"/>
+    <p:sldId id="366" r:id="rId56"/>
+    <p:sldId id="365" r:id="rId57"/>
+    <p:sldId id="367" r:id="rId58"/>
+    <p:sldId id="370" r:id="rId59"/>
+    <p:sldId id="294" r:id="rId60"/>
+    <p:sldId id="299" r:id="rId61"/>
+    <p:sldId id="344" r:id="rId62"/>
+    <p:sldId id="343" r:id="rId63"/>
+    <p:sldId id="345" r:id="rId64"/>
+    <p:sldId id="300" r:id="rId65"/>
+    <p:sldId id="347" r:id="rId66"/>
+    <p:sldId id="302" r:id="rId67"/>
+    <p:sldId id="303" r:id="rId68"/>
+    <p:sldId id="306" r:id="rId69"/>
+    <p:sldId id="348" r:id="rId70"/>
   </p:sldIdLst>
   <p:sldSz cx="12192000" cy="6858000"/>
   <p:notesSz cx="6858000" cy="9144000"/>
@@ -264,7 +265,7 @@
           <a:p>
             <a:fld id="{2DA3ADC8-0AFD-F647-904F-5290280CD8F0}" type="datetimeFigureOut">
               <a:rPr lang="en-US" smtClean="0"/>
-              <a:t>9/6/23</a:t>
+              <a:t>9/7/23</a:t>
             </a:fld>
             <a:endParaRPr lang="en-US"/>
           </a:p>
@@ -5424,7 +5425,7 @@
     </p:spTree>
     <p:extLst>
       <p:ext uri="{BB962C8B-B14F-4D97-AF65-F5344CB8AC3E}">
-        <p14:creationId xmlns:p14="http://schemas.microsoft.com/office/powerpoint/2010/main" val="3958765042"/>
+        <p14:creationId xmlns:p14="http://schemas.microsoft.com/office/powerpoint/2010/main" val="3888265568"/>
       </p:ext>
     </p:extLst>
   </p:cSld>
@@ -5533,7 +5534,7 @@
     </p:spTree>
     <p:extLst>
       <p:ext uri="{BB962C8B-B14F-4D97-AF65-F5344CB8AC3E}">
-        <p14:creationId xmlns:p14="http://schemas.microsoft.com/office/powerpoint/2010/main" val="2840911367"/>
+        <p14:creationId xmlns:p14="http://schemas.microsoft.com/office/powerpoint/2010/main" val="3958765042"/>
       </p:ext>
     </p:extLst>
   </p:cSld>
@@ -5642,7 +5643,7 @@
     </p:spTree>
     <p:extLst>
       <p:ext uri="{BB962C8B-B14F-4D97-AF65-F5344CB8AC3E}">
-        <p14:creationId xmlns:p14="http://schemas.microsoft.com/office/powerpoint/2010/main" val="2216817927"/>
+        <p14:creationId xmlns:p14="http://schemas.microsoft.com/office/powerpoint/2010/main" val="2840911367"/>
       </p:ext>
     </p:extLst>
   </p:cSld>
@@ -5744,14 +5745,14 @@
               </a:spcAft>
               <a:buNone/>
             </a:pPr>
-            <a:endParaRPr/>
+            <a:endParaRPr dirty="0"/>
           </a:p>
         </p:txBody>
       </p:sp>
     </p:spTree>
     <p:extLst>
       <p:ext uri="{BB962C8B-B14F-4D97-AF65-F5344CB8AC3E}">
-        <p14:creationId xmlns:p14="http://schemas.microsoft.com/office/powerpoint/2010/main" val="3612191391"/>
+        <p14:creationId xmlns:p14="http://schemas.microsoft.com/office/powerpoint/2010/main" val="2216817927"/>
       </p:ext>
     </p:extLst>
   </p:cSld>
@@ -5853,14 +5854,14 @@
               </a:spcAft>
               <a:buNone/>
             </a:pPr>
-            <a:endParaRPr dirty="0"/>
+            <a:endParaRPr/>
           </a:p>
         </p:txBody>
       </p:sp>
     </p:spTree>
     <p:extLst>
       <p:ext uri="{BB962C8B-B14F-4D97-AF65-F5344CB8AC3E}">
-        <p14:creationId xmlns:p14="http://schemas.microsoft.com/office/powerpoint/2010/main" val="2274228886"/>
+        <p14:creationId xmlns:p14="http://schemas.microsoft.com/office/powerpoint/2010/main" val="3612191391"/>
       </p:ext>
     </p:extLst>
   </p:cSld>
@@ -6071,6 +6072,115 @@
               </a:spcAft>
               <a:buNone/>
             </a:pPr>
+            <a:endParaRPr dirty="0"/>
+          </a:p>
+        </p:txBody>
+      </p:sp>
+    </p:spTree>
+    <p:extLst>
+      <p:ext uri="{BB962C8B-B14F-4D97-AF65-F5344CB8AC3E}">
+        <p14:creationId xmlns:p14="http://schemas.microsoft.com/office/powerpoint/2010/main" val="2274228886"/>
+      </p:ext>
+    </p:extLst>
+  </p:cSld>
+  <p:clrMapOvr>
+    <a:masterClrMapping/>
+  </p:clrMapOvr>
+</p:notes>
+</file>
+
+<file path=ppt/notesSlides/notesSlide51.xml><?xml version="1.0" encoding="utf-8"?>
+<p:notes xmlns:a="http://schemas.openxmlformats.org/drawingml/2006/main" xmlns:r="http://schemas.openxmlformats.org/officeDocument/2006/relationships" xmlns:p="http://schemas.openxmlformats.org/presentationml/2006/main" showMasterSp="0" showMasterPhAnim="0">
+  <p:cSld>
+    <p:spTree>
+      <p:nvGrpSpPr>
+        <p:cNvPr id="1" name="Shape 206"/>
+        <p:cNvGrpSpPr/>
+        <p:nvPr/>
+      </p:nvGrpSpPr>
+      <p:grpSpPr>
+        <a:xfrm>
+          <a:off x="0" y="0"/>
+          <a:ext cx="0" cy="0"/>
+          <a:chOff x="0" y="0"/>
+          <a:chExt cx="0" cy="0"/>
+        </a:xfrm>
+      </p:grpSpPr>
+      <p:sp>
+        <p:nvSpPr>
+          <p:cNvPr id="207" name="Google Shape;207;g5e3f4971ae_0_225:notes"/>
+          <p:cNvSpPr>
+            <a:spLocks noGrp="1" noRot="1" noChangeAspect="1"/>
+          </p:cNvSpPr>
+          <p:nvPr>
+            <p:ph type="sldImg" idx="2"/>
+          </p:nvPr>
+        </p:nvSpPr>
+        <p:spPr>
+          <a:xfrm>
+            <a:off x="381000" y="685800"/>
+            <a:ext cx="6096000" cy="3429000"/>
+          </a:xfrm>
+          <a:custGeom>
+            <a:avLst/>
+            <a:gdLst/>
+            <a:ahLst/>
+            <a:cxnLst/>
+            <a:rect l="l" t="t" r="r" b="b"/>
+            <a:pathLst>
+              <a:path w="120000" h="120000" extrusionOk="0">
+                <a:moveTo>
+                  <a:pt x="0" y="0"/>
+                </a:moveTo>
+                <a:lnTo>
+                  <a:pt x="120000" y="0"/>
+                </a:lnTo>
+                <a:lnTo>
+                  <a:pt x="120000" y="120000"/>
+                </a:lnTo>
+                <a:lnTo>
+                  <a:pt x="0" y="120000"/>
+                </a:lnTo>
+                <a:close/>
+              </a:path>
+            </a:pathLst>
+          </a:custGeom>
+        </p:spPr>
+      </p:sp>
+      <p:sp>
+        <p:nvSpPr>
+          <p:cNvPr id="208" name="Google Shape;208;g5e3f4971ae_0_225:notes"/>
+          <p:cNvSpPr txBox="1">
+            <a:spLocks noGrp="1"/>
+          </p:cNvSpPr>
+          <p:nvPr>
+            <p:ph type="body" idx="1"/>
+          </p:nvPr>
+        </p:nvSpPr>
+        <p:spPr>
+          <a:xfrm>
+            <a:off x="685800" y="4343400"/>
+            <a:ext cx="5486400" cy="4114800"/>
+          </a:xfrm>
+          <a:prstGeom prst="rect">
+            <a:avLst/>
+          </a:prstGeom>
+        </p:spPr>
+        <p:txBody>
+          <a:bodyPr spcFirstLastPara="1" wrap="square" lIns="91425" tIns="91425" rIns="91425" bIns="91425" anchor="t" anchorCtr="0">
+            <a:noAutofit/>
+          </a:bodyPr>
+          <a:lstStyle/>
+          <a:p>
+            <a:pPr marL="0" lvl="0" indent="0" algn="l" rtl="0">
+              <a:spcBef>
+                <a:spcPts val="0"/>
+              </a:spcBef>
+              <a:spcAft>
+                <a:spcPts val="0"/>
+              </a:spcAft>
+              <a:buNone/>
+            </a:pPr>
             <a:endParaRPr/>
           </a:p>
         </p:txBody>
@@ -6088,7 +6198,7 @@
 </p:notes>
 </file>
 
-<file path=ppt/notesSlides/notesSlide51.xml><?xml version="1.0" encoding="utf-8"?>
+<file path=ppt/notesSlides/notesSlide52.xml><?xml version="1.0" encoding="utf-8"?>
 <p:notes xmlns:a="http://schemas.openxmlformats.org/drawingml/2006/main" xmlns:r="http://schemas.openxmlformats.org/officeDocument/2006/relationships" xmlns:p="http://schemas.openxmlformats.org/presentationml/2006/main" showMasterSp="0" showMasterPhAnim="0">
   <p:cSld>
     <p:spTree>
@@ -6181,110 +6291,6 @@
               <a:buNone/>
             </a:pPr>
             <a:endParaRPr/>
-          </a:p>
-        </p:txBody>
-      </p:sp>
-    </p:spTree>
-  </p:cSld>
-  <p:clrMapOvr>
-    <a:masterClrMapping/>
-  </p:clrMapOvr>
-</p:notes>
-</file>
-
-<file path=ppt/notesSlides/notesSlide52.xml><?xml version="1.0" encoding="utf-8"?>
-<p:notes xmlns:a="http://schemas.openxmlformats.org/drawingml/2006/main" xmlns:r="http://schemas.openxmlformats.org/officeDocument/2006/relationships" xmlns:p="http://schemas.openxmlformats.org/presentationml/2006/main" showMasterSp="0" showMasterPhAnim="0">
-  <p:cSld>
-    <p:spTree>
-      <p:nvGrpSpPr>
-        <p:cNvPr id="1" name="Shape 74"/>
-        <p:cNvGrpSpPr/>
-        <p:nvPr/>
-      </p:nvGrpSpPr>
-      <p:grpSpPr>
-        <a:xfrm>
-          <a:off x="0" y="0"/>
-          <a:ext cx="0" cy="0"/>
-          <a:chOff x="0" y="0"/>
-          <a:chExt cx="0" cy="0"/>
-        </a:xfrm>
-      </p:grpSpPr>
-      <p:sp>
-        <p:nvSpPr>
-          <p:cNvPr id="75" name="Google Shape;75;g16c697d3e1_0_86:notes"/>
-          <p:cNvSpPr>
-            <a:spLocks noGrp="1" noRot="1" noChangeAspect="1"/>
-          </p:cNvSpPr>
-          <p:nvPr>
-            <p:ph type="sldImg" idx="2"/>
-          </p:nvPr>
-        </p:nvSpPr>
-        <p:spPr>
-          <a:xfrm>
-            <a:off x="381000" y="685800"/>
-            <a:ext cx="6096000" cy="3429000"/>
-          </a:xfrm>
-          <a:custGeom>
-            <a:avLst/>
-            <a:gdLst/>
-            <a:ahLst/>
-            <a:cxnLst/>
-            <a:rect l="l" t="t" r="r" b="b"/>
-            <a:pathLst>
-              <a:path w="120000" h="120000" extrusionOk="0">
-                <a:moveTo>
-                  <a:pt x="0" y="0"/>
-                </a:moveTo>
-                <a:lnTo>
-                  <a:pt x="120000" y="0"/>
-                </a:lnTo>
-                <a:lnTo>
-                  <a:pt x="120000" y="120000"/>
-                </a:lnTo>
-                <a:lnTo>
-                  <a:pt x="0" y="120000"/>
-                </a:lnTo>
-                <a:close/>
-              </a:path>
-            </a:pathLst>
-          </a:custGeom>
-        </p:spPr>
-      </p:sp>
-      <p:sp>
-        <p:nvSpPr>
-          <p:cNvPr id="76" name="Google Shape;76;g16c697d3e1_0_86:notes"/>
-          <p:cNvSpPr txBox="1">
-            <a:spLocks noGrp="1"/>
-          </p:cNvSpPr>
-          <p:nvPr>
-            <p:ph type="body" idx="1"/>
-          </p:nvPr>
-        </p:nvSpPr>
-        <p:spPr>
-          <a:xfrm>
-            <a:off x="685800" y="4343400"/>
-            <a:ext cx="5486400" cy="4114800"/>
-          </a:xfrm>
-          <a:prstGeom prst="rect">
-            <a:avLst/>
-          </a:prstGeom>
-        </p:spPr>
-        <p:txBody>
-          <a:bodyPr spcFirstLastPara="1" wrap="square" lIns="91425" tIns="91425" rIns="91425" bIns="91425" anchor="t" anchorCtr="0">
-            <a:noAutofit/>
-          </a:bodyPr>
-          <a:lstStyle/>
-          <a:p>
-            <a:pPr marL="0" lvl="0" indent="0" algn="l" rtl="0">
-              <a:spcBef>
-                <a:spcPts val="0"/>
-              </a:spcBef>
-              <a:spcAft>
-                <a:spcPts val="0"/>
-              </a:spcAft>
-              <a:buNone/>
-            </a:pPr>
-            <a:endParaRPr dirty="0"/>
           </a:p>
         </p:txBody>
       </p:sp>
@@ -6393,11 +6399,6 @@
         </p:txBody>
       </p:sp>
     </p:spTree>
-    <p:extLst>
-      <p:ext uri="{BB962C8B-B14F-4D97-AF65-F5344CB8AC3E}">
-        <p14:creationId xmlns:p14="http://schemas.microsoft.com/office/powerpoint/2010/main" val="371905929"/>
-      </p:ext>
-    </p:extLst>
   </p:cSld>
   <p:clrMapOvr>
     <a:masterClrMapping/>
@@ -6497,14 +6498,14 @@
               </a:spcAft>
               <a:buNone/>
             </a:pPr>
-            <a:endParaRPr/>
+            <a:endParaRPr dirty="0"/>
           </a:p>
         </p:txBody>
       </p:sp>
     </p:spTree>
     <p:extLst>
       <p:ext uri="{BB962C8B-B14F-4D97-AF65-F5344CB8AC3E}">
-        <p14:creationId xmlns:p14="http://schemas.microsoft.com/office/powerpoint/2010/main" val="2328390064"/>
+        <p14:creationId xmlns:p14="http://schemas.microsoft.com/office/powerpoint/2010/main" val="371905929"/>
       </p:ext>
     </p:extLst>
   </p:cSld>
@@ -6606,14 +6607,14 @@
               </a:spcAft>
               <a:buNone/>
             </a:pPr>
-            <a:endParaRPr dirty="0"/>
+            <a:endParaRPr/>
           </a:p>
         </p:txBody>
       </p:sp>
     </p:spTree>
     <p:extLst>
       <p:ext uri="{BB962C8B-B14F-4D97-AF65-F5344CB8AC3E}">
-        <p14:creationId xmlns:p14="http://schemas.microsoft.com/office/powerpoint/2010/main" val="2419417555"/>
+        <p14:creationId xmlns:p14="http://schemas.microsoft.com/office/powerpoint/2010/main" val="2328390064"/>
       </p:ext>
     </p:extLst>
   </p:cSld>
@@ -6628,7 +6629,7 @@
   <p:cSld>
     <p:spTree>
       <p:nvGrpSpPr>
-        <p:cNvPr id="1" name="Shape 85"/>
+        <p:cNvPr id="1" name="Shape 74"/>
         <p:cNvGrpSpPr/>
         <p:nvPr/>
       </p:nvGrpSpPr>
@@ -6642,7 +6643,7 @@
       </p:grpSpPr>
       <p:sp>
         <p:nvSpPr>
-          <p:cNvPr id="86" name="Google Shape;86;ge2b886a0_074:notes"/>
+          <p:cNvPr id="75" name="Google Shape;75;g16c697d3e1_0_86:notes"/>
           <p:cNvSpPr>
             <a:spLocks noGrp="1" noRot="1" noChangeAspect="1"/>
           </p:cNvSpPr>
@@ -6683,7 +6684,7 @@
       </p:sp>
       <p:sp>
         <p:nvSpPr>
-          <p:cNvPr id="87" name="Google Shape;87;ge2b886a0_074:notes"/>
+          <p:cNvPr id="76" name="Google Shape;76;g16c697d3e1_0_86:notes"/>
           <p:cNvSpPr txBox="1">
             <a:spLocks noGrp="1"/>
           </p:cNvSpPr>
@@ -6715,11 +6716,16 @@
               </a:spcAft>
               <a:buNone/>
             </a:pPr>
-            <a:endParaRPr/>
+            <a:endParaRPr dirty="0"/>
           </a:p>
         </p:txBody>
       </p:sp>
     </p:spTree>
+    <p:extLst>
+      <p:ext uri="{BB962C8B-B14F-4D97-AF65-F5344CB8AC3E}">
+        <p14:creationId xmlns:p14="http://schemas.microsoft.com/office/powerpoint/2010/main" val="2419417555"/>
+      </p:ext>
+    </p:extLst>
   </p:cSld>
   <p:clrMapOvr>
     <a:masterClrMapping/>
@@ -6824,6 +6830,110 @@
         </p:txBody>
       </p:sp>
     </p:spTree>
+  </p:cSld>
+  <p:clrMapOvr>
+    <a:masterClrMapping/>
+  </p:clrMapOvr>
+</p:notes>
+</file>
+
+<file path=ppt/notesSlides/notesSlide58.xml><?xml version="1.0" encoding="utf-8"?>
+<p:notes xmlns:a="http://schemas.openxmlformats.org/drawingml/2006/main" xmlns:r="http://schemas.openxmlformats.org/officeDocument/2006/relationships" xmlns:p="http://schemas.openxmlformats.org/presentationml/2006/main" showMasterSp="0" showMasterPhAnim="0">
+  <p:cSld>
+    <p:spTree>
+      <p:nvGrpSpPr>
+        <p:cNvPr id="1" name="Shape 85"/>
+        <p:cNvGrpSpPr/>
+        <p:nvPr/>
+      </p:nvGrpSpPr>
+      <p:grpSpPr>
+        <a:xfrm>
+          <a:off x="0" y="0"/>
+          <a:ext cx="0" cy="0"/>
+          <a:chOff x="0" y="0"/>
+          <a:chExt cx="0" cy="0"/>
+        </a:xfrm>
+      </p:grpSpPr>
+      <p:sp>
+        <p:nvSpPr>
+          <p:cNvPr id="86" name="Google Shape;86;ge2b886a0_074:notes"/>
+          <p:cNvSpPr>
+            <a:spLocks noGrp="1" noRot="1" noChangeAspect="1"/>
+          </p:cNvSpPr>
+          <p:nvPr>
+            <p:ph type="sldImg" idx="2"/>
+          </p:nvPr>
+        </p:nvSpPr>
+        <p:spPr>
+          <a:xfrm>
+            <a:off x="381000" y="685800"/>
+            <a:ext cx="6096000" cy="3429000"/>
+          </a:xfrm>
+          <a:custGeom>
+            <a:avLst/>
+            <a:gdLst/>
+            <a:ahLst/>
+            <a:cxnLst/>
+            <a:rect l="l" t="t" r="r" b="b"/>
+            <a:pathLst>
+              <a:path w="120000" h="120000" extrusionOk="0">
+                <a:moveTo>
+                  <a:pt x="0" y="0"/>
+                </a:moveTo>
+                <a:lnTo>
+                  <a:pt x="120000" y="0"/>
+                </a:lnTo>
+                <a:lnTo>
+                  <a:pt x="120000" y="120000"/>
+                </a:lnTo>
+                <a:lnTo>
+                  <a:pt x="0" y="120000"/>
+                </a:lnTo>
+                <a:close/>
+              </a:path>
+            </a:pathLst>
+          </a:custGeom>
+        </p:spPr>
+      </p:sp>
+      <p:sp>
+        <p:nvSpPr>
+          <p:cNvPr id="87" name="Google Shape;87;ge2b886a0_074:notes"/>
+          <p:cNvSpPr txBox="1">
+            <a:spLocks noGrp="1"/>
+          </p:cNvSpPr>
+          <p:nvPr>
+            <p:ph type="body" idx="1"/>
+          </p:nvPr>
+        </p:nvSpPr>
+        <p:spPr>
+          <a:xfrm>
+            <a:off x="685800" y="4343400"/>
+            <a:ext cx="5486400" cy="4114800"/>
+          </a:xfrm>
+          <a:prstGeom prst="rect">
+            <a:avLst/>
+          </a:prstGeom>
+        </p:spPr>
+        <p:txBody>
+          <a:bodyPr spcFirstLastPara="1" wrap="square" lIns="91425" tIns="91425" rIns="91425" bIns="91425" anchor="t" anchorCtr="0">
+            <a:noAutofit/>
+          </a:bodyPr>
+          <a:lstStyle/>
+          <a:p>
+            <a:pPr marL="0" lvl="0" indent="0" algn="l" rtl="0">
+              <a:spcBef>
+                <a:spcPts val="0"/>
+              </a:spcBef>
+              <a:spcAft>
+                <a:spcPts val="0"/>
+              </a:spcAft>
+              <a:buNone/>
+            </a:pPr>
+            <a:endParaRPr/>
+          </a:p>
+        </p:txBody>
+      </p:sp>
+    </p:spTree>
     <p:extLst>
       <p:ext uri="{BB962C8B-B14F-4D97-AF65-F5344CB8AC3E}">
         <p14:creationId xmlns:p14="http://schemas.microsoft.com/office/powerpoint/2010/main" val="2837491178"/>
@@ -6836,7 +6946,7 @@
 </p:notes>
 </file>
 
-<file path=ppt/notesSlides/notesSlide58.xml><?xml version="1.0" encoding="utf-8"?>
+<file path=ppt/notesSlides/notesSlide59.xml><?xml version="1.0" encoding="utf-8"?>
 <p:notes xmlns:a="http://schemas.openxmlformats.org/drawingml/2006/main" xmlns:r="http://schemas.openxmlformats.org/officeDocument/2006/relationships" xmlns:p="http://schemas.openxmlformats.org/presentationml/2006/main" showMasterSp="0" showMasterPhAnim="0">
   <p:cSld>
     <p:spTree>
@@ -6929,110 +7039,6 @@
               <a:buNone/>
             </a:pPr>
             <a:endParaRPr dirty="0"/>
-          </a:p>
-        </p:txBody>
-      </p:sp>
-    </p:spTree>
-  </p:cSld>
-  <p:clrMapOvr>
-    <a:masterClrMapping/>
-  </p:clrMapOvr>
-</p:notes>
-</file>
-
-<file path=ppt/notesSlides/notesSlide59.xml><?xml version="1.0" encoding="utf-8"?>
-<p:notes xmlns:a="http://schemas.openxmlformats.org/drawingml/2006/main" xmlns:r="http://schemas.openxmlformats.org/officeDocument/2006/relationships" xmlns:p="http://schemas.openxmlformats.org/presentationml/2006/main" showMasterSp="0" showMasterPhAnim="0">
-  <p:cSld>
-    <p:spTree>
-      <p:nvGrpSpPr>
-        <p:cNvPr id="1" name="Shape 103"/>
-        <p:cNvGrpSpPr/>
-        <p:nvPr/>
-      </p:nvGrpSpPr>
-      <p:grpSpPr>
-        <a:xfrm>
-          <a:off x="0" y="0"/>
-          <a:ext cx="0" cy="0"/>
-          <a:chOff x="0" y="0"/>
-          <a:chExt cx="0" cy="0"/>
-        </a:xfrm>
-      </p:grpSpPr>
-      <p:sp>
-        <p:nvSpPr>
-          <p:cNvPr id="104" name="Google Shape;104;ge2b886a0_092:notes"/>
-          <p:cNvSpPr>
-            <a:spLocks noGrp="1" noRot="1" noChangeAspect="1"/>
-          </p:cNvSpPr>
-          <p:nvPr>
-            <p:ph type="sldImg" idx="2"/>
-          </p:nvPr>
-        </p:nvSpPr>
-        <p:spPr>
-          <a:xfrm>
-            <a:off x="381000" y="685800"/>
-            <a:ext cx="6096000" cy="3429000"/>
-          </a:xfrm>
-          <a:custGeom>
-            <a:avLst/>
-            <a:gdLst/>
-            <a:ahLst/>
-            <a:cxnLst/>
-            <a:rect l="l" t="t" r="r" b="b"/>
-            <a:pathLst>
-              <a:path w="120000" h="120000" extrusionOk="0">
-                <a:moveTo>
-                  <a:pt x="0" y="0"/>
-                </a:moveTo>
-                <a:lnTo>
-                  <a:pt x="120000" y="0"/>
-                </a:lnTo>
-                <a:lnTo>
-                  <a:pt x="120000" y="120000"/>
-                </a:lnTo>
-                <a:lnTo>
-                  <a:pt x="0" y="120000"/>
-                </a:lnTo>
-                <a:close/>
-              </a:path>
-            </a:pathLst>
-          </a:custGeom>
-        </p:spPr>
-      </p:sp>
-      <p:sp>
-        <p:nvSpPr>
-          <p:cNvPr id="105" name="Google Shape;105;ge2b886a0_092:notes"/>
-          <p:cNvSpPr txBox="1">
-            <a:spLocks noGrp="1"/>
-          </p:cNvSpPr>
-          <p:nvPr>
-            <p:ph type="body" idx="1"/>
-          </p:nvPr>
-        </p:nvSpPr>
-        <p:spPr>
-          <a:xfrm>
-            <a:off x="685800" y="4343400"/>
-            <a:ext cx="5486400" cy="4114800"/>
-          </a:xfrm>
-          <a:prstGeom prst="rect">
-            <a:avLst/>
-          </a:prstGeom>
-        </p:spPr>
-        <p:txBody>
-          <a:bodyPr spcFirstLastPara="1" wrap="square" lIns="91425" tIns="91425" rIns="91425" bIns="91425" anchor="t" anchorCtr="0">
-            <a:noAutofit/>
-          </a:bodyPr>
-          <a:lstStyle/>
-          <a:p>
-            <a:pPr marL="0" lvl="0" indent="0" algn="l" rtl="0">
-              <a:spcBef>
-                <a:spcPts val="0"/>
-              </a:spcBef>
-              <a:spcAft>
-                <a:spcPts val="0"/>
-              </a:spcAft>
-              <a:buNone/>
-            </a:pPr>
-            <a:endParaRPr/>
           </a:p>
         </p:txBody>
       </p:sp>
@@ -7158,6 +7164,110 @@
   <p:cSld>
     <p:spTree>
       <p:nvGrpSpPr>
+        <p:cNvPr id="1" name="Shape 103"/>
+        <p:cNvGrpSpPr/>
+        <p:nvPr/>
+      </p:nvGrpSpPr>
+      <p:grpSpPr>
+        <a:xfrm>
+          <a:off x="0" y="0"/>
+          <a:ext cx="0" cy="0"/>
+          <a:chOff x="0" y="0"/>
+          <a:chExt cx="0" cy="0"/>
+        </a:xfrm>
+      </p:grpSpPr>
+      <p:sp>
+        <p:nvSpPr>
+          <p:cNvPr id="104" name="Google Shape;104;ge2b886a0_092:notes"/>
+          <p:cNvSpPr>
+            <a:spLocks noGrp="1" noRot="1" noChangeAspect="1"/>
+          </p:cNvSpPr>
+          <p:nvPr>
+            <p:ph type="sldImg" idx="2"/>
+          </p:nvPr>
+        </p:nvSpPr>
+        <p:spPr>
+          <a:xfrm>
+            <a:off x="381000" y="685800"/>
+            <a:ext cx="6096000" cy="3429000"/>
+          </a:xfrm>
+          <a:custGeom>
+            <a:avLst/>
+            <a:gdLst/>
+            <a:ahLst/>
+            <a:cxnLst/>
+            <a:rect l="l" t="t" r="r" b="b"/>
+            <a:pathLst>
+              <a:path w="120000" h="120000" extrusionOk="0">
+                <a:moveTo>
+                  <a:pt x="0" y="0"/>
+                </a:moveTo>
+                <a:lnTo>
+                  <a:pt x="120000" y="0"/>
+                </a:lnTo>
+                <a:lnTo>
+                  <a:pt x="120000" y="120000"/>
+                </a:lnTo>
+                <a:lnTo>
+                  <a:pt x="0" y="120000"/>
+                </a:lnTo>
+                <a:close/>
+              </a:path>
+            </a:pathLst>
+          </a:custGeom>
+        </p:spPr>
+      </p:sp>
+      <p:sp>
+        <p:nvSpPr>
+          <p:cNvPr id="105" name="Google Shape;105;ge2b886a0_092:notes"/>
+          <p:cNvSpPr txBox="1">
+            <a:spLocks noGrp="1"/>
+          </p:cNvSpPr>
+          <p:nvPr>
+            <p:ph type="body" idx="1"/>
+          </p:nvPr>
+        </p:nvSpPr>
+        <p:spPr>
+          <a:xfrm>
+            <a:off x="685800" y="4343400"/>
+            <a:ext cx="5486400" cy="4114800"/>
+          </a:xfrm>
+          <a:prstGeom prst="rect">
+            <a:avLst/>
+          </a:prstGeom>
+        </p:spPr>
+        <p:txBody>
+          <a:bodyPr spcFirstLastPara="1" wrap="square" lIns="91425" tIns="91425" rIns="91425" bIns="91425" anchor="t" anchorCtr="0">
+            <a:noAutofit/>
+          </a:bodyPr>
+          <a:lstStyle/>
+          <a:p>
+            <a:pPr marL="0" lvl="0" indent="0" algn="l" rtl="0">
+              <a:spcBef>
+                <a:spcPts val="0"/>
+              </a:spcBef>
+              <a:spcAft>
+                <a:spcPts val="0"/>
+              </a:spcAft>
+              <a:buNone/>
+            </a:pPr>
+            <a:endParaRPr/>
+          </a:p>
+        </p:txBody>
+      </p:sp>
+    </p:spTree>
+  </p:cSld>
+  <p:clrMapOvr>
+    <a:masterClrMapping/>
+  </p:clrMapOvr>
+</p:notes>
+</file>
+
+<file path=ppt/notesSlides/notesSlide61.xml><?xml version="1.0" encoding="utf-8"?>
+<p:notes xmlns:a="http://schemas.openxmlformats.org/drawingml/2006/main" xmlns:r="http://schemas.openxmlformats.org/officeDocument/2006/relationships" xmlns:p="http://schemas.openxmlformats.org/presentationml/2006/main" showMasterSp="0" showMasterPhAnim="0">
+  <p:cSld>
+    <p:spTree>
+      <p:nvGrpSpPr>
         <p:cNvPr id="1" name="Shape 121"/>
         <p:cNvGrpSpPr/>
         <p:nvPr/>
@@ -7257,7 +7367,7 @@
 </p:notes>
 </file>
 
-<file path=ppt/notesSlides/notesSlide61.xml><?xml version="1.0" encoding="utf-8"?>
+<file path=ppt/notesSlides/notesSlide62.xml><?xml version="1.0" encoding="utf-8"?>
 <p:notes xmlns:a="http://schemas.openxmlformats.org/drawingml/2006/main" xmlns:r="http://schemas.openxmlformats.org/officeDocument/2006/relationships" xmlns:p="http://schemas.openxmlformats.org/presentationml/2006/main" showMasterSp="0" showMasterPhAnim="0">
   <p:cSld>
     <p:spTree>
@@ -7917,7 +8027,7 @@
           <a:p>
             <a:fld id="{42BD1637-0D27-F54B-A3CE-C829B5942E2D}" type="datetimeFigureOut">
               <a:rPr lang="en-US" smtClean="0"/>
-              <a:t>9/6/23</a:t>
+              <a:t>9/7/23</a:t>
             </a:fld>
             <a:endParaRPr lang="en-US"/>
           </a:p>
@@ -8087,7 +8197,7 @@
           <a:p>
             <a:fld id="{42BD1637-0D27-F54B-A3CE-C829B5942E2D}" type="datetimeFigureOut">
               <a:rPr lang="en-US" smtClean="0"/>
-              <a:t>9/6/23</a:t>
+              <a:t>9/7/23</a:t>
             </a:fld>
             <a:endParaRPr lang="en-US"/>
           </a:p>
@@ -8267,7 +8377,7 @@
           <a:p>
             <a:fld id="{42BD1637-0D27-F54B-A3CE-C829B5942E2D}" type="datetimeFigureOut">
               <a:rPr lang="en-US" smtClean="0"/>
-              <a:t>9/6/23</a:t>
+              <a:t>9/7/23</a:t>
             </a:fld>
             <a:endParaRPr lang="en-US"/>
           </a:p>
@@ -8814,7 +8924,7 @@
           <a:p>
             <a:fld id="{42BD1637-0D27-F54B-A3CE-C829B5942E2D}" type="datetimeFigureOut">
               <a:rPr lang="en-US" smtClean="0"/>
-              <a:t>9/6/23</a:t>
+              <a:t>9/7/23</a:t>
             </a:fld>
             <a:endParaRPr lang="en-US"/>
           </a:p>
@@ -9068,7 +9178,7 @@
           <a:p>
             <a:fld id="{42BD1637-0D27-F54B-A3CE-C829B5942E2D}" type="datetimeFigureOut">
               <a:rPr lang="en-US" smtClean="0"/>
-              <a:t>9/6/23</a:t>
+              <a:t>9/7/23</a:t>
             </a:fld>
             <a:endParaRPr lang="en-US"/>
           </a:p>
@@ -9356,7 +9466,7 @@
           <a:p>
             <a:fld id="{42BD1637-0D27-F54B-A3CE-C829B5942E2D}" type="datetimeFigureOut">
               <a:rPr lang="en-US" smtClean="0"/>
-              <a:t>9/6/23</a:t>
+              <a:t>9/7/23</a:t>
             </a:fld>
             <a:endParaRPr lang="en-US"/>
           </a:p>
@@ -9798,7 +9908,7 @@
           <a:p>
             <a:fld id="{42BD1637-0D27-F54B-A3CE-C829B5942E2D}" type="datetimeFigureOut">
               <a:rPr lang="en-US" smtClean="0"/>
-              <a:t>9/6/23</a:t>
+              <a:t>9/7/23</a:t>
             </a:fld>
             <a:endParaRPr lang="en-US"/>
           </a:p>
@@ -9916,7 +10026,7 @@
           <a:p>
             <a:fld id="{42BD1637-0D27-F54B-A3CE-C829B5942E2D}" type="datetimeFigureOut">
               <a:rPr lang="en-US" smtClean="0"/>
-              <a:t>9/6/23</a:t>
+              <a:t>9/7/23</a:t>
             </a:fld>
             <a:endParaRPr lang="en-US"/>
           </a:p>
@@ -10011,7 +10121,7 @@
           <a:p>
             <a:fld id="{42BD1637-0D27-F54B-A3CE-C829B5942E2D}" type="datetimeFigureOut">
               <a:rPr lang="en-US" smtClean="0"/>
-              <a:t>9/6/23</a:t>
+              <a:t>9/7/23</a:t>
             </a:fld>
             <a:endParaRPr lang="en-US"/>
           </a:p>
@@ -10299,7 +10409,7 @@
           <a:p>
             <a:fld id="{42BD1637-0D27-F54B-A3CE-C829B5942E2D}" type="datetimeFigureOut">
               <a:rPr lang="en-US" smtClean="0"/>
-              <a:t>9/6/23</a:t>
+              <a:t>9/7/23</a:t>
             </a:fld>
             <a:endParaRPr lang="en-US"/>
           </a:p>
@@ -10572,7 +10682,7 @@
           <a:p>
             <a:fld id="{42BD1637-0D27-F54B-A3CE-C829B5942E2D}" type="datetimeFigureOut">
               <a:rPr lang="en-US" smtClean="0"/>
-              <a:t>9/6/23</a:t>
+              <a:t>9/7/23</a:t>
             </a:fld>
             <a:endParaRPr lang="en-US"/>
           </a:p>
@@ -10869,7 +10979,7 @@
           <a:p>
             <a:fld id="{42BD1637-0D27-F54B-A3CE-C829B5942E2D}" type="datetimeFigureOut">
               <a:rPr lang="en-US" smtClean="0"/>
-              <a:t>9/6/23</a:t>
+              <a:t>9/7/23</a:t>
             </a:fld>
             <a:endParaRPr lang="en-US"/>
           </a:p>
@@ -34479,102 +34589,6 @@
           </a:p>
         </p:txBody>
       </p:sp>
-      <p:sp>
-        <p:nvSpPr>
-          <p:cNvPr id="3" name="Rounded Rectangular Callout 2">
-            <a:extLst>
-              <a:ext uri="{FF2B5EF4-FFF2-40B4-BE49-F238E27FC236}">
-                <a16:creationId xmlns:a16="http://schemas.microsoft.com/office/drawing/2014/main" id="{0B4FCFB5-493A-F8DE-0265-12EA2215D47C}"/>
-              </a:ext>
-            </a:extLst>
-          </p:cNvPr>
-          <p:cNvSpPr/>
-          <p:nvPr/>
-        </p:nvSpPr>
-        <p:spPr>
-          <a:xfrm>
-            <a:off x="4879836" y="4402832"/>
-            <a:ext cx="6196203" cy="2211970"/>
-          </a:xfrm>
-          <a:prstGeom prst="wedgeRoundRectCallout">
-            <a:avLst>
-              <a:gd name="adj1" fmla="val -20289"/>
-              <a:gd name="adj2" fmla="val -108112"/>
-              <a:gd name="adj3" fmla="val 16667"/>
-            </a:avLst>
-          </a:prstGeom>
-        </p:spPr>
-        <p:style>
-          <a:lnRef idx="2">
-            <a:schemeClr val="accent4">
-              <a:shade val="15000"/>
-            </a:schemeClr>
-          </a:lnRef>
-          <a:fillRef idx="1">
-            <a:schemeClr val="accent4"/>
-          </a:fillRef>
-          <a:effectRef idx="0">
-            <a:schemeClr val="accent4"/>
-          </a:effectRef>
-          <a:fontRef idx="minor">
-            <a:schemeClr val="lt1"/>
-          </a:fontRef>
-        </p:style>
-        <p:txBody>
-          <a:bodyPr rtlCol="0" anchor="ctr"/>
-          <a:lstStyle/>
-          <a:p>
-            <a:r>
-              <a:rPr lang="en-US" sz="2800" dirty="0"/>
-              <a:t>Explanatory variable is also called a </a:t>
-            </a:r>
-            <a:r>
-              <a:rPr lang="en-US" sz="2800" b="1" dirty="0">
-                <a:solidFill>
-                  <a:srgbClr val="C00000"/>
-                </a:solidFill>
-              </a:rPr>
-              <a:t>factor</a:t>
-            </a:r>
-            <a:r>
-              <a:rPr lang="en-US" sz="2800" b="1" dirty="0"/>
-              <a:t> </a:t>
-            </a:r>
-            <a:r>
-              <a:rPr lang="en-US" sz="2800" dirty="0"/>
-              <a:t>in experiments. </a:t>
-            </a:r>
-            <a:r>
-              <a:rPr lang="en-US" sz="2800" b="1" dirty="0">
-                <a:solidFill>
-                  <a:srgbClr val="C00000"/>
-                </a:solidFill>
-              </a:rPr>
-              <a:t>Factors have </a:t>
-            </a:r>
-            <a:r>
-              <a:rPr lang="en-US" sz="2800" dirty="0"/>
-              <a:t>distinct </a:t>
-            </a:r>
-            <a:r>
-              <a:rPr lang="en-US" sz="2800" b="1" dirty="0">
-                <a:solidFill>
-                  <a:srgbClr val="C00000"/>
-                </a:solidFill>
-              </a:rPr>
-              <a:t>levels</a:t>
-            </a:r>
-            <a:r>
-              <a:rPr lang="en-US" sz="2800" dirty="0"/>
-              <a:t>, in this case Coffee and No Coffee.</a:t>
-            </a:r>
-            <a:r>
-              <a:rPr lang="en-US" sz="2800" b="1" dirty="0"/>
-              <a:t> </a:t>
-            </a:r>
-          </a:p>
-        </p:txBody>
-      </p:sp>
     </p:spTree>
     <p:extLst>
       <p:ext uri="{BB962C8B-B14F-4D97-AF65-F5344CB8AC3E}">
@@ -35579,13 +35593,13 @@
         </p:nvSpPr>
         <p:spPr>
           <a:xfrm>
-            <a:off x="4232787" y="4402832"/>
-            <a:ext cx="7497096" cy="1644007"/>
+            <a:off x="4879836" y="4402832"/>
+            <a:ext cx="6196203" cy="2211970"/>
           </a:xfrm>
           <a:prstGeom prst="wedgeRoundRectCallout">
             <a:avLst>
-              <a:gd name="adj1" fmla="val -24468"/>
-              <a:gd name="adj2" fmla="val -142274"/>
+              <a:gd name="adj1" fmla="val -20289"/>
+              <a:gd name="adj2" fmla="val -108112"/>
               <a:gd name="adj3" fmla="val 16667"/>
             </a:avLst>
           </a:prstGeom>
@@ -35661,59 +35675,10 @@
           </a:p>
         </p:txBody>
       </p:sp>
-      <p:sp>
-        <p:nvSpPr>
-          <p:cNvPr id="4" name="Rounded Rectangle 3">
-            <a:extLst>
-              <a:ext uri="{FF2B5EF4-FFF2-40B4-BE49-F238E27FC236}">
-                <a16:creationId xmlns:a16="http://schemas.microsoft.com/office/drawing/2014/main" id="{3F3F6689-CCAD-6229-504F-341CFDCE2B10}"/>
-              </a:ext>
-            </a:extLst>
-          </p:cNvPr>
-          <p:cNvSpPr/>
-          <p:nvPr/>
-        </p:nvSpPr>
-        <p:spPr>
-          <a:xfrm>
-            <a:off x="3500283" y="1197366"/>
-            <a:ext cx="8229600" cy="954841"/>
-          </a:xfrm>
-          <a:prstGeom prst="roundRect">
-            <a:avLst/>
-          </a:prstGeom>
-        </p:spPr>
-        <p:style>
-          <a:lnRef idx="2">
-            <a:schemeClr val="accent2">
-              <a:shade val="15000"/>
-            </a:schemeClr>
-          </a:lnRef>
-          <a:fillRef idx="1">
-            <a:schemeClr val="accent2"/>
-          </a:fillRef>
-          <a:effectRef idx="0">
-            <a:schemeClr val="accent2"/>
-          </a:effectRef>
-          <a:fontRef idx="minor">
-            <a:schemeClr val="lt1"/>
-          </a:fontRef>
-        </p:style>
-        <p:txBody>
-          <a:bodyPr rtlCol="0" anchor="ctr"/>
-          <a:lstStyle/>
-          <a:p>
-            <a:pPr algn="ctr"/>
-            <a:r>
-              <a:rPr lang="en-US" sz="2800" dirty="0"/>
-              <a:t>What other levels could the coffee factor have? </a:t>
-            </a:r>
-          </a:p>
-        </p:txBody>
-      </p:sp>
     </p:spTree>
     <p:extLst>
       <p:ext uri="{BB962C8B-B14F-4D97-AF65-F5344CB8AC3E}">
-        <p14:creationId xmlns:p14="http://schemas.microsoft.com/office/powerpoint/2010/main" val="3931126991"/>
+        <p14:creationId xmlns:p14="http://schemas.microsoft.com/office/powerpoint/2010/main" val="977177309"/>
       </p:ext>
     </p:extLst>
   </p:cSld>
@@ -36840,7 +36805,7 @@
             <a:pPr algn="ctr"/>
             <a:r>
               <a:rPr lang="en-US" sz="2800" dirty="0"/>
-              <a:t>What other factors could we add to this experiment? </a:t>
+              <a:t>What other levels could the coffee factor have? </a:t>
             </a:r>
           </a:p>
         </p:txBody>
@@ -36848,7 +36813,7 @@
     </p:spTree>
     <p:extLst>
       <p:ext uri="{BB962C8B-B14F-4D97-AF65-F5344CB8AC3E}">
-        <p14:creationId xmlns:p14="http://schemas.microsoft.com/office/powerpoint/2010/main" val="2392483099"/>
+        <p14:creationId xmlns:p14="http://schemas.microsoft.com/office/powerpoint/2010/main" val="3931126991"/>
       </p:ext>
     </p:extLst>
   </p:cSld>
@@ -37185,7 +37150,7 @@
                 </a:solidFill>
                 <a:latin typeface="+mj-lt"/>
               </a:rPr>
-              <a:t>Random Assignment</a:t>
+              <a:t>Experimental Studies</a:t>
             </a:r>
           </a:p>
         </p:txBody>
@@ -37835,467 +37800,155 @@
           </a:p>
         </p:txBody>
       </p:sp>
-      <p:pic>
-        <p:nvPicPr>
-          <p:cNvPr id="4" name="Graphic 3" descr="Group with solid fill">
+      <p:sp>
+        <p:nvSpPr>
+          <p:cNvPr id="3" name="Rounded Rectangular Callout 2">
             <a:extLst>
               <a:ext uri="{FF2B5EF4-FFF2-40B4-BE49-F238E27FC236}">
-                <a16:creationId xmlns:a16="http://schemas.microsoft.com/office/drawing/2014/main" id="{A710831F-E9BD-A429-9314-DCEA034DF328}"/>
+                <a16:creationId xmlns:a16="http://schemas.microsoft.com/office/drawing/2014/main" id="{0B4FCFB5-493A-F8DE-0265-12EA2215D47C}"/>
               </a:ext>
             </a:extLst>
           </p:cNvPr>
-          <p:cNvPicPr>
-            <a:picLocks noChangeAspect="1"/>
-          </p:cNvPicPr>
-          <p:nvPr/>
-        </p:nvPicPr>
-        <p:blipFill>
-          <a:blip r:embed="rId3">
-            <a:extLst>
-              <a:ext uri="{96DAC541-7B7A-43D3-8B79-37D633B846F1}">
-                <asvg:svgBlip xmlns:asvg="http://schemas.microsoft.com/office/drawing/2016/SVG/main" r:embed="rId4"/>
-              </a:ext>
-            </a:extLst>
-          </a:blip>
-          <a:stretch>
-            <a:fillRect/>
-          </a:stretch>
-        </p:blipFill>
-        <p:spPr>
-          <a:xfrm>
-            <a:off x="7311618" y="4407550"/>
-            <a:ext cx="2407570" cy="2407570"/>
-          </a:xfrm>
-          <a:prstGeom prst="rect">
-            <a:avLst/>
-          </a:prstGeom>
-        </p:spPr>
-      </p:pic>
-      <p:cxnSp>
-        <p:nvCxnSpPr>
-          <p:cNvPr id="6" name="Straight Arrow Connector 5">
-            <a:extLst>
-              <a:ext uri="{FF2B5EF4-FFF2-40B4-BE49-F238E27FC236}">
-                <a16:creationId xmlns:a16="http://schemas.microsoft.com/office/drawing/2014/main" id="{D9622C2C-D3AC-69E5-1896-F822DD61BFA5}"/>
-              </a:ext>
-            </a:extLst>
-          </p:cNvPr>
-          <p:cNvCxnSpPr/>
-          <p:nvPr/>
-        </p:nvCxnSpPr>
-        <p:spPr>
-          <a:xfrm flipH="1" flipV="1">
-            <a:off x="7615083" y="4188542"/>
-            <a:ext cx="45765" cy="575187"/>
-          </a:xfrm>
-          <a:prstGeom prst="straightConnector1">
-            <a:avLst/>
-          </a:prstGeom>
-          <a:ln w="76200">
-            <a:solidFill>
-              <a:schemeClr val="tx1"/>
-            </a:solidFill>
-            <a:tailEnd type="triangle"/>
-          </a:ln>
-        </p:spPr>
-        <p:style>
-          <a:lnRef idx="1">
-            <a:schemeClr val="accent1"/>
-          </a:lnRef>
-          <a:fillRef idx="0">
-            <a:schemeClr val="accent1"/>
-          </a:fillRef>
-          <a:effectRef idx="0">
-            <a:schemeClr val="accent1"/>
-          </a:effectRef>
-          <a:fontRef idx="minor">
-            <a:schemeClr val="tx1"/>
-          </a:fontRef>
-        </p:style>
-      </p:cxnSp>
-      <p:cxnSp>
-        <p:nvCxnSpPr>
-          <p:cNvPr id="12" name="Straight Arrow Connector 11">
-            <a:extLst>
-              <a:ext uri="{FF2B5EF4-FFF2-40B4-BE49-F238E27FC236}">
-                <a16:creationId xmlns:a16="http://schemas.microsoft.com/office/drawing/2014/main" id="{F549E14F-A25C-4EA0-1346-1382846D4485}"/>
-              </a:ext>
-            </a:extLst>
-          </p:cNvPr>
-          <p:cNvCxnSpPr>
-            <a:cxnSpLocks/>
-          </p:cNvCxnSpPr>
-          <p:nvPr/>
-        </p:nvCxnSpPr>
-        <p:spPr>
-          <a:xfrm flipV="1">
-            <a:off x="8304859" y="4188542"/>
-            <a:ext cx="723612" cy="609776"/>
-          </a:xfrm>
-          <a:prstGeom prst="straightConnector1">
-            <a:avLst/>
-          </a:prstGeom>
-          <a:ln w="76200">
-            <a:solidFill>
-              <a:schemeClr val="tx1"/>
-            </a:solidFill>
-            <a:tailEnd type="triangle"/>
-          </a:ln>
-        </p:spPr>
-        <p:style>
-          <a:lnRef idx="1">
-            <a:schemeClr val="accent1"/>
-          </a:lnRef>
-          <a:fillRef idx="0">
-            <a:schemeClr val="accent1"/>
-          </a:fillRef>
-          <a:effectRef idx="0">
-            <a:schemeClr val="accent1"/>
-          </a:effectRef>
-          <a:fontRef idx="minor">
-            <a:schemeClr val="tx1"/>
-          </a:fontRef>
-        </p:style>
-      </p:cxnSp>
-      <p:cxnSp>
-        <p:nvCxnSpPr>
-          <p:cNvPr id="14" name="Straight Arrow Connector 13">
-            <a:extLst>
-              <a:ext uri="{FF2B5EF4-FFF2-40B4-BE49-F238E27FC236}">
-                <a16:creationId xmlns:a16="http://schemas.microsoft.com/office/drawing/2014/main" id="{2134672F-F186-F9D5-7F79-20C512C26FD7}"/>
-              </a:ext>
-            </a:extLst>
-          </p:cNvPr>
-          <p:cNvCxnSpPr>
-            <a:cxnSpLocks/>
-          </p:cNvCxnSpPr>
-          <p:nvPr/>
-        </p:nvCxnSpPr>
-        <p:spPr>
-          <a:xfrm flipV="1">
-            <a:off x="8696163" y="4242971"/>
-            <a:ext cx="723612" cy="609776"/>
-          </a:xfrm>
-          <a:prstGeom prst="straightConnector1">
-            <a:avLst/>
-          </a:prstGeom>
-          <a:ln w="76200">
-            <a:solidFill>
-              <a:schemeClr val="tx1"/>
-            </a:solidFill>
-            <a:tailEnd type="triangle"/>
-          </a:ln>
-        </p:spPr>
-        <p:style>
-          <a:lnRef idx="1">
-            <a:schemeClr val="accent1"/>
-          </a:lnRef>
-          <a:fillRef idx="0">
-            <a:schemeClr val="accent1"/>
-          </a:fillRef>
-          <a:effectRef idx="0">
-            <a:schemeClr val="accent1"/>
-          </a:effectRef>
-          <a:fontRef idx="minor">
-            <a:schemeClr val="tx1"/>
-          </a:fontRef>
-        </p:style>
-      </p:cxnSp>
-      <p:cxnSp>
-        <p:nvCxnSpPr>
-          <p:cNvPr id="15" name="Straight Arrow Connector 14">
-            <a:extLst>
-              <a:ext uri="{FF2B5EF4-FFF2-40B4-BE49-F238E27FC236}">
-                <a16:creationId xmlns:a16="http://schemas.microsoft.com/office/drawing/2014/main" id="{4278B7F7-FE17-4B4D-686A-CDE9173D696A}"/>
-              </a:ext>
-            </a:extLst>
-          </p:cNvPr>
-          <p:cNvCxnSpPr>
-            <a:cxnSpLocks/>
-          </p:cNvCxnSpPr>
-          <p:nvPr/>
-        </p:nvCxnSpPr>
-        <p:spPr>
-          <a:xfrm flipH="1" flipV="1">
-            <a:off x="8052152" y="4242971"/>
-            <a:ext cx="1225630" cy="609776"/>
-          </a:xfrm>
-          <a:prstGeom prst="straightConnector1">
-            <a:avLst/>
-          </a:prstGeom>
-          <a:ln w="76200">
-            <a:solidFill>
-              <a:schemeClr val="tx1"/>
-            </a:solidFill>
-            <a:tailEnd type="triangle"/>
-          </a:ln>
-        </p:spPr>
-        <p:style>
-          <a:lnRef idx="1">
-            <a:schemeClr val="accent1"/>
-          </a:lnRef>
-          <a:fillRef idx="0">
-            <a:schemeClr val="accent1"/>
-          </a:fillRef>
-          <a:effectRef idx="0">
-            <a:schemeClr val="accent1"/>
-          </a:effectRef>
-          <a:fontRef idx="minor">
-            <a:schemeClr val="tx1"/>
-          </a:fontRef>
-        </p:style>
-      </p:cxnSp>
-      <p:sp>
-        <p:nvSpPr>
-          <p:cNvPr id="17" name="TextBox 16">
-            <a:extLst>
-              <a:ext uri="{FF2B5EF4-FFF2-40B4-BE49-F238E27FC236}">
-                <a16:creationId xmlns:a16="http://schemas.microsoft.com/office/drawing/2014/main" id="{9AE894A8-E0E4-DE31-06C6-7B7CA6151D71}"/>
-              </a:ext>
-            </a:extLst>
-          </p:cNvPr>
-          <p:cNvSpPr txBox="1"/>
+          <p:cNvSpPr/>
           <p:nvPr/>
         </p:nvSpPr>
         <p:spPr>
           <a:xfrm>
-            <a:off x="4143300" y="4854308"/>
-            <a:ext cx="3135485" cy="1384995"/>
+            <a:off x="4232787" y="4402832"/>
+            <a:ext cx="7497096" cy="1644007"/>
           </a:xfrm>
-          <a:prstGeom prst="rect">
-            <a:avLst/>
+          <a:prstGeom prst="wedgeRoundRectCallout">
+            <a:avLst>
+              <a:gd name="adj1" fmla="val -24468"/>
+              <a:gd name="adj2" fmla="val -142274"/>
+              <a:gd name="adj3" fmla="val 16667"/>
+            </a:avLst>
           </a:prstGeom>
-          <a:noFill/>
         </p:spPr>
+        <p:style>
+          <a:lnRef idx="2">
+            <a:schemeClr val="accent4">
+              <a:shade val="15000"/>
+            </a:schemeClr>
+          </a:lnRef>
+          <a:fillRef idx="1">
+            <a:schemeClr val="accent4"/>
+          </a:fillRef>
+          <a:effectRef idx="0">
+            <a:schemeClr val="accent4"/>
+          </a:effectRef>
+          <a:fontRef idx="minor">
+            <a:schemeClr val="lt1"/>
+          </a:fontRef>
+        </p:style>
         <p:txBody>
-          <a:bodyPr wrap="square" rtlCol="0">
-            <a:spAutoFit/>
-          </a:bodyPr>
+          <a:bodyPr rtlCol="0" anchor="ctr"/>
           <a:lstStyle/>
           <a:p>
             <a:r>
               <a:rPr lang="en-US" sz="2800" dirty="0"/>
-              <a:t>Participants get randomly assigned to a group  </a:t>
+              <a:t>Explanatory variable is also called a </a:t>
+            </a:r>
+            <a:r>
+              <a:rPr lang="en-US" sz="2800" b="1" dirty="0">
+                <a:solidFill>
+                  <a:srgbClr val="C00000"/>
+                </a:solidFill>
+              </a:rPr>
+              <a:t>factor</a:t>
+            </a:r>
+            <a:r>
+              <a:rPr lang="en-US" sz="2800" b="1" dirty="0"/>
+              <a:t> </a:t>
+            </a:r>
+            <a:r>
+              <a:rPr lang="en-US" sz="2800" dirty="0"/>
+              <a:t>in experiments. </a:t>
+            </a:r>
+            <a:r>
+              <a:rPr lang="en-US" sz="2800" b="1" dirty="0">
+                <a:solidFill>
+                  <a:srgbClr val="C00000"/>
+                </a:solidFill>
+              </a:rPr>
+              <a:t>Factors have </a:t>
+            </a:r>
+            <a:r>
+              <a:rPr lang="en-US" sz="2800" dirty="0"/>
+              <a:t>distinct </a:t>
+            </a:r>
+            <a:r>
+              <a:rPr lang="en-US" sz="2800" b="1" dirty="0">
+                <a:solidFill>
+                  <a:srgbClr val="C00000"/>
+                </a:solidFill>
+              </a:rPr>
+              <a:t>levels</a:t>
+            </a:r>
+            <a:r>
+              <a:rPr lang="en-US" sz="2800" dirty="0"/>
+              <a:t>, in this case Coffee and No Coffee.</a:t>
+            </a:r>
+            <a:r>
+              <a:rPr lang="en-US" sz="2800" b="1" dirty="0"/>
+              <a:t> </a:t>
             </a:r>
           </a:p>
         </p:txBody>
       </p:sp>
-      <p:pic>
-        <p:nvPicPr>
-          <p:cNvPr id="19" name="Graphic 18" descr="Group with solid fill">
+      <p:sp>
+        <p:nvSpPr>
+          <p:cNvPr id="4" name="Rounded Rectangle 3">
             <a:extLst>
               <a:ext uri="{FF2B5EF4-FFF2-40B4-BE49-F238E27FC236}">
-                <a16:creationId xmlns:a16="http://schemas.microsoft.com/office/drawing/2014/main" id="{B05B14BF-D9B6-970A-F679-5ABF1687DD8C}"/>
+                <a16:creationId xmlns:a16="http://schemas.microsoft.com/office/drawing/2014/main" id="{3F3F6689-CCAD-6229-504F-341CFDCE2B10}"/>
               </a:ext>
             </a:extLst>
           </p:cNvPr>
-          <p:cNvPicPr>
-            <a:picLocks noChangeAspect="1"/>
-          </p:cNvPicPr>
+          <p:cNvSpPr/>
           <p:nvPr/>
-        </p:nvPicPr>
-        <p:blipFill>
-          <a:blip r:embed="rId3">
-            <a:extLst>
-              <a:ext uri="{96DAC541-7B7A-43D3-8B79-37D633B846F1}">
-                <asvg:svgBlip xmlns:asvg="http://schemas.microsoft.com/office/drawing/2016/SVG/main" r:embed="rId4"/>
-              </a:ext>
-            </a:extLst>
-          </a:blip>
-          <a:stretch>
-            <a:fillRect/>
-          </a:stretch>
-        </p:blipFill>
+        </p:nvSpPr>
         <p:spPr>
           <a:xfrm>
-            <a:off x="9419775" y="4423093"/>
-            <a:ext cx="2407570" cy="2407570"/>
+            <a:off x="3500283" y="1197366"/>
+            <a:ext cx="8229600" cy="954841"/>
           </a:xfrm>
-          <a:prstGeom prst="rect">
+          <a:prstGeom prst="roundRect">
             <a:avLst/>
           </a:prstGeom>
         </p:spPr>
-      </p:pic>
-      <p:cxnSp>
-        <p:nvCxnSpPr>
-          <p:cNvPr id="20" name="Straight Arrow Connector 19">
-            <a:extLst>
-              <a:ext uri="{FF2B5EF4-FFF2-40B4-BE49-F238E27FC236}">
-                <a16:creationId xmlns:a16="http://schemas.microsoft.com/office/drawing/2014/main" id="{FA93333C-627F-5953-D0C1-C34D503A6AA2}"/>
-              </a:ext>
-            </a:extLst>
-          </p:cNvPr>
-          <p:cNvCxnSpPr>
-            <a:cxnSpLocks/>
-          </p:cNvCxnSpPr>
-          <p:nvPr/>
-        </p:nvCxnSpPr>
-        <p:spPr>
-          <a:xfrm flipH="1" flipV="1">
-            <a:off x="8207397" y="4083219"/>
-            <a:ext cx="1561608" cy="730642"/>
-          </a:xfrm>
-          <a:prstGeom prst="straightConnector1">
-            <a:avLst/>
-          </a:prstGeom>
-          <a:ln w="76200">
-            <a:solidFill>
-              <a:schemeClr val="tx1"/>
-            </a:solidFill>
-            <a:tailEnd type="triangle"/>
-          </a:ln>
-        </p:spPr>
         <p:style>
-          <a:lnRef idx="1">
-            <a:schemeClr val="accent1"/>
+          <a:lnRef idx="2">
+            <a:schemeClr val="accent2">
+              <a:shade val="15000"/>
+            </a:schemeClr>
           </a:lnRef>
-          <a:fillRef idx="0">
-            <a:schemeClr val="accent1"/>
+          <a:fillRef idx="1">
+            <a:schemeClr val="accent2"/>
           </a:fillRef>
           <a:effectRef idx="0">
-            <a:schemeClr val="accent1"/>
+            <a:schemeClr val="accent2"/>
           </a:effectRef>
           <a:fontRef idx="minor">
-            <a:schemeClr val="tx1"/>
+            <a:schemeClr val="lt1"/>
           </a:fontRef>
         </p:style>
-      </p:cxnSp>
-      <p:cxnSp>
-        <p:nvCxnSpPr>
-          <p:cNvPr id="22" name="Straight Arrow Connector 21">
-            <a:extLst>
-              <a:ext uri="{FF2B5EF4-FFF2-40B4-BE49-F238E27FC236}">
-                <a16:creationId xmlns:a16="http://schemas.microsoft.com/office/drawing/2014/main" id="{0BCB1C22-E00E-3002-E9C8-77910EA6BE8E}"/>
-              </a:ext>
-            </a:extLst>
-          </p:cNvPr>
-          <p:cNvCxnSpPr>
-            <a:cxnSpLocks/>
-          </p:cNvCxnSpPr>
-          <p:nvPr/>
-        </p:nvCxnSpPr>
-        <p:spPr>
-          <a:xfrm flipH="1" flipV="1">
-            <a:off x="9811079" y="4227428"/>
-            <a:ext cx="568960" cy="640103"/>
-          </a:xfrm>
-          <a:prstGeom prst="straightConnector1">
-            <a:avLst/>
-          </a:prstGeom>
-          <a:ln w="76200">
-            <a:solidFill>
-              <a:schemeClr val="tx1"/>
-            </a:solidFill>
-            <a:tailEnd type="triangle"/>
-          </a:ln>
-        </p:spPr>
-        <p:style>
-          <a:lnRef idx="1">
-            <a:schemeClr val="accent1"/>
-          </a:lnRef>
-          <a:fillRef idx="0">
-            <a:schemeClr val="accent1"/>
-          </a:fillRef>
-          <a:effectRef idx="0">
-            <a:schemeClr val="accent1"/>
-          </a:effectRef>
-          <a:fontRef idx="minor">
-            <a:schemeClr val="tx1"/>
-          </a:fontRef>
-        </p:style>
-      </p:cxnSp>
-      <p:cxnSp>
-        <p:nvCxnSpPr>
-          <p:cNvPr id="24" name="Straight Arrow Connector 23">
-            <a:extLst>
-              <a:ext uri="{FF2B5EF4-FFF2-40B4-BE49-F238E27FC236}">
-                <a16:creationId xmlns:a16="http://schemas.microsoft.com/office/drawing/2014/main" id="{AA87E0FF-88E6-3C63-509E-A9E41F51513A}"/>
-              </a:ext>
-            </a:extLst>
-          </p:cNvPr>
-          <p:cNvCxnSpPr>
-            <a:cxnSpLocks/>
-          </p:cNvCxnSpPr>
-          <p:nvPr/>
-        </p:nvCxnSpPr>
-        <p:spPr>
-          <a:xfrm flipH="1" flipV="1">
-            <a:off x="10063786" y="4242971"/>
-            <a:ext cx="1163070" cy="678989"/>
-          </a:xfrm>
-          <a:prstGeom prst="straightConnector1">
-            <a:avLst/>
-          </a:prstGeom>
-          <a:ln w="76200">
-            <a:solidFill>
-              <a:schemeClr val="tx1"/>
-            </a:solidFill>
-            <a:tailEnd type="triangle"/>
-          </a:ln>
-        </p:spPr>
-        <p:style>
-          <a:lnRef idx="1">
-            <a:schemeClr val="accent1"/>
-          </a:lnRef>
-          <a:fillRef idx="0">
-            <a:schemeClr val="accent1"/>
-          </a:fillRef>
-          <a:effectRef idx="0">
-            <a:schemeClr val="accent1"/>
-          </a:effectRef>
-          <a:fontRef idx="minor">
-            <a:schemeClr val="tx1"/>
-          </a:fontRef>
-        </p:style>
-      </p:cxnSp>
-      <p:cxnSp>
-        <p:nvCxnSpPr>
-          <p:cNvPr id="27" name="Straight Arrow Connector 26">
-            <a:extLst>
-              <a:ext uri="{FF2B5EF4-FFF2-40B4-BE49-F238E27FC236}">
-                <a16:creationId xmlns:a16="http://schemas.microsoft.com/office/drawing/2014/main" id="{6423B53B-2ACD-482D-58FA-E63029547E05}"/>
-              </a:ext>
-            </a:extLst>
-          </p:cNvPr>
-          <p:cNvCxnSpPr>
-            <a:cxnSpLocks/>
-          </p:cNvCxnSpPr>
-          <p:nvPr/>
-        </p:nvCxnSpPr>
-        <p:spPr>
-          <a:xfrm flipH="1" flipV="1">
-            <a:off x="7851921" y="4353121"/>
-            <a:ext cx="2903909" cy="529953"/>
-          </a:xfrm>
-          <a:prstGeom prst="straightConnector1">
-            <a:avLst/>
-          </a:prstGeom>
-          <a:ln w="76200">
-            <a:solidFill>
-              <a:schemeClr val="tx1"/>
-            </a:solidFill>
-            <a:tailEnd type="triangle"/>
-          </a:ln>
-        </p:spPr>
-        <p:style>
-          <a:lnRef idx="1">
-            <a:schemeClr val="accent1"/>
-          </a:lnRef>
-          <a:fillRef idx="0">
-            <a:schemeClr val="accent1"/>
-          </a:fillRef>
-          <a:effectRef idx="0">
-            <a:schemeClr val="accent1"/>
-          </a:effectRef>
-          <a:fontRef idx="minor">
-            <a:schemeClr val="tx1"/>
-          </a:fontRef>
-        </p:style>
-      </p:cxnSp>
+        <p:txBody>
+          <a:bodyPr rtlCol="0" anchor="ctr"/>
+          <a:lstStyle/>
+          <a:p>
+            <a:pPr algn="ctr"/>
+            <a:r>
+              <a:rPr lang="en-US" sz="2800" dirty="0"/>
+              <a:t>What other factors could we add to this experiment? </a:t>
+            </a:r>
+          </a:p>
+        </p:txBody>
+      </p:sp>
     </p:spTree>
     <p:extLst>
       <p:ext uri="{BB962C8B-B14F-4D97-AF65-F5344CB8AC3E}">
-        <p14:creationId xmlns:p14="http://schemas.microsoft.com/office/powerpoint/2010/main" val="670314511"/>
+        <p14:creationId xmlns:p14="http://schemas.microsoft.com/office/powerpoint/2010/main" val="2392483099"/>
       </p:ext>
     </p:extLst>
   </p:cSld>
@@ -38632,7 +38285,7 @@
                 </a:solidFill>
                 <a:latin typeface="+mj-lt"/>
               </a:rPr>
-              <a:t>Experimental Studies</a:t>
+              <a:t>Random Assignment</a:t>
             </a:r>
           </a:p>
         </p:txBody>
@@ -39282,124 +38935,12 @@
           </a:p>
         </p:txBody>
       </p:sp>
-      <p:sp>
-        <p:nvSpPr>
-          <p:cNvPr id="3" name="Rounded Rectangle 2">
+      <p:pic>
+        <p:nvPicPr>
+          <p:cNvPr id="4" name="Graphic 3" descr="Group with solid fill">
             <a:extLst>
               <a:ext uri="{FF2B5EF4-FFF2-40B4-BE49-F238E27FC236}">
-                <a16:creationId xmlns:a16="http://schemas.microsoft.com/office/drawing/2014/main" id="{2CCC6700-DCF6-C46B-2A71-E1E8896ADAFC}"/>
-              </a:ext>
-            </a:extLst>
-          </p:cNvPr>
-          <p:cNvSpPr/>
-          <p:nvPr/>
-        </p:nvSpPr>
-        <p:spPr>
-          <a:xfrm>
-            <a:off x="6834617" y="4368641"/>
-            <a:ext cx="1655402" cy="784011"/>
-          </a:xfrm>
-          <a:prstGeom prst="roundRect">
-            <a:avLst/>
-          </a:prstGeom>
-        </p:spPr>
-        <p:style>
-          <a:lnRef idx="2">
-            <a:schemeClr val="accent4">
-              <a:shade val="15000"/>
-            </a:schemeClr>
-          </a:lnRef>
-          <a:fillRef idx="1">
-            <a:schemeClr val="accent4"/>
-          </a:fillRef>
-          <a:effectRef idx="0">
-            <a:schemeClr val="accent4"/>
-          </a:effectRef>
-          <a:fontRef idx="minor">
-            <a:schemeClr val="lt1"/>
-          </a:fontRef>
-        </p:style>
-        <p:txBody>
-          <a:bodyPr rtlCol="0" anchor="ctr"/>
-          <a:lstStyle/>
-          <a:p>
-            <a:pPr algn="ctr"/>
-            <a:r>
-              <a:rPr lang="en-US" sz="2400" dirty="0"/>
-              <a:t>Treatment</a:t>
-            </a:r>
-          </a:p>
-          <a:p>
-            <a:pPr algn="ctr"/>
-            <a:r>
-              <a:rPr lang="en-US" sz="2400" dirty="0"/>
-              <a:t>Group</a:t>
-            </a:r>
-          </a:p>
-        </p:txBody>
-      </p:sp>
-      <p:sp>
-        <p:nvSpPr>
-          <p:cNvPr id="4" name="Rounded Rectangle 3">
-            <a:extLst>
-              <a:ext uri="{FF2B5EF4-FFF2-40B4-BE49-F238E27FC236}">
-                <a16:creationId xmlns:a16="http://schemas.microsoft.com/office/drawing/2014/main" id="{7C6711DC-1AEB-EDD0-6D30-726AC37D19EA}"/>
-              </a:ext>
-            </a:extLst>
-          </p:cNvPr>
-          <p:cNvSpPr/>
-          <p:nvPr/>
-        </p:nvSpPr>
-        <p:spPr>
-          <a:xfrm>
-            <a:off x="8683217" y="4368642"/>
-            <a:ext cx="1655402" cy="784010"/>
-          </a:xfrm>
-          <a:prstGeom prst="roundRect">
-            <a:avLst/>
-          </a:prstGeom>
-        </p:spPr>
-        <p:style>
-          <a:lnRef idx="2">
-            <a:schemeClr val="accent4">
-              <a:shade val="15000"/>
-            </a:schemeClr>
-          </a:lnRef>
-          <a:fillRef idx="1">
-            <a:schemeClr val="accent4"/>
-          </a:fillRef>
-          <a:effectRef idx="0">
-            <a:schemeClr val="accent4"/>
-          </a:effectRef>
-          <a:fontRef idx="minor">
-            <a:schemeClr val="lt1"/>
-          </a:fontRef>
-        </p:style>
-        <p:txBody>
-          <a:bodyPr rtlCol="0" anchor="ctr"/>
-          <a:lstStyle/>
-          <a:p>
-            <a:pPr algn="ctr"/>
-            <a:r>
-              <a:rPr lang="en-US" sz="2400" dirty="0"/>
-              <a:t>Control</a:t>
-            </a:r>
-          </a:p>
-          <a:p>
-            <a:pPr algn="ctr"/>
-            <a:r>
-              <a:rPr lang="en-US" sz="2400" dirty="0"/>
-              <a:t>Group</a:t>
-            </a:r>
-          </a:p>
-        </p:txBody>
-      </p:sp>
-      <p:pic>
-        <p:nvPicPr>
-          <p:cNvPr id="6" name="Graphic 5" descr="Group with solid fill">
-            <a:extLst>
-              <a:ext uri="{FF2B5EF4-FFF2-40B4-BE49-F238E27FC236}">
-                <a16:creationId xmlns:a16="http://schemas.microsoft.com/office/drawing/2014/main" id="{0BB299B2-57E4-46C2-337D-60E7A9E290D4}"/>
+                <a16:creationId xmlns:a16="http://schemas.microsoft.com/office/drawing/2014/main" id="{A710831F-E9BD-A429-9314-DCEA034DF328}"/>
               </a:ext>
             </a:extLst>
           </p:cNvPr>
@@ -39422,20 +38963,229 @@
         </p:blipFill>
         <p:spPr>
           <a:xfrm>
-            <a:off x="7203648" y="3362302"/>
-            <a:ext cx="914400" cy="914400"/>
+            <a:off x="7311618" y="4407550"/>
+            <a:ext cx="2407570" cy="2407570"/>
           </a:xfrm>
           <a:prstGeom prst="rect">
             <a:avLst/>
           </a:prstGeom>
         </p:spPr>
       </p:pic>
+      <p:cxnSp>
+        <p:nvCxnSpPr>
+          <p:cNvPr id="6" name="Straight Arrow Connector 5">
+            <a:extLst>
+              <a:ext uri="{FF2B5EF4-FFF2-40B4-BE49-F238E27FC236}">
+                <a16:creationId xmlns:a16="http://schemas.microsoft.com/office/drawing/2014/main" id="{D9622C2C-D3AC-69E5-1896-F822DD61BFA5}"/>
+              </a:ext>
+            </a:extLst>
+          </p:cNvPr>
+          <p:cNvCxnSpPr/>
+          <p:nvPr/>
+        </p:nvCxnSpPr>
+        <p:spPr>
+          <a:xfrm flipH="1" flipV="1">
+            <a:off x="7615083" y="4188542"/>
+            <a:ext cx="45765" cy="575187"/>
+          </a:xfrm>
+          <a:prstGeom prst="straightConnector1">
+            <a:avLst/>
+          </a:prstGeom>
+          <a:ln w="76200">
+            <a:solidFill>
+              <a:schemeClr val="tx1"/>
+            </a:solidFill>
+            <a:tailEnd type="triangle"/>
+          </a:ln>
+        </p:spPr>
+        <p:style>
+          <a:lnRef idx="1">
+            <a:schemeClr val="accent1"/>
+          </a:lnRef>
+          <a:fillRef idx="0">
+            <a:schemeClr val="accent1"/>
+          </a:fillRef>
+          <a:effectRef idx="0">
+            <a:schemeClr val="accent1"/>
+          </a:effectRef>
+          <a:fontRef idx="minor">
+            <a:schemeClr val="tx1"/>
+          </a:fontRef>
+        </p:style>
+      </p:cxnSp>
+      <p:cxnSp>
+        <p:nvCxnSpPr>
+          <p:cNvPr id="12" name="Straight Arrow Connector 11">
+            <a:extLst>
+              <a:ext uri="{FF2B5EF4-FFF2-40B4-BE49-F238E27FC236}">
+                <a16:creationId xmlns:a16="http://schemas.microsoft.com/office/drawing/2014/main" id="{F549E14F-A25C-4EA0-1346-1382846D4485}"/>
+              </a:ext>
+            </a:extLst>
+          </p:cNvPr>
+          <p:cNvCxnSpPr>
+            <a:cxnSpLocks/>
+          </p:cNvCxnSpPr>
+          <p:nvPr/>
+        </p:nvCxnSpPr>
+        <p:spPr>
+          <a:xfrm flipV="1">
+            <a:off x="8304859" y="4188542"/>
+            <a:ext cx="723612" cy="609776"/>
+          </a:xfrm>
+          <a:prstGeom prst="straightConnector1">
+            <a:avLst/>
+          </a:prstGeom>
+          <a:ln w="76200">
+            <a:solidFill>
+              <a:schemeClr val="tx1"/>
+            </a:solidFill>
+            <a:tailEnd type="triangle"/>
+          </a:ln>
+        </p:spPr>
+        <p:style>
+          <a:lnRef idx="1">
+            <a:schemeClr val="accent1"/>
+          </a:lnRef>
+          <a:fillRef idx="0">
+            <a:schemeClr val="accent1"/>
+          </a:fillRef>
+          <a:effectRef idx="0">
+            <a:schemeClr val="accent1"/>
+          </a:effectRef>
+          <a:fontRef idx="minor">
+            <a:schemeClr val="tx1"/>
+          </a:fontRef>
+        </p:style>
+      </p:cxnSp>
+      <p:cxnSp>
+        <p:nvCxnSpPr>
+          <p:cNvPr id="14" name="Straight Arrow Connector 13">
+            <a:extLst>
+              <a:ext uri="{FF2B5EF4-FFF2-40B4-BE49-F238E27FC236}">
+                <a16:creationId xmlns:a16="http://schemas.microsoft.com/office/drawing/2014/main" id="{2134672F-F186-F9D5-7F79-20C512C26FD7}"/>
+              </a:ext>
+            </a:extLst>
+          </p:cNvPr>
+          <p:cNvCxnSpPr>
+            <a:cxnSpLocks/>
+          </p:cNvCxnSpPr>
+          <p:nvPr/>
+        </p:nvCxnSpPr>
+        <p:spPr>
+          <a:xfrm flipV="1">
+            <a:off x="8696163" y="4242971"/>
+            <a:ext cx="723612" cy="609776"/>
+          </a:xfrm>
+          <a:prstGeom prst="straightConnector1">
+            <a:avLst/>
+          </a:prstGeom>
+          <a:ln w="76200">
+            <a:solidFill>
+              <a:schemeClr val="tx1"/>
+            </a:solidFill>
+            <a:tailEnd type="triangle"/>
+          </a:ln>
+        </p:spPr>
+        <p:style>
+          <a:lnRef idx="1">
+            <a:schemeClr val="accent1"/>
+          </a:lnRef>
+          <a:fillRef idx="0">
+            <a:schemeClr val="accent1"/>
+          </a:fillRef>
+          <a:effectRef idx="0">
+            <a:schemeClr val="accent1"/>
+          </a:effectRef>
+          <a:fontRef idx="minor">
+            <a:schemeClr val="tx1"/>
+          </a:fontRef>
+        </p:style>
+      </p:cxnSp>
+      <p:cxnSp>
+        <p:nvCxnSpPr>
+          <p:cNvPr id="15" name="Straight Arrow Connector 14">
+            <a:extLst>
+              <a:ext uri="{FF2B5EF4-FFF2-40B4-BE49-F238E27FC236}">
+                <a16:creationId xmlns:a16="http://schemas.microsoft.com/office/drawing/2014/main" id="{4278B7F7-FE17-4B4D-686A-CDE9173D696A}"/>
+              </a:ext>
+            </a:extLst>
+          </p:cNvPr>
+          <p:cNvCxnSpPr>
+            <a:cxnSpLocks/>
+          </p:cNvCxnSpPr>
+          <p:nvPr/>
+        </p:nvCxnSpPr>
+        <p:spPr>
+          <a:xfrm flipH="1" flipV="1">
+            <a:off x="8052152" y="4242971"/>
+            <a:ext cx="1225630" cy="609776"/>
+          </a:xfrm>
+          <a:prstGeom prst="straightConnector1">
+            <a:avLst/>
+          </a:prstGeom>
+          <a:ln w="76200">
+            <a:solidFill>
+              <a:schemeClr val="tx1"/>
+            </a:solidFill>
+            <a:tailEnd type="triangle"/>
+          </a:ln>
+        </p:spPr>
+        <p:style>
+          <a:lnRef idx="1">
+            <a:schemeClr val="accent1"/>
+          </a:lnRef>
+          <a:fillRef idx="0">
+            <a:schemeClr val="accent1"/>
+          </a:fillRef>
+          <a:effectRef idx="0">
+            <a:schemeClr val="accent1"/>
+          </a:effectRef>
+          <a:fontRef idx="minor">
+            <a:schemeClr val="tx1"/>
+          </a:fontRef>
+        </p:style>
+      </p:cxnSp>
+      <p:sp>
+        <p:nvSpPr>
+          <p:cNvPr id="17" name="TextBox 16">
+            <a:extLst>
+              <a:ext uri="{FF2B5EF4-FFF2-40B4-BE49-F238E27FC236}">
+                <a16:creationId xmlns:a16="http://schemas.microsoft.com/office/drawing/2014/main" id="{9AE894A8-E0E4-DE31-06C6-7B7CA6151D71}"/>
+              </a:ext>
+            </a:extLst>
+          </p:cNvPr>
+          <p:cNvSpPr txBox="1"/>
+          <p:nvPr/>
+        </p:nvSpPr>
+        <p:spPr>
+          <a:xfrm>
+            <a:off x="4143300" y="4854308"/>
+            <a:ext cx="3135485" cy="1384995"/>
+          </a:xfrm>
+          <a:prstGeom prst="rect">
+            <a:avLst/>
+          </a:prstGeom>
+          <a:noFill/>
+        </p:spPr>
+        <p:txBody>
+          <a:bodyPr wrap="square" rtlCol="0">
+            <a:spAutoFit/>
+          </a:bodyPr>
+          <a:lstStyle/>
+          <a:p>
+            <a:r>
+              <a:rPr lang="en-US" sz="2800" dirty="0"/>
+              <a:t>Participants get randomly assigned to a group  </a:t>
+            </a:r>
+          </a:p>
+        </p:txBody>
+      </p:sp>
       <p:pic>
         <p:nvPicPr>
-          <p:cNvPr id="13" name="Graphic 12" descr="Group with solid fill">
+          <p:cNvPr id="19" name="Graphic 18" descr="Group with solid fill">
             <a:extLst>
               <a:ext uri="{FF2B5EF4-FFF2-40B4-BE49-F238E27FC236}">
-                <a16:creationId xmlns:a16="http://schemas.microsoft.com/office/drawing/2014/main" id="{F1F1351A-3F8F-992D-9EA6-08C76E6516B0}"/>
+                <a16:creationId xmlns:a16="http://schemas.microsoft.com/office/drawing/2014/main" id="{B05B14BF-D9B6-970A-F679-5ABF1687DD8C}"/>
               </a:ext>
             </a:extLst>
           </p:cNvPr>
@@ -39458,18 +39208,194 @@
         </p:blipFill>
         <p:spPr>
           <a:xfrm>
-            <a:off x="9053718" y="3405359"/>
-            <a:ext cx="914400" cy="914400"/>
+            <a:off x="9419775" y="4423093"/>
+            <a:ext cx="2407570" cy="2407570"/>
           </a:xfrm>
           <a:prstGeom prst="rect">
             <a:avLst/>
           </a:prstGeom>
         </p:spPr>
       </p:pic>
+      <p:cxnSp>
+        <p:nvCxnSpPr>
+          <p:cNvPr id="20" name="Straight Arrow Connector 19">
+            <a:extLst>
+              <a:ext uri="{FF2B5EF4-FFF2-40B4-BE49-F238E27FC236}">
+                <a16:creationId xmlns:a16="http://schemas.microsoft.com/office/drawing/2014/main" id="{FA93333C-627F-5953-D0C1-C34D503A6AA2}"/>
+              </a:ext>
+            </a:extLst>
+          </p:cNvPr>
+          <p:cNvCxnSpPr>
+            <a:cxnSpLocks/>
+          </p:cNvCxnSpPr>
+          <p:nvPr/>
+        </p:nvCxnSpPr>
+        <p:spPr>
+          <a:xfrm flipH="1" flipV="1">
+            <a:off x="8207397" y="4083219"/>
+            <a:ext cx="1561608" cy="730642"/>
+          </a:xfrm>
+          <a:prstGeom prst="straightConnector1">
+            <a:avLst/>
+          </a:prstGeom>
+          <a:ln w="76200">
+            <a:solidFill>
+              <a:schemeClr val="tx1"/>
+            </a:solidFill>
+            <a:tailEnd type="triangle"/>
+          </a:ln>
+        </p:spPr>
+        <p:style>
+          <a:lnRef idx="1">
+            <a:schemeClr val="accent1"/>
+          </a:lnRef>
+          <a:fillRef idx="0">
+            <a:schemeClr val="accent1"/>
+          </a:fillRef>
+          <a:effectRef idx="0">
+            <a:schemeClr val="accent1"/>
+          </a:effectRef>
+          <a:fontRef idx="minor">
+            <a:schemeClr val="tx1"/>
+          </a:fontRef>
+        </p:style>
+      </p:cxnSp>
+      <p:cxnSp>
+        <p:nvCxnSpPr>
+          <p:cNvPr id="22" name="Straight Arrow Connector 21">
+            <a:extLst>
+              <a:ext uri="{FF2B5EF4-FFF2-40B4-BE49-F238E27FC236}">
+                <a16:creationId xmlns:a16="http://schemas.microsoft.com/office/drawing/2014/main" id="{0BCB1C22-E00E-3002-E9C8-77910EA6BE8E}"/>
+              </a:ext>
+            </a:extLst>
+          </p:cNvPr>
+          <p:cNvCxnSpPr>
+            <a:cxnSpLocks/>
+          </p:cNvCxnSpPr>
+          <p:nvPr/>
+        </p:nvCxnSpPr>
+        <p:spPr>
+          <a:xfrm flipH="1" flipV="1">
+            <a:off x="9811079" y="4227428"/>
+            <a:ext cx="568960" cy="640103"/>
+          </a:xfrm>
+          <a:prstGeom prst="straightConnector1">
+            <a:avLst/>
+          </a:prstGeom>
+          <a:ln w="76200">
+            <a:solidFill>
+              <a:schemeClr val="tx1"/>
+            </a:solidFill>
+            <a:tailEnd type="triangle"/>
+          </a:ln>
+        </p:spPr>
+        <p:style>
+          <a:lnRef idx="1">
+            <a:schemeClr val="accent1"/>
+          </a:lnRef>
+          <a:fillRef idx="0">
+            <a:schemeClr val="accent1"/>
+          </a:fillRef>
+          <a:effectRef idx="0">
+            <a:schemeClr val="accent1"/>
+          </a:effectRef>
+          <a:fontRef idx="minor">
+            <a:schemeClr val="tx1"/>
+          </a:fontRef>
+        </p:style>
+      </p:cxnSp>
+      <p:cxnSp>
+        <p:nvCxnSpPr>
+          <p:cNvPr id="24" name="Straight Arrow Connector 23">
+            <a:extLst>
+              <a:ext uri="{FF2B5EF4-FFF2-40B4-BE49-F238E27FC236}">
+                <a16:creationId xmlns:a16="http://schemas.microsoft.com/office/drawing/2014/main" id="{AA87E0FF-88E6-3C63-509E-A9E41F51513A}"/>
+              </a:ext>
+            </a:extLst>
+          </p:cNvPr>
+          <p:cNvCxnSpPr>
+            <a:cxnSpLocks/>
+          </p:cNvCxnSpPr>
+          <p:nvPr/>
+        </p:nvCxnSpPr>
+        <p:spPr>
+          <a:xfrm flipH="1" flipV="1">
+            <a:off x="10063786" y="4242971"/>
+            <a:ext cx="1163070" cy="678989"/>
+          </a:xfrm>
+          <a:prstGeom prst="straightConnector1">
+            <a:avLst/>
+          </a:prstGeom>
+          <a:ln w="76200">
+            <a:solidFill>
+              <a:schemeClr val="tx1"/>
+            </a:solidFill>
+            <a:tailEnd type="triangle"/>
+          </a:ln>
+        </p:spPr>
+        <p:style>
+          <a:lnRef idx="1">
+            <a:schemeClr val="accent1"/>
+          </a:lnRef>
+          <a:fillRef idx="0">
+            <a:schemeClr val="accent1"/>
+          </a:fillRef>
+          <a:effectRef idx="0">
+            <a:schemeClr val="accent1"/>
+          </a:effectRef>
+          <a:fontRef idx="minor">
+            <a:schemeClr val="tx1"/>
+          </a:fontRef>
+        </p:style>
+      </p:cxnSp>
+      <p:cxnSp>
+        <p:nvCxnSpPr>
+          <p:cNvPr id="27" name="Straight Arrow Connector 26">
+            <a:extLst>
+              <a:ext uri="{FF2B5EF4-FFF2-40B4-BE49-F238E27FC236}">
+                <a16:creationId xmlns:a16="http://schemas.microsoft.com/office/drawing/2014/main" id="{6423B53B-2ACD-482D-58FA-E63029547E05}"/>
+              </a:ext>
+            </a:extLst>
+          </p:cNvPr>
+          <p:cNvCxnSpPr>
+            <a:cxnSpLocks/>
+          </p:cNvCxnSpPr>
+          <p:nvPr/>
+        </p:nvCxnSpPr>
+        <p:spPr>
+          <a:xfrm flipH="1" flipV="1">
+            <a:off x="7851921" y="4353121"/>
+            <a:ext cx="2903909" cy="529953"/>
+          </a:xfrm>
+          <a:prstGeom prst="straightConnector1">
+            <a:avLst/>
+          </a:prstGeom>
+          <a:ln w="76200">
+            <a:solidFill>
+              <a:schemeClr val="tx1"/>
+            </a:solidFill>
+            <a:tailEnd type="triangle"/>
+          </a:ln>
+        </p:spPr>
+        <p:style>
+          <a:lnRef idx="1">
+            <a:schemeClr val="accent1"/>
+          </a:lnRef>
+          <a:fillRef idx="0">
+            <a:schemeClr val="accent1"/>
+          </a:fillRef>
+          <a:effectRef idx="0">
+            <a:schemeClr val="accent1"/>
+          </a:effectRef>
+          <a:fontRef idx="minor">
+            <a:schemeClr val="tx1"/>
+          </a:fontRef>
+        </p:style>
+      </p:cxnSp>
     </p:spTree>
     <p:extLst>
       <p:ext uri="{BB962C8B-B14F-4D97-AF65-F5344CB8AC3E}">
-        <p14:creationId xmlns:p14="http://schemas.microsoft.com/office/powerpoint/2010/main" val="2536600768"/>
+        <p14:creationId xmlns:p14="http://schemas.microsoft.com/office/powerpoint/2010/main" val="670314511"/>
       </p:ext>
     </p:extLst>
   </p:cSld>
@@ -39806,7 +39732,7 @@
                 </a:solidFill>
                 <a:latin typeface="+mj-lt"/>
               </a:rPr>
-              <a:t>Blocking</a:t>
+              <a:t>Experimental Studies</a:t>
             </a:r>
           </a:p>
         </p:txBody>
@@ -40456,12 +40382,124 @@
           </a:p>
         </p:txBody>
       </p:sp>
+      <p:sp>
+        <p:nvSpPr>
+          <p:cNvPr id="3" name="Rounded Rectangle 2">
+            <a:extLst>
+              <a:ext uri="{FF2B5EF4-FFF2-40B4-BE49-F238E27FC236}">
+                <a16:creationId xmlns:a16="http://schemas.microsoft.com/office/drawing/2014/main" id="{2CCC6700-DCF6-C46B-2A71-E1E8896ADAFC}"/>
+              </a:ext>
+            </a:extLst>
+          </p:cNvPr>
+          <p:cNvSpPr/>
+          <p:nvPr/>
+        </p:nvSpPr>
+        <p:spPr>
+          <a:xfrm>
+            <a:off x="6834617" y="4368641"/>
+            <a:ext cx="1655402" cy="784011"/>
+          </a:xfrm>
+          <a:prstGeom prst="roundRect">
+            <a:avLst/>
+          </a:prstGeom>
+        </p:spPr>
+        <p:style>
+          <a:lnRef idx="2">
+            <a:schemeClr val="accent4">
+              <a:shade val="15000"/>
+            </a:schemeClr>
+          </a:lnRef>
+          <a:fillRef idx="1">
+            <a:schemeClr val="accent4"/>
+          </a:fillRef>
+          <a:effectRef idx="0">
+            <a:schemeClr val="accent4"/>
+          </a:effectRef>
+          <a:fontRef idx="minor">
+            <a:schemeClr val="lt1"/>
+          </a:fontRef>
+        </p:style>
+        <p:txBody>
+          <a:bodyPr rtlCol="0" anchor="ctr"/>
+          <a:lstStyle/>
+          <a:p>
+            <a:pPr algn="ctr"/>
+            <a:r>
+              <a:rPr lang="en-US" sz="2400" dirty="0"/>
+              <a:t>Treatment</a:t>
+            </a:r>
+          </a:p>
+          <a:p>
+            <a:pPr algn="ctr"/>
+            <a:r>
+              <a:rPr lang="en-US" sz="2400" dirty="0"/>
+              <a:t>Group</a:t>
+            </a:r>
+          </a:p>
+        </p:txBody>
+      </p:sp>
+      <p:sp>
+        <p:nvSpPr>
+          <p:cNvPr id="4" name="Rounded Rectangle 3">
+            <a:extLst>
+              <a:ext uri="{FF2B5EF4-FFF2-40B4-BE49-F238E27FC236}">
+                <a16:creationId xmlns:a16="http://schemas.microsoft.com/office/drawing/2014/main" id="{7C6711DC-1AEB-EDD0-6D30-726AC37D19EA}"/>
+              </a:ext>
+            </a:extLst>
+          </p:cNvPr>
+          <p:cNvSpPr/>
+          <p:nvPr/>
+        </p:nvSpPr>
+        <p:spPr>
+          <a:xfrm>
+            <a:off x="8683217" y="4368642"/>
+            <a:ext cx="1655402" cy="784010"/>
+          </a:xfrm>
+          <a:prstGeom prst="roundRect">
+            <a:avLst/>
+          </a:prstGeom>
+        </p:spPr>
+        <p:style>
+          <a:lnRef idx="2">
+            <a:schemeClr val="accent4">
+              <a:shade val="15000"/>
+            </a:schemeClr>
+          </a:lnRef>
+          <a:fillRef idx="1">
+            <a:schemeClr val="accent4"/>
+          </a:fillRef>
+          <a:effectRef idx="0">
+            <a:schemeClr val="accent4"/>
+          </a:effectRef>
+          <a:fontRef idx="minor">
+            <a:schemeClr val="lt1"/>
+          </a:fontRef>
+        </p:style>
+        <p:txBody>
+          <a:bodyPr rtlCol="0" anchor="ctr"/>
+          <a:lstStyle/>
+          <a:p>
+            <a:pPr algn="ctr"/>
+            <a:r>
+              <a:rPr lang="en-US" sz="2400" dirty="0"/>
+              <a:t>Control</a:t>
+            </a:r>
+          </a:p>
+          <a:p>
+            <a:pPr algn="ctr"/>
+            <a:r>
+              <a:rPr lang="en-US" sz="2400" dirty="0"/>
+              <a:t>Group</a:t>
+            </a:r>
+          </a:p>
+        </p:txBody>
+      </p:sp>
       <p:pic>
         <p:nvPicPr>
-          <p:cNvPr id="4" name="Graphic 3" descr="Group with solid fill">
+          <p:cNvPr id="6" name="Graphic 5" descr="Group with solid fill">
             <a:extLst>
               <a:ext uri="{FF2B5EF4-FFF2-40B4-BE49-F238E27FC236}">
-                <a16:creationId xmlns:a16="http://schemas.microsoft.com/office/drawing/2014/main" id="{A710831F-E9BD-A429-9314-DCEA034DF328}"/>
+                <a16:creationId xmlns:a16="http://schemas.microsoft.com/office/drawing/2014/main" id="{0BB299B2-57E4-46C2-337D-60E7A9E290D4}"/>
               </a:ext>
             </a:extLst>
           </p:cNvPr>
@@ -40484,245 +40522,20 @@
         </p:blipFill>
         <p:spPr>
           <a:xfrm>
-            <a:off x="7311618" y="4407550"/>
-            <a:ext cx="2407570" cy="2407570"/>
+            <a:off x="7203648" y="3362302"/>
+            <a:ext cx="914400" cy="914400"/>
           </a:xfrm>
           <a:prstGeom prst="rect">
             <a:avLst/>
           </a:prstGeom>
         </p:spPr>
       </p:pic>
-      <p:cxnSp>
-        <p:nvCxnSpPr>
-          <p:cNvPr id="6" name="Straight Arrow Connector 5">
+      <p:pic>
+        <p:nvPicPr>
+          <p:cNvPr id="13" name="Graphic 12" descr="Group with solid fill">
             <a:extLst>
               <a:ext uri="{FF2B5EF4-FFF2-40B4-BE49-F238E27FC236}">
-                <a16:creationId xmlns:a16="http://schemas.microsoft.com/office/drawing/2014/main" id="{D9622C2C-D3AC-69E5-1896-F822DD61BFA5}"/>
-              </a:ext>
-            </a:extLst>
-          </p:cNvPr>
-          <p:cNvCxnSpPr/>
-          <p:nvPr/>
-        </p:nvCxnSpPr>
-        <p:spPr>
-          <a:xfrm flipH="1" flipV="1">
-            <a:off x="7615083" y="4188542"/>
-            <a:ext cx="45765" cy="575187"/>
-          </a:xfrm>
-          <a:prstGeom prst="straightConnector1">
-            <a:avLst/>
-          </a:prstGeom>
-          <a:ln w="76200">
-            <a:solidFill>
-              <a:schemeClr val="tx1"/>
-            </a:solidFill>
-            <a:tailEnd type="triangle"/>
-          </a:ln>
-        </p:spPr>
-        <p:style>
-          <a:lnRef idx="1">
-            <a:schemeClr val="accent1"/>
-          </a:lnRef>
-          <a:fillRef idx="0">
-            <a:schemeClr val="accent1"/>
-          </a:fillRef>
-          <a:effectRef idx="0">
-            <a:schemeClr val="accent1"/>
-          </a:effectRef>
-          <a:fontRef idx="minor">
-            <a:schemeClr val="tx1"/>
-          </a:fontRef>
-        </p:style>
-      </p:cxnSp>
-      <p:cxnSp>
-        <p:nvCxnSpPr>
-          <p:cNvPr id="12" name="Straight Arrow Connector 11">
-            <a:extLst>
-              <a:ext uri="{FF2B5EF4-FFF2-40B4-BE49-F238E27FC236}">
-                <a16:creationId xmlns:a16="http://schemas.microsoft.com/office/drawing/2014/main" id="{F549E14F-A25C-4EA0-1346-1382846D4485}"/>
-              </a:ext>
-            </a:extLst>
-          </p:cNvPr>
-          <p:cNvCxnSpPr>
-            <a:cxnSpLocks/>
-          </p:cNvCxnSpPr>
-          <p:nvPr/>
-        </p:nvCxnSpPr>
-        <p:spPr>
-          <a:xfrm flipV="1">
-            <a:off x="8304859" y="4188542"/>
-            <a:ext cx="723612" cy="609776"/>
-          </a:xfrm>
-          <a:prstGeom prst="straightConnector1">
-            <a:avLst/>
-          </a:prstGeom>
-          <a:ln w="76200">
-            <a:solidFill>
-              <a:schemeClr val="tx1"/>
-            </a:solidFill>
-            <a:tailEnd type="triangle"/>
-          </a:ln>
-        </p:spPr>
-        <p:style>
-          <a:lnRef idx="1">
-            <a:schemeClr val="accent1"/>
-          </a:lnRef>
-          <a:fillRef idx="0">
-            <a:schemeClr val="accent1"/>
-          </a:fillRef>
-          <a:effectRef idx="0">
-            <a:schemeClr val="accent1"/>
-          </a:effectRef>
-          <a:fontRef idx="minor">
-            <a:schemeClr val="tx1"/>
-          </a:fontRef>
-        </p:style>
-      </p:cxnSp>
-      <p:cxnSp>
-        <p:nvCxnSpPr>
-          <p:cNvPr id="14" name="Straight Arrow Connector 13">
-            <a:extLst>
-              <a:ext uri="{FF2B5EF4-FFF2-40B4-BE49-F238E27FC236}">
-                <a16:creationId xmlns:a16="http://schemas.microsoft.com/office/drawing/2014/main" id="{2134672F-F186-F9D5-7F79-20C512C26FD7}"/>
-              </a:ext>
-            </a:extLst>
-          </p:cNvPr>
-          <p:cNvCxnSpPr>
-            <a:cxnSpLocks/>
-          </p:cNvCxnSpPr>
-          <p:nvPr/>
-        </p:nvCxnSpPr>
-        <p:spPr>
-          <a:xfrm flipV="1">
-            <a:off x="8696163" y="4242971"/>
-            <a:ext cx="723612" cy="609776"/>
-          </a:xfrm>
-          <a:prstGeom prst="straightConnector1">
-            <a:avLst/>
-          </a:prstGeom>
-          <a:ln w="76200">
-            <a:solidFill>
-              <a:schemeClr val="tx1"/>
-            </a:solidFill>
-            <a:tailEnd type="triangle"/>
-          </a:ln>
-        </p:spPr>
-        <p:style>
-          <a:lnRef idx="1">
-            <a:schemeClr val="accent1"/>
-          </a:lnRef>
-          <a:fillRef idx="0">
-            <a:schemeClr val="accent1"/>
-          </a:fillRef>
-          <a:effectRef idx="0">
-            <a:schemeClr val="accent1"/>
-          </a:effectRef>
-          <a:fontRef idx="minor">
-            <a:schemeClr val="tx1"/>
-          </a:fontRef>
-        </p:style>
-      </p:cxnSp>
-      <p:cxnSp>
-        <p:nvCxnSpPr>
-          <p:cNvPr id="15" name="Straight Arrow Connector 14">
-            <a:extLst>
-              <a:ext uri="{FF2B5EF4-FFF2-40B4-BE49-F238E27FC236}">
-                <a16:creationId xmlns:a16="http://schemas.microsoft.com/office/drawing/2014/main" id="{4278B7F7-FE17-4B4D-686A-CDE9173D696A}"/>
-              </a:ext>
-            </a:extLst>
-          </p:cNvPr>
-          <p:cNvCxnSpPr>
-            <a:cxnSpLocks/>
-          </p:cNvCxnSpPr>
-          <p:nvPr/>
-        </p:nvCxnSpPr>
-        <p:spPr>
-          <a:xfrm flipH="1" flipV="1">
-            <a:off x="8052152" y="4242971"/>
-            <a:ext cx="1225630" cy="609776"/>
-          </a:xfrm>
-          <a:prstGeom prst="straightConnector1">
-            <a:avLst/>
-          </a:prstGeom>
-          <a:ln w="76200">
-            <a:solidFill>
-              <a:schemeClr val="tx1"/>
-            </a:solidFill>
-            <a:tailEnd type="triangle"/>
-          </a:ln>
-        </p:spPr>
-        <p:style>
-          <a:lnRef idx="1">
-            <a:schemeClr val="accent1"/>
-          </a:lnRef>
-          <a:fillRef idx="0">
-            <a:schemeClr val="accent1"/>
-          </a:fillRef>
-          <a:effectRef idx="0">
-            <a:schemeClr val="accent1"/>
-          </a:effectRef>
-          <a:fontRef idx="minor">
-            <a:schemeClr val="tx1"/>
-          </a:fontRef>
-        </p:style>
-      </p:cxnSp>
-      <p:sp>
-        <p:nvSpPr>
-          <p:cNvPr id="17" name="TextBox 16">
-            <a:extLst>
-              <a:ext uri="{FF2B5EF4-FFF2-40B4-BE49-F238E27FC236}">
-                <a16:creationId xmlns:a16="http://schemas.microsoft.com/office/drawing/2014/main" id="{9AE894A8-E0E4-DE31-06C6-7B7CA6151D71}"/>
-              </a:ext>
-            </a:extLst>
-          </p:cNvPr>
-          <p:cNvSpPr txBox="1"/>
-          <p:nvPr/>
-        </p:nvSpPr>
-        <p:spPr>
-          <a:xfrm>
-            <a:off x="4143300" y="4854308"/>
-            <a:ext cx="3135485" cy="1815882"/>
-          </a:xfrm>
-          <a:prstGeom prst="rect">
-            <a:avLst/>
-          </a:prstGeom>
-          <a:noFill/>
-        </p:spPr>
-        <p:txBody>
-          <a:bodyPr wrap="square" rtlCol="0">
-            <a:spAutoFit/>
-          </a:bodyPr>
-          <a:lstStyle/>
-          <a:p>
-            <a:r>
-              <a:rPr lang="en-US" sz="2800" dirty="0"/>
-              <a:t>Participants are </a:t>
-            </a:r>
-            <a:r>
-              <a:rPr lang="en-US" sz="2800" b="1" i="1" dirty="0"/>
-              <a:t>blocked</a:t>
-            </a:r>
-            <a:r>
-              <a:rPr lang="en-US" sz="2800" dirty="0"/>
-              <a:t> then  </a:t>
-            </a:r>
-            <a:r>
-              <a:rPr lang="en-US" sz="2800" b="1" i="1" dirty="0"/>
-              <a:t>randomly assigned </a:t>
-            </a:r>
-            <a:r>
-              <a:rPr lang="en-US" sz="2800" dirty="0"/>
-              <a:t>to a group  </a:t>
-            </a:r>
-          </a:p>
-        </p:txBody>
-      </p:sp>
-      <p:pic>
-        <p:nvPicPr>
-          <p:cNvPr id="19" name="Graphic 18" descr="Group with solid fill">
-            <a:extLst>
-              <a:ext uri="{FF2B5EF4-FFF2-40B4-BE49-F238E27FC236}">
-                <a16:creationId xmlns:a16="http://schemas.microsoft.com/office/drawing/2014/main" id="{B05B14BF-D9B6-970A-F679-5ABF1687DD8C}"/>
+                <a16:creationId xmlns:a16="http://schemas.microsoft.com/office/drawing/2014/main" id="{F1F1351A-3F8F-992D-9EA6-08C76E6516B0}"/>
               </a:ext>
             </a:extLst>
           </p:cNvPr>
@@ -40745,296 +40558,18 @@
         </p:blipFill>
         <p:spPr>
           <a:xfrm>
-            <a:off x="9419775" y="4423093"/>
-            <a:ext cx="2407570" cy="2407570"/>
+            <a:off x="9053718" y="3405359"/>
+            <a:ext cx="914400" cy="914400"/>
           </a:xfrm>
           <a:prstGeom prst="rect">
             <a:avLst/>
           </a:prstGeom>
         </p:spPr>
       </p:pic>
-      <p:cxnSp>
-        <p:nvCxnSpPr>
-          <p:cNvPr id="20" name="Straight Arrow Connector 19">
-            <a:extLst>
-              <a:ext uri="{FF2B5EF4-FFF2-40B4-BE49-F238E27FC236}">
-                <a16:creationId xmlns:a16="http://schemas.microsoft.com/office/drawing/2014/main" id="{FA93333C-627F-5953-D0C1-C34D503A6AA2}"/>
-              </a:ext>
-            </a:extLst>
-          </p:cNvPr>
-          <p:cNvCxnSpPr>
-            <a:cxnSpLocks/>
-          </p:cNvCxnSpPr>
-          <p:nvPr/>
-        </p:nvCxnSpPr>
-        <p:spPr>
-          <a:xfrm flipH="1" flipV="1">
-            <a:off x="8207397" y="4083219"/>
-            <a:ext cx="1561608" cy="730642"/>
-          </a:xfrm>
-          <a:prstGeom prst="straightConnector1">
-            <a:avLst/>
-          </a:prstGeom>
-          <a:ln w="76200">
-            <a:solidFill>
-              <a:schemeClr val="tx1"/>
-            </a:solidFill>
-            <a:tailEnd type="triangle"/>
-          </a:ln>
-        </p:spPr>
-        <p:style>
-          <a:lnRef idx="1">
-            <a:schemeClr val="accent1"/>
-          </a:lnRef>
-          <a:fillRef idx="0">
-            <a:schemeClr val="accent1"/>
-          </a:fillRef>
-          <a:effectRef idx="0">
-            <a:schemeClr val="accent1"/>
-          </a:effectRef>
-          <a:fontRef idx="minor">
-            <a:schemeClr val="tx1"/>
-          </a:fontRef>
-        </p:style>
-      </p:cxnSp>
-      <p:cxnSp>
-        <p:nvCxnSpPr>
-          <p:cNvPr id="22" name="Straight Arrow Connector 21">
-            <a:extLst>
-              <a:ext uri="{FF2B5EF4-FFF2-40B4-BE49-F238E27FC236}">
-                <a16:creationId xmlns:a16="http://schemas.microsoft.com/office/drawing/2014/main" id="{0BCB1C22-E00E-3002-E9C8-77910EA6BE8E}"/>
-              </a:ext>
-            </a:extLst>
-          </p:cNvPr>
-          <p:cNvCxnSpPr>
-            <a:cxnSpLocks/>
-          </p:cNvCxnSpPr>
-          <p:nvPr/>
-        </p:nvCxnSpPr>
-        <p:spPr>
-          <a:xfrm flipH="1" flipV="1">
-            <a:off x="9811079" y="4227428"/>
-            <a:ext cx="568960" cy="640103"/>
-          </a:xfrm>
-          <a:prstGeom prst="straightConnector1">
-            <a:avLst/>
-          </a:prstGeom>
-          <a:ln w="76200">
-            <a:solidFill>
-              <a:schemeClr val="tx1"/>
-            </a:solidFill>
-            <a:tailEnd type="triangle"/>
-          </a:ln>
-        </p:spPr>
-        <p:style>
-          <a:lnRef idx="1">
-            <a:schemeClr val="accent1"/>
-          </a:lnRef>
-          <a:fillRef idx="0">
-            <a:schemeClr val="accent1"/>
-          </a:fillRef>
-          <a:effectRef idx="0">
-            <a:schemeClr val="accent1"/>
-          </a:effectRef>
-          <a:fontRef idx="minor">
-            <a:schemeClr val="tx1"/>
-          </a:fontRef>
-        </p:style>
-      </p:cxnSp>
-      <p:cxnSp>
-        <p:nvCxnSpPr>
-          <p:cNvPr id="24" name="Straight Arrow Connector 23">
-            <a:extLst>
-              <a:ext uri="{FF2B5EF4-FFF2-40B4-BE49-F238E27FC236}">
-                <a16:creationId xmlns:a16="http://schemas.microsoft.com/office/drawing/2014/main" id="{AA87E0FF-88E6-3C63-509E-A9E41F51513A}"/>
-              </a:ext>
-            </a:extLst>
-          </p:cNvPr>
-          <p:cNvCxnSpPr>
-            <a:cxnSpLocks/>
-          </p:cNvCxnSpPr>
-          <p:nvPr/>
-        </p:nvCxnSpPr>
-        <p:spPr>
-          <a:xfrm flipH="1" flipV="1">
-            <a:off x="10063786" y="4242971"/>
-            <a:ext cx="1163070" cy="678989"/>
-          </a:xfrm>
-          <a:prstGeom prst="straightConnector1">
-            <a:avLst/>
-          </a:prstGeom>
-          <a:ln w="76200">
-            <a:solidFill>
-              <a:schemeClr val="tx1"/>
-            </a:solidFill>
-            <a:tailEnd type="triangle"/>
-          </a:ln>
-        </p:spPr>
-        <p:style>
-          <a:lnRef idx="1">
-            <a:schemeClr val="accent1"/>
-          </a:lnRef>
-          <a:fillRef idx="0">
-            <a:schemeClr val="accent1"/>
-          </a:fillRef>
-          <a:effectRef idx="0">
-            <a:schemeClr val="accent1"/>
-          </a:effectRef>
-          <a:fontRef idx="minor">
-            <a:schemeClr val="tx1"/>
-          </a:fontRef>
-        </p:style>
-      </p:cxnSp>
-      <p:cxnSp>
-        <p:nvCxnSpPr>
-          <p:cNvPr id="27" name="Straight Arrow Connector 26">
-            <a:extLst>
-              <a:ext uri="{FF2B5EF4-FFF2-40B4-BE49-F238E27FC236}">
-                <a16:creationId xmlns:a16="http://schemas.microsoft.com/office/drawing/2014/main" id="{6423B53B-2ACD-482D-58FA-E63029547E05}"/>
-              </a:ext>
-            </a:extLst>
-          </p:cNvPr>
-          <p:cNvCxnSpPr>
-            <a:cxnSpLocks/>
-          </p:cNvCxnSpPr>
-          <p:nvPr/>
-        </p:nvCxnSpPr>
-        <p:spPr>
-          <a:xfrm flipH="1" flipV="1">
-            <a:off x="7851921" y="4353121"/>
-            <a:ext cx="2903909" cy="529953"/>
-          </a:xfrm>
-          <a:prstGeom prst="straightConnector1">
-            <a:avLst/>
-          </a:prstGeom>
-          <a:ln w="76200">
-            <a:solidFill>
-              <a:schemeClr val="tx1"/>
-            </a:solidFill>
-            <a:tailEnd type="triangle"/>
-          </a:ln>
-        </p:spPr>
-        <p:style>
-          <a:lnRef idx="1">
-            <a:schemeClr val="accent1"/>
-          </a:lnRef>
-          <a:fillRef idx="0">
-            <a:schemeClr val="accent1"/>
-          </a:fillRef>
-          <a:effectRef idx="0">
-            <a:schemeClr val="accent1"/>
-          </a:effectRef>
-          <a:fontRef idx="minor">
-            <a:schemeClr val="tx1"/>
-          </a:fontRef>
-        </p:style>
-      </p:cxnSp>
-      <p:sp>
-        <p:nvSpPr>
-          <p:cNvPr id="3" name="TextBox 2">
-            <a:extLst>
-              <a:ext uri="{FF2B5EF4-FFF2-40B4-BE49-F238E27FC236}">
-                <a16:creationId xmlns:a16="http://schemas.microsoft.com/office/drawing/2014/main" id="{E08D6B5F-14EB-1720-98A2-8D2F9022A3E4}"/>
-              </a:ext>
-            </a:extLst>
-          </p:cNvPr>
-          <p:cNvSpPr txBox="1"/>
-          <p:nvPr/>
-        </p:nvSpPr>
-        <p:spPr>
-          <a:xfrm>
-            <a:off x="7420778" y="6340675"/>
-            <a:ext cx="2001336" cy="372629"/>
-          </a:xfrm>
-          <a:prstGeom prst="rect">
-            <a:avLst/>
-          </a:prstGeom>
-        </p:spPr>
-        <p:style>
-          <a:lnRef idx="2">
-            <a:schemeClr val="accent4">
-              <a:shade val="15000"/>
-            </a:schemeClr>
-          </a:lnRef>
-          <a:fillRef idx="1">
-            <a:schemeClr val="accent4"/>
-          </a:fillRef>
-          <a:effectRef idx="0">
-            <a:schemeClr val="accent4"/>
-          </a:effectRef>
-          <a:fontRef idx="minor">
-            <a:schemeClr val="lt1"/>
-          </a:fontRef>
-        </p:style>
-        <p:txBody>
-          <a:bodyPr wrap="square" rtlCol="0">
-            <a:spAutoFit/>
-          </a:bodyPr>
-          <a:lstStyle/>
-          <a:p>
-            <a:pPr algn="ctr"/>
-            <a:r>
-              <a:rPr lang="en-US" dirty="0"/>
-              <a:t>Anxious</a:t>
-            </a:r>
-          </a:p>
-        </p:txBody>
-      </p:sp>
-      <p:sp>
-        <p:nvSpPr>
-          <p:cNvPr id="5" name="TextBox 4">
-            <a:extLst>
-              <a:ext uri="{FF2B5EF4-FFF2-40B4-BE49-F238E27FC236}">
-                <a16:creationId xmlns:a16="http://schemas.microsoft.com/office/drawing/2014/main" id="{0913BFBF-3E8C-6BDF-7767-9C09B5C59037}"/>
-              </a:ext>
-            </a:extLst>
-          </p:cNvPr>
-          <p:cNvSpPr txBox="1"/>
-          <p:nvPr/>
-        </p:nvSpPr>
-        <p:spPr>
-          <a:xfrm>
-            <a:off x="9644653" y="6334705"/>
-            <a:ext cx="2001336" cy="408623"/>
-          </a:xfrm>
-          <a:prstGeom prst="roundRect">
-            <a:avLst/>
-          </a:prstGeom>
-        </p:spPr>
-        <p:style>
-          <a:lnRef idx="2">
-            <a:schemeClr val="accent4">
-              <a:shade val="15000"/>
-            </a:schemeClr>
-          </a:lnRef>
-          <a:fillRef idx="1">
-            <a:schemeClr val="accent4"/>
-          </a:fillRef>
-          <a:effectRef idx="0">
-            <a:schemeClr val="accent4"/>
-          </a:effectRef>
-          <a:fontRef idx="minor">
-            <a:schemeClr val="lt1"/>
-          </a:fontRef>
-        </p:style>
-        <p:txBody>
-          <a:bodyPr wrap="square" rtlCol="0">
-            <a:spAutoFit/>
-          </a:bodyPr>
-          <a:lstStyle/>
-          <a:p>
-            <a:pPr algn="ctr"/>
-            <a:r>
-              <a:rPr lang="en-US" dirty="0"/>
-              <a:t>Not Anxious</a:t>
-            </a:r>
-          </a:p>
-        </p:txBody>
-      </p:sp>
     </p:spTree>
     <p:extLst>
       <p:ext uri="{BB962C8B-B14F-4D97-AF65-F5344CB8AC3E}">
-        <p14:creationId xmlns:p14="http://schemas.microsoft.com/office/powerpoint/2010/main" val="17192858"/>
+        <p14:creationId xmlns:p14="http://schemas.microsoft.com/office/powerpoint/2010/main" val="2536600768"/>
       </p:ext>
     </p:extLst>
   </p:cSld>
@@ -41120,90 +40655,6 @@
             </a:r>
           </a:p>
           <a:p>
-            <a:pPr lvl="1" indent="-349250">
-              <a:lnSpc>
-                <a:spcPct val="115000"/>
-              </a:lnSpc>
-              <a:buSzPts val="1900"/>
-            </a:pPr>
-            <a:endParaRPr lang="en" sz="2200" dirty="0"/>
-          </a:p>
-          <a:p>
-            <a:pPr lvl="1" indent="-349250">
-              <a:lnSpc>
-                <a:spcPct val="115000"/>
-              </a:lnSpc>
-              <a:buSzPts val="1900"/>
-            </a:pPr>
-            <a:endParaRPr lang="en" sz="2200" dirty="0"/>
-          </a:p>
-          <a:p>
-            <a:pPr lvl="1" indent="-349250">
-              <a:lnSpc>
-                <a:spcPct val="115000"/>
-              </a:lnSpc>
-              <a:buSzPts val="1900"/>
-            </a:pPr>
-            <a:endParaRPr lang="en" sz="2200" dirty="0"/>
-          </a:p>
-          <a:p>
-            <a:pPr lvl="1" indent="-349250">
-              <a:lnSpc>
-                <a:spcPct val="115000"/>
-              </a:lnSpc>
-              <a:buSzPts val="1900"/>
-            </a:pPr>
-            <a:endParaRPr lang="en" sz="2200" dirty="0"/>
-          </a:p>
-          <a:p>
-            <a:pPr lvl="1" indent="-349250">
-              <a:lnSpc>
-                <a:spcPct val="115000"/>
-              </a:lnSpc>
-              <a:buSzPts val="1900"/>
-            </a:pPr>
-            <a:endParaRPr lang="en" sz="2200" dirty="0"/>
-          </a:p>
-          <a:p>
-            <a:pPr lvl="1" indent="-349250">
-              <a:lnSpc>
-                <a:spcPct val="115000"/>
-              </a:lnSpc>
-              <a:buSzPts val="1900"/>
-            </a:pPr>
-            <a:endParaRPr lang="en" sz="2200" dirty="0"/>
-          </a:p>
-          <a:p>
-            <a:pPr lvl="1" indent="-349250">
-              <a:lnSpc>
-                <a:spcPct val="115000"/>
-              </a:lnSpc>
-              <a:buSzPts val="1900"/>
-            </a:pPr>
-            <a:endParaRPr lang="en" sz="2200" dirty="0"/>
-          </a:p>
-          <a:p>
-            <a:pPr lvl="1" indent="-349250">
-              <a:lnSpc>
-                <a:spcPct val="115000"/>
-              </a:lnSpc>
-              <a:buSzPts val="1900"/>
-            </a:pPr>
-            <a:endParaRPr lang="en" sz="2200" dirty="0"/>
-          </a:p>
-          <a:p>
-            <a:pPr lvl="1" indent="-349250">
-              <a:lnSpc>
-                <a:spcPct val="115000"/>
-              </a:lnSpc>
-              <a:buSzPts val="1900"/>
-            </a:pPr>
-            <a:r>
-              <a:rPr lang="en" sz="2200" dirty="0"/>
-              <a:t>Can show a causal connection </a:t>
-            </a:r>
-          </a:p>
-          <a:p>
             <a:pPr marL="107950" indent="0">
               <a:lnSpc>
                 <a:spcPct val="115000"/>
@@ -41455,7 +40906,7 @@
                 </a:solidFill>
                 <a:latin typeface="+mj-lt"/>
               </a:rPr>
-              <a:t>Experimental Studies</a:t>
+              <a:t>Blocking</a:t>
             </a:r>
           </a:p>
         </p:txBody>
@@ -42105,6 +41556,1655 @@
           </a:p>
         </p:txBody>
       </p:sp>
+      <p:pic>
+        <p:nvPicPr>
+          <p:cNvPr id="4" name="Graphic 3" descr="Group with solid fill">
+            <a:extLst>
+              <a:ext uri="{FF2B5EF4-FFF2-40B4-BE49-F238E27FC236}">
+                <a16:creationId xmlns:a16="http://schemas.microsoft.com/office/drawing/2014/main" id="{A710831F-E9BD-A429-9314-DCEA034DF328}"/>
+              </a:ext>
+            </a:extLst>
+          </p:cNvPr>
+          <p:cNvPicPr>
+            <a:picLocks noChangeAspect="1"/>
+          </p:cNvPicPr>
+          <p:nvPr/>
+        </p:nvPicPr>
+        <p:blipFill>
+          <a:blip r:embed="rId3">
+            <a:extLst>
+              <a:ext uri="{96DAC541-7B7A-43D3-8B79-37D633B846F1}">
+                <asvg:svgBlip xmlns:asvg="http://schemas.microsoft.com/office/drawing/2016/SVG/main" r:embed="rId4"/>
+              </a:ext>
+            </a:extLst>
+          </a:blip>
+          <a:stretch>
+            <a:fillRect/>
+          </a:stretch>
+        </p:blipFill>
+        <p:spPr>
+          <a:xfrm>
+            <a:off x="7311618" y="4407550"/>
+            <a:ext cx="2407570" cy="2407570"/>
+          </a:xfrm>
+          <a:prstGeom prst="rect">
+            <a:avLst/>
+          </a:prstGeom>
+        </p:spPr>
+      </p:pic>
+      <p:cxnSp>
+        <p:nvCxnSpPr>
+          <p:cNvPr id="6" name="Straight Arrow Connector 5">
+            <a:extLst>
+              <a:ext uri="{FF2B5EF4-FFF2-40B4-BE49-F238E27FC236}">
+                <a16:creationId xmlns:a16="http://schemas.microsoft.com/office/drawing/2014/main" id="{D9622C2C-D3AC-69E5-1896-F822DD61BFA5}"/>
+              </a:ext>
+            </a:extLst>
+          </p:cNvPr>
+          <p:cNvCxnSpPr/>
+          <p:nvPr/>
+        </p:nvCxnSpPr>
+        <p:spPr>
+          <a:xfrm flipH="1" flipV="1">
+            <a:off x="7615083" y="4188542"/>
+            <a:ext cx="45765" cy="575187"/>
+          </a:xfrm>
+          <a:prstGeom prst="straightConnector1">
+            <a:avLst/>
+          </a:prstGeom>
+          <a:ln w="76200">
+            <a:solidFill>
+              <a:schemeClr val="tx1"/>
+            </a:solidFill>
+            <a:tailEnd type="triangle"/>
+          </a:ln>
+        </p:spPr>
+        <p:style>
+          <a:lnRef idx="1">
+            <a:schemeClr val="accent1"/>
+          </a:lnRef>
+          <a:fillRef idx="0">
+            <a:schemeClr val="accent1"/>
+          </a:fillRef>
+          <a:effectRef idx="0">
+            <a:schemeClr val="accent1"/>
+          </a:effectRef>
+          <a:fontRef idx="minor">
+            <a:schemeClr val="tx1"/>
+          </a:fontRef>
+        </p:style>
+      </p:cxnSp>
+      <p:cxnSp>
+        <p:nvCxnSpPr>
+          <p:cNvPr id="12" name="Straight Arrow Connector 11">
+            <a:extLst>
+              <a:ext uri="{FF2B5EF4-FFF2-40B4-BE49-F238E27FC236}">
+                <a16:creationId xmlns:a16="http://schemas.microsoft.com/office/drawing/2014/main" id="{F549E14F-A25C-4EA0-1346-1382846D4485}"/>
+              </a:ext>
+            </a:extLst>
+          </p:cNvPr>
+          <p:cNvCxnSpPr>
+            <a:cxnSpLocks/>
+          </p:cNvCxnSpPr>
+          <p:nvPr/>
+        </p:nvCxnSpPr>
+        <p:spPr>
+          <a:xfrm flipV="1">
+            <a:off x="8304859" y="4188542"/>
+            <a:ext cx="723612" cy="609776"/>
+          </a:xfrm>
+          <a:prstGeom prst="straightConnector1">
+            <a:avLst/>
+          </a:prstGeom>
+          <a:ln w="76200">
+            <a:solidFill>
+              <a:schemeClr val="tx1"/>
+            </a:solidFill>
+            <a:tailEnd type="triangle"/>
+          </a:ln>
+        </p:spPr>
+        <p:style>
+          <a:lnRef idx="1">
+            <a:schemeClr val="accent1"/>
+          </a:lnRef>
+          <a:fillRef idx="0">
+            <a:schemeClr val="accent1"/>
+          </a:fillRef>
+          <a:effectRef idx="0">
+            <a:schemeClr val="accent1"/>
+          </a:effectRef>
+          <a:fontRef idx="minor">
+            <a:schemeClr val="tx1"/>
+          </a:fontRef>
+        </p:style>
+      </p:cxnSp>
+      <p:cxnSp>
+        <p:nvCxnSpPr>
+          <p:cNvPr id="14" name="Straight Arrow Connector 13">
+            <a:extLst>
+              <a:ext uri="{FF2B5EF4-FFF2-40B4-BE49-F238E27FC236}">
+                <a16:creationId xmlns:a16="http://schemas.microsoft.com/office/drawing/2014/main" id="{2134672F-F186-F9D5-7F79-20C512C26FD7}"/>
+              </a:ext>
+            </a:extLst>
+          </p:cNvPr>
+          <p:cNvCxnSpPr>
+            <a:cxnSpLocks/>
+          </p:cNvCxnSpPr>
+          <p:nvPr/>
+        </p:nvCxnSpPr>
+        <p:spPr>
+          <a:xfrm flipV="1">
+            <a:off x="8696163" y="4242971"/>
+            <a:ext cx="723612" cy="609776"/>
+          </a:xfrm>
+          <a:prstGeom prst="straightConnector1">
+            <a:avLst/>
+          </a:prstGeom>
+          <a:ln w="76200">
+            <a:solidFill>
+              <a:schemeClr val="tx1"/>
+            </a:solidFill>
+            <a:tailEnd type="triangle"/>
+          </a:ln>
+        </p:spPr>
+        <p:style>
+          <a:lnRef idx="1">
+            <a:schemeClr val="accent1"/>
+          </a:lnRef>
+          <a:fillRef idx="0">
+            <a:schemeClr val="accent1"/>
+          </a:fillRef>
+          <a:effectRef idx="0">
+            <a:schemeClr val="accent1"/>
+          </a:effectRef>
+          <a:fontRef idx="minor">
+            <a:schemeClr val="tx1"/>
+          </a:fontRef>
+        </p:style>
+      </p:cxnSp>
+      <p:cxnSp>
+        <p:nvCxnSpPr>
+          <p:cNvPr id="15" name="Straight Arrow Connector 14">
+            <a:extLst>
+              <a:ext uri="{FF2B5EF4-FFF2-40B4-BE49-F238E27FC236}">
+                <a16:creationId xmlns:a16="http://schemas.microsoft.com/office/drawing/2014/main" id="{4278B7F7-FE17-4B4D-686A-CDE9173D696A}"/>
+              </a:ext>
+            </a:extLst>
+          </p:cNvPr>
+          <p:cNvCxnSpPr>
+            <a:cxnSpLocks/>
+          </p:cNvCxnSpPr>
+          <p:nvPr/>
+        </p:nvCxnSpPr>
+        <p:spPr>
+          <a:xfrm flipH="1" flipV="1">
+            <a:off x="8052152" y="4242971"/>
+            <a:ext cx="1225630" cy="609776"/>
+          </a:xfrm>
+          <a:prstGeom prst="straightConnector1">
+            <a:avLst/>
+          </a:prstGeom>
+          <a:ln w="76200">
+            <a:solidFill>
+              <a:schemeClr val="tx1"/>
+            </a:solidFill>
+            <a:tailEnd type="triangle"/>
+          </a:ln>
+        </p:spPr>
+        <p:style>
+          <a:lnRef idx="1">
+            <a:schemeClr val="accent1"/>
+          </a:lnRef>
+          <a:fillRef idx="0">
+            <a:schemeClr val="accent1"/>
+          </a:fillRef>
+          <a:effectRef idx="0">
+            <a:schemeClr val="accent1"/>
+          </a:effectRef>
+          <a:fontRef idx="minor">
+            <a:schemeClr val="tx1"/>
+          </a:fontRef>
+        </p:style>
+      </p:cxnSp>
+      <p:sp>
+        <p:nvSpPr>
+          <p:cNvPr id="17" name="TextBox 16">
+            <a:extLst>
+              <a:ext uri="{FF2B5EF4-FFF2-40B4-BE49-F238E27FC236}">
+                <a16:creationId xmlns:a16="http://schemas.microsoft.com/office/drawing/2014/main" id="{9AE894A8-E0E4-DE31-06C6-7B7CA6151D71}"/>
+              </a:ext>
+            </a:extLst>
+          </p:cNvPr>
+          <p:cNvSpPr txBox="1"/>
+          <p:nvPr/>
+        </p:nvSpPr>
+        <p:spPr>
+          <a:xfrm>
+            <a:off x="4143300" y="4854308"/>
+            <a:ext cx="3135485" cy="1815882"/>
+          </a:xfrm>
+          <a:prstGeom prst="rect">
+            <a:avLst/>
+          </a:prstGeom>
+          <a:noFill/>
+        </p:spPr>
+        <p:txBody>
+          <a:bodyPr wrap="square" rtlCol="0">
+            <a:spAutoFit/>
+          </a:bodyPr>
+          <a:lstStyle/>
+          <a:p>
+            <a:r>
+              <a:rPr lang="en-US" sz="2800" dirty="0"/>
+              <a:t>Participants are </a:t>
+            </a:r>
+            <a:r>
+              <a:rPr lang="en-US" sz="2800" b="1" i="1" dirty="0"/>
+              <a:t>blocked</a:t>
+            </a:r>
+            <a:r>
+              <a:rPr lang="en-US" sz="2800" dirty="0"/>
+              <a:t> then  </a:t>
+            </a:r>
+            <a:r>
+              <a:rPr lang="en-US" sz="2800" b="1" i="1" dirty="0"/>
+              <a:t>randomly assigned </a:t>
+            </a:r>
+            <a:r>
+              <a:rPr lang="en-US" sz="2800" dirty="0"/>
+              <a:t>to a group  </a:t>
+            </a:r>
+          </a:p>
+        </p:txBody>
+      </p:sp>
+      <p:pic>
+        <p:nvPicPr>
+          <p:cNvPr id="19" name="Graphic 18" descr="Group with solid fill">
+            <a:extLst>
+              <a:ext uri="{FF2B5EF4-FFF2-40B4-BE49-F238E27FC236}">
+                <a16:creationId xmlns:a16="http://schemas.microsoft.com/office/drawing/2014/main" id="{B05B14BF-D9B6-970A-F679-5ABF1687DD8C}"/>
+              </a:ext>
+            </a:extLst>
+          </p:cNvPr>
+          <p:cNvPicPr>
+            <a:picLocks noChangeAspect="1"/>
+          </p:cNvPicPr>
+          <p:nvPr/>
+        </p:nvPicPr>
+        <p:blipFill>
+          <a:blip r:embed="rId3">
+            <a:extLst>
+              <a:ext uri="{96DAC541-7B7A-43D3-8B79-37D633B846F1}">
+                <asvg:svgBlip xmlns:asvg="http://schemas.microsoft.com/office/drawing/2016/SVG/main" r:embed="rId4"/>
+              </a:ext>
+            </a:extLst>
+          </a:blip>
+          <a:stretch>
+            <a:fillRect/>
+          </a:stretch>
+        </p:blipFill>
+        <p:spPr>
+          <a:xfrm>
+            <a:off x="9419775" y="4423093"/>
+            <a:ext cx="2407570" cy="2407570"/>
+          </a:xfrm>
+          <a:prstGeom prst="rect">
+            <a:avLst/>
+          </a:prstGeom>
+        </p:spPr>
+      </p:pic>
+      <p:cxnSp>
+        <p:nvCxnSpPr>
+          <p:cNvPr id="20" name="Straight Arrow Connector 19">
+            <a:extLst>
+              <a:ext uri="{FF2B5EF4-FFF2-40B4-BE49-F238E27FC236}">
+                <a16:creationId xmlns:a16="http://schemas.microsoft.com/office/drawing/2014/main" id="{FA93333C-627F-5953-D0C1-C34D503A6AA2}"/>
+              </a:ext>
+            </a:extLst>
+          </p:cNvPr>
+          <p:cNvCxnSpPr>
+            <a:cxnSpLocks/>
+          </p:cNvCxnSpPr>
+          <p:nvPr/>
+        </p:nvCxnSpPr>
+        <p:spPr>
+          <a:xfrm flipH="1" flipV="1">
+            <a:off x="8207397" y="4083219"/>
+            <a:ext cx="1561608" cy="730642"/>
+          </a:xfrm>
+          <a:prstGeom prst="straightConnector1">
+            <a:avLst/>
+          </a:prstGeom>
+          <a:ln w="76200">
+            <a:solidFill>
+              <a:schemeClr val="tx1"/>
+            </a:solidFill>
+            <a:tailEnd type="triangle"/>
+          </a:ln>
+        </p:spPr>
+        <p:style>
+          <a:lnRef idx="1">
+            <a:schemeClr val="accent1"/>
+          </a:lnRef>
+          <a:fillRef idx="0">
+            <a:schemeClr val="accent1"/>
+          </a:fillRef>
+          <a:effectRef idx="0">
+            <a:schemeClr val="accent1"/>
+          </a:effectRef>
+          <a:fontRef idx="minor">
+            <a:schemeClr val="tx1"/>
+          </a:fontRef>
+        </p:style>
+      </p:cxnSp>
+      <p:cxnSp>
+        <p:nvCxnSpPr>
+          <p:cNvPr id="22" name="Straight Arrow Connector 21">
+            <a:extLst>
+              <a:ext uri="{FF2B5EF4-FFF2-40B4-BE49-F238E27FC236}">
+                <a16:creationId xmlns:a16="http://schemas.microsoft.com/office/drawing/2014/main" id="{0BCB1C22-E00E-3002-E9C8-77910EA6BE8E}"/>
+              </a:ext>
+            </a:extLst>
+          </p:cNvPr>
+          <p:cNvCxnSpPr>
+            <a:cxnSpLocks/>
+          </p:cNvCxnSpPr>
+          <p:nvPr/>
+        </p:nvCxnSpPr>
+        <p:spPr>
+          <a:xfrm flipH="1" flipV="1">
+            <a:off x="9811079" y="4227428"/>
+            <a:ext cx="568960" cy="640103"/>
+          </a:xfrm>
+          <a:prstGeom prst="straightConnector1">
+            <a:avLst/>
+          </a:prstGeom>
+          <a:ln w="76200">
+            <a:solidFill>
+              <a:schemeClr val="tx1"/>
+            </a:solidFill>
+            <a:tailEnd type="triangle"/>
+          </a:ln>
+        </p:spPr>
+        <p:style>
+          <a:lnRef idx="1">
+            <a:schemeClr val="accent1"/>
+          </a:lnRef>
+          <a:fillRef idx="0">
+            <a:schemeClr val="accent1"/>
+          </a:fillRef>
+          <a:effectRef idx="0">
+            <a:schemeClr val="accent1"/>
+          </a:effectRef>
+          <a:fontRef idx="minor">
+            <a:schemeClr val="tx1"/>
+          </a:fontRef>
+        </p:style>
+      </p:cxnSp>
+      <p:cxnSp>
+        <p:nvCxnSpPr>
+          <p:cNvPr id="24" name="Straight Arrow Connector 23">
+            <a:extLst>
+              <a:ext uri="{FF2B5EF4-FFF2-40B4-BE49-F238E27FC236}">
+                <a16:creationId xmlns:a16="http://schemas.microsoft.com/office/drawing/2014/main" id="{AA87E0FF-88E6-3C63-509E-A9E41F51513A}"/>
+              </a:ext>
+            </a:extLst>
+          </p:cNvPr>
+          <p:cNvCxnSpPr>
+            <a:cxnSpLocks/>
+          </p:cNvCxnSpPr>
+          <p:nvPr/>
+        </p:nvCxnSpPr>
+        <p:spPr>
+          <a:xfrm flipH="1" flipV="1">
+            <a:off x="10063786" y="4242971"/>
+            <a:ext cx="1163070" cy="678989"/>
+          </a:xfrm>
+          <a:prstGeom prst="straightConnector1">
+            <a:avLst/>
+          </a:prstGeom>
+          <a:ln w="76200">
+            <a:solidFill>
+              <a:schemeClr val="tx1"/>
+            </a:solidFill>
+            <a:tailEnd type="triangle"/>
+          </a:ln>
+        </p:spPr>
+        <p:style>
+          <a:lnRef idx="1">
+            <a:schemeClr val="accent1"/>
+          </a:lnRef>
+          <a:fillRef idx="0">
+            <a:schemeClr val="accent1"/>
+          </a:fillRef>
+          <a:effectRef idx="0">
+            <a:schemeClr val="accent1"/>
+          </a:effectRef>
+          <a:fontRef idx="minor">
+            <a:schemeClr val="tx1"/>
+          </a:fontRef>
+        </p:style>
+      </p:cxnSp>
+      <p:cxnSp>
+        <p:nvCxnSpPr>
+          <p:cNvPr id="27" name="Straight Arrow Connector 26">
+            <a:extLst>
+              <a:ext uri="{FF2B5EF4-FFF2-40B4-BE49-F238E27FC236}">
+                <a16:creationId xmlns:a16="http://schemas.microsoft.com/office/drawing/2014/main" id="{6423B53B-2ACD-482D-58FA-E63029547E05}"/>
+              </a:ext>
+            </a:extLst>
+          </p:cNvPr>
+          <p:cNvCxnSpPr>
+            <a:cxnSpLocks/>
+          </p:cNvCxnSpPr>
+          <p:nvPr/>
+        </p:nvCxnSpPr>
+        <p:spPr>
+          <a:xfrm flipH="1" flipV="1">
+            <a:off x="7851921" y="4353121"/>
+            <a:ext cx="2903909" cy="529953"/>
+          </a:xfrm>
+          <a:prstGeom prst="straightConnector1">
+            <a:avLst/>
+          </a:prstGeom>
+          <a:ln w="76200">
+            <a:solidFill>
+              <a:schemeClr val="tx1"/>
+            </a:solidFill>
+            <a:tailEnd type="triangle"/>
+          </a:ln>
+        </p:spPr>
+        <p:style>
+          <a:lnRef idx="1">
+            <a:schemeClr val="accent1"/>
+          </a:lnRef>
+          <a:fillRef idx="0">
+            <a:schemeClr val="accent1"/>
+          </a:fillRef>
+          <a:effectRef idx="0">
+            <a:schemeClr val="accent1"/>
+          </a:effectRef>
+          <a:fontRef idx="minor">
+            <a:schemeClr val="tx1"/>
+          </a:fontRef>
+        </p:style>
+      </p:cxnSp>
+      <p:sp>
+        <p:nvSpPr>
+          <p:cNvPr id="3" name="TextBox 2">
+            <a:extLst>
+              <a:ext uri="{FF2B5EF4-FFF2-40B4-BE49-F238E27FC236}">
+                <a16:creationId xmlns:a16="http://schemas.microsoft.com/office/drawing/2014/main" id="{E08D6B5F-14EB-1720-98A2-8D2F9022A3E4}"/>
+              </a:ext>
+            </a:extLst>
+          </p:cNvPr>
+          <p:cNvSpPr txBox="1"/>
+          <p:nvPr/>
+        </p:nvSpPr>
+        <p:spPr>
+          <a:xfrm>
+            <a:off x="7420778" y="6340675"/>
+            <a:ext cx="2001336" cy="372629"/>
+          </a:xfrm>
+          <a:prstGeom prst="rect">
+            <a:avLst/>
+          </a:prstGeom>
+        </p:spPr>
+        <p:style>
+          <a:lnRef idx="2">
+            <a:schemeClr val="accent4">
+              <a:shade val="15000"/>
+            </a:schemeClr>
+          </a:lnRef>
+          <a:fillRef idx="1">
+            <a:schemeClr val="accent4"/>
+          </a:fillRef>
+          <a:effectRef idx="0">
+            <a:schemeClr val="accent4"/>
+          </a:effectRef>
+          <a:fontRef idx="minor">
+            <a:schemeClr val="lt1"/>
+          </a:fontRef>
+        </p:style>
+        <p:txBody>
+          <a:bodyPr wrap="square" rtlCol="0">
+            <a:spAutoFit/>
+          </a:bodyPr>
+          <a:lstStyle/>
+          <a:p>
+            <a:pPr algn="ctr"/>
+            <a:r>
+              <a:rPr lang="en-US" dirty="0"/>
+              <a:t>Anxious</a:t>
+            </a:r>
+          </a:p>
+        </p:txBody>
+      </p:sp>
+      <p:sp>
+        <p:nvSpPr>
+          <p:cNvPr id="5" name="TextBox 4">
+            <a:extLst>
+              <a:ext uri="{FF2B5EF4-FFF2-40B4-BE49-F238E27FC236}">
+                <a16:creationId xmlns:a16="http://schemas.microsoft.com/office/drawing/2014/main" id="{0913BFBF-3E8C-6BDF-7767-9C09B5C59037}"/>
+              </a:ext>
+            </a:extLst>
+          </p:cNvPr>
+          <p:cNvSpPr txBox="1"/>
+          <p:nvPr/>
+        </p:nvSpPr>
+        <p:spPr>
+          <a:xfrm>
+            <a:off x="9644653" y="6334705"/>
+            <a:ext cx="2001336" cy="408623"/>
+          </a:xfrm>
+          <a:prstGeom prst="roundRect">
+            <a:avLst/>
+          </a:prstGeom>
+        </p:spPr>
+        <p:style>
+          <a:lnRef idx="2">
+            <a:schemeClr val="accent4">
+              <a:shade val="15000"/>
+            </a:schemeClr>
+          </a:lnRef>
+          <a:fillRef idx="1">
+            <a:schemeClr val="accent4"/>
+          </a:fillRef>
+          <a:effectRef idx="0">
+            <a:schemeClr val="accent4"/>
+          </a:effectRef>
+          <a:fontRef idx="minor">
+            <a:schemeClr val="lt1"/>
+          </a:fontRef>
+        </p:style>
+        <p:txBody>
+          <a:bodyPr wrap="square" rtlCol="0">
+            <a:spAutoFit/>
+          </a:bodyPr>
+          <a:lstStyle/>
+          <a:p>
+            <a:pPr algn="ctr"/>
+            <a:r>
+              <a:rPr lang="en-US" dirty="0"/>
+              <a:t>Not Anxious</a:t>
+            </a:r>
+          </a:p>
+        </p:txBody>
+      </p:sp>
+    </p:spTree>
+    <p:extLst>
+      <p:ext uri="{BB962C8B-B14F-4D97-AF65-F5344CB8AC3E}">
+        <p14:creationId xmlns:p14="http://schemas.microsoft.com/office/powerpoint/2010/main" val="17192858"/>
+      </p:ext>
+    </p:extLst>
+  </p:cSld>
+  <p:clrMapOvr>
+    <a:masterClrMapping/>
+  </p:clrMapOvr>
+</p:sld>
+</file>
+
+<file path=ppt/slides/slide58.xml><?xml version="1.0" encoding="utf-8"?>
+<p:sld xmlns:a="http://schemas.openxmlformats.org/drawingml/2006/main" xmlns:r="http://schemas.openxmlformats.org/officeDocument/2006/relationships" xmlns:p="http://schemas.openxmlformats.org/presentationml/2006/main">
+  <p:cSld>
+    <p:spTree>
+      <p:nvGrpSpPr>
+        <p:cNvPr id="1" name="Shape 209"/>
+        <p:cNvGrpSpPr/>
+        <p:nvPr/>
+      </p:nvGrpSpPr>
+      <p:grpSpPr>
+        <a:xfrm>
+          <a:off x="0" y="0"/>
+          <a:ext cx="0" cy="0"/>
+          <a:chOff x="0" y="0"/>
+          <a:chExt cx="0" cy="0"/>
+        </a:xfrm>
+      </p:grpSpPr>
+      <p:sp>
+        <p:nvSpPr>
+          <p:cNvPr id="210" name="Google Shape;210;p34"/>
+          <p:cNvSpPr txBox="1">
+            <a:spLocks noGrp="1"/>
+          </p:cNvSpPr>
+          <p:nvPr>
+            <p:ph type="body" idx="1"/>
+          </p:nvPr>
+        </p:nvSpPr>
+        <p:spPr>
+          <a:xfrm>
+            <a:off x="3500283" y="-4402"/>
+            <a:ext cx="8229600" cy="5018854"/>
+          </a:xfrm>
+          <a:prstGeom prst="rect">
+            <a:avLst/>
+          </a:prstGeom>
+        </p:spPr>
+        <p:txBody>
+          <a:bodyPr spcFirstLastPara="1" wrap="square" lIns="91425" tIns="91425" rIns="91425" bIns="91425" anchor="t" anchorCtr="0">
+            <a:noAutofit/>
+          </a:bodyPr>
+          <a:lstStyle/>
+          <a:p>
+            <a:pPr marL="0" indent="0">
+              <a:lnSpc>
+                <a:spcPct val="115000"/>
+              </a:lnSpc>
+              <a:buNone/>
+            </a:pPr>
+            <a:endParaRPr sz="2400" dirty="0"/>
+          </a:p>
+          <a:p>
+            <a:pPr indent="-349250">
+              <a:lnSpc>
+                <a:spcPct val="115000"/>
+              </a:lnSpc>
+              <a:buSzPts val="1900"/>
+            </a:pPr>
+            <a:r>
+              <a:rPr lang="en-US" sz="2400" dirty="0"/>
+              <a:t>Researchers collect data in a highly structured way.</a:t>
+            </a:r>
+            <a:endParaRPr lang="en" sz="2400" dirty="0"/>
+          </a:p>
+          <a:p>
+            <a:pPr lvl="1" indent="-349250">
+              <a:lnSpc>
+                <a:spcPct val="115000"/>
+              </a:lnSpc>
+              <a:buSzPts val="1900"/>
+            </a:pPr>
+            <a:r>
+              <a:rPr lang="en" sz="2200" dirty="0"/>
+              <a:t>Ex. Have some people drink coffee at 8am and noon every day for 3 months, record how many hours of sleep they get each night. Compare to people who drink no coffee</a:t>
+            </a:r>
+          </a:p>
+          <a:p>
+            <a:pPr lvl="1" indent="-349250">
+              <a:lnSpc>
+                <a:spcPct val="115000"/>
+              </a:lnSpc>
+              <a:buSzPts val="1900"/>
+            </a:pPr>
+            <a:endParaRPr lang="en" sz="2200" dirty="0"/>
+          </a:p>
+          <a:p>
+            <a:pPr lvl="1" indent="-349250">
+              <a:lnSpc>
+                <a:spcPct val="115000"/>
+              </a:lnSpc>
+              <a:buSzPts val="1900"/>
+            </a:pPr>
+            <a:endParaRPr lang="en" sz="2200" dirty="0"/>
+          </a:p>
+          <a:p>
+            <a:pPr lvl="1" indent="-349250">
+              <a:lnSpc>
+                <a:spcPct val="115000"/>
+              </a:lnSpc>
+              <a:buSzPts val="1900"/>
+            </a:pPr>
+            <a:endParaRPr lang="en" sz="2200" dirty="0"/>
+          </a:p>
+          <a:p>
+            <a:pPr lvl="1" indent="-349250">
+              <a:lnSpc>
+                <a:spcPct val="115000"/>
+              </a:lnSpc>
+              <a:buSzPts val="1900"/>
+            </a:pPr>
+            <a:endParaRPr lang="en" sz="2200" dirty="0"/>
+          </a:p>
+          <a:p>
+            <a:pPr lvl="1" indent="-349250">
+              <a:lnSpc>
+                <a:spcPct val="115000"/>
+              </a:lnSpc>
+              <a:buSzPts val="1900"/>
+            </a:pPr>
+            <a:endParaRPr lang="en" sz="2200" dirty="0"/>
+          </a:p>
+          <a:p>
+            <a:pPr lvl="1" indent="-349250">
+              <a:lnSpc>
+                <a:spcPct val="115000"/>
+              </a:lnSpc>
+              <a:buSzPts val="1900"/>
+            </a:pPr>
+            <a:endParaRPr lang="en" sz="2200" dirty="0"/>
+          </a:p>
+          <a:p>
+            <a:pPr lvl="1" indent="-349250">
+              <a:lnSpc>
+                <a:spcPct val="115000"/>
+              </a:lnSpc>
+              <a:buSzPts val="1900"/>
+            </a:pPr>
+            <a:endParaRPr lang="en" sz="2200" dirty="0"/>
+          </a:p>
+          <a:p>
+            <a:pPr lvl="1" indent="-349250">
+              <a:lnSpc>
+                <a:spcPct val="115000"/>
+              </a:lnSpc>
+              <a:buSzPts val="1900"/>
+            </a:pPr>
+            <a:endParaRPr lang="en" sz="2200" dirty="0"/>
+          </a:p>
+          <a:p>
+            <a:pPr lvl="1" indent="-349250">
+              <a:lnSpc>
+                <a:spcPct val="115000"/>
+              </a:lnSpc>
+              <a:buSzPts val="1900"/>
+            </a:pPr>
+            <a:r>
+              <a:rPr lang="en" sz="2200" dirty="0"/>
+              <a:t>Can show a causal connection </a:t>
+            </a:r>
+          </a:p>
+          <a:p>
+            <a:pPr marL="107950" indent="0">
+              <a:lnSpc>
+                <a:spcPct val="115000"/>
+              </a:lnSpc>
+              <a:spcBef>
+                <a:spcPts val="0"/>
+              </a:spcBef>
+              <a:buSzPts val="1900"/>
+              <a:buNone/>
+            </a:pPr>
+            <a:endParaRPr lang="en" sz="2400" dirty="0"/>
+          </a:p>
+          <a:p>
+            <a:pPr marL="107950" indent="0">
+              <a:lnSpc>
+                <a:spcPct val="115000"/>
+              </a:lnSpc>
+              <a:spcBef>
+                <a:spcPts val="0"/>
+              </a:spcBef>
+              <a:buSzPts val="1900"/>
+              <a:buNone/>
+            </a:pPr>
+            <a:endParaRPr sz="2400" dirty="0"/>
+          </a:p>
+        </p:txBody>
+      </p:sp>
+      <p:sp>
+        <p:nvSpPr>
+          <p:cNvPr id="2" name="Title 1">
+            <a:extLst>
+              <a:ext uri="{FF2B5EF4-FFF2-40B4-BE49-F238E27FC236}">
+                <a16:creationId xmlns:a16="http://schemas.microsoft.com/office/drawing/2014/main" id="{82B01A08-C0EE-8C42-D091-7C15FD6CB6FE}"/>
+              </a:ext>
+            </a:extLst>
+          </p:cNvPr>
+          <p:cNvSpPr txBox="1">
+            <a:spLocks/>
+          </p:cNvSpPr>
+          <p:nvPr/>
+        </p:nvSpPr>
+        <p:spPr>
+          <a:xfrm>
+            <a:off x="252919" y="1123837"/>
+            <a:ext cx="2947482" cy="4601183"/>
+          </a:xfrm>
+          <a:prstGeom prst="rect">
+            <a:avLst/>
+          </a:prstGeom>
+          <a:noFill/>
+          <a:ln>
+            <a:noFill/>
+          </a:ln>
+        </p:spPr>
+        <p:txBody>
+          <a:bodyPr spcFirstLastPara="1" vert="horz" wrap="square" lIns="91425" tIns="91425" rIns="91425" bIns="91425" rtlCol="0" anchor="ctr" anchorCtr="0">
+            <a:noAutofit/>
+          </a:bodyPr>
+          <a:lstStyle>
+            <a:lvl1pPr lvl="0" algn="l" defTabSz="914400" rtl="0" eaLnBrk="1" latinLnBrk="0" hangingPunct="1">
+              <a:lnSpc>
+                <a:spcPct val="90000"/>
+              </a:lnSpc>
+              <a:spcBef>
+                <a:spcPts val="0"/>
+              </a:spcBef>
+              <a:spcAft>
+                <a:spcPts val="0"/>
+              </a:spcAft>
+              <a:buSzPts val="3600"/>
+              <a:buFont typeface="Arial"/>
+              <a:buNone/>
+              <a:defRPr sz="3600" b="1" kern="1200" spc="-60" baseline="0">
+                <a:solidFill>
+                  <a:schemeClr val="dk1"/>
+                </a:solidFill>
+                <a:latin typeface="Arial"/>
+                <a:ea typeface="Arial"/>
+                <a:cs typeface="Arial"/>
+                <a:sym typeface="Arial"/>
+              </a:defRPr>
+            </a:lvl1pPr>
+            <a:lvl2pPr lvl="1" algn="l" rtl="0">
+              <a:spcBef>
+                <a:spcPts val="0"/>
+              </a:spcBef>
+              <a:spcAft>
+                <a:spcPts val="0"/>
+              </a:spcAft>
+              <a:buSzPts val="3600"/>
+              <a:buFont typeface="Arial"/>
+              <a:buNone/>
+              <a:defRPr sz="3600" b="1">
+                <a:solidFill>
+                  <a:schemeClr val="dk1"/>
+                </a:solidFill>
+                <a:latin typeface="Arial"/>
+                <a:ea typeface="Arial"/>
+                <a:cs typeface="Arial"/>
+                <a:sym typeface="Arial"/>
+              </a:defRPr>
+            </a:lvl2pPr>
+            <a:lvl3pPr lvl="2" algn="l" rtl="0">
+              <a:spcBef>
+                <a:spcPts val="0"/>
+              </a:spcBef>
+              <a:spcAft>
+                <a:spcPts val="0"/>
+              </a:spcAft>
+              <a:buSzPts val="3600"/>
+              <a:buFont typeface="Arial"/>
+              <a:buNone/>
+              <a:defRPr sz="3600" b="1">
+                <a:solidFill>
+                  <a:schemeClr val="dk1"/>
+                </a:solidFill>
+                <a:latin typeface="Arial"/>
+                <a:ea typeface="Arial"/>
+                <a:cs typeface="Arial"/>
+                <a:sym typeface="Arial"/>
+              </a:defRPr>
+            </a:lvl3pPr>
+            <a:lvl4pPr lvl="3" algn="l" rtl="0">
+              <a:spcBef>
+                <a:spcPts val="0"/>
+              </a:spcBef>
+              <a:spcAft>
+                <a:spcPts val="0"/>
+              </a:spcAft>
+              <a:buSzPts val="3600"/>
+              <a:buFont typeface="Arial"/>
+              <a:buNone/>
+              <a:defRPr sz="3600" b="1">
+                <a:solidFill>
+                  <a:schemeClr val="dk1"/>
+                </a:solidFill>
+                <a:latin typeface="Arial"/>
+                <a:ea typeface="Arial"/>
+                <a:cs typeface="Arial"/>
+                <a:sym typeface="Arial"/>
+              </a:defRPr>
+            </a:lvl4pPr>
+            <a:lvl5pPr lvl="4" algn="l" rtl="0">
+              <a:spcBef>
+                <a:spcPts val="0"/>
+              </a:spcBef>
+              <a:spcAft>
+                <a:spcPts val="0"/>
+              </a:spcAft>
+              <a:buSzPts val="3600"/>
+              <a:buFont typeface="Arial"/>
+              <a:buNone/>
+              <a:defRPr sz="3600" b="1">
+                <a:solidFill>
+                  <a:schemeClr val="dk1"/>
+                </a:solidFill>
+                <a:latin typeface="Arial"/>
+                <a:ea typeface="Arial"/>
+                <a:cs typeface="Arial"/>
+                <a:sym typeface="Arial"/>
+              </a:defRPr>
+            </a:lvl5pPr>
+            <a:lvl6pPr lvl="5" algn="l" rtl="0">
+              <a:spcBef>
+                <a:spcPts val="0"/>
+              </a:spcBef>
+              <a:spcAft>
+                <a:spcPts val="0"/>
+              </a:spcAft>
+              <a:buSzPts val="3600"/>
+              <a:buFont typeface="Arial"/>
+              <a:buNone/>
+              <a:defRPr sz="3600" b="1">
+                <a:solidFill>
+                  <a:schemeClr val="dk1"/>
+                </a:solidFill>
+                <a:latin typeface="Arial"/>
+                <a:ea typeface="Arial"/>
+                <a:cs typeface="Arial"/>
+                <a:sym typeface="Arial"/>
+              </a:defRPr>
+            </a:lvl6pPr>
+            <a:lvl7pPr lvl="6" algn="l" rtl="0">
+              <a:spcBef>
+                <a:spcPts val="0"/>
+              </a:spcBef>
+              <a:spcAft>
+                <a:spcPts val="0"/>
+              </a:spcAft>
+              <a:buSzPts val="3600"/>
+              <a:buFont typeface="Arial"/>
+              <a:buNone/>
+              <a:defRPr sz="3600" b="1">
+                <a:solidFill>
+                  <a:schemeClr val="dk1"/>
+                </a:solidFill>
+                <a:latin typeface="Arial"/>
+                <a:ea typeface="Arial"/>
+                <a:cs typeface="Arial"/>
+                <a:sym typeface="Arial"/>
+              </a:defRPr>
+            </a:lvl7pPr>
+            <a:lvl8pPr lvl="7" algn="l" rtl="0">
+              <a:spcBef>
+                <a:spcPts val="0"/>
+              </a:spcBef>
+              <a:spcAft>
+                <a:spcPts val="0"/>
+              </a:spcAft>
+              <a:buSzPts val="3600"/>
+              <a:buFont typeface="Arial"/>
+              <a:buNone/>
+              <a:defRPr sz="3600" b="1">
+                <a:solidFill>
+                  <a:schemeClr val="dk1"/>
+                </a:solidFill>
+                <a:latin typeface="Arial"/>
+                <a:ea typeface="Arial"/>
+                <a:cs typeface="Arial"/>
+                <a:sym typeface="Arial"/>
+              </a:defRPr>
+            </a:lvl8pPr>
+            <a:lvl9pPr lvl="8" algn="l" rtl="0">
+              <a:spcBef>
+                <a:spcPts val="0"/>
+              </a:spcBef>
+              <a:spcAft>
+                <a:spcPts val="0"/>
+              </a:spcAft>
+              <a:buSzPts val="3600"/>
+              <a:buFont typeface="Arial"/>
+              <a:buNone/>
+              <a:defRPr sz="3600" b="1">
+                <a:solidFill>
+                  <a:schemeClr val="dk1"/>
+                </a:solidFill>
+                <a:latin typeface="Arial"/>
+                <a:ea typeface="Arial"/>
+                <a:cs typeface="Arial"/>
+                <a:sym typeface="Arial"/>
+              </a:defRPr>
+            </a:lvl9pPr>
+          </a:lstStyle>
+          <a:p>
+            <a:r>
+              <a:rPr lang="en-US" b="0" dirty="0">
+                <a:solidFill>
+                  <a:schemeClr val="bg1"/>
+                </a:solidFill>
+                <a:latin typeface="+mj-lt"/>
+              </a:rPr>
+              <a:t>Experimental Studies</a:t>
+            </a:r>
+          </a:p>
+        </p:txBody>
+      </p:sp>
+      <p:graphicFrame>
+        <p:nvGraphicFramePr>
+          <p:cNvPr id="7" name="Table 6">
+            <a:extLst>
+              <a:ext uri="{FF2B5EF4-FFF2-40B4-BE49-F238E27FC236}">
+                <a16:creationId xmlns:a16="http://schemas.microsoft.com/office/drawing/2014/main" id="{E7C26C84-F65D-3ED3-E324-81C4DC125C20}"/>
+              </a:ext>
+            </a:extLst>
+          </p:cNvPr>
+          <p:cNvGraphicFramePr>
+            <a:graphicFrameLocks noGrp="1"/>
+          </p:cNvGraphicFramePr>
+          <p:nvPr/>
+        </p:nvGraphicFramePr>
+        <p:xfrm>
+          <a:off x="4879838" y="2457597"/>
+          <a:ext cx="5562021" cy="1895524"/>
+        </p:xfrm>
+        <a:graphic>
+          <a:graphicData uri="http://schemas.openxmlformats.org/drawingml/2006/table">
+            <a:tbl>
+              <a:tblPr firstRow="1" bandRow="1">
+                <a:tableStyleId>{5C22544A-7EE6-4342-B048-85BDC9FD1C3A}</a:tableStyleId>
+              </a:tblPr>
+              <a:tblGrid>
+                <a:gridCol w="1854007">
+                  <a:extLst>
+                    <a:ext uri="{9D8B030D-6E8A-4147-A177-3AD203B41FA5}">
+                      <a16:colId xmlns:a16="http://schemas.microsoft.com/office/drawing/2014/main" val="2065537163"/>
+                    </a:ext>
+                  </a:extLst>
+                </a:gridCol>
+                <a:gridCol w="1854007">
+                  <a:extLst>
+                    <a:ext uri="{9D8B030D-6E8A-4147-A177-3AD203B41FA5}">
+                      <a16:colId xmlns:a16="http://schemas.microsoft.com/office/drawing/2014/main" val="840961704"/>
+                    </a:ext>
+                  </a:extLst>
+                </a:gridCol>
+                <a:gridCol w="1854007">
+                  <a:extLst>
+                    <a:ext uri="{9D8B030D-6E8A-4147-A177-3AD203B41FA5}">
+                      <a16:colId xmlns:a16="http://schemas.microsoft.com/office/drawing/2014/main" val="3890630524"/>
+                    </a:ext>
+                  </a:extLst>
+                </a:gridCol>
+              </a:tblGrid>
+              <a:tr h="947762">
+                <a:tc>
+                  <a:txBody>
+                    <a:bodyPr/>
+                    <a:lstStyle/>
+                    <a:p>
+                      <a:endParaRPr lang="en-US" dirty="0">
+                        <a:solidFill>
+                          <a:schemeClr val="tx2"/>
+                        </a:solidFill>
+                      </a:endParaRPr>
+                    </a:p>
+                  </a:txBody>
+                  <a:tcPr>
+                    <a:lnL w="38100" cap="flat" cmpd="sng" algn="ctr">
+                      <a:solidFill>
+                        <a:schemeClr val="bg1"/>
+                      </a:solidFill>
+                      <a:prstDash val="solid"/>
+                      <a:round/>
+                      <a:headEnd type="none" w="med" len="med"/>
+                      <a:tailEnd type="none" w="med" len="med"/>
+                    </a:lnL>
+                    <a:lnR w="38100" cap="flat" cmpd="sng" algn="ctr">
+                      <a:solidFill>
+                        <a:schemeClr val="tx1"/>
+                      </a:solidFill>
+                      <a:prstDash val="solid"/>
+                      <a:round/>
+                      <a:headEnd type="none" w="med" len="med"/>
+                      <a:tailEnd type="none" w="med" len="med"/>
+                    </a:lnR>
+                    <a:lnT w="38100" cap="flat" cmpd="sng" algn="ctr">
+                      <a:solidFill>
+                        <a:schemeClr val="bg1"/>
+                      </a:solidFill>
+                      <a:prstDash val="solid"/>
+                      <a:round/>
+                      <a:headEnd type="none" w="med" len="med"/>
+                      <a:tailEnd type="none" w="med" len="med"/>
+                    </a:lnT>
+                    <a:lnB w="38100" cap="flat" cmpd="sng" algn="ctr">
+                      <a:solidFill>
+                        <a:schemeClr val="tx1"/>
+                      </a:solidFill>
+                      <a:prstDash val="solid"/>
+                      <a:round/>
+                      <a:headEnd type="none" w="med" len="med"/>
+                      <a:tailEnd type="none" w="med" len="med"/>
+                    </a:lnB>
+                    <a:noFill/>
+                  </a:tcPr>
+                </a:tc>
+                <a:tc>
+                  <a:txBody>
+                    <a:bodyPr/>
+                    <a:lstStyle/>
+                    <a:p>
+                      <a:pPr algn="ctr"/>
+                      <a:r>
+                        <a:rPr lang="en-US" dirty="0">
+                          <a:solidFill>
+                            <a:schemeClr val="tx2">
+                              <a:lumMod val="50000"/>
+                            </a:schemeClr>
+                          </a:solidFill>
+                        </a:rPr>
+                        <a:t>Coffee</a:t>
+                      </a:r>
+                    </a:p>
+                  </a:txBody>
+                  <a:tcPr anchor="ctr">
+                    <a:lnL w="38100" cap="flat" cmpd="sng" algn="ctr">
+                      <a:solidFill>
+                        <a:schemeClr val="tx1"/>
+                      </a:solidFill>
+                      <a:prstDash val="solid"/>
+                      <a:round/>
+                      <a:headEnd type="none" w="med" len="med"/>
+                      <a:tailEnd type="none" w="med" len="med"/>
+                    </a:lnL>
+                    <a:lnR w="38100" cap="flat" cmpd="sng" algn="ctr">
+                      <a:solidFill>
+                        <a:schemeClr val="tx1"/>
+                      </a:solidFill>
+                      <a:prstDash val="solid"/>
+                      <a:round/>
+                      <a:headEnd type="none" w="med" len="med"/>
+                      <a:tailEnd type="none" w="med" len="med"/>
+                    </a:lnR>
+                    <a:lnT w="38100" cap="flat" cmpd="sng" algn="ctr">
+                      <a:solidFill>
+                        <a:schemeClr val="bg1"/>
+                      </a:solidFill>
+                      <a:prstDash val="solid"/>
+                      <a:round/>
+                      <a:headEnd type="none" w="med" len="med"/>
+                      <a:tailEnd type="none" w="med" len="med"/>
+                    </a:lnT>
+                    <a:lnB w="38100" cap="flat" cmpd="sng" algn="ctr">
+                      <a:solidFill>
+                        <a:schemeClr val="tx1"/>
+                      </a:solidFill>
+                      <a:prstDash val="solid"/>
+                      <a:round/>
+                      <a:headEnd type="none" w="med" len="med"/>
+                      <a:tailEnd type="none" w="med" len="med"/>
+                    </a:lnB>
+                    <a:solidFill>
+                      <a:srgbClr val="FFC000">
+                        <a:alpha val="50196"/>
+                      </a:srgbClr>
+                    </a:solidFill>
+                  </a:tcPr>
+                </a:tc>
+                <a:tc>
+                  <a:txBody>
+                    <a:bodyPr/>
+                    <a:lstStyle/>
+                    <a:p>
+                      <a:pPr algn="ctr"/>
+                      <a:r>
+                        <a:rPr lang="en-US" dirty="0">
+                          <a:solidFill>
+                            <a:schemeClr val="tx2">
+                              <a:lumMod val="50000"/>
+                            </a:schemeClr>
+                          </a:solidFill>
+                        </a:rPr>
+                        <a:t>No Coffee</a:t>
+                      </a:r>
+                    </a:p>
+                  </a:txBody>
+                  <a:tcPr anchor="ctr">
+                    <a:lnL w="38100" cap="flat" cmpd="sng" algn="ctr">
+                      <a:solidFill>
+                        <a:schemeClr val="tx1"/>
+                      </a:solidFill>
+                      <a:prstDash val="solid"/>
+                      <a:round/>
+                      <a:headEnd type="none" w="med" len="med"/>
+                      <a:tailEnd type="none" w="med" len="med"/>
+                    </a:lnL>
+                    <a:lnR w="38100" cap="flat" cmpd="sng" algn="ctr">
+                      <a:solidFill>
+                        <a:schemeClr val="bg1"/>
+                      </a:solidFill>
+                      <a:prstDash val="solid"/>
+                      <a:round/>
+                      <a:headEnd type="none" w="med" len="med"/>
+                      <a:tailEnd type="none" w="med" len="med"/>
+                    </a:lnR>
+                    <a:lnT w="38100" cap="flat" cmpd="sng" algn="ctr">
+                      <a:solidFill>
+                        <a:schemeClr val="bg1"/>
+                      </a:solidFill>
+                      <a:prstDash val="solid"/>
+                      <a:round/>
+                      <a:headEnd type="none" w="med" len="med"/>
+                      <a:tailEnd type="none" w="med" len="med"/>
+                    </a:lnT>
+                    <a:lnB w="38100" cap="flat" cmpd="sng" algn="ctr">
+                      <a:solidFill>
+                        <a:schemeClr val="tx1"/>
+                      </a:solidFill>
+                      <a:prstDash val="solid"/>
+                      <a:round/>
+                      <a:headEnd type="none" w="med" len="med"/>
+                      <a:tailEnd type="none" w="med" len="med"/>
+                    </a:lnB>
+                    <a:solidFill>
+                      <a:srgbClr val="FFC000">
+                        <a:alpha val="50196"/>
+                      </a:srgbClr>
+                    </a:solidFill>
+                  </a:tcPr>
+                </a:tc>
+                <a:extLst>
+                  <a:ext uri="{0D108BD9-81ED-4DB2-BD59-A6C34878D82A}">
+                    <a16:rowId xmlns:a16="http://schemas.microsoft.com/office/drawing/2014/main" val="4120306117"/>
+                  </a:ext>
+                </a:extLst>
+              </a:tr>
+              <a:tr h="947762">
+                <a:tc>
+                  <a:txBody>
+                    <a:bodyPr/>
+                    <a:lstStyle/>
+                    <a:p>
+                      <a:pPr algn="ctr"/>
+                      <a:r>
+                        <a:rPr lang="en-US" b="1" dirty="0">
+                          <a:solidFill>
+                            <a:schemeClr val="tx2">
+                              <a:lumMod val="50000"/>
+                            </a:schemeClr>
+                          </a:solidFill>
+                        </a:rPr>
+                        <a:t>Hours of Sleep</a:t>
+                      </a:r>
+                    </a:p>
+                  </a:txBody>
+                  <a:tcPr anchor="ctr">
+                    <a:lnL w="38100" cap="flat" cmpd="sng" algn="ctr">
+                      <a:solidFill>
+                        <a:schemeClr val="bg1"/>
+                      </a:solidFill>
+                      <a:prstDash val="solid"/>
+                      <a:round/>
+                      <a:headEnd type="none" w="med" len="med"/>
+                      <a:tailEnd type="none" w="med" len="med"/>
+                    </a:lnL>
+                    <a:lnR w="38100" cap="flat" cmpd="sng" algn="ctr">
+                      <a:solidFill>
+                        <a:schemeClr val="tx1"/>
+                      </a:solidFill>
+                      <a:prstDash val="solid"/>
+                      <a:round/>
+                      <a:headEnd type="none" w="med" len="med"/>
+                      <a:tailEnd type="none" w="med" len="med"/>
+                    </a:lnR>
+                    <a:lnT w="38100" cap="flat" cmpd="sng" algn="ctr">
+                      <a:solidFill>
+                        <a:schemeClr val="tx1"/>
+                      </a:solidFill>
+                      <a:prstDash val="solid"/>
+                      <a:round/>
+                      <a:headEnd type="none" w="med" len="med"/>
+                      <a:tailEnd type="none" w="med" len="med"/>
+                    </a:lnT>
+                    <a:lnB w="38100" cap="flat" cmpd="sng" algn="ctr">
+                      <a:noFill/>
+                      <a:prstDash val="solid"/>
+                      <a:round/>
+                      <a:headEnd type="none" w="med" len="med"/>
+                      <a:tailEnd type="none" w="med" len="med"/>
+                    </a:lnB>
+                    <a:solidFill>
+                      <a:srgbClr val="C00000">
+                        <a:alpha val="50196"/>
+                      </a:srgbClr>
+                    </a:solidFill>
+                  </a:tcPr>
+                </a:tc>
+                <a:tc>
+                  <a:txBody>
+                    <a:bodyPr/>
+                    <a:lstStyle/>
+                    <a:p>
+                      <a:endParaRPr lang="en-US" dirty="0">
+                        <a:solidFill>
+                          <a:schemeClr val="tx2">
+                            <a:lumMod val="50000"/>
+                          </a:schemeClr>
+                        </a:solidFill>
+                      </a:endParaRPr>
+                    </a:p>
+                  </a:txBody>
+                  <a:tcPr>
+                    <a:lnL w="38100" cap="flat" cmpd="sng" algn="ctr">
+                      <a:solidFill>
+                        <a:schemeClr val="tx1"/>
+                      </a:solidFill>
+                      <a:prstDash val="solid"/>
+                      <a:round/>
+                      <a:headEnd type="none" w="med" len="med"/>
+                      <a:tailEnd type="none" w="med" len="med"/>
+                    </a:lnL>
+                    <a:lnR w="38100" cap="flat" cmpd="sng" algn="ctr">
+                      <a:solidFill>
+                        <a:schemeClr val="tx1"/>
+                      </a:solidFill>
+                      <a:prstDash val="solid"/>
+                      <a:round/>
+                      <a:headEnd type="none" w="med" len="med"/>
+                      <a:tailEnd type="none" w="med" len="med"/>
+                    </a:lnR>
+                    <a:lnT w="38100" cap="flat" cmpd="sng" algn="ctr">
+                      <a:solidFill>
+                        <a:schemeClr val="tx1"/>
+                      </a:solidFill>
+                      <a:prstDash val="solid"/>
+                      <a:round/>
+                      <a:headEnd type="none" w="med" len="med"/>
+                      <a:tailEnd type="none" w="med" len="med"/>
+                    </a:lnT>
+                    <a:lnB w="38100" cap="flat" cmpd="sng" algn="ctr">
+                      <a:noFill/>
+                      <a:prstDash val="solid"/>
+                      <a:round/>
+                      <a:headEnd type="none" w="med" len="med"/>
+                      <a:tailEnd type="none" w="med" len="med"/>
+                    </a:lnB>
+                    <a:noFill/>
+                  </a:tcPr>
+                </a:tc>
+                <a:tc>
+                  <a:txBody>
+                    <a:bodyPr/>
+                    <a:lstStyle/>
+                    <a:p>
+                      <a:endParaRPr lang="en-US" dirty="0">
+                        <a:solidFill>
+                          <a:schemeClr val="tx2">
+                            <a:lumMod val="50000"/>
+                          </a:schemeClr>
+                        </a:solidFill>
+                      </a:endParaRPr>
+                    </a:p>
+                  </a:txBody>
+                  <a:tcPr>
+                    <a:lnL w="38100" cap="flat" cmpd="sng" algn="ctr">
+                      <a:solidFill>
+                        <a:schemeClr val="tx1"/>
+                      </a:solidFill>
+                      <a:prstDash val="solid"/>
+                      <a:round/>
+                      <a:headEnd type="none" w="med" len="med"/>
+                      <a:tailEnd type="none" w="med" len="med"/>
+                    </a:lnL>
+                    <a:lnR w="38100" cap="flat" cmpd="sng" algn="ctr">
+                      <a:solidFill>
+                        <a:schemeClr val="bg1"/>
+                      </a:solidFill>
+                      <a:prstDash val="solid"/>
+                      <a:round/>
+                      <a:headEnd type="none" w="med" len="med"/>
+                      <a:tailEnd type="none" w="med" len="med"/>
+                    </a:lnR>
+                    <a:lnT w="38100" cap="flat" cmpd="sng" algn="ctr">
+                      <a:solidFill>
+                        <a:schemeClr val="tx1"/>
+                      </a:solidFill>
+                      <a:prstDash val="solid"/>
+                      <a:round/>
+                      <a:headEnd type="none" w="med" len="med"/>
+                      <a:tailEnd type="none" w="med" len="med"/>
+                    </a:lnT>
+                    <a:lnB w="38100" cap="flat" cmpd="sng" algn="ctr">
+                      <a:noFill/>
+                      <a:prstDash val="solid"/>
+                      <a:round/>
+                      <a:headEnd type="none" w="med" len="med"/>
+                      <a:tailEnd type="none" w="med" len="med"/>
+                    </a:lnB>
+                    <a:noFill/>
+                  </a:tcPr>
+                </a:tc>
+                <a:extLst>
+                  <a:ext uri="{0D108BD9-81ED-4DB2-BD59-A6C34878D82A}">
+                    <a16:rowId xmlns:a16="http://schemas.microsoft.com/office/drawing/2014/main" val="3623627911"/>
+                  </a:ext>
+                </a:extLst>
+              </a:tr>
+            </a:tbl>
+          </a:graphicData>
+        </a:graphic>
+      </p:graphicFrame>
+      <p:sp>
+        <p:nvSpPr>
+          <p:cNvPr id="8" name="Right Triangle 7">
+            <a:extLst>
+              <a:ext uri="{FF2B5EF4-FFF2-40B4-BE49-F238E27FC236}">
+                <a16:creationId xmlns:a16="http://schemas.microsoft.com/office/drawing/2014/main" id="{192ED3B9-3CBD-9636-9ED2-CC0A9EABB0B2}"/>
+              </a:ext>
+            </a:extLst>
+          </p:cNvPr>
+          <p:cNvSpPr/>
+          <p:nvPr/>
+        </p:nvSpPr>
+        <p:spPr>
+          <a:xfrm>
+            <a:off x="4879836" y="2457595"/>
+            <a:ext cx="1855146" cy="949283"/>
+          </a:xfrm>
+          <a:prstGeom prst="rtTriangle">
+            <a:avLst/>
+          </a:prstGeom>
+          <a:solidFill>
+            <a:srgbClr val="C00000">
+              <a:alpha val="50588"/>
+            </a:srgbClr>
+          </a:solidFill>
+          <a:ln>
+            <a:noFill/>
+          </a:ln>
+        </p:spPr>
+        <p:style>
+          <a:lnRef idx="2">
+            <a:schemeClr val="accent1">
+              <a:shade val="15000"/>
+            </a:schemeClr>
+          </a:lnRef>
+          <a:fillRef idx="1">
+            <a:schemeClr val="accent1"/>
+          </a:fillRef>
+          <a:effectRef idx="0">
+            <a:schemeClr val="accent1"/>
+          </a:effectRef>
+          <a:fontRef idx="minor">
+            <a:schemeClr val="lt1"/>
+          </a:fontRef>
+        </p:style>
+        <p:txBody>
+          <a:bodyPr rtlCol="0" anchor="ctr"/>
+          <a:lstStyle/>
+          <a:p>
+            <a:pPr algn="ctr"/>
+            <a:endParaRPr lang="en-US"/>
+          </a:p>
+        </p:txBody>
+      </p:sp>
+      <p:sp>
+        <p:nvSpPr>
+          <p:cNvPr id="9" name="Right Triangle 8">
+            <a:extLst>
+              <a:ext uri="{FF2B5EF4-FFF2-40B4-BE49-F238E27FC236}">
+                <a16:creationId xmlns:a16="http://schemas.microsoft.com/office/drawing/2014/main" id="{A603B0B6-2724-8F7C-9CEB-1564321AE708}"/>
+              </a:ext>
+            </a:extLst>
+          </p:cNvPr>
+          <p:cNvSpPr/>
+          <p:nvPr/>
+        </p:nvSpPr>
+        <p:spPr>
+          <a:xfrm rot="10800000">
+            <a:off x="4879837" y="2457596"/>
+            <a:ext cx="1855145" cy="949281"/>
+          </a:xfrm>
+          <a:prstGeom prst="rtTriangle">
+            <a:avLst/>
+          </a:prstGeom>
+          <a:solidFill>
+            <a:srgbClr val="FFC000">
+              <a:alpha val="50196"/>
+            </a:srgbClr>
+          </a:solidFill>
+          <a:ln>
+            <a:noFill/>
+          </a:ln>
+        </p:spPr>
+        <p:style>
+          <a:lnRef idx="2">
+            <a:schemeClr val="accent1">
+              <a:shade val="15000"/>
+            </a:schemeClr>
+          </a:lnRef>
+          <a:fillRef idx="1">
+            <a:schemeClr val="accent1"/>
+          </a:fillRef>
+          <a:effectRef idx="0">
+            <a:schemeClr val="accent1"/>
+          </a:effectRef>
+          <a:fontRef idx="minor">
+            <a:schemeClr val="lt1"/>
+          </a:fontRef>
+        </p:style>
+        <p:txBody>
+          <a:bodyPr rtlCol="0" anchor="ctr"/>
+          <a:lstStyle/>
+          <a:p>
+            <a:pPr algn="ctr"/>
+            <a:endParaRPr lang="en-US"/>
+          </a:p>
+        </p:txBody>
+      </p:sp>
+      <p:sp>
+        <p:nvSpPr>
+          <p:cNvPr id="10" name="Rectangle 9">
+            <a:extLst>
+              <a:ext uri="{FF2B5EF4-FFF2-40B4-BE49-F238E27FC236}">
+                <a16:creationId xmlns:a16="http://schemas.microsoft.com/office/drawing/2014/main" id="{F0165C63-7831-4FDF-EE0D-FE0E759E766B}"/>
+              </a:ext>
+            </a:extLst>
+          </p:cNvPr>
+          <p:cNvSpPr/>
+          <p:nvPr/>
+        </p:nvSpPr>
+        <p:spPr>
+          <a:xfrm>
+            <a:off x="5387023" y="2407886"/>
+            <a:ext cx="1378904" cy="646331"/>
+          </a:xfrm>
+          <a:prstGeom prst="rect">
+            <a:avLst/>
+          </a:prstGeom>
+          <a:noFill/>
+        </p:spPr>
+        <p:txBody>
+          <a:bodyPr wrap="none" lIns="91440" tIns="45720" rIns="91440" bIns="45720">
+            <a:spAutoFit/>
+          </a:bodyPr>
+          <a:lstStyle/>
+          <a:p>
+            <a:pPr algn="r"/>
+            <a:r>
+              <a:rPr lang="en-US" b="0" cap="none" spc="0" dirty="0">
+                <a:ln w="0"/>
+                <a:solidFill>
+                  <a:schemeClr val="tx1"/>
+                </a:solidFill>
+                <a:effectLst>
+                  <a:outerShdw blurRad="38100" dist="19050" dir="2700000" algn="tl" rotWithShape="0">
+                    <a:schemeClr val="dk1">
+                      <a:alpha val="40000"/>
+                    </a:schemeClr>
+                  </a:outerShdw>
+                </a:effectLst>
+              </a:rPr>
+              <a:t>Explanatory </a:t>
+            </a:r>
+          </a:p>
+          <a:p>
+            <a:pPr algn="r"/>
+            <a:r>
+              <a:rPr lang="en-US" b="0" cap="none" spc="0" dirty="0">
+                <a:ln w="0"/>
+                <a:solidFill>
+                  <a:schemeClr val="tx1"/>
+                </a:solidFill>
+                <a:effectLst>
+                  <a:outerShdw blurRad="38100" dist="19050" dir="2700000" algn="tl" rotWithShape="0">
+                    <a:schemeClr val="dk1">
+                      <a:alpha val="40000"/>
+                    </a:schemeClr>
+                  </a:outerShdw>
+                </a:effectLst>
+              </a:rPr>
+              <a:t>Var.</a:t>
+            </a:r>
+          </a:p>
+        </p:txBody>
+      </p:sp>
+      <p:sp>
+        <p:nvSpPr>
+          <p:cNvPr id="11" name="Rectangle 10">
+            <a:extLst>
+              <a:ext uri="{FF2B5EF4-FFF2-40B4-BE49-F238E27FC236}">
+                <a16:creationId xmlns:a16="http://schemas.microsoft.com/office/drawing/2014/main" id="{47CFB446-FFD0-94BB-0BD0-A8248B111F97}"/>
+              </a:ext>
+            </a:extLst>
+          </p:cNvPr>
+          <p:cNvSpPr/>
+          <p:nvPr/>
+        </p:nvSpPr>
+        <p:spPr>
+          <a:xfrm>
+            <a:off x="4850340" y="2801659"/>
+            <a:ext cx="1100301" cy="646331"/>
+          </a:xfrm>
+          <a:prstGeom prst="rect">
+            <a:avLst/>
+          </a:prstGeom>
+          <a:noFill/>
+        </p:spPr>
+        <p:txBody>
+          <a:bodyPr wrap="none" lIns="91440" tIns="45720" rIns="91440" bIns="45720">
+            <a:spAutoFit/>
+          </a:bodyPr>
+          <a:lstStyle/>
+          <a:p>
+            <a:r>
+              <a:rPr lang="en-US" b="0" cap="none" spc="0" dirty="0">
+                <a:ln w="0"/>
+                <a:solidFill>
+                  <a:schemeClr val="tx1"/>
+                </a:solidFill>
+                <a:effectLst>
+                  <a:outerShdw blurRad="38100" dist="19050" dir="2700000" algn="tl" rotWithShape="0">
+                    <a:schemeClr val="dk1">
+                      <a:alpha val="40000"/>
+                    </a:schemeClr>
+                  </a:outerShdw>
+                </a:effectLst>
+              </a:rPr>
+              <a:t>Response</a:t>
+            </a:r>
+          </a:p>
+          <a:p>
+            <a:r>
+              <a:rPr lang="en-US" b="0" cap="none" spc="0" dirty="0">
+                <a:ln w="0"/>
+                <a:solidFill>
+                  <a:schemeClr val="tx1"/>
+                </a:solidFill>
+                <a:effectLst>
+                  <a:outerShdw blurRad="38100" dist="19050" dir="2700000" algn="tl" rotWithShape="0">
+                    <a:schemeClr val="dk1">
+                      <a:alpha val="40000"/>
+                    </a:schemeClr>
+                  </a:outerShdw>
+                </a:effectLst>
+              </a:rPr>
+              <a:t> Var.</a:t>
+            </a:r>
+          </a:p>
+        </p:txBody>
+      </p:sp>
       <p:sp>
         <p:nvSpPr>
           <p:cNvPr id="3" name="Rounded Rectangle 2">
@@ -42302,7 +43402,7 @@
 </p:sld>
 </file>
 
-<file path=ppt/slides/slide58.xml><?xml version="1.0" encoding="utf-8"?>
+<file path=ppt/slides/slide59.xml><?xml version="1.0" encoding="utf-8"?>
 <p:sld xmlns:a="http://schemas.openxmlformats.org/drawingml/2006/main" xmlns:r="http://schemas.openxmlformats.org/officeDocument/2006/relationships" xmlns:p="http://schemas.openxmlformats.org/presentationml/2006/main">
   <p:cSld>
     <p:spTree>
@@ -42755,436 +43855,6 @@
                 <a:latin typeface="+mj-lt"/>
               </a:rPr>
               <a:t>Principles of Experiment Design</a:t>
-            </a:r>
-          </a:p>
-        </p:txBody>
-      </p:sp>
-    </p:spTree>
-  </p:cSld>
-  <p:clrMapOvr>
-    <a:masterClrMapping/>
-  </p:clrMapOvr>
-</p:sld>
-</file>
-
-<file path=ppt/slides/slide59.xml><?xml version="1.0" encoding="utf-8"?>
-<p:sld xmlns:a="http://schemas.openxmlformats.org/drawingml/2006/main" xmlns:r="http://schemas.openxmlformats.org/officeDocument/2006/relationships" xmlns:p="http://schemas.openxmlformats.org/presentationml/2006/main">
-  <p:cSld>
-    <p:spTree>
-      <p:nvGrpSpPr>
-        <p:cNvPr id="1" name="Shape 77"/>
-        <p:cNvGrpSpPr/>
-        <p:nvPr/>
-      </p:nvGrpSpPr>
-      <p:grpSpPr>
-        <a:xfrm>
-          <a:off x="0" y="0"/>
-          <a:ext cx="0" cy="0"/>
-          <a:chOff x="0" y="0"/>
-          <a:chExt cx="0" cy="0"/>
-        </a:xfrm>
-      </p:grpSpPr>
-      <p:sp>
-        <p:nvSpPr>
-          <p:cNvPr id="79" name="Google Shape;79;p15"/>
-          <p:cNvSpPr txBox="1">
-            <a:spLocks noGrp="1"/>
-          </p:cNvSpPr>
-          <p:nvPr>
-            <p:ph type="body" idx="4294967295"/>
-          </p:nvPr>
-        </p:nvSpPr>
-        <p:spPr>
-          <a:xfrm>
-            <a:off x="5206181" y="147483"/>
-            <a:ext cx="6580500" cy="6308041"/>
-          </a:xfrm>
-          <a:prstGeom prst="rect">
-            <a:avLst/>
-          </a:prstGeom>
-        </p:spPr>
-        <p:txBody>
-          <a:bodyPr spcFirstLastPara="1" wrap="square" lIns="91425" tIns="91425" rIns="91425" bIns="91425" anchor="t" anchorCtr="0">
-            <a:noAutofit/>
-          </a:bodyPr>
-          <a:lstStyle/>
-          <a:p>
-            <a:pPr>
-              <a:lnSpc>
-                <a:spcPct val="115000"/>
-              </a:lnSpc>
-              <a:buClr>
-                <a:srgbClr val="000000"/>
-              </a:buClr>
-              <a:buSzPts val="1900"/>
-            </a:pPr>
-            <a:r>
-              <a:rPr lang="en" dirty="0">
-                <a:solidFill>
-                  <a:srgbClr val="000000"/>
-                </a:solidFill>
-              </a:rPr>
-              <a:t>Design an experiment to investigate if energy gels makes you run faster:</a:t>
-            </a:r>
-          </a:p>
-          <a:p>
-            <a:pPr lvl="1">
-              <a:lnSpc>
-                <a:spcPct val="115000"/>
-              </a:lnSpc>
-              <a:buClr>
-                <a:srgbClr val="000000"/>
-              </a:buClr>
-              <a:buSzPts val="1900"/>
-            </a:pPr>
-            <a:r>
-              <a:rPr lang="en-US" sz="2000" dirty="0">
-                <a:solidFill>
-                  <a:srgbClr val="000000"/>
-                </a:solidFill>
-              </a:rPr>
-              <a:t>Treatment: </a:t>
-            </a:r>
-            <a:r>
-              <a:rPr lang="en-US" sz="2000" b="1" dirty="0">
-                <a:solidFill>
-                  <a:srgbClr val="C00000"/>
-                </a:solidFill>
-              </a:rPr>
-              <a:t>?</a:t>
-            </a:r>
-          </a:p>
-          <a:p>
-            <a:pPr lvl="1">
-              <a:lnSpc>
-                <a:spcPct val="115000"/>
-              </a:lnSpc>
-              <a:buClr>
-                <a:srgbClr val="000000"/>
-              </a:buClr>
-              <a:buSzPts val="1900"/>
-            </a:pPr>
-            <a:r>
-              <a:rPr lang="en-US" sz="2000" dirty="0">
-                <a:solidFill>
-                  <a:srgbClr val="000000"/>
-                </a:solidFill>
-              </a:rPr>
-              <a:t>Control: </a:t>
-            </a:r>
-            <a:r>
-              <a:rPr lang="en-US" sz="2000" b="1" dirty="0">
-                <a:solidFill>
-                  <a:srgbClr val="C00000"/>
-                </a:solidFill>
-              </a:rPr>
-              <a:t>?</a:t>
-            </a:r>
-          </a:p>
-          <a:p>
-            <a:pPr>
-              <a:lnSpc>
-                <a:spcPct val="115000"/>
-              </a:lnSpc>
-              <a:buClr>
-                <a:srgbClr val="000000"/>
-              </a:buClr>
-              <a:buSzPts val="1900"/>
-            </a:pPr>
-            <a:endParaRPr lang="en-US" dirty="0">
-              <a:solidFill>
-                <a:srgbClr val="000000"/>
-              </a:solidFill>
-            </a:endParaRPr>
-          </a:p>
-          <a:p>
-            <a:pPr marL="914400" indent="-349250">
-              <a:lnSpc>
-                <a:spcPct val="115000"/>
-              </a:lnSpc>
-              <a:spcBef>
-                <a:spcPts val="0"/>
-              </a:spcBef>
-              <a:buSzPts val="1900"/>
-              <a:buChar char="○"/>
-            </a:pPr>
-            <a:endParaRPr lang="en-US" dirty="0">
-              <a:solidFill>
-                <a:srgbClr val="000000"/>
-              </a:solidFill>
-            </a:endParaRPr>
-          </a:p>
-          <a:p>
-            <a:pPr lvl="1" indent="-349250">
-              <a:lnSpc>
-                <a:spcPct val="115000"/>
-              </a:lnSpc>
-              <a:buClr>
-                <a:srgbClr val="000000"/>
-              </a:buClr>
-              <a:buSzPts val="1900"/>
-            </a:pPr>
-            <a:endParaRPr sz="2000" dirty="0">
-              <a:solidFill>
-                <a:srgbClr val="000000"/>
-              </a:solidFill>
-            </a:endParaRPr>
-          </a:p>
-        </p:txBody>
-      </p:sp>
-      <p:pic>
-        <p:nvPicPr>
-          <p:cNvPr id="81" name="Google Shape;81;p15"/>
-          <p:cNvPicPr preferRelativeResize="0"/>
-          <p:nvPr/>
-        </p:nvPicPr>
-        <p:blipFill>
-          <a:blip r:embed="rId3">
-            <a:alphaModFix/>
-          </a:blip>
-          <a:stretch>
-            <a:fillRect/>
-          </a:stretch>
-        </p:blipFill>
-        <p:spPr>
-          <a:xfrm>
-            <a:off x="3300856" y="1337203"/>
-            <a:ext cx="1905325" cy="3928600"/>
-          </a:xfrm>
-          <a:prstGeom prst="rect">
-            <a:avLst/>
-          </a:prstGeom>
-          <a:noFill/>
-          <a:ln>
-            <a:noFill/>
-          </a:ln>
-        </p:spPr>
-      </p:pic>
-      <p:sp>
-        <p:nvSpPr>
-          <p:cNvPr id="2" name="Title 1">
-            <a:extLst>
-              <a:ext uri="{FF2B5EF4-FFF2-40B4-BE49-F238E27FC236}">
-                <a16:creationId xmlns:a16="http://schemas.microsoft.com/office/drawing/2014/main" id="{7EAB3D6D-8E28-304C-0E9A-FD9872F9707D}"/>
-              </a:ext>
-            </a:extLst>
-          </p:cNvPr>
-          <p:cNvSpPr txBox="1">
-            <a:spLocks/>
-          </p:cNvSpPr>
-          <p:nvPr/>
-        </p:nvSpPr>
-        <p:spPr>
-          <a:xfrm>
-            <a:off x="405319" y="1276237"/>
-            <a:ext cx="2947482" cy="4601183"/>
-          </a:xfrm>
-          <a:prstGeom prst="rect">
-            <a:avLst/>
-          </a:prstGeom>
-          <a:noFill/>
-          <a:ln>
-            <a:noFill/>
-          </a:ln>
-        </p:spPr>
-        <p:txBody>
-          <a:bodyPr spcFirstLastPara="1" vert="horz" wrap="square" lIns="91425" tIns="91425" rIns="91425" bIns="91425" rtlCol="0" anchor="ctr" anchorCtr="0">
-            <a:noAutofit/>
-          </a:bodyPr>
-          <a:lstStyle>
-            <a:lvl1pPr lvl="0" algn="l" defTabSz="914400" rtl="0" eaLnBrk="1" latinLnBrk="0" hangingPunct="1">
-              <a:lnSpc>
-                <a:spcPct val="90000"/>
-              </a:lnSpc>
-              <a:spcBef>
-                <a:spcPts val="0"/>
-              </a:spcBef>
-              <a:spcAft>
-                <a:spcPts val="0"/>
-              </a:spcAft>
-              <a:buSzPts val="3600"/>
-              <a:buFont typeface="Arial"/>
-              <a:buNone/>
-              <a:defRPr sz="3600" b="1" kern="1200" spc="-60" baseline="0">
-                <a:solidFill>
-                  <a:schemeClr val="dk1"/>
-                </a:solidFill>
-                <a:latin typeface="Arial"/>
-                <a:ea typeface="Arial"/>
-                <a:cs typeface="Arial"/>
-                <a:sym typeface="Arial"/>
-              </a:defRPr>
-            </a:lvl1pPr>
-            <a:lvl2pPr lvl="1" algn="l" rtl="0">
-              <a:spcBef>
-                <a:spcPts val="0"/>
-              </a:spcBef>
-              <a:spcAft>
-                <a:spcPts val="0"/>
-              </a:spcAft>
-              <a:buSzPts val="3600"/>
-              <a:buFont typeface="Arial"/>
-              <a:buNone/>
-              <a:defRPr sz="3600" b="1">
-                <a:solidFill>
-                  <a:schemeClr val="dk1"/>
-                </a:solidFill>
-                <a:latin typeface="Arial"/>
-                <a:ea typeface="Arial"/>
-                <a:cs typeface="Arial"/>
-                <a:sym typeface="Arial"/>
-              </a:defRPr>
-            </a:lvl2pPr>
-            <a:lvl3pPr lvl="2" algn="l" rtl="0">
-              <a:spcBef>
-                <a:spcPts val="0"/>
-              </a:spcBef>
-              <a:spcAft>
-                <a:spcPts val="0"/>
-              </a:spcAft>
-              <a:buSzPts val="3600"/>
-              <a:buFont typeface="Arial"/>
-              <a:buNone/>
-              <a:defRPr sz="3600" b="1">
-                <a:solidFill>
-                  <a:schemeClr val="dk1"/>
-                </a:solidFill>
-                <a:latin typeface="Arial"/>
-                <a:ea typeface="Arial"/>
-                <a:cs typeface="Arial"/>
-                <a:sym typeface="Arial"/>
-              </a:defRPr>
-            </a:lvl3pPr>
-            <a:lvl4pPr lvl="3" algn="l" rtl="0">
-              <a:spcBef>
-                <a:spcPts val="0"/>
-              </a:spcBef>
-              <a:spcAft>
-                <a:spcPts val="0"/>
-              </a:spcAft>
-              <a:buSzPts val="3600"/>
-              <a:buFont typeface="Arial"/>
-              <a:buNone/>
-              <a:defRPr sz="3600" b="1">
-                <a:solidFill>
-                  <a:schemeClr val="dk1"/>
-                </a:solidFill>
-                <a:latin typeface="Arial"/>
-                <a:ea typeface="Arial"/>
-                <a:cs typeface="Arial"/>
-                <a:sym typeface="Arial"/>
-              </a:defRPr>
-            </a:lvl4pPr>
-            <a:lvl5pPr lvl="4" algn="l" rtl="0">
-              <a:spcBef>
-                <a:spcPts val="0"/>
-              </a:spcBef>
-              <a:spcAft>
-                <a:spcPts val="0"/>
-              </a:spcAft>
-              <a:buSzPts val="3600"/>
-              <a:buFont typeface="Arial"/>
-              <a:buNone/>
-              <a:defRPr sz="3600" b="1">
-                <a:solidFill>
-                  <a:schemeClr val="dk1"/>
-                </a:solidFill>
-                <a:latin typeface="Arial"/>
-                <a:ea typeface="Arial"/>
-                <a:cs typeface="Arial"/>
-                <a:sym typeface="Arial"/>
-              </a:defRPr>
-            </a:lvl5pPr>
-            <a:lvl6pPr lvl="5" algn="l" rtl="0">
-              <a:spcBef>
-                <a:spcPts val="0"/>
-              </a:spcBef>
-              <a:spcAft>
-                <a:spcPts val="0"/>
-              </a:spcAft>
-              <a:buSzPts val="3600"/>
-              <a:buFont typeface="Arial"/>
-              <a:buNone/>
-              <a:defRPr sz="3600" b="1">
-                <a:solidFill>
-                  <a:schemeClr val="dk1"/>
-                </a:solidFill>
-                <a:latin typeface="Arial"/>
-                <a:ea typeface="Arial"/>
-                <a:cs typeface="Arial"/>
-                <a:sym typeface="Arial"/>
-              </a:defRPr>
-            </a:lvl6pPr>
-            <a:lvl7pPr lvl="6" algn="l" rtl="0">
-              <a:spcBef>
-                <a:spcPts val="0"/>
-              </a:spcBef>
-              <a:spcAft>
-                <a:spcPts val="0"/>
-              </a:spcAft>
-              <a:buSzPts val="3600"/>
-              <a:buFont typeface="Arial"/>
-              <a:buNone/>
-              <a:defRPr sz="3600" b="1">
-                <a:solidFill>
-                  <a:schemeClr val="dk1"/>
-                </a:solidFill>
-                <a:latin typeface="Arial"/>
-                <a:ea typeface="Arial"/>
-                <a:cs typeface="Arial"/>
-                <a:sym typeface="Arial"/>
-              </a:defRPr>
-            </a:lvl7pPr>
-            <a:lvl8pPr lvl="7" algn="l" rtl="0">
-              <a:spcBef>
-                <a:spcPts val="0"/>
-              </a:spcBef>
-              <a:spcAft>
-                <a:spcPts val="0"/>
-              </a:spcAft>
-              <a:buSzPts val="3600"/>
-              <a:buFont typeface="Arial"/>
-              <a:buNone/>
-              <a:defRPr sz="3600" b="1">
-                <a:solidFill>
-                  <a:schemeClr val="dk1"/>
-                </a:solidFill>
-                <a:latin typeface="Arial"/>
-                <a:ea typeface="Arial"/>
-                <a:cs typeface="Arial"/>
-                <a:sym typeface="Arial"/>
-              </a:defRPr>
-            </a:lvl8pPr>
-            <a:lvl9pPr lvl="8" algn="l" rtl="0">
-              <a:spcBef>
-                <a:spcPts val="0"/>
-              </a:spcBef>
-              <a:spcAft>
-                <a:spcPts val="0"/>
-              </a:spcAft>
-              <a:buSzPts val="3600"/>
-              <a:buFont typeface="Arial"/>
-              <a:buNone/>
-              <a:defRPr sz="3600" b="1">
-                <a:solidFill>
-                  <a:schemeClr val="dk1"/>
-                </a:solidFill>
-                <a:latin typeface="Arial"/>
-                <a:ea typeface="Arial"/>
-                <a:cs typeface="Arial"/>
-                <a:sym typeface="Arial"/>
-              </a:defRPr>
-            </a:lvl9pPr>
-          </a:lstStyle>
-          <a:p>
-            <a:r>
-              <a:rPr lang="en-US" b="0" dirty="0">
-                <a:solidFill>
-                  <a:schemeClr val="bg1"/>
-                </a:solidFill>
-                <a:latin typeface="+mj-lt"/>
-              </a:rPr>
-              <a:t>Experiment Design</a:t>
             </a:r>
           </a:p>
         </p:txBody>
@@ -43831,7 +44501,15 @@
                   <a:srgbClr val="000000"/>
                 </a:solidFill>
               </a:rPr>
-              <a:t>Treatment: energy gel</a:t>
+              <a:t>Treatment: </a:t>
+            </a:r>
+            <a:r>
+              <a:rPr lang="en-US" sz="2000" b="1" dirty="0">
+                <a:solidFill>
+                  <a:srgbClr val="C00000"/>
+                </a:solidFill>
+              </a:rPr>
+              <a:t>?</a:t>
             </a:r>
           </a:p>
           <a:p>
@@ -43850,7 +44528,15 @@
                   <a:srgbClr val="000000"/>
                 </a:solidFill>
               </a:rPr>
-              <a:t>Control: no energy gel </a:t>
+              <a:t>Control: </a:t>
+            </a:r>
+            <a:r>
+              <a:rPr lang="en-US" sz="2000" b="1" dirty="0">
+                <a:solidFill>
+                  <a:srgbClr val="C00000"/>
+                </a:solidFill>
+              </a:rPr>
+              <a:t>?</a:t>
             </a:r>
           </a:p>
           <a:p>
@@ -44162,11 +44848,6 @@
         </p:txBody>
       </p:sp>
     </p:spTree>
-    <p:extLst>
-      <p:ext uri="{BB962C8B-B14F-4D97-AF65-F5344CB8AC3E}">
-        <p14:creationId xmlns:p14="http://schemas.microsoft.com/office/powerpoint/2010/main" val="1171627778"/>
-      </p:ext>
-    </p:extLst>
   </p:cSld>
   <p:clrMapOvr>
     <a:masterClrMapping/>
@@ -44282,33 +44963,11 @@
               </a:buClr>
               <a:buSzPts val="1900"/>
             </a:pPr>
-            <a:r>
-              <a:rPr lang="en-US" dirty="0">
-                <a:solidFill>
-                  <a:srgbClr val="000000"/>
-                </a:solidFill>
-              </a:rPr>
-              <a:t>It is suspected that energy gels might affect pro and amateur athletes differently. </a:t>
-            </a:r>
-          </a:p>
-          <a:p>
-            <a:pPr>
-              <a:lnSpc>
-                <a:spcPct val="115000"/>
-              </a:lnSpc>
-              <a:buClr>
+            <a:endParaRPr lang="en-US" dirty="0">
+              <a:solidFill>
                 <a:srgbClr val="000000"/>
-              </a:buClr>
-              <a:buSzPts val="1900"/>
-            </a:pPr>
-            <a:r>
-              <a:rPr lang="en-US" b="1" dirty="0">
-                <a:solidFill>
-                  <a:srgbClr val="C00000"/>
-                </a:solidFill>
-              </a:rPr>
-              <a:t>How do you design your experiment? </a:t>
-            </a:r>
+              </a:solidFill>
+            </a:endParaRPr>
           </a:p>
           <a:p>
             <a:pPr marL="914400" indent="-349250">
@@ -44605,6 +45264,447 @@
     </p:spTree>
     <p:extLst>
       <p:ext uri="{BB962C8B-B14F-4D97-AF65-F5344CB8AC3E}">
+        <p14:creationId xmlns:p14="http://schemas.microsoft.com/office/powerpoint/2010/main" val="1171627778"/>
+      </p:ext>
+    </p:extLst>
+  </p:cSld>
+  <p:clrMapOvr>
+    <a:masterClrMapping/>
+  </p:clrMapOvr>
+</p:sld>
+</file>
+
+<file path=ppt/slides/slide62.xml><?xml version="1.0" encoding="utf-8"?>
+<p:sld xmlns:a="http://schemas.openxmlformats.org/drawingml/2006/main" xmlns:r="http://schemas.openxmlformats.org/officeDocument/2006/relationships" xmlns:p="http://schemas.openxmlformats.org/presentationml/2006/main">
+  <p:cSld>
+    <p:spTree>
+      <p:nvGrpSpPr>
+        <p:cNvPr id="1" name="Shape 77"/>
+        <p:cNvGrpSpPr/>
+        <p:nvPr/>
+      </p:nvGrpSpPr>
+      <p:grpSpPr>
+        <a:xfrm>
+          <a:off x="0" y="0"/>
+          <a:ext cx="0" cy="0"/>
+          <a:chOff x="0" y="0"/>
+          <a:chExt cx="0" cy="0"/>
+        </a:xfrm>
+      </p:grpSpPr>
+      <p:sp>
+        <p:nvSpPr>
+          <p:cNvPr id="79" name="Google Shape;79;p15"/>
+          <p:cNvSpPr txBox="1">
+            <a:spLocks noGrp="1"/>
+          </p:cNvSpPr>
+          <p:nvPr>
+            <p:ph type="body" idx="4294967295"/>
+          </p:nvPr>
+        </p:nvSpPr>
+        <p:spPr>
+          <a:xfrm>
+            <a:off x="5206181" y="147483"/>
+            <a:ext cx="6580500" cy="6308041"/>
+          </a:xfrm>
+          <a:prstGeom prst="rect">
+            <a:avLst/>
+          </a:prstGeom>
+        </p:spPr>
+        <p:txBody>
+          <a:bodyPr spcFirstLastPara="1" wrap="square" lIns="91425" tIns="91425" rIns="91425" bIns="91425" anchor="t" anchorCtr="0">
+            <a:noAutofit/>
+          </a:bodyPr>
+          <a:lstStyle/>
+          <a:p>
+            <a:pPr>
+              <a:lnSpc>
+                <a:spcPct val="115000"/>
+              </a:lnSpc>
+              <a:buClr>
+                <a:srgbClr val="000000"/>
+              </a:buClr>
+              <a:buSzPts val="1900"/>
+            </a:pPr>
+            <a:r>
+              <a:rPr lang="en" dirty="0">
+                <a:solidFill>
+                  <a:srgbClr val="000000"/>
+                </a:solidFill>
+              </a:rPr>
+              <a:t>Design an experiment to investigate if energy gels makes you run faster:</a:t>
+            </a:r>
+          </a:p>
+          <a:p>
+            <a:pPr lvl="1">
+              <a:lnSpc>
+                <a:spcPct val="115000"/>
+              </a:lnSpc>
+              <a:buClr>
+                <a:srgbClr val="000000"/>
+              </a:buClr>
+              <a:buSzPts val="1900"/>
+            </a:pPr>
+            <a:r>
+              <a:rPr lang="en-US" sz="2000" dirty="0">
+                <a:solidFill>
+                  <a:srgbClr val="000000"/>
+                </a:solidFill>
+              </a:rPr>
+              <a:t>Treatment: energy gel</a:t>
+            </a:r>
+          </a:p>
+          <a:p>
+            <a:pPr lvl="1">
+              <a:lnSpc>
+                <a:spcPct val="115000"/>
+              </a:lnSpc>
+              <a:buClr>
+                <a:srgbClr val="000000"/>
+              </a:buClr>
+              <a:buSzPts val="1900"/>
+            </a:pPr>
+            <a:r>
+              <a:rPr lang="en-US" sz="2000" dirty="0">
+                <a:solidFill>
+                  <a:srgbClr val="000000"/>
+                </a:solidFill>
+              </a:rPr>
+              <a:t>Control: no energy gel </a:t>
+            </a:r>
+          </a:p>
+          <a:p>
+            <a:pPr>
+              <a:lnSpc>
+                <a:spcPct val="115000"/>
+              </a:lnSpc>
+              <a:buClr>
+                <a:srgbClr val="000000"/>
+              </a:buClr>
+              <a:buSzPts val="1900"/>
+            </a:pPr>
+            <a:r>
+              <a:rPr lang="en-US" dirty="0">
+                <a:solidFill>
+                  <a:srgbClr val="000000"/>
+                </a:solidFill>
+              </a:rPr>
+              <a:t>It is suspected that energy gels might affect pro and amateur athletes differently. </a:t>
+            </a:r>
+          </a:p>
+          <a:p>
+            <a:pPr>
+              <a:lnSpc>
+                <a:spcPct val="115000"/>
+              </a:lnSpc>
+              <a:buClr>
+                <a:srgbClr val="000000"/>
+              </a:buClr>
+              <a:buSzPts val="1900"/>
+            </a:pPr>
+            <a:r>
+              <a:rPr lang="en-US" b="1" dirty="0">
+                <a:solidFill>
+                  <a:srgbClr val="C00000"/>
+                </a:solidFill>
+              </a:rPr>
+              <a:t>How do you design your experiment? </a:t>
+            </a:r>
+          </a:p>
+          <a:p>
+            <a:pPr marL="914400" indent="-349250">
+              <a:lnSpc>
+                <a:spcPct val="115000"/>
+              </a:lnSpc>
+              <a:spcBef>
+                <a:spcPts val="0"/>
+              </a:spcBef>
+              <a:buSzPts val="1900"/>
+              <a:buChar char="○"/>
+            </a:pPr>
+            <a:endParaRPr lang="en-US" dirty="0">
+              <a:solidFill>
+                <a:srgbClr val="000000"/>
+              </a:solidFill>
+            </a:endParaRPr>
+          </a:p>
+          <a:p>
+            <a:pPr lvl="1" indent="-349250">
+              <a:lnSpc>
+                <a:spcPct val="115000"/>
+              </a:lnSpc>
+              <a:buClr>
+                <a:srgbClr val="000000"/>
+              </a:buClr>
+              <a:buSzPts val="1900"/>
+            </a:pPr>
+            <a:endParaRPr sz="2000" dirty="0">
+              <a:solidFill>
+                <a:srgbClr val="000000"/>
+              </a:solidFill>
+            </a:endParaRPr>
+          </a:p>
+        </p:txBody>
+      </p:sp>
+      <p:pic>
+        <p:nvPicPr>
+          <p:cNvPr id="81" name="Google Shape;81;p15"/>
+          <p:cNvPicPr preferRelativeResize="0"/>
+          <p:nvPr/>
+        </p:nvPicPr>
+        <p:blipFill>
+          <a:blip r:embed="rId3">
+            <a:alphaModFix/>
+          </a:blip>
+          <a:stretch>
+            <a:fillRect/>
+          </a:stretch>
+        </p:blipFill>
+        <p:spPr>
+          <a:xfrm>
+            <a:off x="3300856" y="1337203"/>
+            <a:ext cx="1905325" cy="3928600"/>
+          </a:xfrm>
+          <a:prstGeom prst="rect">
+            <a:avLst/>
+          </a:prstGeom>
+          <a:noFill/>
+          <a:ln>
+            <a:noFill/>
+          </a:ln>
+        </p:spPr>
+      </p:pic>
+      <p:sp>
+        <p:nvSpPr>
+          <p:cNvPr id="2" name="Title 1">
+            <a:extLst>
+              <a:ext uri="{FF2B5EF4-FFF2-40B4-BE49-F238E27FC236}">
+                <a16:creationId xmlns:a16="http://schemas.microsoft.com/office/drawing/2014/main" id="{7EAB3D6D-8E28-304C-0E9A-FD9872F9707D}"/>
+              </a:ext>
+            </a:extLst>
+          </p:cNvPr>
+          <p:cNvSpPr txBox="1">
+            <a:spLocks/>
+          </p:cNvSpPr>
+          <p:nvPr/>
+        </p:nvSpPr>
+        <p:spPr>
+          <a:xfrm>
+            <a:off x="405319" y="1276237"/>
+            <a:ext cx="2947482" cy="4601183"/>
+          </a:xfrm>
+          <a:prstGeom prst="rect">
+            <a:avLst/>
+          </a:prstGeom>
+          <a:noFill/>
+          <a:ln>
+            <a:noFill/>
+          </a:ln>
+        </p:spPr>
+        <p:txBody>
+          <a:bodyPr spcFirstLastPara="1" vert="horz" wrap="square" lIns="91425" tIns="91425" rIns="91425" bIns="91425" rtlCol="0" anchor="ctr" anchorCtr="0">
+            <a:noAutofit/>
+          </a:bodyPr>
+          <a:lstStyle>
+            <a:lvl1pPr lvl="0" algn="l" defTabSz="914400" rtl="0" eaLnBrk="1" latinLnBrk="0" hangingPunct="1">
+              <a:lnSpc>
+                <a:spcPct val="90000"/>
+              </a:lnSpc>
+              <a:spcBef>
+                <a:spcPts val="0"/>
+              </a:spcBef>
+              <a:spcAft>
+                <a:spcPts val="0"/>
+              </a:spcAft>
+              <a:buSzPts val="3600"/>
+              <a:buFont typeface="Arial"/>
+              <a:buNone/>
+              <a:defRPr sz="3600" b="1" kern="1200" spc="-60" baseline="0">
+                <a:solidFill>
+                  <a:schemeClr val="dk1"/>
+                </a:solidFill>
+                <a:latin typeface="Arial"/>
+                <a:ea typeface="Arial"/>
+                <a:cs typeface="Arial"/>
+                <a:sym typeface="Arial"/>
+              </a:defRPr>
+            </a:lvl1pPr>
+            <a:lvl2pPr lvl="1" algn="l" rtl="0">
+              <a:spcBef>
+                <a:spcPts val="0"/>
+              </a:spcBef>
+              <a:spcAft>
+                <a:spcPts val="0"/>
+              </a:spcAft>
+              <a:buSzPts val="3600"/>
+              <a:buFont typeface="Arial"/>
+              <a:buNone/>
+              <a:defRPr sz="3600" b="1">
+                <a:solidFill>
+                  <a:schemeClr val="dk1"/>
+                </a:solidFill>
+                <a:latin typeface="Arial"/>
+                <a:ea typeface="Arial"/>
+                <a:cs typeface="Arial"/>
+                <a:sym typeface="Arial"/>
+              </a:defRPr>
+            </a:lvl2pPr>
+            <a:lvl3pPr lvl="2" algn="l" rtl="0">
+              <a:spcBef>
+                <a:spcPts val="0"/>
+              </a:spcBef>
+              <a:spcAft>
+                <a:spcPts val="0"/>
+              </a:spcAft>
+              <a:buSzPts val="3600"/>
+              <a:buFont typeface="Arial"/>
+              <a:buNone/>
+              <a:defRPr sz="3600" b="1">
+                <a:solidFill>
+                  <a:schemeClr val="dk1"/>
+                </a:solidFill>
+                <a:latin typeface="Arial"/>
+                <a:ea typeface="Arial"/>
+                <a:cs typeface="Arial"/>
+                <a:sym typeface="Arial"/>
+              </a:defRPr>
+            </a:lvl3pPr>
+            <a:lvl4pPr lvl="3" algn="l" rtl="0">
+              <a:spcBef>
+                <a:spcPts val="0"/>
+              </a:spcBef>
+              <a:spcAft>
+                <a:spcPts val="0"/>
+              </a:spcAft>
+              <a:buSzPts val="3600"/>
+              <a:buFont typeface="Arial"/>
+              <a:buNone/>
+              <a:defRPr sz="3600" b="1">
+                <a:solidFill>
+                  <a:schemeClr val="dk1"/>
+                </a:solidFill>
+                <a:latin typeface="Arial"/>
+                <a:ea typeface="Arial"/>
+                <a:cs typeface="Arial"/>
+                <a:sym typeface="Arial"/>
+              </a:defRPr>
+            </a:lvl4pPr>
+            <a:lvl5pPr lvl="4" algn="l" rtl="0">
+              <a:spcBef>
+                <a:spcPts val="0"/>
+              </a:spcBef>
+              <a:spcAft>
+                <a:spcPts val="0"/>
+              </a:spcAft>
+              <a:buSzPts val="3600"/>
+              <a:buFont typeface="Arial"/>
+              <a:buNone/>
+              <a:defRPr sz="3600" b="1">
+                <a:solidFill>
+                  <a:schemeClr val="dk1"/>
+                </a:solidFill>
+                <a:latin typeface="Arial"/>
+                <a:ea typeface="Arial"/>
+                <a:cs typeface="Arial"/>
+                <a:sym typeface="Arial"/>
+              </a:defRPr>
+            </a:lvl5pPr>
+            <a:lvl6pPr lvl="5" algn="l" rtl="0">
+              <a:spcBef>
+                <a:spcPts val="0"/>
+              </a:spcBef>
+              <a:spcAft>
+                <a:spcPts val="0"/>
+              </a:spcAft>
+              <a:buSzPts val="3600"/>
+              <a:buFont typeface="Arial"/>
+              <a:buNone/>
+              <a:defRPr sz="3600" b="1">
+                <a:solidFill>
+                  <a:schemeClr val="dk1"/>
+                </a:solidFill>
+                <a:latin typeface="Arial"/>
+                <a:ea typeface="Arial"/>
+                <a:cs typeface="Arial"/>
+                <a:sym typeface="Arial"/>
+              </a:defRPr>
+            </a:lvl6pPr>
+            <a:lvl7pPr lvl="6" algn="l" rtl="0">
+              <a:spcBef>
+                <a:spcPts val="0"/>
+              </a:spcBef>
+              <a:spcAft>
+                <a:spcPts val="0"/>
+              </a:spcAft>
+              <a:buSzPts val="3600"/>
+              <a:buFont typeface="Arial"/>
+              <a:buNone/>
+              <a:defRPr sz="3600" b="1">
+                <a:solidFill>
+                  <a:schemeClr val="dk1"/>
+                </a:solidFill>
+                <a:latin typeface="Arial"/>
+                <a:ea typeface="Arial"/>
+                <a:cs typeface="Arial"/>
+                <a:sym typeface="Arial"/>
+              </a:defRPr>
+            </a:lvl7pPr>
+            <a:lvl8pPr lvl="7" algn="l" rtl="0">
+              <a:spcBef>
+                <a:spcPts val="0"/>
+              </a:spcBef>
+              <a:spcAft>
+                <a:spcPts val="0"/>
+              </a:spcAft>
+              <a:buSzPts val="3600"/>
+              <a:buFont typeface="Arial"/>
+              <a:buNone/>
+              <a:defRPr sz="3600" b="1">
+                <a:solidFill>
+                  <a:schemeClr val="dk1"/>
+                </a:solidFill>
+                <a:latin typeface="Arial"/>
+                <a:ea typeface="Arial"/>
+                <a:cs typeface="Arial"/>
+                <a:sym typeface="Arial"/>
+              </a:defRPr>
+            </a:lvl8pPr>
+            <a:lvl9pPr lvl="8" algn="l" rtl="0">
+              <a:spcBef>
+                <a:spcPts val="0"/>
+              </a:spcBef>
+              <a:spcAft>
+                <a:spcPts val="0"/>
+              </a:spcAft>
+              <a:buSzPts val="3600"/>
+              <a:buFont typeface="Arial"/>
+              <a:buNone/>
+              <a:defRPr sz="3600" b="1">
+                <a:solidFill>
+                  <a:schemeClr val="dk1"/>
+                </a:solidFill>
+                <a:latin typeface="Arial"/>
+                <a:ea typeface="Arial"/>
+                <a:cs typeface="Arial"/>
+                <a:sym typeface="Arial"/>
+              </a:defRPr>
+            </a:lvl9pPr>
+          </a:lstStyle>
+          <a:p>
+            <a:r>
+              <a:rPr lang="en-US" b="0" dirty="0">
+                <a:solidFill>
+                  <a:schemeClr val="bg1"/>
+                </a:solidFill>
+                <a:latin typeface="+mj-lt"/>
+              </a:rPr>
+              <a:t>Experiment Design</a:t>
+            </a:r>
+          </a:p>
+        </p:txBody>
+      </p:sp>
+    </p:spTree>
+    <p:extLst>
+      <p:ext uri="{BB962C8B-B14F-4D97-AF65-F5344CB8AC3E}">
         <p14:creationId xmlns:p14="http://schemas.microsoft.com/office/powerpoint/2010/main" val="3823451817"/>
       </p:ext>
     </p:extLst>
@@ -44615,7 +45715,7 @@
 </p:sld>
 </file>
 
-<file path=ppt/slides/slide62.xml><?xml version="1.0" encoding="utf-8"?>
+<file path=ppt/slides/slide63.xml><?xml version="1.0" encoding="utf-8"?>
 <p:sld xmlns:a="http://schemas.openxmlformats.org/drawingml/2006/main" xmlns:r="http://schemas.openxmlformats.org/officeDocument/2006/relationships" xmlns:p="http://schemas.openxmlformats.org/presentationml/2006/main">
   <p:cSld>
     <p:spTree>
@@ -45194,484 +46294,6 @@
 </p:sld>
 </file>
 
-<file path=ppt/slides/slide63.xml><?xml version="1.0" encoding="utf-8"?>
-<p:sld xmlns:a="http://schemas.openxmlformats.org/drawingml/2006/main" xmlns:r="http://schemas.openxmlformats.org/officeDocument/2006/relationships" xmlns:p="http://schemas.openxmlformats.org/presentationml/2006/main">
-  <p:cSld>
-    <p:spTree>
-      <p:nvGrpSpPr>
-        <p:cNvPr id="1" name="Shape 88"/>
-        <p:cNvGrpSpPr/>
-        <p:nvPr/>
-      </p:nvGrpSpPr>
-      <p:grpSpPr>
-        <a:xfrm>
-          <a:off x="0" y="0"/>
-          <a:ext cx="0" cy="0"/>
-          <a:chOff x="0" y="0"/>
-          <a:chExt cx="0" cy="0"/>
-        </a:xfrm>
-      </p:grpSpPr>
-      <p:sp>
-        <p:nvSpPr>
-          <p:cNvPr id="89" name="Google Shape;89;p16"/>
-          <p:cNvSpPr txBox="1">
-            <a:spLocks noGrp="1"/>
-          </p:cNvSpPr>
-          <p:nvPr>
-            <p:ph type="body" idx="1"/>
-          </p:nvPr>
-        </p:nvSpPr>
-        <p:spPr>
-          <a:xfrm>
-            <a:off x="3649781" y="973018"/>
-            <a:ext cx="8136900" cy="5314200"/>
-          </a:xfrm>
-          <a:prstGeom prst="rect">
-            <a:avLst/>
-          </a:prstGeom>
-        </p:spPr>
-        <p:txBody>
-          <a:bodyPr spcFirstLastPara="1" wrap="square" lIns="91425" tIns="91425" rIns="91425" bIns="91425" anchor="t" anchorCtr="0">
-            <a:noAutofit/>
-          </a:bodyPr>
-          <a:lstStyle/>
-          <a:p>
-            <a:pPr marL="0" indent="0">
-              <a:lnSpc>
-                <a:spcPct val="115000"/>
-              </a:lnSpc>
-              <a:buClr>
-                <a:srgbClr val="000000"/>
-              </a:buClr>
-              <a:buSzPts val="1100"/>
-              <a:buNone/>
-            </a:pPr>
-            <a:r>
-              <a:rPr lang="en" sz="1900" dirty="0">
-                <a:solidFill>
-                  <a:schemeClr val="accent1"/>
-                </a:solidFill>
-              </a:rPr>
-              <a:t>A study is designed to test the effect of light level and noise level on exam performance of students. The researcher also believes that light and noise levels might have different effects on high and low income students, so wants to make sure both economic statuses are equally represented in each group. Which of the below is correct?</a:t>
-            </a:r>
-            <a:endParaRPr sz="1900" dirty="0">
-              <a:solidFill>
-                <a:schemeClr val="accent1"/>
-              </a:solidFill>
-            </a:endParaRPr>
-          </a:p>
-          <a:p>
-            <a:pPr marL="0" indent="0">
-              <a:lnSpc>
-                <a:spcPct val="115000"/>
-              </a:lnSpc>
-              <a:buClr>
-                <a:srgbClr val="000000"/>
-              </a:buClr>
-              <a:buSzPts val="1100"/>
-              <a:buNone/>
-            </a:pPr>
-            <a:endParaRPr sz="600" dirty="0">
-              <a:solidFill>
-                <a:srgbClr val="000000"/>
-              </a:solidFill>
-            </a:endParaRPr>
-          </a:p>
-          <a:p>
-            <a:pPr indent="-349250">
-              <a:lnSpc>
-                <a:spcPct val="115000"/>
-              </a:lnSpc>
-              <a:buClr>
-                <a:srgbClr val="000000"/>
-              </a:buClr>
-              <a:buSzPts val="1900"/>
-              <a:buAutoNum type="alphaUcPeriod"/>
-            </a:pPr>
-            <a:r>
-              <a:rPr lang="en" sz="1900" dirty="0">
-                <a:solidFill>
-                  <a:srgbClr val="000000"/>
-                </a:solidFill>
-              </a:rPr>
-              <a:t>There are 3 explanatory variables (light, noise, economic status) and 1 response variable (exam performance)</a:t>
-            </a:r>
-            <a:endParaRPr sz="1900" dirty="0">
-              <a:solidFill>
-                <a:srgbClr val="000000"/>
-              </a:solidFill>
-            </a:endParaRPr>
-          </a:p>
-          <a:p>
-            <a:pPr marL="0" indent="0">
-              <a:lnSpc>
-                <a:spcPct val="115000"/>
-              </a:lnSpc>
-              <a:buClr>
-                <a:srgbClr val="000000"/>
-              </a:buClr>
-              <a:buSzPts val="1100"/>
-              <a:buNone/>
-            </a:pPr>
-            <a:endParaRPr sz="600" dirty="0">
-              <a:solidFill>
-                <a:srgbClr val="000000"/>
-              </a:solidFill>
-            </a:endParaRPr>
-          </a:p>
-          <a:p>
-            <a:pPr indent="-349250">
-              <a:lnSpc>
-                <a:spcPct val="115000"/>
-              </a:lnSpc>
-              <a:buClr>
-                <a:srgbClr val="000000"/>
-              </a:buClr>
-              <a:buSzPts val="1900"/>
-              <a:buAutoNum type="alphaUcPeriod" startAt="2"/>
-            </a:pPr>
-            <a:r>
-              <a:rPr lang="en" sz="1900" dirty="0">
-                <a:solidFill>
-                  <a:srgbClr val="000000"/>
-                </a:solidFill>
-              </a:rPr>
-              <a:t>There are 2 explanatory variables (light and noise), 1 blocking variable (economic status), and 1 response variable (exam performance)</a:t>
-            </a:r>
-            <a:endParaRPr sz="1900" dirty="0">
-              <a:solidFill>
-                <a:srgbClr val="000000"/>
-              </a:solidFill>
-            </a:endParaRPr>
-          </a:p>
-          <a:p>
-            <a:pPr marL="0" indent="0">
-              <a:lnSpc>
-                <a:spcPct val="115000"/>
-              </a:lnSpc>
-              <a:buNone/>
-            </a:pPr>
-            <a:endParaRPr sz="600" dirty="0">
-              <a:solidFill>
-                <a:srgbClr val="000000"/>
-              </a:solidFill>
-            </a:endParaRPr>
-          </a:p>
-          <a:p>
-            <a:pPr indent="-349250">
-              <a:lnSpc>
-                <a:spcPct val="115000"/>
-              </a:lnSpc>
-              <a:buClr>
-                <a:srgbClr val="000000"/>
-              </a:buClr>
-              <a:buSzPts val="1900"/>
-              <a:buAutoNum type="alphaUcPeriod" startAt="3"/>
-            </a:pPr>
-            <a:r>
-              <a:rPr lang="en" sz="1900" dirty="0">
-                <a:solidFill>
-                  <a:srgbClr val="000000"/>
-                </a:solidFill>
-              </a:rPr>
-              <a:t>There is 1 explanatory variable (economic status) and 3 response variables (light, noise, exam performance)</a:t>
-            </a:r>
-            <a:endParaRPr sz="1900" dirty="0">
-              <a:solidFill>
-                <a:srgbClr val="000000"/>
-              </a:solidFill>
-            </a:endParaRPr>
-          </a:p>
-          <a:p>
-            <a:pPr marL="0" indent="0">
-              <a:lnSpc>
-                <a:spcPct val="115000"/>
-              </a:lnSpc>
-              <a:buNone/>
-            </a:pPr>
-            <a:endParaRPr sz="600" dirty="0">
-              <a:solidFill>
-                <a:srgbClr val="000000"/>
-              </a:solidFill>
-            </a:endParaRPr>
-          </a:p>
-          <a:p>
-            <a:pPr indent="-349250">
-              <a:lnSpc>
-                <a:spcPct val="115000"/>
-              </a:lnSpc>
-              <a:buClr>
-                <a:srgbClr val="000000"/>
-              </a:buClr>
-              <a:buSzPts val="1900"/>
-              <a:buAutoNum type="alphaUcPeriod" startAt="4"/>
-            </a:pPr>
-            <a:r>
-              <a:rPr lang="en" sz="1900" dirty="0">
-                <a:solidFill>
-                  <a:srgbClr val="000000"/>
-                </a:solidFill>
-              </a:rPr>
-              <a:t>There are 2 blocking variables (light and noise), 1 explanatory variable (economic status), and 1 response variable (exam performance)</a:t>
-            </a:r>
-            <a:endParaRPr sz="1900" dirty="0">
-              <a:solidFill>
-                <a:srgbClr val="000000"/>
-              </a:solidFill>
-            </a:endParaRPr>
-          </a:p>
-          <a:p>
-            <a:pPr marL="0" indent="0">
-              <a:lnSpc>
-                <a:spcPct val="115000"/>
-              </a:lnSpc>
-              <a:buNone/>
-            </a:pPr>
-            <a:endParaRPr sz="1900" dirty="0">
-              <a:solidFill>
-                <a:srgbClr val="000000"/>
-              </a:solidFill>
-            </a:endParaRPr>
-          </a:p>
-        </p:txBody>
-      </p:sp>
-      <p:sp>
-        <p:nvSpPr>
-          <p:cNvPr id="2" name="Title 1">
-            <a:extLst>
-              <a:ext uri="{FF2B5EF4-FFF2-40B4-BE49-F238E27FC236}">
-                <a16:creationId xmlns:a16="http://schemas.microsoft.com/office/drawing/2014/main" id="{EFAE1ED0-2F34-2CA1-AEBD-5A8CB66F56C4}"/>
-              </a:ext>
-            </a:extLst>
-          </p:cNvPr>
-          <p:cNvSpPr txBox="1">
-            <a:spLocks/>
-          </p:cNvSpPr>
-          <p:nvPr/>
-        </p:nvSpPr>
-        <p:spPr>
-          <a:xfrm>
-            <a:off x="405319" y="1276237"/>
-            <a:ext cx="2947482" cy="4601183"/>
-          </a:xfrm>
-          <a:prstGeom prst="rect">
-            <a:avLst/>
-          </a:prstGeom>
-          <a:noFill/>
-          <a:ln>
-            <a:noFill/>
-          </a:ln>
-        </p:spPr>
-        <p:txBody>
-          <a:bodyPr spcFirstLastPara="1" vert="horz" wrap="square" lIns="91425" tIns="91425" rIns="91425" bIns="91425" rtlCol="0" anchor="ctr" anchorCtr="0">
-            <a:noAutofit/>
-          </a:bodyPr>
-          <a:lstStyle>
-            <a:lvl1pPr lvl="0" algn="l" defTabSz="914400" rtl="0" eaLnBrk="1" latinLnBrk="0" hangingPunct="1">
-              <a:lnSpc>
-                <a:spcPct val="90000"/>
-              </a:lnSpc>
-              <a:spcBef>
-                <a:spcPts val="0"/>
-              </a:spcBef>
-              <a:spcAft>
-                <a:spcPts val="0"/>
-              </a:spcAft>
-              <a:buSzPts val="3600"/>
-              <a:buFont typeface="Arial"/>
-              <a:buNone/>
-              <a:defRPr sz="3600" b="1" kern="1200" spc="-60" baseline="0">
-                <a:solidFill>
-                  <a:schemeClr val="dk1"/>
-                </a:solidFill>
-                <a:latin typeface="Arial"/>
-                <a:ea typeface="Arial"/>
-                <a:cs typeface="Arial"/>
-                <a:sym typeface="Arial"/>
-              </a:defRPr>
-            </a:lvl1pPr>
-            <a:lvl2pPr lvl="1" algn="l" rtl="0">
-              <a:spcBef>
-                <a:spcPts val="0"/>
-              </a:spcBef>
-              <a:spcAft>
-                <a:spcPts val="0"/>
-              </a:spcAft>
-              <a:buSzPts val="3600"/>
-              <a:buFont typeface="Arial"/>
-              <a:buNone/>
-              <a:defRPr sz="3600" b="1">
-                <a:solidFill>
-                  <a:schemeClr val="dk1"/>
-                </a:solidFill>
-                <a:latin typeface="Arial"/>
-                <a:ea typeface="Arial"/>
-                <a:cs typeface="Arial"/>
-                <a:sym typeface="Arial"/>
-              </a:defRPr>
-            </a:lvl2pPr>
-            <a:lvl3pPr lvl="2" algn="l" rtl="0">
-              <a:spcBef>
-                <a:spcPts val="0"/>
-              </a:spcBef>
-              <a:spcAft>
-                <a:spcPts val="0"/>
-              </a:spcAft>
-              <a:buSzPts val="3600"/>
-              <a:buFont typeface="Arial"/>
-              <a:buNone/>
-              <a:defRPr sz="3600" b="1">
-                <a:solidFill>
-                  <a:schemeClr val="dk1"/>
-                </a:solidFill>
-                <a:latin typeface="Arial"/>
-                <a:ea typeface="Arial"/>
-                <a:cs typeface="Arial"/>
-                <a:sym typeface="Arial"/>
-              </a:defRPr>
-            </a:lvl3pPr>
-            <a:lvl4pPr lvl="3" algn="l" rtl="0">
-              <a:spcBef>
-                <a:spcPts val="0"/>
-              </a:spcBef>
-              <a:spcAft>
-                <a:spcPts val="0"/>
-              </a:spcAft>
-              <a:buSzPts val="3600"/>
-              <a:buFont typeface="Arial"/>
-              <a:buNone/>
-              <a:defRPr sz="3600" b="1">
-                <a:solidFill>
-                  <a:schemeClr val="dk1"/>
-                </a:solidFill>
-                <a:latin typeface="Arial"/>
-                <a:ea typeface="Arial"/>
-                <a:cs typeface="Arial"/>
-                <a:sym typeface="Arial"/>
-              </a:defRPr>
-            </a:lvl4pPr>
-            <a:lvl5pPr lvl="4" algn="l" rtl="0">
-              <a:spcBef>
-                <a:spcPts val="0"/>
-              </a:spcBef>
-              <a:spcAft>
-                <a:spcPts val="0"/>
-              </a:spcAft>
-              <a:buSzPts val="3600"/>
-              <a:buFont typeface="Arial"/>
-              <a:buNone/>
-              <a:defRPr sz="3600" b="1">
-                <a:solidFill>
-                  <a:schemeClr val="dk1"/>
-                </a:solidFill>
-                <a:latin typeface="Arial"/>
-                <a:ea typeface="Arial"/>
-                <a:cs typeface="Arial"/>
-                <a:sym typeface="Arial"/>
-              </a:defRPr>
-            </a:lvl5pPr>
-            <a:lvl6pPr lvl="5" algn="l" rtl="0">
-              <a:spcBef>
-                <a:spcPts val="0"/>
-              </a:spcBef>
-              <a:spcAft>
-                <a:spcPts val="0"/>
-              </a:spcAft>
-              <a:buSzPts val="3600"/>
-              <a:buFont typeface="Arial"/>
-              <a:buNone/>
-              <a:defRPr sz="3600" b="1">
-                <a:solidFill>
-                  <a:schemeClr val="dk1"/>
-                </a:solidFill>
-                <a:latin typeface="Arial"/>
-                <a:ea typeface="Arial"/>
-                <a:cs typeface="Arial"/>
-                <a:sym typeface="Arial"/>
-              </a:defRPr>
-            </a:lvl6pPr>
-            <a:lvl7pPr lvl="6" algn="l" rtl="0">
-              <a:spcBef>
-                <a:spcPts val="0"/>
-              </a:spcBef>
-              <a:spcAft>
-                <a:spcPts val="0"/>
-              </a:spcAft>
-              <a:buSzPts val="3600"/>
-              <a:buFont typeface="Arial"/>
-              <a:buNone/>
-              <a:defRPr sz="3600" b="1">
-                <a:solidFill>
-                  <a:schemeClr val="dk1"/>
-                </a:solidFill>
-                <a:latin typeface="Arial"/>
-                <a:ea typeface="Arial"/>
-                <a:cs typeface="Arial"/>
-                <a:sym typeface="Arial"/>
-              </a:defRPr>
-            </a:lvl7pPr>
-            <a:lvl8pPr lvl="7" algn="l" rtl="0">
-              <a:spcBef>
-                <a:spcPts val="0"/>
-              </a:spcBef>
-              <a:spcAft>
-                <a:spcPts val="0"/>
-              </a:spcAft>
-              <a:buSzPts val="3600"/>
-              <a:buFont typeface="Arial"/>
-              <a:buNone/>
-              <a:defRPr sz="3600" b="1">
-                <a:solidFill>
-                  <a:schemeClr val="dk1"/>
-                </a:solidFill>
-                <a:latin typeface="Arial"/>
-                <a:ea typeface="Arial"/>
-                <a:cs typeface="Arial"/>
-                <a:sym typeface="Arial"/>
-              </a:defRPr>
-            </a:lvl8pPr>
-            <a:lvl9pPr lvl="8" algn="l" rtl="0">
-              <a:spcBef>
-                <a:spcPts val="0"/>
-              </a:spcBef>
-              <a:spcAft>
-                <a:spcPts val="0"/>
-              </a:spcAft>
-              <a:buSzPts val="3600"/>
-              <a:buFont typeface="Arial"/>
-              <a:buNone/>
-              <a:defRPr sz="3600" b="1">
-                <a:solidFill>
-                  <a:schemeClr val="dk1"/>
-                </a:solidFill>
-                <a:latin typeface="Arial"/>
-                <a:ea typeface="Arial"/>
-                <a:cs typeface="Arial"/>
-                <a:sym typeface="Arial"/>
-              </a:defRPr>
-            </a:lvl9pPr>
-          </a:lstStyle>
-          <a:p>
-            <a:r>
-              <a:rPr lang="en-US" b="0" dirty="0">
-                <a:solidFill>
-                  <a:schemeClr val="bg1"/>
-                </a:solidFill>
-                <a:latin typeface="+mj-lt"/>
-              </a:rPr>
-              <a:t>Practice</a:t>
-            </a:r>
-          </a:p>
-        </p:txBody>
-      </p:sp>
-    </p:spTree>
-  </p:cSld>
-  <p:clrMapOvr>
-    <a:masterClrMapping/>
-  </p:clrMapOvr>
-</p:sld>
-</file>
-
 <file path=ppt/slides/slide64.xml><?xml version="1.0" encoding="utf-8"?>
 <p:sld xmlns:a="http://schemas.openxmlformats.org/drawingml/2006/main" xmlns:r="http://schemas.openxmlformats.org/officeDocument/2006/relationships" xmlns:p="http://schemas.openxmlformats.org/presentationml/2006/main">
   <p:cSld>
@@ -45811,14 +46433,14 @@
             <a:r>
               <a:rPr lang="en" sz="1900" dirty="0">
                 <a:solidFill>
-                  <a:srgbClr val="FFC000"/>
+                  <a:srgbClr val="000000"/>
                 </a:solidFill>
               </a:rPr>
               <a:t>There are 2 explanatory variables (light and noise), 1 blocking variable (economic status), and 1 response variable (exam performance)</a:t>
             </a:r>
             <a:endParaRPr sz="1900" dirty="0">
               <a:solidFill>
-                <a:srgbClr val="FFC000"/>
+                <a:srgbClr val="000000"/>
               </a:solidFill>
             </a:endParaRPr>
           </a:p>
@@ -46137,6 +46759,484 @@
                 </a:solidFill>
                 <a:latin typeface="+mj-lt"/>
               </a:rPr>
+              <a:t>Practice</a:t>
+            </a:r>
+          </a:p>
+        </p:txBody>
+      </p:sp>
+    </p:spTree>
+  </p:cSld>
+  <p:clrMapOvr>
+    <a:masterClrMapping/>
+  </p:clrMapOvr>
+</p:sld>
+</file>
+
+<file path=ppt/slides/slide65.xml><?xml version="1.0" encoding="utf-8"?>
+<p:sld xmlns:a="http://schemas.openxmlformats.org/drawingml/2006/main" xmlns:r="http://schemas.openxmlformats.org/officeDocument/2006/relationships" xmlns:p="http://schemas.openxmlformats.org/presentationml/2006/main">
+  <p:cSld>
+    <p:spTree>
+      <p:nvGrpSpPr>
+        <p:cNvPr id="1" name="Shape 88"/>
+        <p:cNvGrpSpPr/>
+        <p:nvPr/>
+      </p:nvGrpSpPr>
+      <p:grpSpPr>
+        <a:xfrm>
+          <a:off x="0" y="0"/>
+          <a:ext cx="0" cy="0"/>
+          <a:chOff x="0" y="0"/>
+          <a:chExt cx="0" cy="0"/>
+        </a:xfrm>
+      </p:grpSpPr>
+      <p:sp>
+        <p:nvSpPr>
+          <p:cNvPr id="89" name="Google Shape;89;p16"/>
+          <p:cNvSpPr txBox="1">
+            <a:spLocks noGrp="1"/>
+          </p:cNvSpPr>
+          <p:nvPr>
+            <p:ph type="body" idx="1"/>
+          </p:nvPr>
+        </p:nvSpPr>
+        <p:spPr>
+          <a:xfrm>
+            <a:off x="3649781" y="973018"/>
+            <a:ext cx="8136900" cy="5314200"/>
+          </a:xfrm>
+          <a:prstGeom prst="rect">
+            <a:avLst/>
+          </a:prstGeom>
+        </p:spPr>
+        <p:txBody>
+          <a:bodyPr spcFirstLastPara="1" wrap="square" lIns="91425" tIns="91425" rIns="91425" bIns="91425" anchor="t" anchorCtr="0">
+            <a:noAutofit/>
+          </a:bodyPr>
+          <a:lstStyle/>
+          <a:p>
+            <a:pPr marL="0" indent="0">
+              <a:lnSpc>
+                <a:spcPct val="115000"/>
+              </a:lnSpc>
+              <a:buClr>
+                <a:srgbClr val="000000"/>
+              </a:buClr>
+              <a:buSzPts val="1100"/>
+              <a:buNone/>
+            </a:pPr>
+            <a:r>
+              <a:rPr lang="en" sz="1900" dirty="0">
+                <a:solidFill>
+                  <a:schemeClr val="accent1"/>
+                </a:solidFill>
+              </a:rPr>
+              <a:t>A study is designed to test the effect of light level and noise level on exam performance of students. The researcher also believes that light and noise levels might have different effects on high and low income students, so wants to make sure both economic statuses are equally represented in each group. Which of the below is correct?</a:t>
+            </a:r>
+            <a:endParaRPr sz="1900" dirty="0">
+              <a:solidFill>
+                <a:schemeClr val="accent1"/>
+              </a:solidFill>
+            </a:endParaRPr>
+          </a:p>
+          <a:p>
+            <a:pPr marL="0" indent="0">
+              <a:lnSpc>
+                <a:spcPct val="115000"/>
+              </a:lnSpc>
+              <a:buClr>
+                <a:srgbClr val="000000"/>
+              </a:buClr>
+              <a:buSzPts val="1100"/>
+              <a:buNone/>
+            </a:pPr>
+            <a:endParaRPr sz="600" dirty="0">
+              <a:solidFill>
+                <a:srgbClr val="000000"/>
+              </a:solidFill>
+            </a:endParaRPr>
+          </a:p>
+          <a:p>
+            <a:pPr indent="-349250">
+              <a:lnSpc>
+                <a:spcPct val="115000"/>
+              </a:lnSpc>
+              <a:buClr>
+                <a:srgbClr val="000000"/>
+              </a:buClr>
+              <a:buSzPts val="1900"/>
+              <a:buAutoNum type="alphaUcPeriod"/>
+            </a:pPr>
+            <a:r>
+              <a:rPr lang="en" sz="1900" dirty="0">
+                <a:solidFill>
+                  <a:srgbClr val="000000"/>
+                </a:solidFill>
+              </a:rPr>
+              <a:t>There are 3 explanatory variables (light, noise, economic status) and 1 response variable (exam performance)</a:t>
+            </a:r>
+            <a:endParaRPr sz="1900" dirty="0">
+              <a:solidFill>
+                <a:srgbClr val="000000"/>
+              </a:solidFill>
+            </a:endParaRPr>
+          </a:p>
+          <a:p>
+            <a:pPr marL="0" indent="0">
+              <a:lnSpc>
+                <a:spcPct val="115000"/>
+              </a:lnSpc>
+              <a:buClr>
+                <a:srgbClr val="000000"/>
+              </a:buClr>
+              <a:buSzPts val="1100"/>
+              <a:buNone/>
+            </a:pPr>
+            <a:endParaRPr sz="600" dirty="0">
+              <a:solidFill>
+                <a:srgbClr val="000000"/>
+              </a:solidFill>
+            </a:endParaRPr>
+          </a:p>
+          <a:p>
+            <a:pPr indent="-349250">
+              <a:lnSpc>
+                <a:spcPct val="115000"/>
+              </a:lnSpc>
+              <a:buClr>
+                <a:srgbClr val="000000"/>
+              </a:buClr>
+              <a:buSzPts val="1900"/>
+              <a:buAutoNum type="alphaUcPeriod" startAt="2"/>
+            </a:pPr>
+            <a:r>
+              <a:rPr lang="en" sz="1900" dirty="0">
+                <a:solidFill>
+                  <a:srgbClr val="FFC000"/>
+                </a:solidFill>
+              </a:rPr>
+              <a:t>There are 2 explanatory variables (light and noise), 1 blocking variable (economic status), and 1 response variable (exam performance)</a:t>
+            </a:r>
+            <a:endParaRPr sz="1900" dirty="0">
+              <a:solidFill>
+                <a:srgbClr val="FFC000"/>
+              </a:solidFill>
+            </a:endParaRPr>
+          </a:p>
+          <a:p>
+            <a:pPr marL="0" indent="0">
+              <a:lnSpc>
+                <a:spcPct val="115000"/>
+              </a:lnSpc>
+              <a:buNone/>
+            </a:pPr>
+            <a:endParaRPr sz="600" dirty="0">
+              <a:solidFill>
+                <a:srgbClr val="000000"/>
+              </a:solidFill>
+            </a:endParaRPr>
+          </a:p>
+          <a:p>
+            <a:pPr indent="-349250">
+              <a:lnSpc>
+                <a:spcPct val="115000"/>
+              </a:lnSpc>
+              <a:buClr>
+                <a:srgbClr val="000000"/>
+              </a:buClr>
+              <a:buSzPts val="1900"/>
+              <a:buAutoNum type="alphaUcPeriod" startAt="3"/>
+            </a:pPr>
+            <a:r>
+              <a:rPr lang="en" sz="1900" dirty="0">
+                <a:solidFill>
+                  <a:srgbClr val="000000"/>
+                </a:solidFill>
+              </a:rPr>
+              <a:t>There is 1 explanatory variable (economic status) and 3 response variables (light, noise, exam performance)</a:t>
+            </a:r>
+            <a:endParaRPr sz="1900" dirty="0">
+              <a:solidFill>
+                <a:srgbClr val="000000"/>
+              </a:solidFill>
+            </a:endParaRPr>
+          </a:p>
+          <a:p>
+            <a:pPr marL="0" indent="0">
+              <a:lnSpc>
+                <a:spcPct val="115000"/>
+              </a:lnSpc>
+              <a:buNone/>
+            </a:pPr>
+            <a:endParaRPr sz="600" dirty="0">
+              <a:solidFill>
+                <a:srgbClr val="000000"/>
+              </a:solidFill>
+            </a:endParaRPr>
+          </a:p>
+          <a:p>
+            <a:pPr indent="-349250">
+              <a:lnSpc>
+                <a:spcPct val="115000"/>
+              </a:lnSpc>
+              <a:buClr>
+                <a:srgbClr val="000000"/>
+              </a:buClr>
+              <a:buSzPts val="1900"/>
+              <a:buAutoNum type="alphaUcPeriod" startAt="4"/>
+            </a:pPr>
+            <a:r>
+              <a:rPr lang="en" sz="1900" dirty="0">
+                <a:solidFill>
+                  <a:srgbClr val="000000"/>
+                </a:solidFill>
+              </a:rPr>
+              <a:t>There are 2 blocking variables (light and noise), 1 explanatory variable (economic status), and 1 response variable (exam performance)</a:t>
+            </a:r>
+            <a:endParaRPr sz="1900" dirty="0">
+              <a:solidFill>
+                <a:srgbClr val="000000"/>
+              </a:solidFill>
+            </a:endParaRPr>
+          </a:p>
+          <a:p>
+            <a:pPr marL="0" indent="0">
+              <a:lnSpc>
+                <a:spcPct val="115000"/>
+              </a:lnSpc>
+              <a:buNone/>
+            </a:pPr>
+            <a:endParaRPr sz="1900" dirty="0">
+              <a:solidFill>
+                <a:srgbClr val="000000"/>
+              </a:solidFill>
+            </a:endParaRPr>
+          </a:p>
+        </p:txBody>
+      </p:sp>
+      <p:sp>
+        <p:nvSpPr>
+          <p:cNvPr id="2" name="Title 1">
+            <a:extLst>
+              <a:ext uri="{FF2B5EF4-FFF2-40B4-BE49-F238E27FC236}">
+                <a16:creationId xmlns:a16="http://schemas.microsoft.com/office/drawing/2014/main" id="{EFAE1ED0-2F34-2CA1-AEBD-5A8CB66F56C4}"/>
+              </a:ext>
+            </a:extLst>
+          </p:cNvPr>
+          <p:cNvSpPr txBox="1">
+            <a:spLocks/>
+          </p:cNvSpPr>
+          <p:nvPr/>
+        </p:nvSpPr>
+        <p:spPr>
+          <a:xfrm>
+            <a:off x="405319" y="1276237"/>
+            <a:ext cx="2947482" cy="4601183"/>
+          </a:xfrm>
+          <a:prstGeom prst="rect">
+            <a:avLst/>
+          </a:prstGeom>
+          <a:noFill/>
+          <a:ln>
+            <a:noFill/>
+          </a:ln>
+        </p:spPr>
+        <p:txBody>
+          <a:bodyPr spcFirstLastPara="1" vert="horz" wrap="square" lIns="91425" tIns="91425" rIns="91425" bIns="91425" rtlCol="0" anchor="ctr" anchorCtr="0">
+            <a:noAutofit/>
+          </a:bodyPr>
+          <a:lstStyle>
+            <a:lvl1pPr lvl="0" algn="l" defTabSz="914400" rtl="0" eaLnBrk="1" latinLnBrk="0" hangingPunct="1">
+              <a:lnSpc>
+                <a:spcPct val="90000"/>
+              </a:lnSpc>
+              <a:spcBef>
+                <a:spcPts val="0"/>
+              </a:spcBef>
+              <a:spcAft>
+                <a:spcPts val="0"/>
+              </a:spcAft>
+              <a:buSzPts val="3600"/>
+              <a:buFont typeface="Arial"/>
+              <a:buNone/>
+              <a:defRPr sz="3600" b="1" kern="1200" spc="-60" baseline="0">
+                <a:solidFill>
+                  <a:schemeClr val="dk1"/>
+                </a:solidFill>
+                <a:latin typeface="Arial"/>
+                <a:ea typeface="Arial"/>
+                <a:cs typeface="Arial"/>
+                <a:sym typeface="Arial"/>
+              </a:defRPr>
+            </a:lvl1pPr>
+            <a:lvl2pPr lvl="1" algn="l" rtl="0">
+              <a:spcBef>
+                <a:spcPts val="0"/>
+              </a:spcBef>
+              <a:spcAft>
+                <a:spcPts val="0"/>
+              </a:spcAft>
+              <a:buSzPts val="3600"/>
+              <a:buFont typeface="Arial"/>
+              <a:buNone/>
+              <a:defRPr sz="3600" b="1">
+                <a:solidFill>
+                  <a:schemeClr val="dk1"/>
+                </a:solidFill>
+                <a:latin typeface="Arial"/>
+                <a:ea typeface="Arial"/>
+                <a:cs typeface="Arial"/>
+                <a:sym typeface="Arial"/>
+              </a:defRPr>
+            </a:lvl2pPr>
+            <a:lvl3pPr lvl="2" algn="l" rtl="0">
+              <a:spcBef>
+                <a:spcPts val="0"/>
+              </a:spcBef>
+              <a:spcAft>
+                <a:spcPts val="0"/>
+              </a:spcAft>
+              <a:buSzPts val="3600"/>
+              <a:buFont typeface="Arial"/>
+              <a:buNone/>
+              <a:defRPr sz="3600" b="1">
+                <a:solidFill>
+                  <a:schemeClr val="dk1"/>
+                </a:solidFill>
+                <a:latin typeface="Arial"/>
+                <a:ea typeface="Arial"/>
+                <a:cs typeface="Arial"/>
+                <a:sym typeface="Arial"/>
+              </a:defRPr>
+            </a:lvl3pPr>
+            <a:lvl4pPr lvl="3" algn="l" rtl="0">
+              <a:spcBef>
+                <a:spcPts val="0"/>
+              </a:spcBef>
+              <a:spcAft>
+                <a:spcPts val="0"/>
+              </a:spcAft>
+              <a:buSzPts val="3600"/>
+              <a:buFont typeface="Arial"/>
+              <a:buNone/>
+              <a:defRPr sz="3600" b="1">
+                <a:solidFill>
+                  <a:schemeClr val="dk1"/>
+                </a:solidFill>
+                <a:latin typeface="Arial"/>
+                <a:ea typeface="Arial"/>
+                <a:cs typeface="Arial"/>
+                <a:sym typeface="Arial"/>
+              </a:defRPr>
+            </a:lvl4pPr>
+            <a:lvl5pPr lvl="4" algn="l" rtl="0">
+              <a:spcBef>
+                <a:spcPts val="0"/>
+              </a:spcBef>
+              <a:spcAft>
+                <a:spcPts val="0"/>
+              </a:spcAft>
+              <a:buSzPts val="3600"/>
+              <a:buFont typeface="Arial"/>
+              <a:buNone/>
+              <a:defRPr sz="3600" b="1">
+                <a:solidFill>
+                  <a:schemeClr val="dk1"/>
+                </a:solidFill>
+                <a:latin typeface="Arial"/>
+                <a:ea typeface="Arial"/>
+                <a:cs typeface="Arial"/>
+                <a:sym typeface="Arial"/>
+              </a:defRPr>
+            </a:lvl5pPr>
+            <a:lvl6pPr lvl="5" algn="l" rtl="0">
+              <a:spcBef>
+                <a:spcPts val="0"/>
+              </a:spcBef>
+              <a:spcAft>
+                <a:spcPts val="0"/>
+              </a:spcAft>
+              <a:buSzPts val="3600"/>
+              <a:buFont typeface="Arial"/>
+              <a:buNone/>
+              <a:defRPr sz="3600" b="1">
+                <a:solidFill>
+                  <a:schemeClr val="dk1"/>
+                </a:solidFill>
+                <a:latin typeface="Arial"/>
+                <a:ea typeface="Arial"/>
+                <a:cs typeface="Arial"/>
+                <a:sym typeface="Arial"/>
+              </a:defRPr>
+            </a:lvl6pPr>
+            <a:lvl7pPr lvl="6" algn="l" rtl="0">
+              <a:spcBef>
+                <a:spcPts val="0"/>
+              </a:spcBef>
+              <a:spcAft>
+                <a:spcPts val="0"/>
+              </a:spcAft>
+              <a:buSzPts val="3600"/>
+              <a:buFont typeface="Arial"/>
+              <a:buNone/>
+              <a:defRPr sz="3600" b="1">
+                <a:solidFill>
+                  <a:schemeClr val="dk1"/>
+                </a:solidFill>
+                <a:latin typeface="Arial"/>
+                <a:ea typeface="Arial"/>
+                <a:cs typeface="Arial"/>
+                <a:sym typeface="Arial"/>
+              </a:defRPr>
+            </a:lvl7pPr>
+            <a:lvl8pPr lvl="7" algn="l" rtl="0">
+              <a:spcBef>
+                <a:spcPts val="0"/>
+              </a:spcBef>
+              <a:spcAft>
+                <a:spcPts val="0"/>
+              </a:spcAft>
+              <a:buSzPts val="3600"/>
+              <a:buFont typeface="Arial"/>
+              <a:buNone/>
+              <a:defRPr sz="3600" b="1">
+                <a:solidFill>
+                  <a:schemeClr val="dk1"/>
+                </a:solidFill>
+                <a:latin typeface="Arial"/>
+                <a:ea typeface="Arial"/>
+                <a:cs typeface="Arial"/>
+                <a:sym typeface="Arial"/>
+              </a:defRPr>
+            </a:lvl8pPr>
+            <a:lvl9pPr lvl="8" algn="l" rtl="0">
+              <a:spcBef>
+                <a:spcPts val="0"/>
+              </a:spcBef>
+              <a:spcAft>
+                <a:spcPts val="0"/>
+              </a:spcAft>
+              <a:buSzPts val="3600"/>
+              <a:buFont typeface="Arial"/>
+              <a:buNone/>
+              <a:defRPr sz="3600" b="1">
+                <a:solidFill>
+                  <a:schemeClr val="dk1"/>
+                </a:solidFill>
+                <a:latin typeface="Arial"/>
+                <a:ea typeface="Arial"/>
+                <a:cs typeface="Arial"/>
+                <a:sym typeface="Arial"/>
+              </a:defRPr>
+            </a:lvl9pPr>
+          </a:lstStyle>
+          <a:p>
+            <a:r>
+              <a:rPr lang="en-US" b="0" dirty="0">
+                <a:solidFill>
+                  <a:schemeClr val="bg1"/>
+                </a:solidFill>
+                <a:latin typeface="+mj-lt"/>
+              </a:rPr>
               <a:t>Experiment Design</a:t>
             </a:r>
           </a:p>
@@ -46155,7 +47255,7 @@
 </p:sld>
 </file>
 
-<file path=ppt/slides/slide65.xml><?xml version="1.0" encoding="utf-8"?>
+<file path=ppt/slides/slide66.xml><?xml version="1.0" encoding="utf-8"?>
 <p:sld xmlns:a="http://schemas.openxmlformats.org/drawingml/2006/main" xmlns:r="http://schemas.openxmlformats.org/officeDocument/2006/relationships" xmlns:p="http://schemas.openxmlformats.org/presentationml/2006/main">
   <p:cSld>
     <p:spTree>
@@ -46598,7 +47698,7 @@
 </p:sld>
 </file>
 
-<file path=ppt/slides/slide66.xml><?xml version="1.0" encoding="utf-8"?>
+<file path=ppt/slides/slide67.xml><?xml version="1.0" encoding="utf-8"?>
 <p:sld xmlns:a="http://schemas.openxmlformats.org/drawingml/2006/main" xmlns:r="http://schemas.openxmlformats.org/officeDocument/2006/relationships" xmlns:p="http://schemas.openxmlformats.org/presentationml/2006/main">
   <p:cSld>
     <p:spTree>
@@ -47086,7 +48186,7 @@
 </p:sld>
 </file>
 
-<file path=ppt/slides/slide67.xml><?xml version="1.0" encoding="utf-8"?>
+<file path=ppt/slides/slide68.xml><?xml version="1.0" encoding="utf-8"?>
 <p:sld xmlns:a="http://schemas.openxmlformats.org/drawingml/2006/main" xmlns:r="http://schemas.openxmlformats.org/officeDocument/2006/relationships" xmlns:p="http://schemas.openxmlformats.org/presentationml/2006/main">
   <p:cSld>
     <p:spTree>
@@ -47424,7 +48524,7 @@
 </p:sld>
 </file>
 
-<file path=ppt/slides/slide68.xml><?xml version="1.0" encoding="utf-8"?>
+<file path=ppt/slides/slide69.xml><?xml version="1.0" encoding="utf-8"?>
 <p:sld xmlns:a="http://schemas.openxmlformats.org/drawingml/2006/main" xmlns:r="http://schemas.openxmlformats.org/officeDocument/2006/relationships" xmlns:p="http://schemas.openxmlformats.org/presentationml/2006/main">
   <p:cSld>
     <p:spTree>
